--- a/KDD-2024/Slides/part1_Introduction.pptx
+++ b/KDD-2024/Slides/part1_Introduction.pptx
@@ -2766,7 +2766,7 @@
           <a:p>
             <a:fld id="{A208CC58-AEBA-4B81-AD4F-648E402612BD}" type="datetimeFigureOut">
               <a:rPr lang="en-GB" smtClean="0"/>
-              <a:t>16/08/2024</a:t>
+              <a:t>21/08/2024</a:t>
             </a:fld>
             <a:endParaRPr lang="en-GB"/>
           </a:p>
@@ -3436,7 +3436,7 @@
           <a:p>
             <a:fld id="{EDEC158B-FB0A-43FC-87BA-79B801717EB2}" type="datetimeFigureOut">
               <a:rPr lang="en-AU" smtClean="0"/>
-              <a:t>16/08/2024</a:t>
+              <a:t>21/08/2024</a:t>
             </a:fld>
             <a:endParaRPr lang="en-AU"/>
           </a:p>
@@ -3636,7 +3636,7 @@
           <a:p>
             <a:fld id="{EDEC158B-FB0A-43FC-87BA-79B801717EB2}" type="datetimeFigureOut">
               <a:rPr lang="en-AU" smtClean="0"/>
-              <a:t>16/08/2024</a:t>
+              <a:t>21/08/2024</a:t>
             </a:fld>
             <a:endParaRPr lang="en-AU"/>
           </a:p>
@@ -3846,7 +3846,7 @@
           <a:p>
             <a:fld id="{EDEC158B-FB0A-43FC-87BA-79B801717EB2}" type="datetimeFigureOut">
               <a:rPr lang="en-AU" smtClean="0"/>
-              <a:t>16/08/2024</a:t>
+              <a:t>21/08/2024</a:t>
             </a:fld>
             <a:endParaRPr lang="en-AU"/>
           </a:p>
@@ -4880,7 +4880,7 @@
           <a:p>
             <a:fld id="{EDEC158B-FB0A-43FC-87BA-79B801717EB2}" type="datetimeFigureOut">
               <a:rPr lang="en-AU" smtClean="0"/>
-              <a:t>16/08/2024</a:t>
+              <a:t>21/08/2024</a:t>
             </a:fld>
             <a:endParaRPr lang="en-AU"/>
           </a:p>
@@ -5156,7 +5156,7 @@
           <a:p>
             <a:fld id="{EDEC158B-FB0A-43FC-87BA-79B801717EB2}" type="datetimeFigureOut">
               <a:rPr lang="en-AU" smtClean="0"/>
-              <a:t>16/08/2024</a:t>
+              <a:t>21/08/2024</a:t>
             </a:fld>
             <a:endParaRPr lang="en-AU"/>
           </a:p>
@@ -5424,7 +5424,7 @@
           <a:p>
             <a:fld id="{EDEC158B-FB0A-43FC-87BA-79B801717EB2}" type="datetimeFigureOut">
               <a:rPr lang="en-AU" smtClean="0"/>
-              <a:t>16/08/2024</a:t>
+              <a:t>21/08/2024</a:t>
             </a:fld>
             <a:endParaRPr lang="en-AU"/>
           </a:p>
@@ -5839,7 +5839,7 @@
           <a:p>
             <a:fld id="{EDEC158B-FB0A-43FC-87BA-79B801717EB2}" type="datetimeFigureOut">
               <a:rPr lang="en-AU" smtClean="0"/>
-              <a:t>16/08/2024</a:t>
+              <a:t>21/08/2024</a:t>
             </a:fld>
             <a:endParaRPr lang="en-AU"/>
           </a:p>
@@ -5981,7 +5981,7 @@
           <a:p>
             <a:fld id="{EDEC158B-FB0A-43FC-87BA-79B801717EB2}" type="datetimeFigureOut">
               <a:rPr lang="en-AU" smtClean="0"/>
-              <a:t>16/08/2024</a:t>
+              <a:t>21/08/2024</a:t>
             </a:fld>
             <a:endParaRPr lang="en-AU"/>
           </a:p>
@@ -6094,7 +6094,7 @@
           <a:p>
             <a:fld id="{EDEC158B-FB0A-43FC-87BA-79B801717EB2}" type="datetimeFigureOut">
               <a:rPr lang="en-AU" smtClean="0"/>
-              <a:t>16/08/2024</a:t>
+              <a:t>21/08/2024</a:t>
             </a:fld>
             <a:endParaRPr lang="en-AU"/>
           </a:p>
@@ -6407,7 +6407,7 @@
           <a:p>
             <a:fld id="{EDEC158B-FB0A-43FC-87BA-79B801717EB2}" type="datetimeFigureOut">
               <a:rPr lang="en-AU" smtClean="0"/>
-              <a:t>16/08/2024</a:t>
+              <a:t>21/08/2024</a:t>
             </a:fld>
             <a:endParaRPr lang="en-AU"/>
           </a:p>
@@ -6696,7 +6696,7 @@
           <a:p>
             <a:fld id="{EDEC158B-FB0A-43FC-87BA-79B801717EB2}" type="datetimeFigureOut">
               <a:rPr lang="en-AU" smtClean="0"/>
-              <a:t>16/08/2024</a:t>
+              <a:t>21/08/2024</a:t>
             </a:fld>
             <a:endParaRPr lang="en-AU"/>
           </a:p>
@@ -6939,7 +6939,7 @@
           <a:p>
             <a:fld id="{EDEC158B-FB0A-43FC-87BA-79B801717EB2}" type="datetimeFigureOut">
               <a:rPr lang="en-AU" smtClean="0"/>
-              <a:t>16/08/2024</a:t>
+              <a:t>21/08/2024</a:t>
             </a:fld>
             <a:endParaRPr lang="en-AU"/>
           </a:p>
@@ -20691,7 +20691,7 @@
               <a:rPr lang="en-GB" dirty="0">
                 <a:hlinkClick r:id="rId3"/>
               </a:rPr>
-              <a:t>https://github.com/aeon-toolkit/aeon-tutorials/blob/main/KDD-2024/Notebooks/part1_Introduction.ipynb</a:t>
+              <a:t>https://github.com/aeon-toolkit/aeon-tutorials/blob/main/KDD-2024/Notebooks/part1_introduction.ipynb</a:t>
             </a:r>
             <a:endParaRPr lang="en-GB" dirty="0"/>
           </a:p>
@@ -21620,6 +21620,36 @@
           </a:p>
         </p:txBody>
       </p:sp>
+      <p:pic>
+        <p:nvPicPr>
+          <p:cNvPr id="8" name="Picture 7">
+            <a:extLst>
+              <a:ext uri="{FF2B5EF4-FFF2-40B4-BE49-F238E27FC236}">
+                <a16:creationId xmlns:a16="http://schemas.microsoft.com/office/drawing/2014/main" id="{1133383E-C77E-AB65-5A09-EAB0E1E03E83}"/>
+              </a:ext>
+            </a:extLst>
+          </p:cNvPr>
+          <p:cNvPicPr>
+            <a:picLocks noChangeAspect="1"/>
+          </p:cNvPicPr>
+          <p:nvPr/>
+        </p:nvPicPr>
+        <p:blipFill>
+          <a:blip r:embed="rId4"/>
+          <a:stretch>
+            <a:fillRect/>
+          </a:stretch>
+        </p:blipFill>
+        <p:spPr>
+          <a:xfrm>
+            <a:off x="9140060" y="3532880"/>
+            <a:ext cx="2686425" cy="2724530"/>
+          </a:xfrm>
+          <a:prstGeom prst="rect">
+            <a:avLst/>
+          </a:prstGeom>
+        </p:spPr>
+      </p:pic>
     </p:spTree>
     <p:extLst>
       <p:ext uri="{BB962C8B-B14F-4D97-AF65-F5344CB8AC3E}">

--- a/KDD-2024/Slides/part1_Introduction.pptx
+++ b/KDD-2024/Slides/part1_Introduction.pptx
@@ -9503,7 +9503,7 @@
                 <a:effectLst/>
                 <a:latin typeface="Open Sans" panose="020B0606030504020204" pitchFamily="34" charset="0"/>
               </a:rPr>
-              <a:t>Conclusion and future </a:t>
+              <a:t>Conclusion, future </a:t>
             </a:r>
             <a:r>
               <a:rPr lang="en-GB" dirty="0">
@@ -9522,44 +9522,9 @@
                 <a:effectLst/>
                 <a:latin typeface="Open Sans" panose="020B0606030504020204" pitchFamily="34" charset="0"/>
               </a:rPr>
-              <a:t>utlook</a:t>
+              <a:t>utlook and Q&amp;A</a:t>
             </a:r>
             <a:endParaRPr lang="en-GB" dirty="0"/>
-          </a:p>
-        </p:txBody>
-      </p:sp>
-      <p:sp>
-        <p:nvSpPr>
-          <p:cNvPr id="69" name="TextBox 68">
-            <a:extLst>
-              <a:ext uri="{FF2B5EF4-FFF2-40B4-BE49-F238E27FC236}">
-                <a16:creationId xmlns:a16="http://schemas.microsoft.com/office/drawing/2014/main" id="{8A9161EC-CE4E-8092-12CD-9101EE34DBF0}"/>
-              </a:ext>
-            </a:extLst>
-          </p:cNvPr>
-          <p:cNvSpPr txBox="1"/>
-          <p:nvPr/>
-        </p:nvSpPr>
-        <p:spPr>
-          <a:xfrm>
-            <a:off x="5804569" y="5815512"/>
-            <a:ext cx="940311" cy="369332"/>
-          </a:xfrm>
-          <a:prstGeom prst="rect">
-            <a:avLst/>
-          </a:prstGeom>
-          <a:noFill/>
-        </p:spPr>
-        <p:txBody>
-          <a:bodyPr wrap="square">
-            <a:spAutoFit/>
-          </a:bodyPr>
-          <a:lstStyle/>
-          <a:p>
-            <a:r>
-              <a:rPr lang="en-GB" dirty="0"/>
-              <a:t>Q&amp;A</a:t>
-            </a:r>
           </a:p>
         </p:txBody>
       </p:sp>
@@ -9688,52 +9653,6 @@
           </a:prstGeom>
         </p:spPr>
       </p:pic>
-      <p:sp>
-        <p:nvSpPr>
-          <p:cNvPr id="74" name="TextBox 73">
-            <a:extLst>
-              <a:ext uri="{FF2B5EF4-FFF2-40B4-BE49-F238E27FC236}">
-                <a16:creationId xmlns:a16="http://schemas.microsoft.com/office/drawing/2014/main" id="{E92DBCFE-95EE-2599-32A4-F08BF400398B}"/>
-              </a:ext>
-            </a:extLst>
-          </p:cNvPr>
-          <p:cNvSpPr txBox="1"/>
-          <p:nvPr/>
-        </p:nvSpPr>
-        <p:spPr>
-          <a:xfrm>
-            <a:off x="5472513" y="6215665"/>
-            <a:ext cx="1604421" cy="369332"/>
-          </a:xfrm>
-          <a:prstGeom prst="rect">
-            <a:avLst/>
-          </a:prstGeom>
-          <a:noFill/>
-          <a:ln>
-            <a:solidFill>
-              <a:schemeClr val="tx1"/>
-            </a:solidFill>
-          </a:ln>
-        </p:spPr>
-        <p:txBody>
-          <a:bodyPr wrap="square">
-            <a:spAutoFit/>
-          </a:bodyPr>
-          <a:lstStyle/>
-          <a:p>
-            <a:r>
-              <a:rPr lang="en-GB" dirty="0">
-                <a:solidFill>
-                  <a:srgbClr val="606C71"/>
-                </a:solidFill>
-                <a:latin typeface="Open Sans" panose="020B0606030504020204" pitchFamily="34" charset="0"/>
-              </a:rPr>
-              <a:t>Finish 16:00</a:t>
-            </a:r>
-            <a:endParaRPr lang="en-GB" dirty="0"/>
-          </a:p>
-        </p:txBody>
-      </p:sp>
     </p:spTree>
     <p:extLst>
       <p:ext uri="{BB962C8B-B14F-4D97-AF65-F5344CB8AC3E}">
@@ -12423,8 +12342,8 @@
         </p:blipFill>
         <p:spPr>
           <a:xfrm>
-            <a:off x="7824246" y="-248856"/>
-            <a:ext cx="4506787" cy="2402694"/>
+            <a:off x="8637187" y="-18569"/>
+            <a:ext cx="3564190" cy="1900169"/>
           </a:xfrm>
           <a:prstGeom prst="rect">
             <a:avLst/>
@@ -15971,33 +15890,15 @@
                                   </p:childTnLst>
                                 </p:cTn>
                               </p:par>
-                            </p:childTnLst>
-                          </p:cTn>
-                        </p:par>
-                      </p:childTnLst>
-                    </p:cTn>
-                  </p:par>
-                  <p:par>
-                    <p:cTn id="15" fill="hold">
-                      <p:stCondLst>
-                        <p:cond delay="indefinite"/>
-                      </p:stCondLst>
-                      <p:childTnLst>
-                        <p:par>
-                          <p:cTn id="16" fill="hold">
-                            <p:stCondLst>
-                              <p:cond delay="0"/>
-                            </p:stCondLst>
-                            <p:childTnLst>
                               <p:par>
-                                <p:cTn id="17" presetID="1" presetClass="entr" presetSubtype="0" fill="hold" nodeType="clickEffect">
+                                <p:cTn id="15" presetID="1" presetClass="entr" presetSubtype="0" fill="hold" nodeType="withEffect">
                                   <p:stCondLst>
                                     <p:cond delay="0"/>
                                   </p:stCondLst>
                                   <p:childTnLst>
                                     <p:set>
                                       <p:cBhvr>
-                                        <p:cTn id="18" dur="1" fill="hold">
+                                        <p:cTn id="16" dur="1" fill="hold">
                                           <p:stCondLst>
                                             <p:cond delay="0"/>
                                           </p:stCondLst>
@@ -16023,26 +15924,26 @@
                     </p:cTn>
                   </p:par>
                   <p:par>
-                    <p:cTn id="19" fill="hold">
+                    <p:cTn id="17" fill="hold">
                       <p:stCondLst>
                         <p:cond delay="indefinite"/>
                       </p:stCondLst>
                       <p:childTnLst>
                         <p:par>
-                          <p:cTn id="20" fill="hold">
+                          <p:cTn id="18" fill="hold">
                             <p:stCondLst>
                               <p:cond delay="0"/>
                             </p:stCondLst>
                             <p:childTnLst>
                               <p:par>
-                                <p:cTn id="21" presetID="1" presetClass="entr" presetSubtype="0" fill="hold" grpId="0" nodeType="clickEffect">
+                                <p:cTn id="19" presetID="1" presetClass="entr" presetSubtype="0" fill="hold" grpId="0" nodeType="clickEffect">
                                   <p:stCondLst>
                                     <p:cond delay="0"/>
                                   </p:stCondLst>
                                   <p:childTnLst>
                                     <p:set>
                                       <p:cBhvr>
-                                        <p:cTn id="22" dur="1" fill="hold">
+                                        <p:cTn id="20" dur="1" fill="hold">
                                           <p:stCondLst>
                                             <p:cond delay="0"/>
                                           </p:stCondLst>
@@ -16062,14 +15963,14 @@
                                 </p:cTn>
                               </p:par>
                               <p:par>
-                                <p:cTn id="23" presetID="1" presetClass="entr" presetSubtype="0" fill="hold" nodeType="withEffect">
+                                <p:cTn id="21" presetID="1" presetClass="entr" presetSubtype="0" fill="hold" nodeType="withEffect">
                                   <p:stCondLst>
                                     <p:cond delay="0"/>
                                   </p:stCondLst>
                                   <p:childTnLst>
                                     <p:set>
                                       <p:cBhvr>
-                                        <p:cTn id="24" dur="1" fill="hold">
+                                        <p:cTn id="22" dur="1" fill="hold">
                                           <p:stCondLst>
                                             <p:cond delay="0"/>
                                           </p:stCondLst>
@@ -16089,14 +15990,14 @@
                                 </p:cTn>
                               </p:par>
                               <p:par>
-                                <p:cTn id="25" presetID="1" presetClass="entr" presetSubtype="0" fill="hold" grpId="0" nodeType="withEffect">
+                                <p:cTn id="23" presetID="1" presetClass="entr" presetSubtype="0" fill="hold" grpId="0" nodeType="withEffect">
                                   <p:stCondLst>
                                     <p:cond delay="0"/>
                                   </p:stCondLst>
                                   <p:childTnLst>
                                     <p:set>
                                       <p:cBhvr>
-                                        <p:cTn id="26" dur="1" fill="hold">
+                                        <p:cTn id="24" dur="1" fill="hold">
                                           <p:stCondLst>
                                             <p:cond delay="0"/>
                                           </p:stCondLst>
@@ -16116,7 +16017,34 @@
                                 </p:cTn>
                               </p:par>
                               <p:par>
-                                <p:cTn id="27" presetID="1" presetClass="entr" presetSubtype="0" fill="hold" nodeType="withEffect">
+                                <p:cTn id="25" presetID="1" presetClass="entr" presetSubtype="0" fill="hold" nodeType="withEffect">
+                                  <p:stCondLst>
+                                    <p:cond delay="0"/>
+                                  </p:stCondLst>
+                                  <p:childTnLst>
+                                    <p:set>
+                                      <p:cBhvr>
+                                        <p:cTn id="26" dur="1" fill="hold">
+                                          <p:stCondLst>
+                                            <p:cond delay="0"/>
+                                          </p:stCondLst>
+                                        </p:cTn>
+                                        <p:tgtEl>
+                                          <p:spTgt spid="12"/>
+                                        </p:tgtEl>
+                                        <p:attrNameLst>
+                                          <p:attrName>style.visibility</p:attrName>
+                                        </p:attrNameLst>
+                                      </p:cBhvr>
+                                      <p:to>
+                                        <p:strVal val="visible"/>
+                                      </p:to>
+                                    </p:set>
+                                  </p:childTnLst>
+                                </p:cTn>
+                              </p:par>
+                              <p:par>
+                                <p:cTn id="27" presetID="1" presetClass="entr" presetSubtype="0" fill="hold" grpId="0" nodeType="withEffect">
                                   <p:stCondLst>
                                     <p:cond delay="0"/>
                                   </p:stCondLst>
@@ -16129,7 +16057,7 @@
                                           </p:stCondLst>
                                         </p:cTn>
                                         <p:tgtEl>
-                                          <p:spTgt spid="12"/>
+                                          <p:spTgt spid="16"/>
                                         </p:tgtEl>
                                         <p:attrNameLst>
                                           <p:attrName>style.visibility</p:attrName>
@@ -16156,51 +16084,6 @@
                                           </p:stCondLst>
                                         </p:cTn>
                                         <p:tgtEl>
-                                          <p:spTgt spid="16"/>
-                                        </p:tgtEl>
-                                        <p:attrNameLst>
-                                          <p:attrName>style.visibility</p:attrName>
-                                        </p:attrNameLst>
-                                      </p:cBhvr>
-                                      <p:to>
-                                        <p:strVal val="visible"/>
-                                      </p:to>
-                                    </p:set>
-                                  </p:childTnLst>
-                                </p:cTn>
-                              </p:par>
-                            </p:childTnLst>
-                          </p:cTn>
-                        </p:par>
-                      </p:childTnLst>
-                    </p:cTn>
-                  </p:par>
-                  <p:par>
-                    <p:cTn id="31" fill="hold">
-                      <p:stCondLst>
-                        <p:cond delay="indefinite"/>
-                      </p:stCondLst>
-                      <p:childTnLst>
-                        <p:par>
-                          <p:cTn id="32" fill="hold">
-                            <p:stCondLst>
-                              <p:cond delay="0"/>
-                            </p:stCondLst>
-                            <p:childTnLst>
-                              <p:par>
-                                <p:cTn id="33" presetID="1" presetClass="entr" presetSubtype="0" fill="hold" grpId="0" nodeType="clickEffect">
-                                  <p:stCondLst>
-                                    <p:cond delay="0"/>
-                                  </p:stCondLst>
-                                  <p:childTnLst>
-                                    <p:set>
-                                      <p:cBhvr>
-                                        <p:cTn id="34" dur="1" fill="hold">
-                                          <p:stCondLst>
-                                            <p:cond delay="0"/>
-                                          </p:stCondLst>
-                                        </p:cTn>
-                                        <p:tgtEl>
                                           <p:spTgt spid="5"/>
                                         </p:tgtEl>
                                         <p:attrNameLst>
@@ -16215,7 +16098,61 @@
                                 </p:cTn>
                               </p:par>
                               <p:par>
-                                <p:cTn id="35" presetID="1" presetClass="entr" presetSubtype="0" fill="hold" nodeType="withEffect">
+                                <p:cTn id="31" presetID="1" presetClass="entr" presetSubtype="0" fill="hold" nodeType="withEffect">
+                                  <p:stCondLst>
+                                    <p:cond delay="0"/>
+                                  </p:stCondLst>
+                                  <p:childTnLst>
+                                    <p:set>
+                                      <p:cBhvr>
+                                        <p:cTn id="32" dur="1" fill="hold">
+                                          <p:stCondLst>
+                                            <p:cond delay="0"/>
+                                          </p:stCondLst>
+                                        </p:cTn>
+                                        <p:tgtEl>
+                                          <p:spTgt spid="17"/>
+                                        </p:tgtEl>
+                                        <p:attrNameLst>
+                                          <p:attrName>style.visibility</p:attrName>
+                                        </p:attrNameLst>
+                                      </p:cBhvr>
+                                      <p:to>
+                                        <p:strVal val="visible"/>
+                                      </p:to>
+                                    </p:set>
+                                  </p:childTnLst>
+                                </p:cTn>
+                              </p:par>
+                              <p:par>
+                                <p:cTn id="33" presetID="1" presetClass="entr" presetSubtype="0" fill="hold" grpId="0" nodeType="withEffect">
+                                  <p:stCondLst>
+                                    <p:cond delay="0"/>
+                                  </p:stCondLst>
+                                  <p:childTnLst>
+                                    <p:set>
+                                      <p:cBhvr>
+                                        <p:cTn id="34" dur="1" fill="hold">
+                                          <p:stCondLst>
+                                            <p:cond delay="0"/>
+                                          </p:stCondLst>
+                                        </p:cTn>
+                                        <p:tgtEl>
+                                          <p:spTgt spid="14"/>
+                                        </p:tgtEl>
+                                        <p:attrNameLst>
+                                          <p:attrName>style.visibility</p:attrName>
+                                        </p:attrNameLst>
+                                      </p:cBhvr>
+                                      <p:to>
+                                        <p:strVal val="visible"/>
+                                      </p:to>
+                                    </p:set>
+                                  </p:childTnLst>
+                                </p:cTn>
+                              </p:par>
+                              <p:par>
+                                <p:cTn id="35" presetID="1" presetClass="entr" presetSubtype="0" fill="hold" grpId="0" nodeType="withEffect">
                                   <p:stCondLst>
                                     <p:cond delay="0"/>
                                   </p:stCondLst>
@@ -16228,7 +16165,7 @@
                                           </p:stCondLst>
                                         </p:cTn>
                                         <p:tgtEl>
-                                          <p:spTgt spid="17"/>
+                                          <p:spTgt spid="15"/>
                                         </p:tgtEl>
                                         <p:attrNameLst>
                                           <p:attrName>style.visibility</p:attrName>
@@ -16255,7 +16192,7 @@
                                           </p:stCondLst>
                                         </p:cTn>
                                         <p:tgtEl>
-                                          <p:spTgt spid="14"/>
+                                          <p:spTgt spid="18"/>
                                         </p:tgtEl>
                                         <p:attrNameLst>
                                           <p:attrName>style.visibility</p:attrName>
@@ -16282,60 +16219,6 @@
                                           </p:stCondLst>
                                         </p:cTn>
                                         <p:tgtEl>
-                                          <p:spTgt spid="15"/>
-                                        </p:tgtEl>
-                                        <p:attrNameLst>
-                                          <p:attrName>style.visibility</p:attrName>
-                                        </p:attrNameLst>
-                                      </p:cBhvr>
-                                      <p:to>
-                                        <p:strVal val="visible"/>
-                                      </p:to>
-                                    </p:set>
-                                  </p:childTnLst>
-                                </p:cTn>
-                              </p:par>
-                              <p:par>
-                                <p:cTn id="41" presetID="1" presetClass="entr" presetSubtype="0" fill="hold" grpId="0" nodeType="withEffect">
-                                  <p:stCondLst>
-                                    <p:cond delay="0"/>
-                                  </p:stCondLst>
-                                  <p:childTnLst>
-                                    <p:set>
-                                      <p:cBhvr>
-                                        <p:cTn id="42" dur="1" fill="hold">
-                                          <p:stCondLst>
-                                            <p:cond delay="0"/>
-                                          </p:stCondLst>
-                                        </p:cTn>
-                                        <p:tgtEl>
-                                          <p:spTgt spid="18"/>
-                                        </p:tgtEl>
-                                        <p:attrNameLst>
-                                          <p:attrName>style.visibility</p:attrName>
-                                        </p:attrNameLst>
-                                      </p:cBhvr>
-                                      <p:to>
-                                        <p:strVal val="visible"/>
-                                      </p:to>
-                                    </p:set>
-                                  </p:childTnLst>
-                                </p:cTn>
-                              </p:par>
-                              <p:par>
-                                <p:cTn id="43" presetID="1" presetClass="entr" presetSubtype="0" fill="hold" grpId="0" nodeType="withEffect">
-                                  <p:stCondLst>
-                                    <p:cond delay="0"/>
-                                  </p:stCondLst>
-                                  <p:childTnLst>
-                                    <p:set>
-                                      <p:cBhvr>
-                                        <p:cTn id="44" dur="1" fill="hold">
-                                          <p:stCondLst>
-                                            <p:cond delay="0"/>
-                                          </p:stCondLst>
-                                        </p:cTn>
-                                        <p:tgtEl>
                                           <p:spTgt spid="26"/>
                                         </p:tgtEl>
                                         <p:attrNameLst>
@@ -16356,26 +16239,26 @@
                     </p:cTn>
                   </p:par>
                   <p:par>
-                    <p:cTn id="45" fill="hold">
+                    <p:cTn id="41" fill="hold">
                       <p:stCondLst>
                         <p:cond delay="indefinite"/>
                       </p:stCondLst>
                       <p:childTnLst>
                         <p:par>
-                          <p:cTn id="46" fill="hold">
+                          <p:cTn id="42" fill="hold">
                             <p:stCondLst>
                               <p:cond delay="0"/>
                             </p:stCondLst>
                             <p:childTnLst>
                               <p:par>
-                                <p:cTn id="47" presetID="1" presetClass="entr" presetSubtype="0" fill="hold" grpId="0" nodeType="clickEffect">
+                                <p:cTn id="43" presetID="1" presetClass="entr" presetSubtype="0" fill="hold" grpId="0" nodeType="clickEffect">
                                   <p:stCondLst>
                                     <p:cond delay="0"/>
                                   </p:stCondLst>
                                   <p:childTnLst>
                                     <p:set>
                                       <p:cBhvr>
-                                        <p:cTn id="48" dur="1" fill="hold">
+                                        <p:cTn id="44" dur="1" fill="hold">
                                           <p:stCondLst>
                                             <p:cond delay="0"/>
                                           </p:stCondLst>
@@ -16395,14 +16278,14 @@
                                 </p:cTn>
                               </p:par>
                               <p:par>
-                                <p:cTn id="49" presetID="1" presetClass="entr" presetSubtype="0" fill="hold" grpId="0" nodeType="withEffect">
+                                <p:cTn id="45" presetID="1" presetClass="entr" presetSubtype="0" fill="hold" grpId="0" nodeType="withEffect">
                                   <p:stCondLst>
                                     <p:cond delay="0"/>
                                   </p:stCondLst>
                                   <p:childTnLst>
                                     <p:set>
                                       <p:cBhvr>
-                                        <p:cTn id="50" dur="1" fill="hold">
+                                        <p:cTn id="46" dur="1" fill="hold">
                                           <p:stCondLst>
                                             <p:cond delay="0"/>
                                           </p:stCondLst>
@@ -16422,14 +16305,14 @@
                                 </p:cTn>
                               </p:par>
                               <p:par>
-                                <p:cTn id="51" presetID="1" presetClass="entr" presetSubtype="0" fill="hold" grpId="0" nodeType="withEffect">
+                                <p:cTn id="47" presetID="1" presetClass="entr" presetSubtype="0" fill="hold" grpId="0" nodeType="withEffect">
                                   <p:stCondLst>
                                     <p:cond delay="0"/>
                                   </p:stCondLst>
                                   <p:childTnLst>
                                     <p:set>
                                       <p:cBhvr>
-                                        <p:cTn id="52" dur="1" fill="hold">
+                                        <p:cTn id="48" dur="1" fill="hold">
                                           <p:stCondLst>
                                             <p:cond delay="0"/>
                                           </p:stCondLst>
@@ -16449,14 +16332,14 @@
                                 </p:cTn>
                               </p:par>
                               <p:par>
-                                <p:cTn id="53" presetID="1" presetClass="entr" presetSubtype="0" fill="hold" nodeType="withEffect">
+                                <p:cTn id="49" presetID="1" presetClass="entr" presetSubtype="0" fill="hold" nodeType="withEffect">
                                   <p:stCondLst>
                                     <p:cond delay="0"/>
                                   </p:stCondLst>
                                   <p:childTnLst>
                                     <p:set>
                                       <p:cBhvr>
-                                        <p:cTn id="54" dur="1" fill="hold">
+                                        <p:cTn id="50" dur="1" fill="hold">
                                           <p:stCondLst>
                                             <p:cond delay="0"/>
                                           </p:stCondLst>
@@ -16482,26 +16365,26 @@
                     </p:cTn>
                   </p:par>
                   <p:par>
-                    <p:cTn id="55" fill="hold">
+                    <p:cTn id="51" fill="hold">
                       <p:stCondLst>
                         <p:cond delay="indefinite"/>
                       </p:stCondLst>
                       <p:childTnLst>
                         <p:par>
-                          <p:cTn id="56" fill="hold">
+                          <p:cTn id="52" fill="hold">
                             <p:stCondLst>
                               <p:cond delay="0"/>
                             </p:stCondLst>
                             <p:childTnLst>
                               <p:par>
-                                <p:cTn id="57" presetID="1" presetClass="entr" presetSubtype="0" fill="hold" grpId="0" nodeType="clickEffect">
+                                <p:cTn id="53" presetID="1" presetClass="entr" presetSubtype="0" fill="hold" grpId="0" nodeType="clickEffect">
                                   <p:stCondLst>
                                     <p:cond delay="0"/>
                                   </p:stCondLst>
                                   <p:childTnLst>
                                     <p:set>
                                       <p:cBhvr>
-                                        <p:cTn id="58" dur="1" fill="hold">
+                                        <p:cTn id="54" dur="1" fill="hold">
                                           <p:stCondLst>
                                             <p:cond delay="0"/>
                                           </p:stCondLst>
@@ -16521,14 +16404,14 @@
                                 </p:cTn>
                               </p:par>
                               <p:par>
-                                <p:cTn id="59" presetID="1" presetClass="entr" presetSubtype="0" fill="hold" nodeType="withEffect">
+                                <p:cTn id="55" presetID="1" presetClass="entr" presetSubtype="0" fill="hold" nodeType="withEffect">
                                   <p:stCondLst>
                                     <p:cond delay="0"/>
                                   </p:stCondLst>
                                   <p:childTnLst>
                                     <p:set>
                                       <p:cBhvr>
-                                        <p:cTn id="60" dur="1" fill="hold">
+                                        <p:cTn id="56" dur="1" fill="hold">
                                           <p:stCondLst>
                                             <p:cond delay="0"/>
                                           </p:stCondLst>
@@ -18207,8 +18090,8 @@
         </p:blipFill>
         <p:spPr>
           <a:xfrm>
-            <a:off x="4712784" y="3621208"/>
-            <a:ext cx="6376541" cy="564481"/>
+            <a:off x="4809997" y="3631670"/>
+            <a:ext cx="4922829" cy="435792"/>
           </a:xfrm>
           <a:prstGeom prst="rect">
             <a:avLst/>
@@ -20551,7 +20434,7 @@
         </p:nvSpPr>
         <p:spPr>
           <a:xfrm>
-            <a:off x="466629" y="1402622"/>
+            <a:off x="542057" y="1032422"/>
             <a:ext cx="11107885" cy="517798"/>
           </a:xfrm>
           <a:prstGeom prst="rect">
@@ -20606,7 +20489,7 @@
         </p:nvSpPr>
         <p:spPr>
           <a:xfrm>
-            <a:off x="308835" y="1920420"/>
+            <a:off x="384263" y="1550220"/>
             <a:ext cx="11107885" cy="987937"/>
           </a:xfrm>
           <a:prstGeom prst="rect">
@@ -20673,7 +20556,7 @@
         </p:nvSpPr>
         <p:spPr>
           <a:xfrm>
-            <a:off x="240144" y="2955789"/>
+            <a:off x="315572" y="2585589"/>
             <a:ext cx="11674765" cy="369332"/>
           </a:xfrm>
           <a:prstGeom prst="rect">
@@ -21642,7 +21525,7 @@
         </p:blipFill>
         <p:spPr>
           <a:xfrm>
-            <a:off x="9140060" y="3532880"/>
+            <a:off x="8805723" y="3790624"/>
             <a:ext cx="2686425" cy="2724530"/>
           </a:xfrm>
           <a:prstGeom prst="rect">
@@ -21650,6 +21533,61 @@
           </a:prstGeom>
         </p:spPr>
       </p:pic>
+      <p:sp>
+        <p:nvSpPr>
+          <p:cNvPr id="6" name="Title 1">
+            <a:extLst>
+              <a:ext uri="{FF2B5EF4-FFF2-40B4-BE49-F238E27FC236}">
+                <a16:creationId xmlns:a16="http://schemas.microsoft.com/office/drawing/2014/main" id="{CCFA3569-C4FE-481F-F043-AD4E3F76E2B3}"/>
+              </a:ext>
+            </a:extLst>
+          </p:cNvPr>
+          <p:cNvSpPr txBox="1">
+            <a:spLocks/>
+          </p:cNvSpPr>
+          <p:nvPr/>
+        </p:nvSpPr>
+        <p:spPr>
+          <a:xfrm>
+            <a:off x="-219942" y="3002353"/>
+            <a:ext cx="11107885" cy="517798"/>
+          </a:xfrm>
+          <a:prstGeom prst="rect">
+            <a:avLst/>
+          </a:prstGeom>
+        </p:spPr>
+        <p:txBody>
+          <a:bodyPr vert="horz" lIns="91440" tIns="45720" rIns="91440" bIns="45720" rtlCol="0" anchor="b">
+            <a:normAutofit/>
+          </a:bodyPr>
+          <a:lstStyle>
+            <a:lvl1pPr algn="ctr" defTabSz="914400" rtl="0" eaLnBrk="1" latinLnBrk="0" hangingPunct="1">
+              <a:lnSpc>
+                <a:spcPct val="90000"/>
+              </a:lnSpc>
+              <a:spcBef>
+                <a:spcPct val="0"/>
+              </a:spcBef>
+              <a:buNone/>
+              <a:defRPr sz="6000" kern="1200">
+                <a:solidFill>
+                  <a:schemeClr val="tx1"/>
+                </a:solidFill>
+                <a:latin typeface="+mj-lt"/>
+                <a:ea typeface="+mj-ea"/>
+                <a:cs typeface="+mj-cs"/>
+              </a:defRPr>
+            </a:lvl1pPr>
+          </a:lstStyle>
+          <a:p>
+            <a:r>
+              <a:rPr lang="en-US" sz="3000" dirty="0"/>
+              <a:t>Join our slack if you want to chat about any element of the code</a:t>
+            </a:r>
+            <a:endParaRPr lang="en-AU" sz="3000" dirty="0"/>
+          </a:p>
+        </p:txBody>
+      </p:sp>
     </p:spTree>
     <p:extLst>
       <p:ext uri="{BB962C8B-B14F-4D97-AF65-F5344CB8AC3E}">

--- a/KDD-2024/Slides/part1_Introduction.pptx
+++ b/KDD-2024/Slides/part1_Introduction.pptx
@@ -2766,7 +2766,7 @@
           <a:p>
             <a:fld id="{A208CC58-AEBA-4B81-AD4F-648E402612BD}" type="datetimeFigureOut">
               <a:rPr lang="en-GB" smtClean="0"/>
-              <a:t>16/08/2024</a:t>
+              <a:t>21/08/2024</a:t>
             </a:fld>
             <a:endParaRPr lang="en-GB"/>
           </a:p>
@@ -3436,7 +3436,7 @@
           <a:p>
             <a:fld id="{EDEC158B-FB0A-43FC-87BA-79B801717EB2}" type="datetimeFigureOut">
               <a:rPr lang="en-AU" smtClean="0"/>
-              <a:t>16/08/2024</a:t>
+              <a:t>21/08/2024</a:t>
             </a:fld>
             <a:endParaRPr lang="en-AU"/>
           </a:p>
@@ -3636,7 +3636,7 @@
           <a:p>
             <a:fld id="{EDEC158B-FB0A-43FC-87BA-79B801717EB2}" type="datetimeFigureOut">
               <a:rPr lang="en-AU" smtClean="0"/>
-              <a:t>16/08/2024</a:t>
+              <a:t>21/08/2024</a:t>
             </a:fld>
             <a:endParaRPr lang="en-AU"/>
           </a:p>
@@ -3846,7 +3846,7 @@
           <a:p>
             <a:fld id="{EDEC158B-FB0A-43FC-87BA-79B801717EB2}" type="datetimeFigureOut">
               <a:rPr lang="en-AU" smtClean="0"/>
-              <a:t>16/08/2024</a:t>
+              <a:t>21/08/2024</a:t>
             </a:fld>
             <a:endParaRPr lang="en-AU"/>
           </a:p>
@@ -4880,7 +4880,7 @@
           <a:p>
             <a:fld id="{EDEC158B-FB0A-43FC-87BA-79B801717EB2}" type="datetimeFigureOut">
               <a:rPr lang="en-AU" smtClean="0"/>
-              <a:t>16/08/2024</a:t>
+              <a:t>21/08/2024</a:t>
             </a:fld>
             <a:endParaRPr lang="en-AU"/>
           </a:p>
@@ -5156,7 +5156,7 @@
           <a:p>
             <a:fld id="{EDEC158B-FB0A-43FC-87BA-79B801717EB2}" type="datetimeFigureOut">
               <a:rPr lang="en-AU" smtClean="0"/>
-              <a:t>16/08/2024</a:t>
+              <a:t>21/08/2024</a:t>
             </a:fld>
             <a:endParaRPr lang="en-AU"/>
           </a:p>
@@ -5424,7 +5424,7 @@
           <a:p>
             <a:fld id="{EDEC158B-FB0A-43FC-87BA-79B801717EB2}" type="datetimeFigureOut">
               <a:rPr lang="en-AU" smtClean="0"/>
-              <a:t>16/08/2024</a:t>
+              <a:t>21/08/2024</a:t>
             </a:fld>
             <a:endParaRPr lang="en-AU"/>
           </a:p>
@@ -5839,7 +5839,7 @@
           <a:p>
             <a:fld id="{EDEC158B-FB0A-43FC-87BA-79B801717EB2}" type="datetimeFigureOut">
               <a:rPr lang="en-AU" smtClean="0"/>
-              <a:t>16/08/2024</a:t>
+              <a:t>21/08/2024</a:t>
             </a:fld>
             <a:endParaRPr lang="en-AU"/>
           </a:p>
@@ -5981,7 +5981,7 @@
           <a:p>
             <a:fld id="{EDEC158B-FB0A-43FC-87BA-79B801717EB2}" type="datetimeFigureOut">
               <a:rPr lang="en-AU" smtClean="0"/>
-              <a:t>16/08/2024</a:t>
+              <a:t>21/08/2024</a:t>
             </a:fld>
             <a:endParaRPr lang="en-AU"/>
           </a:p>
@@ -6094,7 +6094,7 @@
           <a:p>
             <a:fld id="{EDEC158B-FB0A-43FC-87BA-79B801717EB2}" type="datetimeFigureOut">
               <a:rPr lang="en-AU" smtClean="0"/>
-              <a:t>16/08/2024</a:t>
+              <a:t>21/08/2024</a:t>
             </a:fld>
             <a:endParaRPr lang="en-AU"/>
           </a:p>
@@ -6407,7 +6407,7 @@
           <a:p>
             <a:fld id="{EDEC158B-FB0A-43FC-87BA-79B801717EB2}" type="datetimeFigureOut">
               <a:rPr lang="en-AU" smtClean="0"/>
-              <a:t>16/08/2024</a:t>
+              <a:t>21/08/2024</a:t>
             </a:fld>
             <a:endParaRPr lang="en-AU"/>
           </a:p>
@@ -6696,7 +6696,7 @@
           <a:p>
             <a:fld id="{EDEC158B-FB0A-43FC-87BA-79B801717EB2}" type="datetimeFigureOut">
               <a:rPr lang="en-AU" smtClean="0"/>
-              <a:t>16/08/2024</a:t>
+              <a:t>21/08/2024</a:t>
             </a:fld>
             <a:endParaRPr lang="en-AU"/>
           </a:p>
@@ -6939,7 +6939,7 @@
           <a:p>
             <a:fld id="{EDEC158B-FB0A-43FC-87BA-79B801717EB2}" type="datetimeFigureOut">
               <a:rPr lang="en-AU" smtClean="0"/>
-              <a:t>16/08/2024</a:t>
+              <a:t>21/08/2024</a:t>
             </a:fld>
             <a:endParaRPr lang="en-AU"/>
           </a:p>
@@ -9503,7 +9503,7 @@
                 <a:effectLst/>
                 <a:latin typeface="Open Sans" panose="020B0606030504020204" pitchFamily="34" charset="0"/>
               </a:rPr>
-              <a:t>Conclusion and future </a:t>
+              <a:t>Conclusion, future </a:t>
             </a:r>
             <a:r>
               <a:rPr lang="en-GB" dirty="0">
@@ -9522,44 +9522,9 @@
                 <a:effectLst/>
                 <a:latin typeface="Open Sans" panose="020B0606030504020204" pitchFamily="34" charset="0"/>
               </a:rPr>
-              <a:t>utlook</a:t>
+              <a:t>utlook and Q&amp;A</a:t>
             </a:r>
             <a:endParaRPr lang="en-GB" dirty="0"/>
-          </a:p>
-        </p:txBody>
-      </p:sp>
-      <p:sp>
-        <p:nvSpPr>
-          <p:cNvPr id="69" name="TextBox 68">
-            <a:extLst>
-              <a:ext uri="{FF2B5EF4-FFF2-40B4-BE49-F238E27FC236}">
-                <a16:creationId xmlns:a16="http://schemas.microsoft.com/office/drawing/2014/main" id="{8A9161EC-CE4E-8092-12CD-9101EE34DBF0}"/>
-              </a:ext>
-            </a:extLst>
-          </p:cNvPr>
-          <p:cNvSpPr txBox="1"/>
-          <p:nvPr/>
-        </p:nvSpPr>
-        <p:spPr>
-          <a:xfrm>
-            <a:off x="5804569" y="5815512"/>
-            <a:ext cx="940311" cy="369332"/>
-          </a:xfrm>
-          <a:prstGeom prst="rect">
-            <a:avLst/>
-          </a:prstGeom>
-          <a:noFill/>
-        </p:spPr>
-        <p:txBody>
-          <a:bodyPr wrap="square">
-            <a:spAutoFit/>
-          </a:bodyPr>
-          <a:lstStyle/>
-          <a:p>
-            <a:r>
-              <a:rPr lang="en-GB" dirty="0"/>
-              <a:t>Q&amp;A</a:t>
-            </a:r>
           </a:p>
         </p:txBody>
       </p:sp>
@@ -9688,52 +9653,6 @@
           </a:prstGeom>
         </p:spPr>
       </p:pic>
-      <p:sp>
-        <p:nvSpPr>
-          <p:cNvPr id="74" name="TextBox 73">
-            <a:extLst>
-              <a:ext uri="{FF2B5EF4-FFF2-40B4-BE49-F238E27FC236}">
-                <a16:creationId xmlns:a16="http://schemas.microsoft.com/office/drawing/2014/main" id="{E92DBCFE-95EE-2599-32A4-F08BF400398B}"/>
-              </a:ext>
-            </a:extLst>
-          </p:cNvPr>
-          <p:cNvSpPr txBox="1"/>
-          <p:nvPr/>
-        </p:nvSpPr>
-        <p:spPr>
-          <a:xfrm>
-            <a:off x="5472513" y="6215665"/>
-            <a:ext cx="1604421" cy="369332"/>
-          </a:xfrm>
-          <a:prstGeom prst="rect">
-            <a:avLst/>
-          </a:prstGeom>
-          <a:noFill/>
-          <a:ln>
-            <a:solidFill>
-              <a:schemeClr val="tx1"/>
-            </a:solidFill>
-          </a:ln>
-        </p:spPr>
-        <p:txBody>
-          <a:bodyPr wrap="square">
-            <a:spAutoFit/>
-          </a:bodyPr>
-          <a:lstStyle/>
-          <a:p>
-            <a:r>
-              <a:rPr lang="en-GB" dirty="0">
-                <a:solidFill>
-                  <a:srgbClr val="606C71"/>
-                </a:solidFill>
-                <a:latin typeface="Open Sans" panose="020B0606030504020204" pitchFamily="34" charset="0"/>
-              </a:rPr>
-              <a:t>Finish 16:00</a:t>
-            </a:r>
-            <a:endParaRPr lang="en-GB" dirty="0"/>
-          </a:p>
-        </p:txBody>
-      </p:sp>
     </p:spTree>
     <p:extLst>
       <p:ext uri="{BB962C8B-B14F-4D97-AF65-F5344CB8AC3E}">
@@ -12423,8 +12342,8 @@
         </p:blipFill>
         <p:spPr>
           <a:xfrm>
-            <a:off x="7824246" y="-248856"/>
-            <a:ext cx="4506787" cy="2402694"/>
+            <a:off x="8637187" y="-18569"/>
+            <a:ext cx="3564190" cy="1900169"/>
           </a:xfrm>
           <a:prstGeom prst="rect">
             <a:avLst/>
@@ -15971,33 +15890,15 @@
                                   </p:childTnLst>
                                 </p:cTn>
                               </p:par>
-                            </p:childTnLst>
-                          </p:cTn>
-                        </p:par>
-                      </p:childTnLst>
-                    </p:cTn>
-                  </p:par>
-                  <p:par>
-                    <p:cTn id="15" fill="hold">
-                      <p:stCondLst>
-                        <p:cond delay="indefinite"/>
-                      </p:stCondLst>
-                      <p:childTnLst>
-                        <p:par>
-                          <p:cTn id="16" fill="hold">
-                            <p:stCondLst>
-                              <p:cond delay="0"/>
-                            </p:stCondLst>
-                            <p:childTnLst>
                               <p:par>
-                                <p:cTn id="17" presetID="1" presetClass="entr" presetSubtype="0" fill="hold" nodeType="clickEffect">
+                                <p:cTn id="15" presetID="1" presetClass="entr" presetSubtype="0" fill="hold" nodeType="withEffect">
                                   <p:stCondLst>
                                     <p:cond delay="0"/>
                                   </p:stCondLst>
                                   <p:childTnLst>
                                     <p:set>
                                       <p:cBhvr>
-                                        <p:cTn id="18" dur="1" fill="hold">
+                                        <p:cTn id="16" dur="1" fill="hold">
                                           <p:stCondLst>
                                             <p:cond delay="0"/>
                                           </p:stCondLst>
@@ -16023,26 +15924,26 @@
                     </p:cTn>
                   </p:par>
                   <p:par>
-                    <p:cTn id="19" fill="hold">
+                    <p:cTn id="17" fill="hold">
                       <p:stCondLst>
                         <p:cond delay="indefinite"/>
                       </p:stCondLst>
                       <p:childTnLst>
                         <p:par>
-                          <p:cTn id="20" fill="hold">
+                          <p:cTn id="18" fill="hold">
                             <p:stCondLst>
                               <p:cond delay="0"/>
                             </p:stCondLst>
                             <p:childTnLst>
                               <p:par>
-                                <p:cTn id="21" presetID="1" presetClass="entr" presetSubtype="0" fill="hold" grpId="0" nodeType="clickEffect">
+                                <p:cTn id="19" presetID="1" presetClass="entr" presetSubtype="0" fill="hold" grpId="0" nodeType="clickEffect">
                                   <p:stCondLst>
                                     <p:cond delay="0"/>
                                   </p:stCondLst>
                                   <p:childTnLst>
                                     <p:set>
                                       <p:cBhvr>
-                                        <p:cTn id="22" dur="1" fill="hold">
+                                        <p:cTn id="20" dur="1" fill="hold">
                                           <p:stCondLst>
                                             <p:cond delay="0"/>
                                           </p:stCondLst>
@@ -16062,14 +15963,14 @@
                                 </p:cTn>
                               </p:par>
                               <p:par>
-                                <p:cTn id="23" presetID="1" presetClass="entr" presetSubtype="0" fill="hold" nodeType="withEffect">
+                                <p:cTn id="21" presetID="1" presetClass="entr" presetSubtype="0" fill="hold" nodeType="withEffect">
                                   <p:stCondLst>
                                     <p:cond delay="0"/>
                                   </p:stCondLst>
                                   <p:childTnLst>
                                     <p:set>
                                       <p:cBhvr>
-                                        <p:cTn id="24" dur="1" fill="hold">
+                                        <p:cTn id="22" dur="1" fill="hold">
                                           <p:stCondLst>
                                             <p:cond delay="0"/>
                                           </p:stCondLst>
@@ -16089,14 +15990,14 @@
                                 </p:cTn>
                               </p:par>
                               <p:par>
-                                <p:cTn id="25" presetID="1" presetClass="entr" presetSubtype="0" fill="hold" grpId="0" nodeType="withEffect">
+                                <p:cTn id="23" presetID="1" presetClass="entr" presetSubtype="0" fill="hold" grpId="0" nodeType="withEffect">
                                   <p:stCondLst>
                                     <p:cond delay="0"/>
                                   </p:stCondLst>
                                   <p:childTnLst>
                                     <p:set>
                                       <p:cBhvr>
-                                        <p:cTn id="26" dur="1" fill="hold">
+                                        <p:cTn id="24" dur="1" fill="hold">
                                           <p:stCondLst>
                                             <p:cond delay="0"/>
                                           </p:stCondLst>
@@ -16116,7 +16017,34 @@
                                 </p:cTn>
                               </p:par>
                               <p:par>
-                                <p:cTn id="27" presetID="1" presetClass="entr" presetSubtype="0" fill="hold" nodeType="withEffect">
+                                <p:cTn id="25" presetID="1" presetClass="entr" presetSubtype="0" fill="hold" nodeType="withEffect">
+                                  <p:stCondLst>
+                                    <p:cond delay="0"/>
+                                  </p:stCondLst>
+                                  <p:childTnLst>
+                                    <p:set>
+                                      <p:cBhvr>
+                                        <p:cTn id="26" dur="1" fill="hold">
+                                          <p:stCondLst>
+                                            <p:cond delay="0"/>
+                                          </p:stCondLst>
+                                        </p:cTn>
+                                        <p:tgtEl>
+                                          <p:spTgt spid="12"/>
+                                        </p:tgtEl>
+                                        <p:attrNameLst>
+                                          <p:attrName>style.visibility</p:attrName>
+                                        </p:attrNameLst>
+                                      </p:cBhvr>
+                                      <p:to>
+                                        <p:strVal val="visible"/>
+                                      </p:to>
+                                    </p:set>
+                                  </p:childTnLst>
+                                </p:cTn>
+                              </p:par>
+                              <p:par>
+                                <p:cTn id="27" presetID="1" presetClass="entr" presetSubtype="0" fill="hold" grpId="0" nodeType="withEffect">
                                   <p:stCondLst>
                                     <p:cond delay="0"/>
                                   </p:stCondLst>
@@ -16129,7 +16057,7 @@
                                           </p:stCondLst>
                                         </p:cTn>
                                         <p:tgtEl>
-                                          <p:spTgt spid="12"/>
+                                          <p:spTgt spid="16"/>
                                         </p:tgtEl>
                                         <p:attrNameLst>
                                           <p:attrName>style.visibility</p:attrName>
@@ -16156,51 +16084,6 @@
                                           </p:stCondLst>
                                         </p:cTn>
                                         <p:tgtEl>
-                                          <p:spTgt spid="16"/>
-                                        </p:tgtEl>
-                                        <p:attrNameLst>
-                                          <p:attrName>style.visibility</p:attrName>
-                                        </p:attrNameLst>
-                                      </p:cBhvr>
-                                      <p:to>
-                                        <p:strVal val="visible"/>
-                                      </p:to>
-                                    </p:set>
-                                  </p:childTnLst>
-                                </p:cTn>
-                              </p:par>
-                            </p:childTnLst>
-                          </p:cTn>
-                        </p:par>
-                      </p:childTnLst>
-                    </p:cTn>
-                  </p:par>
-                  <p:par>
-                    <p:cTn id="31" fill="hold">
-                      <p:stCondLst>
-                        <p:cond delay="indefinite"/>
-                      </p:stCondLst>
-                      <p:childTnLst>
-                        <p:par>
-                          <p:cTn id="32" fill="hold">
-                            <p:stCondLst>
-                              <p:cond delay="0"/>
-                            </p:stCondLst>
-                            <p:childTnLst>
-                              <p:par>
-                                <p:cTn id="33" presetID="1" presetClass="entr" presetSubtype="0" fill="hold" grpId="0" nodeType="clickEffect">
-                                  <p:stCondLst>
-                                    <p:cond delay="0"/>
-                                  </p:stCondLst>
-                                  <p:childTnLst>
-                                    <p:set>
-                                      <p:cBhvr>
-                                        <p:cTn id="34" dur="1" fill="hold">
-                                          <p:stCondLst>
-                                            <p:cond delay="0"/>
-                                          </p:stCondLst>
-                                        </p:cTn>
-                                        <p:tgtEl>
                                           <p:spTgt spid="5"/>
                                         </p:tgtEl>
                                         <p:attrNameLst>
@@ -16215,7 +16098,61 @@
                                 </p:cTn>
                               </p:par>
                               <p:par>
-                                <p:cTn id="35" presetID="1" presetClass="entr" presetSubtype="0" fill="hold" nodeType="withEffect">
+                                <p:cTn id="31" presetID="1" presetClass="entr" presetSubtype="0" fill="hold" nodeType="withEffect">
+                                  <p:stCondLst>
+                                    <p:cond delay="0"/>
+                                  </p:stCondLst>
+                                  <p:childTnLst>
+                                    <p:set>
+                                      <p:cBhvr>
+                                        <p:cTn id="32" dur="1" fill="hold">
+                                          <p:stCondLst>
+                                            <p:cond delay="0"/>
+                                          </p:stCondLst>
+                                        </p:cTn>
+                                        <p:tgtEl>
+                                          <p:spTgt spid="17"/>
+                                        </p:tgtEl>
+                                        <p:attrNameLst>
+                                          <p:attrName>style.visibility</p:attrName>
+                                        </p:attrNameLst>
+                                      </p:cBhvr>
+                                      <p:to>
+                                        <p:strVal val="visible"/>
+                                      </p:to>
+                                    </p:set>
+                                  </p:childTnLst>
+                                </p:cTn>
+                              </p:par>
+                              <p:par>
+                                <p:cTn id="33" presetID="1" presetClass="entr" presetSubtype="0" fill="hold" grpId="0" nodeType="withEffect">
+                                  <p:stCondLst>
+                                    <p:cond delay="0"/>
+                                  </p:stCondLst>
+                                  <p:childTnLst>
+                                    <p:set>
+                                      <p:cBhvr>
+                                        <p:cTn id="34" dur="1" fill="hold">
+                                          <p:stCondLst>
+                                            <p:cond delay="0"/>
+                                          </p:stCondLst>
+                                        </p:cTn>
+                                        <p:tgtEl>
+                                          <p:spTgt spid="14"/>
+                                        </p:tgtEl>
+                                        <p:attrNameLst>
+                                          <p:attrName>style.visibility</p:attrName>
+                                        </p:attrNameLst>
+                                      </p:cBhvr>
+                                      <p:to>
+                                        <p:strVal val="visible"/>
+                                      </p:to>
+                                    </p:set>
+                                  </p:childTnLst>
+                                </p:cTn>
+                              </p:par>
+                              <p:par>
+                                <p:cTn id="35" presetID="1" presetClass="entr" presetSubtype="0" fill="hold" grpId="0" nodeType="withEffect">
                                   <p:stCondLst>
                                     <p:cond delay="0"/>
                                   </p:stCondLst>
@@ -16228,7 +16165,7 @@
                                           </p:stCondLst>
                                         </p:cTn>
                                         <p:tgtEl>
-                                          <p:spTgt spid="17"/>
+                                          <p:spTgt spid="15"/>
                                         </p:tgtEl>
                                         <p:attrNameLst>
                                           <p:attrName>style.visibility</p:attrName>
@@ -16255,7 +16192,7 @@
                                           </p:stCondLst>
                                         </p:cTn>
                                         <p:tgtEl>
-                                          <p:spTgt spid="14"/>
+                                          <p:spTgt spid="18"/>
                                         </p:tgtEl>
                                         <p:attrNameLst>
                                           <p:attrName>style.visibility</p:attrName>
@@ -16282,60 +16219,6 @@
                                           </p:stCondLst>
                                         </p:cTn>
                                         <p:tgtEl>
-                                          <p:spTgt spid="15"/>
-                                        </p:tgtEl>
-                                        <p:attrNameLst>
-                                          <p:attrName>style.visibility</p:attrName>
-                                        </p:attrNameLst>
-                                      </p:cBhvr>
-                                      <p:to>
-                                        <p:strVal val="visible"/>
-                                      </p:to>
-                                    </p:set>
-                                  </p:childTnLst>
-                                </p:cTn>
-                              </p:par>
-                              <p:par>
-                                <p:cTn id="41" presetID="1" presetClass="entr" presetSubtype="0" fill="hold" grpId="0" nodeType="withEffect">
-                                  <p:stCondLst>
-                                    <p:cond delay="0"/>
-                                  </p:stCondLst>
-                                  <p:childTnLst>
-                                    <p:set>
-                                      <p:cBhvr>
-                                        <p:cTn id="42" dur="1" fill="hold">
-                                          <p:stCondLst>
-                                            <p:cond delay="0"/>
-                                          </p:stCondLst>
-                                        </p:cTn>
-                                        <p:tgtEl>
-                                          <p:spTgt spid="18"/>
-                                        </p:tgtEl>
-                                        <p:attrNameLst>
-                                          <p:attrName>style.visibility</p:attrName>
-                                        </p:attrNameLst>
-                                      </p:cBhvr>
-                                      <p:to>
-                                        <p:strVal val="visible"/>
-                                      </p:to>
-                                    </p:set>
-                                  </p:childTnLst>
-                                </p:cTn>
-                              </p:par>
-                              <p:par>
-                                <p:cTn id="43" presetID="1" presetClass="entr" presetSubtype="0" fill="hold" grpId="0" nodeType="withEffect">
-                                  <p:stCondLst>
-                                    <p:cond delay="0"/>
-                                  </p:stCondLst>
-                                  <p:childTnLst>
-                                    <p:set>
-                                      <p:cBhvr>
-                                        <p:cTn id="44" dur="1" fill="hold">
-                                          <p:stCondLst>
-                                            <p:cond delay="0"/>
-                                          </p:stCondLst>
-                                        </p:cTn>
-                                        <p:tgtEl>
                                           <p:spTgt spid="26"/>
                                         </p:tgtEl>
                                         <p:attrNameLst>
@@ -16356,26 +16239,26 @@
                     </p:cTn>
                   </p:par>
                   <p:par>
-                    <p:cTn id="45" fill="hold">
+                    <p:cTn id="41" fill="hold">
                       <p:stCondLst>
                         <p:cond delay="indefinite"/>
                       </p:stCondLst>
                       <p:childTnLst>
                         <p:par>
-                          <p:cTn id="46" fill="hold">
+                          <p:cTn id="42" fill="hold">
                             <p:stCondLst>
                               <p:cond delay="0"/>
                             </p:stCondLst>
                             <p:childTnLst>
                               <p:par>
-                                <p:cTn id="47" presetID="1" presetClass="entr" presetSubtype="0" fill="hold" grpId="0" nodeType="clickEffect">
+                                <p:cTn id="43" presetID="1" presetClass="entr" presetSubtype="0" fill="hold" grpId="0" nodeType="clickEffect">
                                   <p:stCondLst>
                                     <p:cond delay="0"/>
                                   </p:stCondLst>
                                   <p:childTnLst>
                                     <p:set>
                                       <p:cBhvr>
-                                        <p:cTn id="48" dur="1" fill="hold">
+                                        <p:cTn id="44" dur="1" fill="hold">
                                           <p:stCondLst>
                                             <p:cond delay="0"/>
                                           </p:stCondLst>
@@ -16395,14 +16278,14 @@
                                 </p:cTn>
                               </p:par>
                               <p:par>
-                                <p:cTn id="49" presetID="1" presetClass="entr" presetSubtype="0" fill="hold" grpId="0" nodeType="withEffect">
+                                <p:cTn id="45" presetID="1" presetClass="entr" presetSubtype="0" fill="hold" grpId="0" nodeType="withEffect">
                                   <p:stCondLst>
                                     <p:cond delay="0"/>
                                   </p:stCondLst>
                                   <p:childTnLst>
                                     <p:set>
                                       <p:cBhvr>
-                                        <p:cTn id="50" dur="1" fill="hold">
+                                        <p:cTn id="46" dur="1" fill="hold">
                                           <p:stCondLst>
                                             <p:cond delay="0"/>
                                           </p:stCondLst>
@@ -16422,14 +16305,14 @@
                                 </p:cTn>
                               </p:par>
                               <p:par>
-                                <p:cTn id="51" presetID="1" presetClass="entr" presetSubtype="0" fill="hold" grpId="0" nodeType="withEffect">
+                                <p:cTn id="47" presetID="1" presetClass="entr" presetSubtype="0" fill="hold" grpId="0" nodeType="withEffect">
                                   <p:stCondLst>
                                     <p:cond delay="0"/>
                                   </p:stCondLst>
                                   <p:childTnLst>
                                     <p:set>
                                       <p:cBhvr>
-                                        <p:cTn id="52" dur="1" fill="hold">
+                                        <p:cTn id="48" dur="1" fill="hold">
                                           <p:stCondLst>
                                             <p:cond delay="0"/>
                                           </p:stCondLst>
@@ -16449,14 +16332,14 @@
                                 </p:cTn>
                               </p:par>
                               <p:par>
-                                <p:cTn id="53" presetID="1" presetClass="entr" presetSubtype="0" fill="hold" nodeType="withEffect">
+                                <p:cTn id="49" presetID="1" presetClass="entr" presetSubtype="0" fill="hold" nodeType="withEffect">
                                   <p:stCondLst>
                                     <p:cond delay="0"/>
                                   </p:stCondLst>
                                   <p:childTnLst>
                                     <p:set>
                                       <p:cBhvr>
-                                        <p:cTn id="54" dur="1" fill="hold">
+                                        <p:cTn id="50" dur="1" fill="hold">
                                           <p:stCondLst>
                                             <p:cond delay="0"/>
                                           </p:stCondLst>
@@ -16482,26 +16365,26 @@
                     </p:cTn>
                   </p:par>
                   <p:par>
-                    <p:cTn id="55" fill="hold">
+                    <p:cTn id="51" fill="hold">
                       <p:stCondLst>
                         <p:cond delay="indefinite"/>
                       </p:stCondLst>
                       <p:childTnLst>
                         <p:par>
-                          <p:cTn id="56" fill="hold">
+                          <p:cTn id="52" fill="hold">
                             <p:stCondLst>
                               <p:cond delay="0"/>
                             </p:stCondLst>
                             <p:childTnLst>
                               <p:par>
-                                <p:cTn id="57" presetID="1" presetClass="entr" presetSubtype="0" fill="hold" grpId="0" nodeType="clickEffect">
+                                <p:cTn id="53" presetID="1" presetClass="entr" presetSubtype="0" fill="hold" grpId="0" nodeType="clickEffect">
                                   <p:stCondLst>
                                     <p:cond delay="0"/>
                                   </p:stCondLst>
                                   <p:childTnLst>
                                     <p:set>
                                       <p:cBhvr>
-                                        <p:cTn id="58" dur="1" fill="hold">
+                                        <p:cTn id="54" dur="1" fill="hold">
                                           <p:stCondLst>
                                             <p:cond delay="0"/>
                                           </p:stCondLst>
@@ -16521,14 +16404,14 @@
                                 </p:cTn>
                               </p:par>
                               <p:par>
-                                <p:cTn id="59" presetID="1" presetClass="entr" presetSubtype="0" fill="hold" nodeType="withEffect">
+                                <p:cTn id="55" presetID="1" presetClass="entr" presetSubtype="0" fill="hold" nodeType="withEffect">
                                   <p:stCondLst>
                                     <p:cond delay="0"/>
                                   </p:stCondLst>
                                   <p:childTnLst>
                                     <p:set>
                                       <p:cBhvr>
-                                        <p:cTn id="60" dur="1" fill="hold">
+                                        <p:cTn id="56" dur="1" fill="hold">
                                           <p:stCondLst>
                                             <p:cond delay="0"/>
                                           </p:stCondLst>
@@ -18207,8 +18090,8 @@
         </p:blipFill>
         <p:spPr>
           <a:xfrm>
-            <a:off x="4712784" y="3621208"/>
-            <a:ext cx="6376541" cy="564481"/>
+            <a:off x="4809997" y="3631670"/>
+            <a:ext cx="4922829" cy="435792"/>
           </a:xfrm>
           <a:prstGeom prst="rect">
             <a:avLst/>
@@ -20551,7 +20434,7 @@
         </p:nvSpPr>
         <p:spPr>
           <a:xfrm>
-            <a:off x="466629" y="1402622"/>
+            <a:off x="542057" y="1032422"/>
             <a:ext cx="11107885" cy="517798"/>
           </a:xfrm>
           <a:prstGeom prst="rect">
@@ -20606,7 +20489,7 @@
         </p:nvSpPr>
         <p:spPr>
           <a:xfrm>
-            <a:off x="308835" y="1920420"/>
+            <a:off x="384263" y="1550220"/>
             <a:ext cx="11107885" cy="987937"/>
           </a:xfrm>
           <a:prstGeom prst="rect">
@@ -20673,7 +20556,7 @@
         </p:nvSpPr>
         <p:spPr>
           <a:xfrm>
-            <a:off x="240144" y="2955789"/>
+            <a:off x="315572" y="2585589"/>
             <a:ext cx="11674765" cy="369332"/>
           </a:xfrm>
           <a:prstGeom prst="rect">
@@ -20691,7 +20574,7 @@
               <a:rPr lang="en-GB" dirty="0">
                 <a:hlinkClick r:id="rId3"/>
               </a:rPr>
-              <a:t>https://github.com/aeon-toolkit/aeon-tutorials/blob/main/KDD-2024/Notebooks/part1_Introduction.ipynb</a:t>
+              <a:t>https://github.com/aeon-toolkit/aeon-tutorials/blob/main/KDD-2024/Notebooks/part1_introduction.ipynb</a:t>
             </a:r>
             <a:endParaRPr lang="en-GB" dirty="0"/>
           </a:p>
@@ -21617,6 +21500,91 @@
               <a:effectLst/>
               <a:latin typeface="Arial" panose="020B0604020202020204" pitchFamily="34" charset="0"/>
             </a:endParaRPr>
+          </a:p>
+        </p:txBody>
+      </p:sp>
+      <p:pic>
+        <p:nvPicPr>
+          <p:cNvPr id="8" name="Picture 7">
+            <a:extLst>
+              <a:ext uri="{FF2B5EF4-FFF2-40B4-BE49-F238E27FC236}">
+                <a16:creationId xmlns:a16="http://schemas.microsoft.com/office/drawing/2014/main" id="{1133383E-C77E-AB65-5A09-EAB0E1E03E83}"/>
+              </a:ext>
+            </a:extLst>
+          </p:cNvPr>
+          <p:cNvPicPr>
+            <a:picLocks noChangeAspect="1"/>
+          </p:cNvPicPr>
+          <p:nvPr/>
+        </p:nvPicPr>
+        <p:blipFill>
+          <a:blip r:embed="rId4"/>
+          <a:stretch>
+            <a:fillRect/>
+          </a:stretch>
+        </p:blipFill>
+        <p:spPr>
+          <a:xfrm>
+            <a:off x="8805723" y="3790624"/>
+            <a:ext cx="2686425" cy="2724530"/>
+          </a:xfrm>
+          <a:prstGeom prst="rect">
+            <a:avLst/>
+          </a:prstGeom>
+        </p:spPr>
+      </p:pic>
+      <p:sp>
+        <p:nvSpPr>
+          <p:cNvPr id="6" name="Title 1">
+            <a:extLst>
+              <a:ext uri="{FF2B5EF4-FFF2-40B4-BE49-F238E27FC236}">
+                <a16:creationId xmlns:a16="http://schemas.microsoft.com/office/drawing/2014/main" id="{CCFA3569-C4FE-481F-F043-AD4E3F76E2B3}"/>
+              </a:ext>
+            </a:extLst>
+          </p:cNvPr>
+          <p:cNvSpPr txBox="1">
+            <a:spLocks/>
+          </p:cNvSpPr>
+          <p:nvPr/>
+        </p:nvSpPr>
+        <p:spPr>
+          <a:xfrm>
+            <a:off x="-219942" y="3002353"/>
+            <a:ext cx="11107885" cy="517798"/>
+          </a:xfrm>
+          <a:prstGeom prst="rect">
+            <a:avLst/>
+          </a:prstGeom>
+        </p:spPr>
+        <p:txBody>
+          <a:bodyPr vert="horz" lIns="91440" tIns="45720" rIns="91440" bIns="45720" rtlCol="0" anchor="b">
+            <a:normAutofit/>
+          </a:bodyPr>
+          <a:lstStyle>
+            <a:lvl1pPr algn="ctr" defTabSz="914400" rtl="0" eaLnBrk="1" latinLnBrk="0" hangingPunct="1">
+              <a:lnSpc>
+                <a:spcPct val="90000"/>
+              </a:lnSpc>
+              <a:spcBef>
+                <a:spcPct val="0"/>
+              </a:spcBef>
+              <a:buNone/>
+              <a:defRPr sz="6000" kern="1200">
+                <a:solidFill>
+                  <a:schemeClr val="tx1"/>
+                </a:solidFill>
+                <a:latin typeface="+mj-lt"/>
+                <a:ea typeface="+mj-ea"/>
+                <a:cs typeface="+mj-cs"/>
+              </a:defRPr>
+            </a:lvl1pPr>
+          </a:lstStyle>
+          <a:p>
+            <a:r>
+              <a:rPr lang="en-US" sz="3000" dirty="0"/>
+              <a:t>Join our slack if you want to chat about any element of the code</a:t>
+            </a:r>
+            <a:endParaRPr lang="en-AU" sz="3000" dirty="0"/>
           </a:p>
         </p:txBody>
       </p:sp>

--- a/KDD-2024/Slides/part1_Introduction.pptx
+++ b/KDD-2024/Slides/part1_Introduction.pptx
@@ -2766,7 +2766,7 @@
           <a:p>
             <a:fld id="{A208CC58-AEBA-4B81-AD4F-648E402612BD}" type="datetimeFigureOut">
               <a:rPr lang="en-GB" smtClean="0"/>
-              <a:t>21/08/2024</a:t>
+              <a:t>25/08/2024</a:t>
             </a:fld>
             <a:endParaRPr lang="en-GB"/>
           </a:p>
@@ -3436,7 +3436,7 @@
           <a:p>
             <a:fld id="{EDEC158B-FB0A-43FC-87BA-79B801717EB2}" type="datetimeFigureOut">
               <a:rPr lang="en-AU" smtClean="0"/>
-              <a:t>21/08/2024</a:t>
+              <a:t>25/08/2024</a:t>
             </a:fld>
             <a:endParaRPr lang="en-AU"/>
           </a:p>
@@ -3636,7 +3636,7 @@
           <a:p>
             <a:fld id="{EDEC158B-FB0A-43FC-87BA-79B801717EB2}" type="datetimeFigureOut">
               <a:rPr lang="en-AU" smtClean="0"/>
-              <a:t>21/08/2024</a:t>
+              <a:t>25/08/2024</a:t>
             </a:fld>
             <a:endParaRPr lang="en-AU"/>
           </a:p>
@@ -3846,7 +3846,7 @@
           <a:p>
             <a:fld id="{EDEC158B-FB0A-43FC-87BA-79B801717EB2}" type="datetimeFigureOut">
               <a:rPr lang="en-AU" smtClean="0"/>
-              <a:t>21/08/2024</a:t>
+              <a:t>25/08/2024</a:t>
             </a:fld>
             <a:endParaRPr lang="en-AU"/>
           </a:p>
@@ -4880,7 +4880,7 @@
           <a:p>
             <a:fld id="{EDEC158B-FB0A-43FC-87BA-79B801717EB2}" type="datetimeFigureOut">
               <a:rPr lang="en-AU" smtClean="0"/>
-              <a:t>21/08/2024</a:t>
+              <a:t>25/08/2024</a:t>
             </a:fld>
             <a:endParaRPr lang="en-AU"/>
           </a:p>
@@ -5156,7 +5156,7 @@
           <a:p>
             <a:fld id="{EDEC158B-FB0A-43FC-87BA-79B801717EB2}" type="datetimeFigureOut">
               <a:rPr lang="en-AU" smtClean="0"/>
-              <a:t>21/08/2024</a:t>
+              <a:t>25/08/2024</a:t>
             </a:fld>
             <a:endParaRPr lang="en-AU"/>
           </a:p>
@@ -5424,7 +5424,7 @@
           <a:p>
             <a:fld id="{EDEC158B-FB0A-43FC-87BA-79B801717EB2}" type="datetimeFigureOut">
               <a:rPr lang="en-AU" smtClean="0"/>
-              <a:t>21/08/2024</a:t>
+              <a:t>25/08/2024</a:t>
             </a:fld>
             <a:endParaRPr lang="en-AU"/>
           </a:p>
@@ -5839,7 +5839,7 @@
           <a:p>
             <a:fld id="{EDEC158B-FB0A-43FC-87BA-79B801717EB2}" type="datetimeFigureOut">
               <a:rPr lang="en-AU" smtClean="0"/>
-              <a:t>21/08/2024</a:t>
+              <a:t>25/08/2024</a:t>
             </a:fld>
             <a:endParaRPr lang="en-AU"/>
           </a:p>
@@ -5981,7 +5981,7 @@
           <a:p>
             <a:fld id="{EDEC158B-FB0A-43FC-87BA-79B801717EB2}" type="datetimeFigureOut">
               <a:rPr lang="en-AU" smtClean="0"/>
-              <a:t>21/08/2024</a:t>
+              <a:t>25/08/2024</a:t>
             </a:fld>
             <a:endParaRPr lang="en-AU"/>
           </a:p>
@@ -6094,7 +6094,7 @@
           <a:p>
             <a:fld id="{EDEC158B-FB0A-43FC-87BA-79B801717EB2}" type="datetimeFigureOut">
               <a:rPr lang="en-AU" smtClean="0"/>
-              <a:t>21/08/2024</a:t>
+              <a:t>25/08/2024</a:t>
             </a:fld>
             <a:endParaRPr lang="en-AU"/>
           </a:p>
@@ -6407,7 +6407,7 @@
           <a:p>
             <a:fld id="{EDEC158B-FB0A-43FC-87BA-79B801717EB2}" type="datetimeFigureOut">
               <a:rPr lang="en-AU" smtClean="0"/>
-              <a:t>21/08/2024</a:t>
+              <a:t>25/08/2024</a:t>
             </a:fld>
             <a:endParaRPr lang="en-AU"/>
           </a:p>
@@ -6696,7 +6696,7 @@
           <a:p>
             <a:fld id="{EDEC158B-FB0A-43FC-87BA-79B801717EB2}" type="datetimeFigureOut">
               <a:rPr lang="en-AU" smtClean="0"/>
-              <a:t>21/08/2024</a:t>
+              <a:t>25/08/2024</a:t>
             </a:fld>
             <a:endParaRPr lang="en-AU"/>
           </a:p>
@@ -6939,7 +6939,7 @@
           <a:p>
             <a:fld id="{EDEC158B-FB0A-43FC-87BA-79B801717EB2}" type="datetimeFigureOut">
               <a:rPr lang="en-AU" smtClean="0"/>
-              <a:t>21/08/2024</a:t>
+              <a:t>25/08/2024</a:t>
             </a:fld>
             <a:endParaRPr lang="en-AU"/>
           </a:p>
@@ -7534,7 +7534,7 @@
         </p:nvSpPr>
         <p:spPr>
           <a:xfrm>
-            <a:off x="2810735" y="6181094"/>
+            <a:off x="2810735" y="5959883"/>
             <a:ext cx="2083268" cy="369332"/>
           </a:xfrm>
           <a:prstGeom prst="rect">
@@ -7686,7 +7686,7 @@
         </p:blipFill>
         <p:spPr>
           <a:xfrm>
-            <a:off x="3170855" y="5214491"/>
+            <a:off x="3170855" y="4993280"/>
             <a:ext cx="1236265" cy="879835"/>
           </a:xfrm>
           <a:prstGeom prst="rect">
@@ -8010,7 +8010,7 @@
         </p:blipFill>
         <p:spPr>
           <a:xfrm>
-            <a:off x="6391032" y="5311370"/>
+            <a:off x="6391032" y="5126779"/>
             <a:ext cx="2177983" cy="642354"/>
           </a:xfrm>
           <a:prstGeom prst="rect">
@@ -8032,7 +8032,7 @@
         </p:nvSpPr>
         <p:spPr>
           <a:xfrm>
-            <a:off x="6450249" y="6106010"/>
+            <a:off x="6450249" y="5921419"/>
             <a:ext cx="2059547" cy="369332"/>
           </a:xfrm>
           <a:prstGeom prst="rect">
@@ -8058,6 +8058,44 @@
                 <a:latin typeface="-apple-system"/>
               </a:rPr>
               <a:t> Antoine Guillaume </a:t>
+            </a:r>
+            <a:endParaRPr lang="en-GB" dirty="0"/>
+          </a:p>
+        </p:txBody>
+      </p:sp>
+      <p:sp>
+        <p:nvSpPr>
+          <p:cNvPr id="3" name="TextBox 2">
+            <a:extLst>
+              <a:ext uri="{FF2B5EF4-FFF2-40B4-BE49-F238E27FC236}">
+                <a16:creationId xmlns:a16="http://schemas.microsoft.com/office/drawing/2014/main" id="{412879DB-681D-5D62-E5B2-87B78D6E45F6}"/>
+              </a:ext>
+            </a:extLst>
+          </p:cNvPr>
+          <p:cNvSpPr txBox="1"/>
+          <p:nvPr/>
+        </p:nvSpPr>
+        <p:spPr>
+          <a:xfrm>
+            <a:off x="3333497" y="6373457"/>
+            <a:ext cx="6912142" cy="369332"/>
+          </a:xfrm>
+          <a:prstGeom prst="rect">
+            <a:avLst/>
+          </a:prstGeom>
+          <a:noFill/>
+        </p:spPr>
+        <p:txBody>
+          <a:bodyPr wrap="square">
+            <a:spAutoFit/>
+          </a:bodyPr>
+          <a:lstStyle/>
+          <a:p>
+            <a:r>
+              <a:rPr lang="en-GB" dirty="0">
+                <a:hlinkClick r:id="rId12"/>
+              </a:rPr>
+              <a:t>https://aeon-tutorials.github.io/KDD-2024/</a:t>
             </a:r>
             <a:endParaRPr lang="en-GB" dirty="0"/>
           </a:p>
@@ -9653,6 +9691,120 @@
           </a:prstGeom>
         </p:spPr>
       </p:pic>
+      <p:sp>
+        <p:nvSpPr>
+          <p:cNvPr id="5" name="TextBox 4">
+            <a:extLst>
+              <a:ext uri="{FF2B5EF4-FFF2-40B4-BE49-F238E27FC236}">
+                <a16:creationId xmlns:a16="http://schemas.microsoft.com/office/drawing/2014/main" id="{A75A9A54-E5CB-D780-92EE-72B539CB8A0B}"/>
+              </a:ext>
+            </a:extLst>
+          </p:cNvPr>
+          <p:cNvSpPr txBox="1"/>
+          <p:nvPr/>
+        </p:nvSpPr>
+        <p:spPr>
+          <a:xfrm>
+            <a:off x="462569" y="5843693"/>
+            <a:ext cx="6912142" cy="369332"/>
+          </a:xfrm>
+          <a:prstGeom prst="rect">
+            <a:avLst/>
+          </a:prstGeom>
+          <a:noFill/>
+        </p:spPr>
+        <p:txBody>
+          <a:bodyPr wrap="square">
+            <a:spAutoFit/>
+          </a:bodyPr>
+          <a:lstStyle/>
+          <a:p>
+            <a:r>
+              <a:rPr lang="en-GB" dirty="0">
+                <a:hlinkClick r:id="rId10"/>
+              </a:rPr>
+              <a:t>https://aeon-tutorials.github.io/KDD-2024/</a:t>
+            </a:r>
+            <a:endParaRPr lang="en-GB" dirty="0"/>
+          </a:p>
+        </p:txBody>
+      </p:sp>
+      <p:sp>
+        <p:nvSpPr>
+          <p:cNvPr id="7" name="TextBox 6">
+            <a:extLst>
+              <a:ext uri="{FF2B5EF4-FFF2-40B4-BE49-F238E27FC236}">
+                <a16:creationId xmlns:a16="http://schemas.microsoft.com/office/drawing/2014/main" id="{87FE070D-4163-0399-D541-723229038FAA}"/>
+              </a:ext>
+            </a:extLst>
+          </p:cNvPr>
+          <p:cNvSpPr txBox="1"/>
+          <p:nvPr/>
+        </p:nvSpPr>
+        <p:spPr>
+          <a:xfrm>
+            <a:off x="462569" y="6181649"/>
+            <a:ext cx="11624312" cy="369332"/>
+          </a:xfrm>
+          <a:prstGeom prst="rect">
+            <a:avLst/>
+          </a:prstGeom>
+          <a:noFill/>
+        </p:spPr>
+        <p:txBody>
+          <a:bodyPr wrap="square">
+            <a:spAutoFit/>
+          </a:bodyPr>
+          <a:lstStyle/>
+          <a:p>
+            <a:r>
+              <a:rPr lang="en-GB" dirty="0">
+                <a:hlinkClick r:id="rId11"/>
+              </a:rPr>
+              <a:t>https://github.com/aeon-toolkit/aeon-tutorials/blob/main/KDD-2024/Notebooks/part1_introduction.ipynb</a:t>
+            </a:r>
+            <a:endParaRPr lang="en-GB" dirty="0"/>
+          </a:p>
+        </p:txBody>
+      </p:sp>
+      <p:sp>
+        <p:nvSpPr>
+          <p:cNvPr id="9" name="TextBox 8">
+            <a:extLst>
+              <a:ext uri="{FF2B5EF4-FFF2-40B4-BE49-F238E27FC236}">
+                <a16:creationId xmlns:a16="http://schemas.microsoft.com/office/drawing/2014/main" id="{7A79C7FF-C2A9-A28E-424D-28E793F59DC4}"/>
+              </a:ext>
+            </a:extLst>
+          </p:cNvPr>
+          <p:cNvSpPr txBox="1"/>
+          <p:nvPr/>
+        </p:nvSpPr>
+        <p:spPr>
+          <a:xfrm>
+            <a:off x="462569" y="6492057"/>
+            <a:ext cx="6124072" cy="369332"/>
+          </a:xfrm>
+          <a:prstGeom prst="rect">
+            <a:avLst/>
+          </a:prstGeom>
+          <a:noFill/>
+        </p:spPr>
+        <p:txBody>
+          <a:bodyPr wrap="square">
+            <a:spAutoFit/>
+          </a:bodyPr>
+          <a:lstStyle/>
+          <a:p>
+            <a:r>
+              <a:rPr lang="en-GB" dirty="0">
+                <a:hlinkClick r:id="rId12"/>
+              </a:rPr>
+              <a:t>https://aeon-tutorials.github.io/KDD-2024/code.html</a:t>
+            </a:r>
+            <a:endParaRPr lang="en-GB" dirty="0"/>
+          </a:p>
+        </p:txBody>
+      </p:sp>
     </p:spTree>
     <p:extLst>
       <p:ext uri="{BB962C8B-B14F-4D97-AF65-F5344CB8AC3E}">
@@ -18476,8 +18628,12 @@
           </a:lstStyle>
           <a:p>
             <a:r>
+              <a:rPr lang="en-US" sz="3000" dirty="0" err="1"/>
+              <a:t>aeon</a:t>
+            </a:r>
+            <a:r>
               <a:rPr lang="en-US" sz="3000" dirty="0"/>
-              <a:t>Aeon classifiers and regressors are compatible with </a:t>
+              <a:t> classifiers and regressors are compatible with </a:t>
             </a:r>
             <a:r>
               <a:rPr lang="en-US" sz="3000" dirty="0" err="1"/>
@@ -18861,9 +19017,12 @@
           <a:lstStyle/>
           <a:p>
             <a:r>
-              <a:rPr lang="en-GB" dirty="0"/>
+              <a:rPr lang="en-GB" dirty="0">
+                <a:hlinkClick r:id="rId4"/>
+              </a:rPr>
               <a:t>https://github.com/aeon-toolkit/aeon-neuro</a:t>
             </a:r>
+            <a:endParaRPr lang="en-GB" dirty="0"/>
           </a:p>
         </p:txBody>
       </p:sp>
@@ -18882,7 +19041,7 @@
           <p:nvPr/>
         </p:nvPicPr>
         <p:blipFill>
-          <a:blip r:embed="rId4"/>
+          <a:blip r:embed="rId5"/>
           <a:stretch>
             <a:fillRect/>
           </a:stretch>
@@ -18926,9 +19085,12 @@
           <a:lstStyle/>
           <a:p>
             <a:r>
-              <a:rPr lang="en-GB" dirty="0"/>
+              <a:rPr lang="en-GB" dirty="0">
+                <a:hlinkClick r:id="rId6"/>
+              </a:rPr>
               <a:t>https://www.wellthlab.ac.uk/</a:t>
             </a:r>
+            <a:endParaRPr lang="en-GB" dirty="0"/>
           </a:p>
         </p:txBody>
       </p:sp>
@@ -19099,9 +19261,12 @@
           <a:lstStyle/>
           <a:p>
             <a:r>
-              <a:rPr lang="en-GB" dirty="0"/>
+              <a:rPr lang="en-GB" dirty="0">
+                <a:hlinkClick r:id="rId4"/>
+              </a:rPr>
               <a:t>https://github.com/aeon-toolkit/aeon-neuro/blob/main/examples/data_loading.ipynb</a:t>
             </a:r>
+            <a:endParaRPr lang="en-GB" dirty="0"/>
           </a:p>
         </p:txBody>
       </p:sp>
@@ -20218,84 +20383,6 @@
   <p:clrMapOvr>
     <a:masterClrMapping/>
   </p:clrMapOvr>
-  <p:timing>
-    <p:tnLst>
-      <p:par>
-        <p:cTn id="1" dur="indefinite" restart="never" nodeType="tmRoot">
-          <p:childTnLst>
-            <p:seq concurrent="1" nextAc="seek">
-              <p:cTn id="2" dur="indefinite" nodeType="mainSeq">
-                <p:childTnLst>
-                  <p:par>
-                    <p:cTn id="3" fill="hold">
-                      <p:stCondLst>
-                        <p:cond delay="indefinite"/>
-                        <p:cond evt="onBegin" delay="0">
-                          <p:tn val="2"/>
-                        </p:cond>
-                      </p:stCondLst>
-                      <p:childTnLst>
-                        <p:par>
-                          <p:cTn id="4" fill="hold">
-                            <p:stCondLst>
-                              <p:cond delay="0"/>
-                            </p:stCondLst>
-                            <p:childTnLst>
-                              <p:par>
-                                <p:cTn id="5" presetID="1" presetClass="entr" presetSubtype="0" fill="hold" nodeType="withEffect">
-                                  <p:stCondLst>
-                                    <p:cond delay="0"/>
-                                  </p:stCondLst>
-                                  <p:childTnLst>
-                                    <p:set>
-                                      <p:cBhvr>
-                                        <p:cTn id="6" dur="1" fill="hold">
-                                          <p:stCondLst>
-                                            <p:cond delay="0"/>
-                                          </p:stCondLst>
-                                        </p:cTn>
-                                        <p:tgtEl>
-                                          <p:spTgt spid="3"/>
-                                        </p:tgtEl>
-                                        <p:attrNameLst>
-                                          <p:attrName>style.visibility</p:attrName>
-                                        </p:attrNameLst>
-                                      </p:cBhvr>
-                                      <p:to>
-                                        <p:strVal val="visible"/>
-                                      </p:to>
-                                    </p:set>
-                                  </p:childTnLst>
-                                </p:cTn>
-                              </p:par>
-                            </p:childTnLst>
-                          </p:cTn>
-                        </p:par>
-                      </p:childTnLst>
-                    </p:cTn>
-                  </p:par>
-                </p:childTnLst>
-              </p:cTn>
-              <p:prevCondLst>
-                <p:cond evt="onPrev" delay="0">
-                  <p:tgtEl>
-                    <p:sldTgt/>
-                  </p:tgtEl>
-                </p:cond>
-              </p:prevCondLst>
-              <p:nextCondLst>
-                <p:cond evt="onNext" delay="0">
-                  <p:tgtEl>
-                    <p:sldTgt/>
-                  </p:tgtEl>
-                </p:cond>
-              </p:nextCondLst>
-            </p:seq>
-          </p:childTnLst>
-        </p:cTn>
-      </p:par>
-    </p:tnLst>
-  </p:timing>
 </p:sld>
 </file>
 

--- a/KDD-2024/Slides/part1_Introduction.pptx
+++ b/KDD-2024/Slides/part1_Introduction.pptx
@@ -5,21 +5,22 @@
     <p:sldMasterId id="2147483648" r:id="rId1"/>
   </p:sldMasterIdLst>
   <p:notesMasterIdLst>
-    <p:notesMasterId r:id="rId14"/>
+    <p:notesMasterId r:id="rId15"/>
   </p:notesMasterIdLst>
   <p:sldIdLst>
     <p:sldId id="256" r:id="rId2"/>
     <p:sldId id="258" r:id="rId3"/>
-    <p:sldId id="439" r:id="rId4"/>
-    <p:sldId id="337" r:id="rId5"/>
-    <p:sldId id="2538" r:id="rId6"/>
-    <p:sldId id="361" r:id="rId7"/>
-    <p:sldId id="2540" r:id="rId8"/>
-    <p:sldId id="2541" r:id="rId9"/>
-    <p:sldId id="2542" r:id="rId10"/>
-    <p:sldId id="260" r:id="rId11"/>
-    <p:sldId id="2539" r:id="rId12"/>
-    <p:sldId id="257" r:id="rId13"/>
+    <p:sldId id="374" r:id="rId4"/>
+    <p:sldId id="439" r:id="rId5"/>
+    <p:sldId id="337" r:id="rId6"/>
+    <p:sldId id="2538" r:id="rId7"/>
+    <p:sldId id="361" r:id="rId8"/>
+    <p:sldId id="2540" r:id="rId9"/>
+    <p:sldId id="2541" r:id="rId10"/>
+    <p:sldId id="2542" r:id="rId11"/>
+    <p:sldId id="260" r:id="rId12"/>
+    <p:sldId id="2539" r:id="rId13"/>
+    <p:sldId id="257" r:id="rId14"/>
   </p:sldIdLst>
   <p:sldSz cx="12192000" cy="6858000"/>
   <p:notesSz cx="6858000" cy="9144000"/>
@@ -2766,7 +2767,7 @@
           <a:p>
             <a:fld id="{A208CC58-AEBA-4B81-AD4F-648E402612BD}" type="datetimeFigureOut">
               <a:rPr lang="en-GB" smtClean="0"/>
-              <a:t>25/08/2024</a:t>
+              <a:t>26/08/2024</a:t>
             </a:fld>
             <a:endParaRPr lang="en-GB"/>
           </a:p>
@@ -3053,42 +3054,70 @@
       </p:grpSpPr>
       <p:sp>
         <p:nvSpPr>
-          <p:cNvPr id="2" name="Slide Image Placeholder 1"/>
+          <p:cNvPr id="47106" name="Rectangle 7"/>
           <p:cNvSpPr>
-            <a:spLocks noGrp="1" noRot="1" noChangeAspect="1"/>
+            <a:spLocks noGrp="1" noChangeArrowheads="1"/>
+          </p:cNvSpPr>
+          <p:nvPr>
+            <p:ph type="sldNum" sz="quarter" idx="5"/>
+          </p:nvPr>
+        </p:nvSpPr>
+        <p:spPr>
+          <a:noFill/>
+        </p:spPr>
+        <p:txBody>
+          <a:bodyPr/>
+          <a:lstStyle/>
+          <a:p>
+            <a:fld id="{21661BB9-6A13-4A59-8F4A-55DD1E7574F5}" type="slidenum">
+              <a:rPr lang="en-GB" smtClean="0"/>
+              <a:pPr/>
+              <a:t>3</a:t>
+            </a:fld>
+            <a:endParaRPr lang="en-GB"/>
+          </a:p>
+        </p:txBody>
+      </p:sp>
+      <p:sp>
+        <p:nvSpPr>
+          <p:cNvPr id="47107" name="Rectangle 2"/>
+          <p:cNvSpPr>
+            <a:spLocks noGrp="1" noRot="1" noChangeAspect="1" noChangeArrowheads="1" noTextEdit="1"/>
           </p:cNvSpPr>
           <p:nvPr>
             <p:ph type="sldImg"/>
           </p:nvPr>
         </p:nvSpPr>
-        <p:spPr/>
+        <p:spPr>
+          <a:ln/>
+        </p:spPr>
       </p:sp>
       <p:sp>
         <p:nvSpPr>
-          <p:cNvPr id="3" name="Notes Placeholder 2"/>
+          <p:cNvPr id="47108" name="Rectangle 3"/>
           <p:cNvSpPr>
-            <a:spLocks noGrp="1"/>
+            <a:spLocks noGrp="1" noChangeArrowheads="1"/>
           </p:cNvSpPr>
           <p:nvPr>
             <p:ph type="body" idx="1"/>
           </p:nvPr>
         </p:nvSpPr>
-        <p:spPr/>
+        <p:spPr>
+          <a:noFill/>
+          <a:ln w="9525"/>
+        </p:spPr>
         <p:txBody>
           <a:bodyPr/>
           <a:lstStyle/>
           <a:p>
-            <a:pPr marL="158750" indent="0">
-              <a:buNone/>
-            </a:pPr>
-            <a:endParaRPr lang="en-GB" dirty="0"/>
+            <a:endParaRPr lang="en-US"/>
           </a:p>
         </p:txBody>
       </p:sp>
     </p:spTree>
     <p:extLst>
       <p:ext uri="{BB962C8B-B14F-4D97-AF65-F5344CB8AC3E}">
-        <p14:creationId xmlns:p14="http://schemas.microsoft.com/office/powerpoint/2010/main" val="118186241"/>
+        <p14:creationId xmlns:p14="http://schemas.microsoft.com/office/powerpoint/2010/main" val="1506925754"/>
       </p:ext>
     </p:extLst>
   </p:cSld>
@@ -3152,7 +3181,7 @@
     </p:spTree>
     <p:extLst>
       <p:ext uri="{BB962C8B-B14F-4D97-AF65-F5344CB8AC3E}">
-        <p14:creationId xmlns:p14="http://schemas.microsoft.com/office/powerpoint/2010/main" val="1441073430"/>
+        <p14:creationId xmlns:p14="http://schemas.microsoft.com/office/powerpoint/2010/main" val="118186241"/>
       </p:ext>
     </p:extLst>
   </p:cSld>
@@ -3216,7 +3245,7 @@
     </p:spTree>
     <p:extLst>
       <p:ext uri="{BB962C8B-B14F-4D97-AF65-F5344CB8AC3E}">
-        <p14:creationId xmlns:p14="http://schemas.microsoft.com/office/powerpoint/2010/main" val="2467645311"/>
+        <p14:creationId xmlns:p14="http://schemas.microsoft.com/office/powerpoint/2010/main" val="1441073430"/>
       </p:ext>
     </p:extLst>
   </p:cSld>
@@ -3270,6 +3299,70 @@
           <a:bodyPr/>
           <a:lstStyle/>
           <a:p>
+            <a:pPr marL="158750" indent="0">
+              <a:buNone/>
+            </a:pPr>
+            <a:endParaRPr lang="en-GB" dirty="0"/>
+          </a:p>
+        </p:txBody>
+      </p:sp>
+    </p:spTree>
+    <p:extLst>
+      <p:ext uri="{BB962C8B-B14F-4D97-AF65-F5344CB8AC3E}">
+        <p14:creationId xmlns:p14="http://schemas.microsoft.com/office/powerpoint/2010/main" val="2467645311"/>
+      </p:ext>
+    </p:extLst>
+  </p:cSld>
+  <p:clrMapOvr>
+    <a:masterClrMapping/>
+  </p:clrMapOvr>
+</p:notes>
+</file>
+
+<file path=ppt/notesSlides/notesSlide5.xml><?xml version="1.0" encoding="utf-8"?>
+<p:notes xmlns:a="http://schemas.openxmlformats.org/drawingml/2006/main" xmlns:r="http://schemas.openxmlformats.org/officeDocument/2006/relationships" xmlns:p="http://schemas.openxmlformats.org/presentationml/2006/main">
+  <p:cSld>
+    <p:spTree>
+      <p:nvGrpSpPr>
+        <p:cNvPr id="1" name=""/>
+        <p:cNvGrpSpPr/>
+        <p:nvPr/>
+      </p:nvGrpSpPr>
+      <p:grpSpPr>
+        <a:xfrm>
+          <a:off x="0" y="0"/>
+          <a:ext cx="0" cy="0"/>
+          <a:chOff x="0" y="0"/>
+          <a:chExt cx="0" cy="0"/>
+        </a:xfrm>
+      </p:grpSpPr>
+      <p:sp>
+        <p:nvSpPr>
+          <p:cNvPr id="2" name="Slide Image Placeholder 1"/>
+          <p:cNvSpPr>
+            <a:spLocks noGrp="1" noRot="1" noChangeAspect="1"/>
+          </p:cNvSpPr>
+          <p:nvPr>
+            <p:ph type="sldImg"/>
+          </p:nvPr>
+        </p:nvSpPr>
+        <p:spPr/>
+      </p:sp>
+      <p:sp>
+        <p:nvSpPr>
+          <p:cNvPr id="3" name="Notes Placeholder 2"/>
+          <p:cNvSpPr>
+            <a:spLocks noGrp="1"/>
+          </p:cNvSpPr>
+          <p:nvPr>
+            <p:ph type="body" idx="1"/>
+          </p:nvPr>
+        </p:nvSpPr>
+        <p:spPr/>
+        <p:txBody>
+          <a:bodyPr/>
+          <a:lstStyle/>
+          <a:p>
             <a:endParaRPr lang="en-GB" dirty="0"/>
           </a:p>
         </p:txBody>
@@ -3436,7 +3529,7 @@
           <a:p>
             <a:fld id="{EDEC158B-FB0A-43FC-87BA-79B801717EB2}" type="datetimeFigureOut">
               <a:rPr lang="en-AU" smtClean="0"/>
-              <a:t>25/08/2024</a:t>
+              <a:t>26/08/2024</a:t>
             </a:fld>
             <a:endParaRPr lang="en-AU"/>
           </a:p>
@@ -3636,7 +3729,7 @@
           <a:p>
             <a:fld id="{EDEC158B-FB0A-43FC-87BA-79B801717EB2}" type="datetimeFigureOut">
               <a:rPr lang="en-AU" smtClean="0"/>
-              <a:t>25/08/2024</a:t>
+              <a:t>26/08/2024</a:t>
             </a:fld>
             <a:endParaRPr lang="en-AU"/>
           </a:p>
@@ -3846,7 +3939,7 @@
           <a:p>
             <a:fld id="{EDEC158B-FB0A-43FC-87BA-79B801717EB2}" type="datetimeFigureOut">
               <a:rPr lang="en-AU" smtClean="0"/>
-              <a:t>25/08/2024</a:t>
+              <a:t>26/08/2024</a:t>
             </a:fld>
             <a:endParaRPr lang="en-AU"/>
           </a:p>
@@ -4880,7 +4973,7 @@
           <a:p>
             <a:fld id="{EDEC158B-FB0A-43FC-87BA-79B801717EB2}" type="datetimeFigureOut">
               <a:rPr lang="en-AU" smtClean="0"/>
-              <a:t>25/08/2024</a:t>
+              <a:t>26/08/2024</a:t>
             </a:fld>
             <a:endParaRPr lang="en-AU"/>
           </a:p>
@@ -5156,7 +5249,7 @@
           <a:p>
             <a:fld id="{EDEC158B-FB0A-43FC-87BA-79B801717EB2}" type="datetimeFigureOut">
               <a:rPr lang="en-AU" smtClean="0"/>
-              <a:t>25/08/2024</a:t>
+              <a:t>26/08/2024</a:t>
             </a:fld>
             <a:endParaRPr lang="en-AU"/>
           </a:p>
@@ -5424,7 +5517,7 @@
           <a:p>
             <a:fld id="{EDEC158B-FB0A-43FC-87BA-79B801717EB2}" type="datetimeFigureOut">
               <a:rPr lang="en-AU" smtClean="0"/>
-              <a:t>25/08/2024</a:t>
+              <a:t>26/08/2024</a:t>
             </a:fld>
             <a:endParaRPr lang="en-AU"/>
           </a:p>
@@ -5839,7 +5932,7 @@
           <a:p>
             <a:fld id="{EDEC158B-FB0A-43FC-87BA-79B801717EB2}" type="datetimeFigureOut">
               <a:rPr lang="en-AU" smtClean="0"/>
-              <a:t>25/08/2024</a:t>
+              <a:t>26/08/2024</a:t>
             </a:fld>
             <a:endParaRPr lang="en-AU"/>
           </a:p>
@@ -5981,7 +6074,7 @@
           <a:p>
             <a:fld id="{EDEC158B-FB0A-43FC-87BA-79B801717EB2}" type="datetimeFigureOut">
               <a:rPr lang="en-AU" smtClean="0"/>
-              <a:t>25/08/2024</a:t>
+              <a:t>26/08/2024</a:t>
             </a:fld>
             <a:endParaRPr lang="en-AU"/>
           </a:p>
@@ -6094,7 +6187,7 @@
           <a:p>
             <a:fld id="{EDEC158B-FB0A-43FC-87BA-79B801717EB2}" type="datetimeFigureOut">
               <a:rPr lang="en-AU" smtClean="0"/>
-              <a:t>25/08/2024</a:t>
+              <a:t>26/08/2024</a:t>
             </a:fld>
             <a:endParaRPr lang="en-AU"/>
           </a:p>
@@ -6407,7 +6500,7 @@
           <a:p>
             <a:fld id="{EDEC158B-FB0A-43FC-87BA-79B801717EB2}" type="datetimeFigureOut">
               <a:rPr lang="en-AU" smtClean="0"/>
-              <a:t>25/08/2024</a:t>
+              <a:t>26/08/2024</a:t>
             </a:fld>
             <a:endParaRPr lang="en-AU"/>
           </a:p>
@@ -6696,7 +6789,7 @@
           <a:p>
             <a:fld id="{EDEC158B-FB0A-43FC-87BA-79B801717EB2}" type="datetimeFigureOut">
               <a:rPr lang="en-AU" smtClean="0"/>
-              <a:t>25/08/2024</a:t>
+              <a:t>26/08/2024</a:t>
             </a:fld>
             <a:endParaRPr lang="en-AU"/>
           </a:p>
@@ -6939,7 +7032,7 @@
           <a:p>
             <a:fld id="{EDEC158B-FB0A-43FC-87BA-79B801717EB2}" type="datetimeFigureOut">
               <a:rPr lang="en-AU" smtClean="0"/>
-              <a:t>25/08/2024</a:t>
+              <a:t>26/08/2024</a:t>
             </a:fld>
             <a:endParaRPr lang="en-AU"/>
           </a:p>
@@ -8227,7 +8320,7 @@
         </p:nvSpPr>
         <p:spPr>
           <a:xfrm>
-            <a:off x="765008" y="130146"/>
+            <a:off x="384262" y="-92048"/>
             <a:ext cx="11107885" cy="922760"/>
           </a:xfrm>
         </p:spPr>
@@ -8238,10 +8331,10 @@
           <a:lstStyle/>
           <a:p>
             <a:r>
-              <a:rPr lang="en-US" dirty="0"/>
-              <a:t>Taxonomy of Algorithms</a:t>
-            </a:r>
-            <a:endParaRPr lang="en-AU" dirty="0"/>
+              <a:rPr lang="en-US" sz="4000" dirty="0"/>
+              <a:t>Code Examples</a:t>
+            </a:r>
+            <a:endParaRPr lang="en-AU" sz="4000" dirty="0"/>
           </a:p>
         </p:txBody>
       </p:sp>
@@ -8283,10 +8376,10 @@
       </p:sp>
       <p:pic>
         <p:nvPicPr>
-          <p:cNvPr id="7" name="Picture 6">
-            <a:extLst>
-              <a:ext uri="{FF2B5EF4-FFF2-40B4-BE49-F238E27FC236}">
-                <a16:creationId xmlns:a16="http://schemas.microsoft.com/office/drawing/2014/main" id="{A33CED34-6EA7-8B8E-EBAE-39EC895E1B19}"/>
+          <p:cNvPr id="25" name="Picture 24">
+            <a:extLst>
+              <a:ext uri="{FF2B5EF4-FFF2-40B4-BE49-F238E27FC236}">
+                <a16:creationId xmlns:a16="http://schemas.microsoft.com/office/drawing/2014/main" id="{BEB608A9-EBE3-C6A3-3962-6A0B9D2AF63D}"/>
               </a:ext>
             </a:extLst>
           </p:cNvPr>
@@ -8303,18 +8396,1187 @@
         </p:blipFill>
         <p:spPr>
           <a:xfrm>
-            <a:off x="60452" y="1161732"/>
-            <a:ext cx="11734384" cy="5508449"/>
+            <a:off x="0" y="11778"/>
+            <a:ext cx="2076740" cy="1390844"/>
           </a:xfrm>
           <a:prstGeom prst="rect">
             <a:avLst/>
           </a:prstGeom>
         </p:spPr>
       </p:pic>
+      <p:sp>
+        <p:nvSpPr>
+          <p:cNvPr id="3" name="Title 1">
+            <a:extLst>
+              <a:ext uri="{FF2B5EF4-FFF2-40B4-BE49-F238E27FC236}">
+                <a16:creationId xmlns:a16="http://schemas.microsoft.com/office/drawing/2014/main" id="{21BB95F2-E935-F052-EBB3-51B6D04AABB3}"/>
+              </a:ext>
+            </a:extLst>
+          </p:cNvPr>
+          <p:cNvSpPr txBox="1">
+            <a:spLocks/>
+          </p:cNvSpPr>
+          <p:nvPr/>
+        </p:nvSpPr>
+        <p:spPr>
+          <a:xfrm>
+            <a:off x="542057" y="802503"/>
+            <a:ext cx="11107885" cy="517798"/>
+          </a:xfrm>
+          <a:prstGeom prst="rect">
+            <a:avLst/>
+          </a:prstGeom>
+        </p:spPr>
+        <p:txBody>
+          <a:bodyPr vert="horz" lIns="91440" tIns="45720" rIns="91440" bIns="45720" rtlCol="0" anchor="b">
+            <a:normAutofit/>
+          </a:bodyPr>
+          <a:lstStyle>
+            <a:lvl1pPr algn="ctr" defTabSz="914400" rtl="0" eaLnBrk="1" latinLnBrk="0" hangingPunct="1">
+              <a:lnSpc>
+                <a:spcPct val="90000"/>
+              </a:lnSpc>
+              <a:spcBef>
+                <a:spcPct val="0"/>
+              </a:spcBef>
+              <a:buNone/>
+              <a:defRPr sz="6000" kern="1200">
+                <a:solidFill>
+                  <a:schemeClr val="tx1"/>
+                </a:solidFill>
+                <a:latin typeface="+mj-lt"/>
+                <a:ea typeface="+mj-ea"/>
+                <a:cs typeface="+mj-cs"/>
+              </a:defRPr>
+            </a:lvl1pPr>
+          </a:lstStyle>
+          <a:p>
+            <a:r>
+              <a:rPr lang="en-US" sz="3000" dirty="0"/>
+              <a:t>Each section has an associated notebook</a:t>
+            </a:r>
+            <a:endParaRPr lang="en-AU" sz="3000" dirty="0"/>
+          </a:p>
+        </p:txBody>
+      </p:sp>
+      <p:sp>
+        <p:nvSpPr>
+          <p:cNvPr id="5" name="Title 1">
+            <a:extLst>
+              <a:ext uri="{FF2B5EF4-FFF2-40B4-BE49-F238E27FC236}">
+                <a16:creationId xmlns:a16="http://schemas.microsoft.com/office/drawing/2014/main" id="{10BA7E1D-9767-FEC9-CA20-968012C03E16}"/>
+              </a:ext>
+            </a:extLst>
+          </p:cNvPr>
+          <p:cNvSpPr txBox="1">
+            <a:spLocks/>
+          </p:cNvSpPr>
+          <p:nvPr/>
+        </p:nvSpPr>
+        <p:spPr>
+          <a:xfrm>
+            <a:off x="384263" y="1550220"/>
+            <a:ext cx="11107885" cy="987937"/>
+          </a:xfrm>
+          <a:prstGeom prst="rect">
+            <a:avLst/>
+          </a:prstGeom>
+        </p:spPr>
+        <p:txBody>
+          <a:bodyPr vert="horz" lIns="91440" tIns="45720" rIns="91440" bIns="45720" rtlCol="0" anchor="b">
+            <a:noAutofit/>
+          </a:bodyPr>
+          <a:lstStyle>
+            <a:lvl1pPr algn="ctr" defTabSz="914400" rtl="0" eaLnBrk="1" latinLnBrk="0" hangingPunct="1">
+              <a:lnSpc>
+                <a:spcPct val="90000"/>
+              </a:lnSpc>
+              <a:spcBef>
+                <a:spcPct val="0"/>
+              </a:spcBef>
+              <a:buNone/>
+              <a:defRPr sz="6000" kern="1200">
+                <a:solidFill>
+                  <a:schemeClr val="tx1"/>
+                </a:solidFill>
+                <a:latin typeface="+mj-lt"/>
+                <a:ea typeface="+mj-ea"/>
+                <a:cs typeface="+mj-cs"/>
+              </a:defRPr>
+            </a:lvl1pPr>
+          </a:lstStyle>
+          <a:p>
+            <a:r>
+              <a:rPr lang="en-US" sz="2400" dirty="0"/>
+              <a:t>The notebook for this section contains information on the datasets</a:t>
+            </a:r>
+          </a:p>
+          <a:p>
+            <a:r>
+              <a:rPr lang="en-US" sz="2400" dirty="0"/>
+              <a:t>and basic use cases for </a:t>
+            </a:r>
+            <a:r>
+              <a:rPr lang="en-US" sz="2400" dirty="0" err="1"/>
+              <a:t>aeon</a:t>
+            </a:r>
+            <a:r>
+              <a:rPr lang="en-US" sz="2400" dirty="0"/>
+              <a:t> classifiers and regressors</a:t>
+            </a:r>
+          </a:p>
+        </p:txBody>
+      </p:sp>
+      <p:sp>
+        <p:nvSpPr>
+          <p:cNvPr id="7" name="TextBox 6">
+            <a:extLst>
+              <a:ext uri="{FF2B5EF4-FFF2-40B4-BE49-F238E27FC236}">
+                <a16:creationId xmlns:a16="http://schemas.microsoft.com/office/drawing/2014/main" id="{0B9EED76-5632-C542-8997-29D261F032D3}"/>
+              </a:ext>
+            </a:extLst>
+          </p:cNvPr>
+          <p:cNvSpPr txBox="1"/>
+          <p:nvPr/>
+        </p:nvSpPr>
+        <p:spPr>
+          <a:xfrm>
+            <a:off x="315572" y="2585589"/>
+            <a:ext cx="11674765" cy="369332"/>
+          </a:xfrm>
+          <a:prstGeom prst="rect">
+            <a:avLst/>
+          </a:prstGeom>
+          <a:noFill/>
+        </p:spPr>
+        <p:txBody>
+          <a:bodyPr wrap="square">
+            <a:spAutoFit/>
+          </a:bodyPr>
+          <a:lstStyle/>
+          <a:p>
+            <a:r>
+              <a:rPr lang="en-GB" dirty="0">
+                <a:hlinkClick r:id="rId3"/>
+              </a:rPr>
+              <a:t>https://github.com/aeon-toolkit/aeon-tutorials/blob/main/KDD-2024/Notebooks/part1_introduction.ipynb</a:t>
+            </a:r>
+            <a:endParaRPr lang="en-GB" dirty="0"/>
+          </a:p>
+        </p:txBody>
+      </p:sp>
+      <p:sp>
+        <p:nvSpPr>
+          <p:cNvPr id="11" name="Rectangle 2">
+            <a:extLst>
+              <a:ext uri="{FF2B5EF4-FFF2-40B4-BE49-F238E27FC236}">
+                <a16:creationId xmlns:a16="http://schemas.microsoft.com/office/drawing/2014/main" id="{F23EA5CA-9DB3-7B2D-D1ED-285027510CAC}"/>
+              </a:ext>
+            </a:extLst>
+          </p:cNvPr>
+          <p:cNvSpPr>
+            <a:spLocks noChangeArrowheads="1"/>
+          </p:cNvSpPr>
+          <p:nvPr/>
+        </p:nvSpPr>
+        <p:spPr bwMode="auto">
+          <a:xfrm>
+            <a:off x="154804" y="3782903"/>
+            <a:ext cx="7670608" cy="2677656"/>
+          </a:xfrm>
+          <a:prstGeom prst="rect">
+            <a:avLst/>
+          </a:prstGeom>
+          <a:solidFill>
+            <a:srgbClr val="2B2B2B"/>
+          </a:solidFill>
+          <a:ln>
+            <a:noFill/>
+          </a:ln>
+          <a:effectLst/>
+          <a:extLst>
+            <a:ext uri="{91240B29-F687-4F45-9708-019B960494DF}">
+              <a14:hiddenLine xmlns:a14="http://schemas.microsoft.com/office/drawing/2010/main" w="9525">
+                <a:solidFill>
+                  <a:schemeClr val="tx1"/>
+                </a:solidFill>
+                <a:miter lim="800000"/>
+                <a:headEnd/>
+                <a:tailEnd/>
+              </a14:hiddenLine>
+            </a:ext>
+            <a:ext uri="{AF507438-7753-43E0-B8FC-AC1667EBCBE1}">
+              <a14:hiddenEffects xmlns:a14="http://schemas.microsoft.com/office/drawing/2010/main">
+                <a:effectLst>
+                  <a:outerShdw dist="35921" dir="2700000" algn="ctr" rotWithShape="0">
+                    <a:schemeClr val="bg2"/>
+                  </a:outerShdw>
+                </a:effectLst>
+              </a14:hiddenEffects>
+            </a:ext>
+          </a:extLst>
+        </p:spPr>
+        <p:txBody>
+          <a:bodyPr vert="horz" wrap="square" lIns="91440" tIns="45720" rIns="91440" bIns="45720" numCol="1" anchor="ctr" anchorCtr="0" compatLnSpc="1">
+            <a:prstTxWarp prst="textNoShape">
+              <a:avLst/>
+            </a:prstTxWarp>
+            <a:spAutoFit/>
+          </a:bodyPr>
+          <a:lstStyle/>
+          <a:p>
+            <a:pPr marL="0" marR="0" lvl="0" indent="0" algn="l" defTabSz="914400" rtl="0" eaLnBrk="0" fontAlgn="base" latinLnBrk="0" hangingPunct="0">
+              <a:lnSpc>
+                <a:spcPct val="100000"/>
+              </a:lnSpc>
+              <a:spcBef>
+                <a:spcPct val="0"/>
+              </a:spcBef>
+              <a:spcAft>
+                <a:spcPct val="0"/>
+              </a:spcAft>
+              <a:buClrTx/>
+              <a:buSzTx/>
+              <a:buFontTx/>
+              <a:buNone/>
+              <a:tabLst/>
+            </a:pPr>
+            <a:r>
+              <a:rPr kumimoji="0" lang="en-US" altLang="en-US" sz="1400" b="0" i="0" u="none" strike="noStrike" cap="none" normalizeH="0" baseline="0">
+                <a:ln>
+                  <a:noFill/>
+                </a:ln>
+                <a:solidFill>
+                  <a:srgbClr val="CC7832"/>
+                </a:solidFill>
+                <a:effectLst/>
+                <a:latin typeface="Arial Unicode MS"/>
+              </a:rPr>
+              <a:t>from </a:t>
+            </a:r>
+            <a:r>
+              <a:rPr kumimoji="0" lang="en-US" altLang="en-US" sz="1400" b="0" i="0" u="none" strike="noStrike" cap="none" normalizeH="0" baseline="0">
+                <a:ln>
+                  <a:noFill/>
+                </a:ln>
+                <a:solidFill>
+                  <a:srgbClr val="A9B7C6"/>
+                </a:solidFill>
+                <a:effectLst/>
+                <a:latin typeface="Arial Unicode MS"/>
+              </a:rPr>
+              <a:t>aeon.transformations.collection </a:t>
+            </a:r>
+            <a:r>
+              <a:rPr kumimoji="0" lang="en-US" altLang="en-US" sz="1400" b="0" i="0" u="none" strike="noStrike" cap="none" normalizeH="0" baseline="0">
+                <a:ln>
+                  <a:noFill/>
+                </a:ln>
+                <a:solidFill>
+                  <a:srgbClr val="CC7832"/>
+                </a:solidFill>
+                <a:effectLst/>
+                <a:latin typeface="Arial Unicode MS"/>
+              </a:rPr>
+              <a:t>import </a:t>
+            </a:r>
+            <a:r>
+              <a:rPr kumimoji="0" lang="en-US" altLang="en-US" sz="1400" b="0" i="0" u="none" strike="noStrike" cap="none" normalizeH="0" baseline="0">
+                <a:ln>
+                  <a:noFill/>
+                </a:ln>
+                <a:solidFill>
+                  <a:srgbClr val="A9B7C6"/>
+                </a:solidFill>
+                <a:effectLst/>
+                <a:latin typeface="Arial Unicode MS"/>
+              </a:rPr>
+              <a:t>AutocorrelationFunctionTransformer</a:t>
+            </a:r>
+            <a:br>
+              <a:rPr kumimoji="0" lang="en-US" altLang="en-US" sz="1400" b="0" i="0" u="none" strike="noStrike" cap="none" normalizeH="0" baseline="0">
+                <a:ln>
+                  <a:noFill/>
+                </a:ln>
+                <a:solidFill>
+                  <a:srgbClr val="A9B7C6"/>
+                </a:solidFill>
+                <a:effectLst/>
+                <a:latin typeface="Arial Unicode MS"/>
+              </a:rPr>
+            </a:br>
+            <a:r>
+              <a:rPr kumimoji="0" lang="en-US" altLang="en-US" sz="1400" b="0" i="0" u="none" strike="noStrike" cap="none" normalizeH="0" baseline="0">
+                <a:ln>
+                  <a:noFill/>
+                </a:ln>
+                <a:solidFill>
+                  <a:srgbClr val="CC7832"/>
+                </a:solidFill>
+                <a:effectLst/>
+                <a:latin typeface="Arial Unicode MS"/>
+              </a:rPr>
+              <a:t>from </a:t>
+            </a:r>
+            <a:r>
+              <a:rPr kumimoji="0" lang="en-US" altLang="en-US" sz="1400" b="0" i="0" u="none" strike="noStrike" cap="none" normalizeH="0" baseline="0">
+                <a:ln>
+                  <a:noFill/>
+                </a:ln>
+                <a:solidFill>
+                  <a:srgbClr val="A9B7C6"/>
+                </a:solidFill>
+                <a:effectLst/>
+                <a:latin typeface="Arial Unicode MS"/>
+              </a:rPr>
+              <a:t>sklearn.pipeline </a:t>
+            </a:r>
+            <a:r>
+              <a:rPr kumimoji="0" lang="en-US" altLang="en-US" sz="1400" b="0" i="0" u="none" strike="noStrike" cap="none" normalizeH="0" baseline="0">
+                <a:ln>
+                  <a:noFill/>
+                </a:ln>
+                <a:solidFill>
+                  <a:srgbClr val="CC7832"/>
+                </a:solidFill>
+                <a:effectLst/>
+                <a:latin typeface="Arial Unicode MS"/>
+              </a:rPr>
+              <a:t>import </a:t>
+            </a:r>
+            <a:r>
+              <a:rPr kumimoji="0" lang="en-US" altLang="en-US" sz="1400" b="0" i="0" u="none" strike="noStrike" cap="none" normalizeH="0" baseline="0">
+                <a:ln>
+                  <a:noFill/>
+                </a:ln>
+                <a:solidFill>
+                  <a:srgbClr val="A9B7C6"/>
+                </a:solidFill>
+                <a:effectLst/>
+                <a:latin typeface="Arial Unicode MS"/>
+              </a:rPr>
+              <a:t>make_pipeline</a:t>
+            </a:r>
+            <a:br>
+              <a:rPr kumimoji="0" lang="en-US" altLang="en-US" sz="1400" b="0" i="0" u="none" strike="noStrike" cap="none" normalizeH="0" baseline="0">
+                <a:ln>
+                  <a:noFill/>
+                </a:ln>
+                <a:solidFill>
+                  <a:srgbClr val="A9B7C6"/>
+                </a:solidFill>
+                <a:effectLst/>
+                <a:latin typeface="Arial Unicode MS"/>
+              </a:rPr>
+            </a:br>
+            <a:r>
+              <a:rPr kumimoji="0" lang="en-US" altLang="en-US" sz="1400" b="0" i="0" u="none" strike="noStrike" cap="none" normalizeH="0" baseline="0">
+                <a:ln>
+                  <a:noFill/>
+                </a:ln>
+                <a:solidFill>
+                  <a:srgbClr val="CC7832"/>
+                </a:solidFill>
+                <a:effectLst/>
+                <a:latin typeface="Arial Unicode MS"/>
+              </a:rPr>
+              <a:t>from </a:t>
+            </a:r>
+            <a:r>
+              <a:rPr kumimoji="0" lang="en-US" altLang="en-US" sz="1400" b="0" i="0" u="none" strike="noStrike" cap="none" normalizeH="0" baseline="0">
+                <a:ln>
+                  <a:noFill/>
+                </a:ln>
+                <a:solidFill>
+                  <a:srgbClr val="A9B7C6"/>
+                </a:solidFill>
+                <a:effectLst/>
+                <a:latin typeface="Arial Unicode MS"/>
+              </a:rPr>
+              <a:t>sklearn.model_selection </a:t>
+            </a:r>
+            <a:r>
+              <a:rPr kumimoji="0" lang="en-US" altLang="en-US" sz="1400" b="0" i="0" u="none" strike="noStrike" cap="none" normalizeH="0" baseline="0">
+                <a:ln>
+                  <a:noFill/>
+                </a:ln>
+                <a:solidFill>
+                  <a:srgbClr val="CC7832"/>
+                </a:solidFill>
+                <a:effectLst/>
+                <a:latin typeface="Arial Unicode MS"/>
+              </a:rPr>
+              <a:t>import </a:t>
+            </a:r>
+            <a:r>
+              <a:rPr kumimoji="0" lang="en-US" altLang="en-US" sz="1400" b="0" i="0" u="none" strike="noStrike" cap="none" normalizeH="0" baseline="0">
+                <a:ln>
+                  <a:noFill/>
+                </a:ln>
+                <a:solidFill>
+                  <a:srgbClr val="A9B7C6"/>
+                </a:solidFill>
+                <a:effectLst/>
+                <a:latin typeface="Arial Unicode MS"/>
+              </a:rPr>
+              <a:t>GridSearchCV</a:t>
+            </a:r>
+            <a:br>
+              <a:rPr kumimoji="0" lang="en-US" altLang="en-US" sz="1400" b="0" i="0" u="none" strike="noStrike" cap="none" normalizeH="0" baseline="0">
+                <a:ln>
+                  <a:noFill/>
+                </a:ln>
+                <a:solidFill>
+                  <a:srgbClr val="A9B7C6"/>
+                </a:solidFill>
+                <a:effectLst/>
+                <a:latin typeface="Arial Unicode MS"/>
+              </a:rPr>
+            </a:br>
+            <a:br>
+              <a:rPr kumimoji="0" lang="en-US" altLang="en-US" sz="1400" b="0" i="0" u="none" strike="noStrike" cap="none" normalizeH="0" baseline="0">
+                <a:ln>
+                  <a:noFill/>
+                </a:ln>
+                <a:solidFill>
+                  <a:srgbClr val="A9B7C6"/>
+                </a:solidFill>
+                <a:effectLst/>
+                <a:latin typeface="Arial Unicode MS"/>
+              </a:rPr>
+            </a:br>
+            <a:r>
+              <a:rPr kumimoji="0" lang="en-US" altLang="en-US" sz="1400" b="0" i="0" u="none" strike="noStrike" cap="none" normalizeH="0" baseline="0">
+                <a:ln>
+                  <a:noFill/>
+                </a:ln>
+                <a:solidFill>
+                  <a:srgbClr val="A9B7C6"/>
+                </a:solidFill>
+                <a:effectLst/>
+                <a:latin typeface="Arial Unicode MS"/>
+              </a:rPr>
+              <a:t>pipe = make_pipeline(AutocorrelationFunctionTransformer(</a:t>
+            </a:r>
+            <a:r>
+              <a:rPr kumimoji="0" lang="en-US" altLang="en-US" sz="1400" b="0" i="0" u="none" strike="noStrike" cap="none" normalizeH="0" baseline="0">
+                <a:ln>
+                  <a:noFill/>
+                </a:ln>
+                <a:solidFill>
+                  <a:srgbClr val="AA4926"/>
+                </a:solidFill>
+                <a:effectLst/>
+                <a:latin typeface="Arial Unicode MS"/>
+              </a:rPr>
+              <a:t>n_lags</a:t>
+            </a:r>
+            <a:r>
+              <a:rPr kumimoji="0" lang="en-US" altLang="en-US" sz="1400" b="0" i="0" u="none" strike="noStrike" cap="none" normalizeH="0" baseline="0">
+                <a:ln>
+                  <a:noFill/>
+                </a:ln>
+                <a:solidFill>
+                  <a:srgbClr val="A9B7C6"/>
+                </a:solidFill>
+                <a:effectLst/>
+                <a:latin typeface="Arial Unicode MS"/>
+              </a:rPr>
+              <a:t>=</a:t>
+            </a:r>
+            <a:r>
+              <a:rPr kumimoji="0" lang="en-US" altLang="en-US" sz="1400" b="0" i="0" u="none" strike="noStrike" cap="none" normalizeH="0" baseline="0">
+                <a:ln>
+                  <a:noFill/>
+                </a:ln>
+                <a:solidFill>
+                  <a:srgbClr val="6897BB"/>
+                </a:solidFill>
+                <a:effectLst/>
+                <a:latin typeface="Arial Unicode MS"/>
+              </a:rPr>
+              <a:t>25</a:t>
+            </a:r>
+            <a:r>
+              <a:rPr kumimoji="0" lang="en-US" altLang="en-US" sz="1400" b="0" i="0" u="none" strike="noStrike" cap="none" normalizeH="0" baseline="0">
+                <a:ln>
+                  <a:noFill/>
+                </a:ln>
+                <a:solidFill>
+                  <a:srgbClr val="A9B7C6"/>
+                </a:solidFill>
+                <a:effectLst/>
+                <a:latin typeface="Arial Unicode MS"/>
+              </a:rPr>
+              <a:t>)</a:t>
+            </a:r>
+            <a:r>
+              <a:rPr kumimoji="0" lang="en-US" altLang="en-US" sz="1400" b="0" i="0" u="none" strike="noStrike" cap="none" normalizeH="0" baseline="0">
+                <a:ln>
+                  <a:noFill/>
+                </a:ln>
+                <a:solidFill>
+                  <a:srgbClr val="CC7832"/>
+                </a:solidFill>
+                <a:effectLst/>
+                <a:latin typeface="Arial Unicode MS"/>
+              </a:rPr>
+              <a:t>, </a:t>
+            </a:r>
+            <a:r>
+              <a:rPr kumimoji="0" lang="en-US" altLang="en-US" sz="1400" b="0" i="0" u="none" strike="noStrike" cap="none" normalizeH="0" baseline="0">
+                <a:ln>
+                  <a:noFill/>
+                </a:ln>
+                <a:solidFill>
+                  <a:srgbClr val="A9B7C6"/>
+                </a:solidFill>
+                <a:effectLst/>
+                <a:latin typeface="Arial Unicode MS"/>
+              </a:rPr>
+              <a:t>RocketClassifier</a:t>
+            </a:r>
+            <a:br>
+              <a:rPr kumimoji="0" lang="en-US" altLang="en-US" sz="1400" b="0" i="0" u="none" strike="noStrike" cap="none" normalizeH="0" baseline="0">
+                <a:ln>
+                  <a:noFill/>
+                </a:ln>
+                <a:solidFill>
+                  <a:srgbClr val="A9B7C6"/>
+                </a:solidFill>
+                <a:effectLst/>
+                <a:latin typeface="Arial Unicode MS"/>
+              </a:rPr>
+            </a:br>
+            <a:r>
+              <a:rPr kumimoji="0" lang="en-US" altLang="en-US" sz="1400" b="0" i="0" u="none" strike="noStrike" cap="none" normalizeH="0" baseline="0">
+                <a:ln>
+                  <a:noFill/>
+                </a:ln>
+                <a:solidFill>
+                  <a:srgbClr val="A9B7C6"/>
+                </a:solidFill>
+                <a:effectLst/>
+                <a:latin typeface="Arial Unicode MS"/>
+              </a:rPr>
+              <a:t>(</a:t>
+            </a:r>
+            <a:r>
+              <a:rPr kumimoji="0" lang="en-US" altLang="en-US" sz="1400" b="0" i="0" u="none" strike="noStrike" cap="none" normalizeH="0" baseline="0">
+                <a:ln>
+                  <a:noFill/>
+                </a:ln>
+                <a:solidFill>
+                  <a:srgbClr val="AA4926"/>
+                </a:solidFill>
+                <a:effectLst/>
+                <a:latin typeface="Arial Unicode MS"/>
+              </a:rPr>
+              <a:t>rocket_transform</a:t>
+            </a:r>
+            <a:r>
+              <a:rPr kumimoji="0" lang="en-US" altLang="en-US" sz="1400" b="0" i="0" u="none" strike="noStrike" cap="none" normalizeH="0" baseline="0">
+                <a:ln>
+                  <a:noFill/>
+                </a:ln>
+                <a:solidFill>
+                  <a:srgbClr val="A9B7C6"/>
+                </a:solidFill>
+                <a:effectLst/>
+                <a:latin typeface="Arial Unicode MS"/>
+              </a:rPr>
+              <a:t>=</a:t>
+            </a:r>
+            <a:r>
+              <a:rPr kumimoji="0" lang="en-US" altLang="en-US" sz="1400" b="0" i="0" u="none" strike="noStrike" cap="none" normalizeH="0" baseline="0">
+                <a:ln>
+                  <a:noFill/>
+                </a:ln>
+                <a:solidFill>
+                  <a:srgbClr val="6A8759"/>
+                </a:solidFill>
+                <a:effectLst/>
+                <a:latin typeface="Arial Unicode MS"/>
+              </a:rPr>
+              <a:t>"minirocket"</a:t>
+            </a:r>
+            <a:r>
+              <a:rPr kumimoji="0" lang="en-US" altLang="en-US" sz="1400" b="0" i="0" u="none" strike="noStrike" cap="none" normalizeH="0" baseline="0">
+                <a:ln>
+                  <a:noFill/>
+                </a:ln>
+                <a:solidFill>
+                  <a:srgbClr val="A9B7C6"/>
+                </a:solidFill>
+                <a:effectLst/>
+                <a:latin typeface="Arial Unicode MS"/>
+              </a:rPr>
+              <a:t>))</a:t>
+            </a:r>
+            <a:br>
+              <a:rPr kumimoji="0" lang="en-US" altLang="en-US" sz="1400" b="0" i="0" u="none" strike="noStrike" cap="none" normalizeH="0" baseline="0">
+                <a:ln>
+                  <a:noFill/>
+                </a:ln>
+                <a:solidFill>
+                  <a:srgbClr val="A9B7C6"/>
+                </a:solidFill>
+                <a:effectLst/>
+                <a:latin typeface="Arial Unicode MS"/>
+              </a:rPr>
+            </a:br>
+            <a:r>
+              <a:rPr kumimoji="0" lang="en-US" altLang="en-US" sz="1400" b="0" i="0" u="none" strike="noStrike" cap="none" normalizeH="0" baseline="0">
+                <a:ln>
+                  <a:noFill/>
+                </a:ln>
+                <a:solidFill>
+                  <a:srgbClr val="A9B7C6"/>
+                </a:solidFill>
+                <a:effectLst/>
+                <a:latin typeface="Arial Unicode MS"/>
+              </a:rPr>
+              <a:t>param_grid = {</a:t>
+            </a:r>
+            <a:r>
+              <a:rPr kumimoji="0" lang="en-US" altLang="en-US" sz="1400" b="0" i="0" u="none" strike="noStrike" cap="none" normalizeH="0" baseline="0">
+                <a:ln>
+                  <a:noFill/>
+                </a:ln>
+                <a:solidFill>
+                  <a:srgbClr val="6A8759"/>
+                </a:solidFill>
+                <a:effectLst/>
+                <a:latin typeface="Arial Unicode MS"/>
+              </a:rPr>
+              <a:t>'rocketclassifier__num_kernels'</a:t>
+            </a:r>
+            <a:r>
+              <a:rPr kumimoji="0" lang="en-US" altLang="en-US" sz="1400" b="0" i="0" u="none" strike="noStrike" cap="none" normalizeH="0" baseline="0">
+                <a:ln>
+                  <a:noFill/>
+                </a:ln>
+                <a:solidFill>
+                  <a:srgbClr val="A9B7C6"/>
+                </a:solidFill>
+                <a:effectLst/>
+                <a:latin typeface="Arial Unicode MS"/>
+              </a:rPr>
+              <a:t>: [</a:t>
+            </a:r>
+            <a:r>
+              <a:rPr kumimoji="0" lang="en-US" altLang="en-US" sz="1400" b="0" i="0" u="none" strike="noStrike" cap="none" normalizeH="0" baseline="0">
+                <a:ln>
+                  <a:noFill/>
+                </a:ln>
+                <a:solidFill>
+                  <a:srgbClr val="6897BB"/>
+                </a:solidFill>
+                <a:effectLst/>
+                <a:latin typeface="Arial Unicode MS"/>
+              </a:rPr>
+              <a:t>5000</a:t>
+            </a:r>
+            <a:r>
+              <a:rPr kumimoji="0" lang="en-US" altLang="en-US" sz="1400" b="0" i="0" u="none" strike="noStrike" cap="none" normalizeH="0" baseline="0">
+                <a:ln>
+                  <a:noFill/>
+                </a:ln>
+                <a:solidFill>
+                  <a:srgbClr val="CC7832"/>
+                </a:solidFill>
+                <a:effectLst/>
+                <a:latin typeface="Arial Unicode MS"/>
+              </a:rPr>
+              <a:t>, </a:t>
+            </a:r>
+            <a:r>
+              <a:rPr kumimoji="0" lang="en-US" altLang="en-US" sz="1400" b="0" i="0" u="none" strike="noStrike" cap="none" normalizeH="0" baseline="0">
+                <a:ln>
+                  <a:noFill/>
+                </a:ln>
+                <a:solidFill>
+                  <a:srgbClr val="6897BB"/>
+                </a:solidFill>
+                <a:effectLst/>
+                <a:latin typeface="Arial Unicode MS"/>
+              </a:rPr>
+              <a:t>10000</a:t>
+            </a:r>
+            <a:r>
+              <a:rPr kumimoji="0" lang="en-US" altLang="en-US" sz="1400" b="0" i="0" u="none" strike="noStrike" cap="none" normalizeH="0" baseline="0">
+                <a:ln>
+                  <a:noFill/>
+                </a:ln>
+                <a:solidFill>
+                  <a:srgbClr val="CC7832"/>
+                </a:solidFill>
+                <a:effectLst/>
+                <a:latin typeface="Arial Unicode MS"/>
+              </a:rPr>
+              <a:t>, </a:t>
+            </a:r>
+            <a:r>
+              <a:rPr kumimoji="0" lang="en-US" altLang="en-US" sz="1400" b="0" i="0" u="none" strike="noStrike" cap="none" normalizeH="0" baseline="0">
+                <a:ln>
+                  <a:noFill/>
+                </a:ln>
+                <a:solidFill>
+                  <a:srgbClr val="6897BB"/>
+                </a:solidFill>
+                <a:effectLst/>
+                <a:latin typeface="Arial Unicode MS"/>
+              </a:rPr>
+              <a:t>15000</a:t>
+            </a:r>
+            <a:r>
+              <a:rPr kumimoji="0" lang="en-US" altLang="en-US" sz="1400" b="0" i="0" u="none" strike="noStrike" cap="none" normalizeH="0" baseline="0">
+                <a:ln>
+                  <a:noFill/>
+                </a:ln>
+                <a:solidFill>
+                  <a:srgbClr val="A9B7C6"/>
+                </a:solidFill>
+                <a:effectLst/>
+                <a:latin typeface="Arial Unicode MS"/>
+              </a:rPr>
+              <a:t>]}</a:t>
+            </a:r>
+            <a:br>
+              <a:rPr kumimoji="0" lang="en-US" altLang="en-US" sz="1400" b="0" i="0" u="none" strike="noStrike" cap="none" normalizeH="0" baseline="0">
+                <a:ln>
+                  <a:noFill/>
+                </a:ln>
+                <a:solidFill>
+                  <a:srgbClr val="A9B7C6"/>
+                </a:solidFill>
+                <a:effectLst/>
+                <a:latin typeface="Arial Unicode MS"/>
+              </a:rPr>
+            </a:br>
+            <a:r>
+              <a:rPr kumimoji="0" lang="en-US" altLang="en-US" sz="1400" b="0" i="0" u="none" strike="noStrike" cap="none" normalizeH="0" baseline="0">
+                <a:ln>
+                  <a:noFill/>
+                </a:ln>
+                <a:solidFill>
+                  <a:srgbClr val="A9B7C6"/>
+                </a:solidFill>
+                <a:effectLst/>
+                <a:latin typeface="Arial Unicode MS"/>
+              </a:rPr>
+              <a:t>grid = GridSearchCV(pipe</a:t>
+            </a:r>
+            <a:r>
+              <a:rPr kumimoji="0" lang="en-US" altLang="en-US" sz="1400" b="0" i="0" u="none" strike="noStrike" cap="none" normalizeH="0" baseline="0">
+                <a:ln>
+                  <a:noFill/>
+                </a:ln>
+                <a:solidFill>
+                  <a:srgbClr val="CC7832"/>
+                </a:solidFill>
+                <a:effectLst/>
+                <a:latin typeface="Arial Unicode MS"/>
+              </a:rPr>
+              <a:t>, </a:t>
+            </a:r>
+            <a:r>
+              <a:rPr kumimoji="0" lang="en-US" altLang="en-US" sz="1400" b="0" i="0" u="none" strike="noStrike" cap="none" normalizeH="0" baseline="0">
+                <a:ln>
+                  <a:noFill/>
+                </a:ln>
+                <a:solidFill>
+                  <a:srgbClr val="A9B7C6"/>
+                </a:solidFill>
+                <a:effectLst/>
+                <a:latin typeface="Arial Unicode MS"/>
+              </a:rPr>
+              <a:t>param_grid</a:t>
+            </a:r>
+            <a:r>
+              <a:rPr kumimoji="0" lang="en-US" altLang="en-US" sz="1400" b="0" i="0" u="none" strike="noStrike" cap="none" normalizeH="0" baseline="0">
+                <a:ln>
+                  <a:noFill/>
+                </a:ln>
+                <a:solidFill>
+                  <a:srgbClr val="CC7832"/>
+                </a:solidFill>
+                <a:effectLst/>
+                <a:latin typeface="Arial Unicode MS"/>
+              </a:rPr>
+              <a:t>, </a:t>
+            </a:r>
+            <a:r>
+              <a:rPr kumimoji="0" lang="en-US" altLang="en-US" sz="1400" b="0" i="0" u="none" strike="noStrike" cap="none" normalizeH="0" baseline="0">
+                <a:ln>
+                  <a:noFill/>
+                </a:ln>
+                <a:solidFill>
+                  <a:srgbClr val="AA4926"/>
+                </a:solidFill>
+                <a:effectLst/>
+                <a:latin typeface="Arial Unicode MS"/>
+              </a:rPr>
+              <a:t>cv</a:t>
+            </a:r>
+            <a:r>
+              <a:rPr kumimoji="0" lang="en-US" altLang="en-US" sz="1400" b="0" i="0" u="none" strike="noStrike" cap="none" normalizeH="0" baseline="0">
+                <a:ln>
+                  <a:noFill/>
+                </a:ln>
+                <a:solidFill>
+                  <a:srgbClr val="A9B7C6"/>
+                </a:solidFill>
+                <a:effectLst/>
+                <a:latin typeface="Arial Unicode MS"/>
+              </a:rPr>
+              <a:t>=</a:t>
+            </a:r>
+            <a:r>
+              <a:rPr kumimoji="0" lang="en-US" altLang="en-US" sz="1400" b="0" i="0" u="none" strike="noStrike" cap="none" normalizeH="0" baseline="0">
+                <a:ln>
+                  <a:noFill/>
+                </a:ln>
+                <a:solidFill>
+                  <a:srgbClr val="6897BB"/>
+                </a:solidFill>
+                <a:effectLst/>
+                <a:latin typeface="Arial Unicode MS"/>
+              </a:rPr>
+              <a:t>3</a:t>
+            </a:r>
+            <a:r>
+              <a:rPr kumimoji="0" lang="en-US" altLang="en-US" sz="1400" b="0" i="0" u="none" strike="noStrike" cap="none" normalizeH="0" baseline="0">
+                <a:ln>
+                  <a:noFill/>
+                </a:ln>
+                <a:solidFill>
+                  <a:srgbClr val="A9B7C6"/>
+                </a:solidFill>
+                <a:effectLst/>
+                <a:latin typeface="Arial Unicode MS"/>
+              </a:rPr>
+              <a:t>)</a:t>
+            </a:r>
+            <a:br>
+              <a:rPr kumimoji="0" lang="en-US" altLang="en-US" sz="1400" b="0" i="0" u="none" strike="noStrike" cap="none" normalizeH="0" baseline="0">
+                <a:ln>
+                  <a:noFill/>
+                </a:ln>
+                <a:solidFill>
+                  <a:srgbClr val="A9B7C6"/>
+                </a:solidFill>
+                <a:effectLst/>
+                <a:latin typeface="Arial Unicode MS"/>
+              </a:rPr>
+            </a:br>
+            <a:r>
+              <a:rPr kumimoji="0" lang="en-US" altLang="en-US" sz="1400" b="0" i="0" u="none" strike="noStrike" cap="none" normalizeH="0" baseline="0">
+                <a:ln>
+                  <a:noFill/>
+                </a:ln>
+                <a:solidFill>
+                  <a:srgbClr val="A9B7C6"/>
+                </a:solidFill>
+                <a:effectLst/>
+                <a:latin typeface="Arial Unicode MS"/>
+              </a:rPr>
+              <a:t>grid.fit(X_train_utsc</a:t>
+            </a:r>
+            <a:r>
+              <a:rPr kumimoji="0" lang="en-US" altLang="en-US" sz="1400" b="0" i="0" u="none" strike="noStrike" cap="none" normalizeH="0" baseline="0">
+                <a:ln>
+                  <a:noFill/>
+                </a:ln>
+                <a:solidFill>
+                  <a:srgbClr val="CC7832"/>
+                </a:solidFill>
+                <a:effectLst/>
+                <a:latin typeface="Arial Unicode MS"/>
+              </a:rPr>
+              <a:t>, </a:t>
+            </a:r>
+            <a:r>
+              <a:rPr kumimoji="0" lang="en-US" altLang="en-US" sz="1400" b="0" i="0" u="none" strike="noStrike" cap="none" normalizeH="0" baseline="0">
+                <a:ln>
+                  <a:noFill/>
+                </a:ln>
+                <a:solidFill>
+                  <a:srgbClr val="A9B7C6"/>
+                </a:solidFill>
+                <a:effectLst/>
+                <a:latin typeface="Arial Unicode MS"/>
+              </a:rPr>
+              <a:t>y_train_utsc)</a:t>
+            </a:r>
+            <a:br>
+              <a:rPr kumimoji="0" lang="en-US" altLang="en-US" sz="1400" b="0" i="0" u="none" strike="noStrike" cap="none" normalizeH="0" baseline="0">
+                <a:ln>
+                  <a:noFill/>
+                </a:ln>
+                <a:solidFill>
+                  <a:srgbClr val="A9B7C6"/>
+                </a:solidFill>
+                <a:effectLst/>
+                <a:latin typeface="Arial Unicode MS"/>
+              </a:rPr>
+            </a:br>
+            <a:r>
+              <a:rPr kumimoji="0" lang="en-US" altLang="en-US" sz="1400" b="0" i="0" u="none" strike="noStrike" cap="none" normalizeH="0" baseline="0">
+                <a:ln>
+                  <a:noFill/>
+                </a:ln>
+                <a:solidFill>
+                  <a:srgbClr val="8888C6"/>
+                </a:solidFill>
+                <a:effectLst/>
+                <a:latin typeface="Arial Unicode MS"/>
+              </a:rPr>
+              <a:t>print</a:t>
+            </a:r>
+            <a:r>
+              <a:rPr kumimoji="0" lang="en-US" altLang="en-US" sz="1400" b="0" i="0" u="none" strike="noStrike" cap="none" normalizeH="0" baseline="0">
+                <a:ln>
+                  <a:noFill/>
+                </a:ln>
+                <a:solidFill>
+                  <a:srgbClr val="A9B7C6"/>
+                </a:solidFill>
+                <a:effectLst/>
+                <a:latin typeface="Arial Unicode MS"/>
+              </a:rPr>
+              <a:t>(grid.best_params_)</a:t>
+            </a:r>
+            <a:br>
+              <a:rPr kumimoji="0" lang="en-US" altLang="en-US" sz="1400" b="0" i="0" u="none" strike="noStrike" cap="none" normalizeH="0" baseline="0">
+                <a:ln>
+                  <a:noFill/>
+                </a:ln>
+                <a:solidFill>
+                  <a:srgbClr val="A9B7C6"/>
+                </a:solidFill>
+                <a:effectLst/>
+                <a:latin typeface="Arial Unicode MS"/>
+              </a:rPr>
+            </a:br>
+            <a:r>
+              <a:rPr kumimoji="0" lang="en-US" altLang="en-US" sz="1400" b="0" i="0" u="none" strike="noStrike" cap="none" normalizeH="0" baseline="0">
+                <a:ln>
+                  <a:noFill/>
+                </a:ln>
+                <a:solidFill>
+                  <a:srgbClr val="A9B7C6"/>
+                </a:solidFill>
+                <a:effectLst/>
+                <a:latin typeface="Arial Unicode MS"/>
+              </a:rPr>
+              <a:t>preds = grid.predict(X_test_utsc)</a:t>
+            </a:r>
+            <a:br>
+              <a:rPr kumimoji="0" lang="en-US" altLang="en-US" sz="1400" b="0" i="0" u="none" strike="noStrike" cap="none" normalizeH="0" baseline="0">
+                <a:ln>
+                  <a:noFill/>
+                </a:ln>
+                <a:solidFill>
+                  <a:srgbClr val="A9B7C6"/>
+                </a:solidFill>
+                <a:effectLst/>
+                <a:latin typeface="Arial Unicode MS"/>
+              </a:rPr>
+            </a:br>
+            <a:r>
+              <a:rPr kumimoji="0" lang="en-US" altLang="en-US" sz="1400" b="0" i="0" u="none" strike="noStrike" cap="none" normalizeH="0" baseline="0">
+                <a:ln>
+                  <a:noFill/>
+                </a:ln>
+                <a:solidFill>
+                  <a:srgbClr val="8888C6"/>
+                </a:solidFill>
+                <a:effectLst/>
+                <a:latin typeface="Arial Unicode MS"/>
+              </a:rPr>
+              <a:t>print</a:t>
+            </a:r>
+            <a:r>
+              <a:rPr kumimoji="0" lang="en-US" altLang="en-US" sz="1400" b="0" i="0" u="none" strike="noStrike" cap="none" normalizeH="0" baseline="0">
+                <a:ln>
+                  <a:noFill/>
+                </a:ln>
+                <a:solidFill>
+                  <a:srgbClr val="A9B7C6"/>
+                </a:solidFill>
+                <a:effectLst/>
+                <a:latin typeface="Arial Unicode MS"/>
+              </a:rPr>
+              <a:t>(</a:t>
+            </a:r>
+            <a:r>
+              <a:rPr kumimoji="0" lang="en-US" altLang="en-US" sz="1400" b="0" i="0" u="none" strike="noStrike" cap="none" normalizeH="0" baseline="0">
+                <a:ln>
+                  <a:noFill/>
+                </a:ln>
+                <a:solidFill>
+                  <a:srgbClr val="6A8759"/>
+                </a:solidFill>
+                <a:effectLst/>
+                <a:latin typeface="Arial Unicode MS"/>
+              </a:rPr>
+              <a:t>"Rocket classifier accuracy:"</a:t>
+            </a:r>
+            <a:r>
+              <a:rPr kumimoji="0" lang="en-US" altLang="en-US" sz="1400" b="0" i="0" u="none" strike="noStrike" cap="none" normalizeH="0" baseline="0">
+                <a:ln>
+                  <a:noFill/>
+                </a:ln>
+                <a:solidFill>
+                  <a:srgbClr val="CC7832"/>
+                </a:solidFill>
+                <a:effectLst/>
+                <a:latin typeface="Arial Unicode MS"/>
+              </a:rPr>
+              <a:t>, </a:t>
+            </a:r>
+            <a:r>
+              <a:rPr kumimoji="0" lang="en-US" altLang="en-US" sz="1400" b="0" i="0" u="none" strike="noStrike" cap="none" normalizeH="0" baseline="0">
+                <a:ln>
+                  <a:noFill/>
+                </a:ln>
+                <a:solidFill>
+                  <a:srgbClr val="A9B7C6"/>
+                </a:solidFill>
+                <a:effectLst/>
+                <a:latin typeface="Arial Unicode MS"/>
+              </a:rPr>
+              <a:t>accuracy_score(y_test_utsc</a:t>
+            </a:r>
+            <a:r>
+              <a:rPr kumimoji="0" lang="en-US" altLang="en-US" sz="1400" b="0" i="0" u="none" strike="noStrike" cap="none" normalizeH="0" baseline="0">
+                <a:ln>
+                  <a:noFill/>
+                </a:ln>
+                <a:solidFill>
+                  <a:srgbClr val="CC7832"/>
+                </a:solidFill>
+                <a:effectLst/>
+                <a:latin typeface="Arial Unicode MS"/>
+              </a:rPr>
+              <a:t>, </a:t>
+            </a:r>
+            <a:r>
+              <a:rPr kumimoji="0" lang="en-US" altLang="en-US" sz="1400" b="0" i="0" u="none" strike="noStrike" cap="none" normalizeH="0" baseline="0">
+                <a:ln>
+                  <a:noFill/>
+                </a:ln>
+                <a:solidFill>
+                  <a:srgbClr val="A9B7C6"/>
+                </a:solidFill>
+                <a:effectLst/>
+                <a:latin typeface="Arial Unicode MS"/>
+              </a:rPr>
+              <a:t>preds))</a:t>
+            </a:r>
+            <a:endParaRPr kumimoji="0" lang="en-US" altLang="en-US" sz="1400" b="0" i="0" u="none" strike="noStrike" cap="none" normalizeH="0" baseline="0">
+              <a:ln>
+                <a:noFill/>
+              </a:ln>
+              <a:solidFill>
+                <a:schemeClr val="tx1"/>
+              </a:solidFill>
+              <a:effectLst/>
+              <a:latin typeface="Arial" panose="020B0604020202020204" pitchFamily="34" charset="0"/>
+            </a:endParaRPr>
+          </a:p>
+        </p:txBody>
+      </p:sp>
+      <p:pic>
+        <p:nvPicPr>
+          <p:cNvPr id="8" name="Picture 7">
+            <a:extLst>
+              <a:ext uri="{FF2B5EF4-FFF2-40B4-BE49-F238E27FC236}">
+                <a16:creationId xmlns:a16="http://schemas.microsoft.com/office/drawing/2014/main" id="{1133383E-C77E-AB65-5A09-EAB0E1E03E83}"/>
+              </a:ext>
+            </a:extLst>
+          </p:cNvPr>
+          <p:cNvPicPr>
+            <a:picLocks noChangeAspect="1"/>
+          </p:cNvPicPr>
+          <p:nvPr/>
+        </p:nvPicPr>
+        <p:blipFill>
+          <a:blip r:embed="rId4"/>
+          <a:stretch>
+            <a:fillRect/>
+          </a:stretch>
+        </p:blipFill>
+        <p:spPr>
+          <a:xfrm>
+            <a:off x="8805723" y="3790624"/>
+            <a:ext cx="2686425" cy="2724530"/>
+          </a:xfrm>
+          <a:prstGeom prst="rect">
+            <a:avLst/>
+          </a:prstGeom>
+        </p:spPr>
+      </p:pic>
+      <p:sp>
+        <p:nvSpPr>
+          <p:cNvPr id="6" name="Title 1">
+            <a:extLst>
+              <a:ext uri="{FF2B5EF4-FFF2-40B4-BE49-F238E27FC236}">
+                <a16:creationId xmlns:a16="http://schemas.microsoft.com/office/drawing/2014/main" id="{CCFA3569-C4FE-481F-F043-AD4E3F76E2B3}"/>
+              </a:ext>
+            </a:extLst>
+          </p:cNvPr>
+          <p:cNvSpPr txBox="1">
+            <a:spLocks/>
+          </p:cNvSpPr>
+          <p:nvPr/>
+        </p:nvSpPr>
+        <p:spPr>
+          <a:xfrm>
+            <a:off x="-219942" y="3002353"/>
+            <a:ext cx="11107885" cy="517798"/>
+          </a:xfrm>
+          <a:prstGeom prst="rect">
+            <a:avLst/>
+          </a:prstGeom>
+        </p:spPr>
+        <p:txBody>
+          <a:bodyPr vert="horz" lIns="91440" tIns="45720" rIns="91440" bIns="45720" rtlCol="0" anchor="b">
+            <a:normAutofit/>
+          </a:bodyPr>
+          <a:lstStyle>
+            <a:lvl1pPr algn="ctr" defTabSz="914400" rtl="0" eaLnBrk="1" latinLnBrk="0" hangingPunct="1">
+              <a:lnSpc>
+                <a:spcPct val="90000"/>
+              </a:lnSpc>
+              <a:spcBef>
+                <a:spcPct val="0"/>
+              </a:spcBef>
+              <a:buNone/>
+              <a:defRPr sz="6000" kern="1200">
+                <a:solidFill>
+                  <a:schemeClr val="tx1"/>
+                </a:solidFill>
+                <a:latin typeface="+mj-lt"/>
+                <a:ea typeface="+mj-ea"/>
+                <a:cs typeface="+mj-cs"/>
+              </a:defRPr>
+            </a:lvl1pPr>
+          </a:lstStyle>
+          <a:p>
+            <a:r>
+              <a:rPr lang="en-US" sz="3000" dirty="0"/>
+              <a:t>Join our slack if you want to chat about any element of the code</a:t>
+            </a:r>
+            <a:endParaRPr lang="en-AU" sz="3000" dirty="0"/>
+          </a:p>
+        </p:txBody>
+      </p:sp>
     </p:spTree>
     <p:extLst>
       <p:ext uri="{BB962C8B-B14F-4D97-AF65-F5344CB8AC3E}">
-        <p14:creationId xmlns:p14="http://schemas.microsoft.com/office/powerpoint/2010/main" val="1187122711"/>
+        <p14:creationId xmlns:p14="http://schemas.microsoft.com/office/powerpoint/2010/main" val="2484758897"/>
       </p:ext>
     </p:extLst>
   </p:cSld>
@@ -8359,6 +9621,138 @@
         </p:nvSpPr>
         <p:spPr>
           <a:xfrm>
+            <a:off x="765008" y="130146"/>
+            <a:ext cx="11107885" cy="922760"/>
+          </a:xfrm>
+        </p:spPr>
+        <p:txBody>
+          <a:bodyPr>
+            <a:normAutofit/>
+          </a:bodyPr>
+          <a:lstStyle/>
+          <a:p>
+            <a:r>
+              <a:rPr lang="en-US" dirty="0"/>
+              <a:t>Taxonomy of Algorithms</a:t>
+            </a:r>
+            <a:endParaRPr lang="en-AU" dirty="0"/>
+          </a:p>
+        </p:txBody>
+      </p:sp>
+      <p:sp>
+        <p:nvSpPr>
+          <p:cNvPr id="4" name="TextBox 3">
+            <a:extLst>
+              <a:ext uri="{FF2B5EF4-FFF2-40B4-BE49-F238E27FC236}">
+                <a16:creationId xmlns:a16="http://schemas.microsoft.com/office/drawing/2014/main" id="{DBC43C2C-5A14-2116-E0A9-D29576C5BB21}"/>
+              </a:ext>
+            </a:extLst>
+          </p:cNvPr>
+          <p:cNvSpPr txBox="1"/>
+          <p:nvPr/>
+        </p:nvSpPr>
+        <p:spPr>
+          <a:xfrm>
+            <a:off x="9964403" y="0"/>
+            <a:ext cx="2227597" cy="369332"/>
+          </a:xfrm>
+          <a:prstGeom prst="rect">
+            <a:avLst/>
+          </a:prstGeom>
+          <a:noFill/>
+        </p:spPr>
+        <p:txBody>
+          <a:bodyPr wrap="none" rtlCol="0">
+            <a:spAutoFit/>
+          </a:bodyPr>
+          <a:lstStyle/>
+          <a:p>
+            <a:pPr algn="r"/>
+            <a:r>
+              <a:rPr lang="en-AU" dirty="0"/>
+              <a:t>KDD 2024 Workshop</a:t>
+            </a:r>
+          </a:p>
+        </p:txBody>
+      </p:sp>
+      <p:pic>
+        <p:nvPicPr>
+          <p:cNvPr id="7" name="Picture 6">
+            <a:extLst>
+              <a:ext uri="{FF2B5EF4-FFF2-40B4-BE49-F238E27FC236}">
+                <a16:creationId xmlns:a16="http://schemas.microsoft.com/office/drawing/2014/main" id="{A33CED34-6EA7-8B8E-EBAE-39EC895E1B19}"/>
+              </a:ext>
+            </a:extLst>
+          </p:cNvPr>
+          <p:cNvPicPr>
+            <a:picLocks noChangeAspect="1"/>
+          </p:cNvPicPr>
+          <p:nvPr/>
+        </p:nvPicPr>
+        <p:blipFill>
+          <a:blip r:embed="rId2"/>
+          <a:stretch>
+            <a:fillRect/>
+          </a:stretch>
+        </p:blipFill>
+        <p:spPr>
+          <a:xfrm>
+            <a:off x="60452" y="1161732"/>
+            <a:ext cx="11734384" cy="5508449"/>
+          </a:xfrm>
+          <a:prstGeom prst="rect">
+            <a:avLst/>
+          </a:prstGeom>
+        </p:spPr>
+      </p:pic>
+    </p:spTree>
+    <p:extLst>
+      <p:ext uri="{BB962C8B-B14F-4D97-AF65-F5344CB8AC3E}">
+        <p14:creationId xmlns:p14="http://schemas.microsoft.com/office/powerpoint/2010/main" val="1187122711"/>
+      </p:ext>
+    </p:extLst>
+  </p:cSld>
+  <p:clrMapOvr>
+    <a:masterClrMapping/>
+  </p:clrMapOvr>
+</p:sld>
+</file>
+
+<file path=ppt/slides/slide12.xml><?xml version="1.0" encoding="utf-8"?>
+<p:sld xmlns:a="http://schemas.openxmlformats.org/drawingml/2006/main" xmlns:r="http://schemas.openxmlformats.org/officeDocument/2006/relationships" xmlns:p="http://schemas.openxmlformats.org/presentationml/2006/main">
+  <p:cSld>
+    <p:spTree>
+      <p:nvGrpSpPr>
+        <p:cNvPr id="1" name=""/>
+        <p:cNvGrpSpPr/>
+        <p:nvPr/>
+      </p:nvGrpSpPr>
+      <p:grpSpPr>
+        <a:xfrm>
+          <a:off x="0" y="0"/>
+          <a:ext cx="0" cy="0"/>
+          <a:chOff x="0" y="0"/>
+          <a:chExt cx="0" cy="0"/>
+        </a:xfrm>
+      </p:grpSpPr>
+      <p:sp>
+        <p:nvSpPr>
+          <p:cNvPr id="2" name="Title 1">
+            <a:extLst>
+              <a:ext uri="{FF2B5EF4-FFF2-40B4-BE49-F238E27FC236}">
+                <a16:creationId xmlns:a16="http://schemas.microsoft.com/office/drawing/2014/main" id="{C1D0E459-2535-5082-B64B-176F4F745EE9}"/>
+              </a:ext>
+            </a:extLst>
+          </p:cNvPr>
+          <p:cNvSpPr>
+            <a:spLocks noGrp="1"/>
+          </p:cNvSpPr>
+          <p:nvPr>
+            <p:ph type="ctrTitle"/>
+          </p:nvPr>
+        </p:nvSpPr>
+        <p:spPr>
+          <a:xfrm>
             <a:off x="960217" y="90263"/>
             <a:ext cx="11107885" cy="922760"/>
           </a:xfrm>
@@ -8942,7 +10336,7 @@
 </p:sld>
 </file>
 
-<file path=ppt/slides/slide12.xml><?xml version="1.0" encoding="utf-8"?>
+<file path=ppt/slides/slide13.xml><?xml version="1.0" encoding="utf-8"?>
 <p:sld xmlns:a="http://schemas.openxmlformats.org/drawingml/2006/main" xmlns:r="http://schemas.openxmlformats.org/officeDocument/2006/relationships" xmlns:p="http://schemas.openxmlformats.org/presentationml/2006/main">
   <p:cSld>
     <p:spTree>
@@ -12096,6 +13490,438 @@
       </p:grpSpPr>
       <p:sp>
         <p:nvSpPr>
+          <p:cNvPr id="3" name="Rectangle 2"/>
+          <p:cNvSpPr/>
+          <p:nvPr/>
+        </p:nvSpPr>
+        <p:spPr>
+          <a:xfrm>
+            <a:off x="1524000" y="39064"/>
+            <a:ext cx="9279699" cy="1754326"/>
+          </a:xfrm>
+          <a:prstGeom prst="rect">
+            <a:avLst/>
+          </a:prstGeom>
+        </p:spPr>
+        <p:txBody>
+          <a:bodyPr wrap="square">
+            <a:spAutoFit/>
+          </a:bodyPr>
+          <a:lstStyle/>
+          <a:p>
+            <a:pPr algn="ctr"/>
+            <a:r>
+              <a:rPr lang="en-GB" sz="3600" dirty="0">
+                <a:solidFill>
+                  <a:schemeClr val="accent2">
+                    <a:lumMod val="75000"/>
+                  </a:schemeClr>
+                </a:solidFill>
+              </a:rPr>
+              <a:t>Time Series Machine Learning Repositories</a:t>
+            </a:r>
+          </a:p>
+          <a:p>
+            <a:pPr algn="ctr"/>
+            <a:r>
+              <a:rPr lang="en-GB" sz="3600" dirty="0">
+                <a:solidFill>
+                  <a:schemeClr val="accent2">
+                    <a:lumMod val="75000"/>
+                  </a:schemeClr>
+                </a:solidFill>
+                <a:hlinkClick r:id="rId3"/>
+              </a:rPr>
+              <a:t>timeseriesclassification.com</a:t>
+            </a:r>
+            <a:endParaRPr lang="en-GB" sz="3600" dirty="0">
+              <a:solidFill>
+                <a:schemeClr val="accent2">
+                  <a:lumMod val="75000"/>
+                </a:schemeClr>
+              </a:solidFill>
+            </a:endParaRPr>
+          </a:p>
+          <a:p>
+            <a:pPr algn="ctr"/>
+            <a:r>
+              <a:rPr lang="en-GB" sz="3600" dirty="0">
+                <a:solidFill>
+                  <a:schemeClr val="accent2">
+                    <a:lumMod val="75000"/>
+                  </a:schemeClr>
+                </a:solidFill>
+              </a:rPr>
+              <a:t>tseregression.org</a:t>
+            </a:r>
+          </a:p>
+        </p:txBody>
+      </p:sp>
+      <p:sp>
+        <p:nvSpPr>
+          <p:cNvPr id="5" name="Rectangle 4"/>
+          <p:cNvSpPr/>
+          <p:nvPr/>
+        </p:nvSpPr>
+        <p:spPr>
+          <a:xfrm>
+            <a:off x="1127957" y="1817122"/>
+            <a:ext cx="8986386" cy="1200329"/>
+          </a:xfrm>
+          <a:prstGeom prst="rect">
+            <a:avLst/>
+          </a:prstGeom>
+          <a:solidFill>
+            <a:schemeClr val="bg1"/>
+          </a:solidFill>
+        </p:spPr>
+        <p:txBody>
+          <a:bodyPr wrap="square">
+            <a:spAutoFit/>
+          </a:bodyPr>
+          <a:lstStyle/>
+          <a:p>
+            <a:r>
+              <a:rPr lang="en-GB" sz="2400" dirty="0"/>
+              <a:t>Introduced in 2002 by Eamonn Keogh and expanded several times since, the archive datasets have been used in thousands of papers</a:t>
+            </a:r>
+          </a:p>
+        </p:txBody>
+      </p:sp>
+      <p:pic>
+        <p:nvPicPr>
+          <p:cNvPr id="8" name="Picture 6" descr="http://creativedesign.ucr.edu/images/ism/wordmark_big.gif"/>
+          <p:cNvPicPr>
+            <a:picLocks noChangeAspect="1" noChangeArrowheads="1"/>
+          </p:cNvPicPr>
+          <p:nvPr/>
+        </p:nvPicPr>
+        <p:blipFill>
+          <a:blip r:embed="rId4">
+            <a:extLst>
+              <a:ext uri="{28A0092B-C50C-407E-A947-70E740481C1C}">
+                <a14:useLocalDpi xmlns:a14="http://schemas.microsoft.com/office/drawing/2010/main" val="0"/>
+              </a:ext>
+            </a:extLst>
+          </a:blip>
+          <a:srcRect/>
+          <a:stretch>
+            <a:fillRect/>
+          </a:stretch>
+        </p:blipFill>
+        <p:spPr bwMode="auto">
+          <a:xfrm>
+            <a:off x="0" y="6327724"/>
+            <a:ext cx="2675757" cy="530276"/>
+          </a:xfrm>
+          <a:prstGeom prst="rect">
+            <a:avLst/>
+          </a:prstGeom>
+          <a:noFill/>
+          <a:extLst>
+            <a:ext uri="{909E8E84-426E-40DD-AFC4-6F175D3DCCD1}">
+              <a14:hiddenFill xmlns:a14="http://schemas.microsoft.com/office/drawing/2010/main">
+                <a:solidFill>
+                  <a:srgbClr val="FFFFFF"/>
+                </a:solidFill>
+              </a14:hiddenFill>
+            </a:ext>
+          </a:extLst>
+        </p:spPr>
+      </p:pic>
+      <p:sp>
+        <p:nvSpPr>
+          <p:cNvPr id="10" name="Rectangle 9"/>
+          <p:cNvSpPr/>
+          <p:nvPr/>
+        </p:nvSpPr>
+        <p:spPr>
+          <a:xfrm>
+            <a:off x="1127957" y="2638701"/>
+            <a:ext cx="8986387" cy="1200329"/>
+          </a:xfrm>
+          <a:prstGeom prst="rect">
+            <a:avLst/>
+          </a:prstGeom>
+          <a:solidFill>
+            <a:schemeClr val="bg1"/>
+          </a:solidFill>
+        </p:spPr>
+        <p:txBody>
+          <a:bodyPr wrap="square">
+            <a:spAutoFit/>
+          </a:bodyPr>
+          <a:lstStyle/>
+          <a:p>
+            <a:r>
+              <a:rPr lang="en-GB" sz="2400" dirty="0"/>
+              <a:t>Expanded in 2018 to 128 datasets</a:t>
+            </a:r>
+          </a:p>
+          <a:p>
+            <a:r>
+              <a:rPr lang="en-GB" sz="2400" dirty="0"/>
+              <a:t>Multivariate archive introduced in 2019 with 30 datasets</a:t>
+            </a:r>
+          </a:p>
+          <a:p>
+            <a:r>
+              <a:rPr lang="en-GB" sz="2400" dirty="0"/>
+              <a:t>Regression archive introduced in 2021/22 with 19 datasets</a:t>
+            </a:r>
+          </a:p>
+        </p:txBody>
+      </p:sp>
+      <p:pic>
+        <p:nvPicPr>
+          <p:cNvPr id="4" name="Picture 3">
+            <a:extLst>
+              <a:ext uri="{FF2B5EF4-FFF2-40B4-BE49-F238E27FC236}">
+                <a16:creationId xmlns:a16="http://schemas.microsoft.com/office/drawing/2014/main" id="{1820D293-5316-3A07-81C2-25A432C90D5B}"/>
+              </a:ext>
+            </a:extLst>
+          </p:cNvPr>
+          <p:cNvPicPr>
+            <a:picLocks noChangeAspect="1"/>
+          </p:cNvPicPr>
+          <p:nvPr/>
+        </p:nvPicPr>
+        <p:blipFill>
+          <a:blip r:embed="rId5"/>
+          <a:stretch>
+            <a:fillRect/>
+          </a:stretch>
+        </p:blipFill>
+        <p:spPr>
+          <a:xfrm>
+            <a:off x="-1" y="5508964"/>
+            <a:ext cx="2675757" cy="818759"/>
+          </a:xfrm>
+          <a:prstGeom prst="rect">
+            <a:avLst/>
+          </a:prstGeom>
+        </p:spPr>
+      </p:pic>
+      <p:pic>
+        <p:nvPicPr>
+          <p:cNvPr id="6" name="Picture 5">
+            <a:extLst>
+              <a:ext uri="{FF2B5EF4-FFF2-40B4-BE49-F238E27FC236}">
+                <a16:creationId xmlns:a16="http://schemas.microsoft.com/office/drawing/2014/main" id="{61A1E6DD-70DC-35B5-6680-23151647197B}"/>
+              </a:ext>
+            </a:extLst>
+          </p:cNvPr>
+          <p:cNvPicPr>
+            <a:picLocks noChangeAspect="1"/>
+          </p:cNvPicPr>
+          <p:nvPr/>
+        </p:nvPicPr>
+        <p:blipFill>
+          <a:blip r:embed="rId6"/>
+          <a:stretch>
+            <a:fillRect/>
+          </a:stretch>
+        </p:blipFill>
+        <p:spPr>
+          <a:xfrm>
+            <a:off x="10882378" y="5638449"/>
+            <a:ext cx="1309622" cy="1221781"/>
+          </a:xfrm>
+          <a:prstGeom prst="rect">
+            <a:avLst/>
+          </a:prstGeom>
+        </p:spPr>
+      </p:pic>
+      <p:sp>
+        <p:nvSpPr>
+          <p:cNvPr id="11" name="Rectangle 10">
+            <a:extLst>
+              <a:ext uri="{FF2B5EF4-FFF2-40B4-BE49-F238E27FC236}">
+                <a16:creationId xmlns:a16="http://schemas.microsoft.com/office/drawing/2014/main" id="{6C563D51-FA9B-58E2-2E09-7A70466865BC}"/>
+              </a:ext>
+            </a:extLst>
+          </p:cNvPr>
+          <p:cNvSpPr/>
+          <p:nvPr/>
+        </p:nvSpPr>
+        <p:spPr>
+          <a:xfrm>
+            <a:off x="10217470" y="4315010"/>
+            <a:ext cx="2009875" cy="1323439"/>
+          </a:xfrm>
+          <a:prstGeom prst="rect">
+            <a:avLst/>
+          </a:prstGeom>
+          <a:solidFill>
+            <a:schemeClr val="bg1"/>
+          </a:solidFill>
+        </p:spPr>
+        <p:txBody>
+          <a:bodyPr wrap="square">
+            <a:spAutoFit/>
+          </a:bodyPr>
+          <a:lstStyle/>
+          <a:p>
+            <a:r>
+              <a:rPr lang="en-GB" sz="1600" dirty="0"/>
+              <a:t>We would like to thank everyone who donates and helps maintain these archives</a:t>
+            </a:r>
+          </a:p>
+        </p:txBody>
+      </p:sp>
+      <p:pic>
+        <p:nvPicPr>
+          <p:cNvPr id="13" name="Picture 12">
+            <a:extLst>
+              <a:ext uri="{FF2B5EF4-FFF2-40B4-BE49-F238E27FC236}">
+                <a16:creationId xmlns:a16="http://schemas.microsoft.com/office/drawing/2014/main" id="{DB169FE6-A893-C5DE-3C75-6567695EA269}"/>
+              </a:ext>
+            </a:extLst>
+          </p:cNvPr>
+          <p:cNvPicPr>
+            <a:picLocks noChangeAspect="1"/>
+          </p:cNvPicPr>
+          <p:nvPr/>
+        </p:nvPicPr>
+        <p:blipFill>
+          <a:blip r:embed="rId7"/>
+          <a:stretch>
+            <a:fillRect/>
+          </a:stretch>
+        </p:blipFill>
+        <p:spPr>
+          <a:xfrm>
+            <a:off x="2700867" y="4403857"/>
+            <a:ext cx="7413477" cy="2440187"/>
+          </a:xfrm>
+          <a:prstGeom prst="rect">
+            <a:avLst/>
+          </a:prstGeom>
+        </p:spPr>
+      </p:pic>
+      <p:sp>
+        <p:nvSpPr>
+          <p:cNvPr id="14" name="Rectangle 13">
+            <a:extLst>
+              <a:ext uri="{FF2B5EF4-FFF2-40B4-BE49-F238E27FC236}">
+                <a16:creationId xmlns:a16="http://schemas.microsoft.com/office/drawing/2014/main" id="{F63D6046-6B52-8C0B-D527-FFB23940EFD9}"/>
+              </a:ext>
+            </a:extLst>
+          </p:cNvPr>
+          <p:cNvSpPr/>
+          <p:nvPr/>
+        </p:nvSpPr>
+        <p:spPr>
+          <a:xfrm>
+            <a:off x="10217470" y="1239393"/>
+            <a:ext cx="1923434" cy="2308324"/>
+          </a:xfrm>
+          <a:prstGeom prst="rect">
+            <a:avLst/>
+          </a:prstGeom>
+          <a:solidFill>
+            <a:schemeClr val="bg1"/>
+          </a:solidFill>
+        </p:spPr>
+        <p:txBody>
+          <a:bodyPr wrap="square">
+            <a:spAutoFit/>
+          </a:bodyPr>
+          <a:lstStyle/>
+          <a:p>
+            <a:r>
+              <a:rPr lang="en-GB" sz="2400" dirty="0"/>
+              <a:t>2002: 22</a:t>
+            </a:r>
+          </a:p>
+          <a:p>
+            <a:endParaRPr lang="en-GB" sz="2400" dirty="0"/>
+          </a:p>
+          <a:p>
+            <a:endParaRPr lang="en-GB" sz="2400" dirty="0"/>
+          </a:p>
+          <a:p>
+            <a:r>
+              <a:rPr lang="en-GB" sz="2400" dirty="0"/>
+              <a:t>2015: 85</a:t>
+            </a:r>
+          </a:p>
+          <a:p>
+            <a:r>
+              <a:rPr lang="en-GB" sz="2400" dirty="0"/>
+              <a:t>2018: 128</a:t>
+            </a:r>
+          </a:p>
+          <a:p>
+            <a:r>
+              <a:rPr lang="en-GB" sz="2400" dirty="0"/>
+              <a:t>now &gt; 200</a:t>
+            </a:r>
+          </a:p>
+        </p:txBody>
+      </p:sp>
+      <p:pic>
+        <p:nvPicPr>
+          <p:cNvPr id="12" name="Picture 11">
+            <a:extLst>
+              <a:ext uri="{FF2B5EF4-FFF2-40B4-BE49-F238E27FC236}">
+                <a16:creationId xmlns:a16="http://schemas.microsoft.com/office/drawing/2014/main" id="{8E89F00C-6721-ACB9-CAAC-7547C3E9F375}"/>
+              </a:ext>
+            </a:extLst>
+          </p:cNvPr>
+          <p:cNvPicPr>
+            <a:picLocks noChangeAspect="1"/>
+          </p:cNvPicPr>
+          <p:nvPr/>
+        </p:nvPicPr>
+        <p:blipFill>
+          <a:blip r:embed="rId8"/>
+          <a:stretch>
+            <a:fillRect/>
+          </a:stretch>
+        </p:blipFill>
+        <p:spPr>
+          <a:xfrm>
+            <a:off x="157802" y="4204328"/>
+            <a:ext cx="1600282" cy="1301817"/>
+          </a:xfrm>
+          <a:prstGeom prst="rect">
+            <a:avLst/>
+          </a:prstGeom>
+        </p:spPr>
+      </p:pic>
+    </p:spTree>
+    <p:extLst>
+      <p:ext uri="{BB962C8B-B14F-4D97-AF65-F5344CB8AC3E}">
+        <p14:creationId xmlns:p14="http://schemas.microsoft.com/office/powerpoint/2010/main" val="737120944"/>
+      </p:ext>
+    </p:extLst>
+  </p:cSld>
+  <p:clrMapOvr>
+    <a:masterClrMapping/>
+  </p:clrMapOvr>
+</p:sld>
+</file>
+
+<file path=ppt/slides/slide4.xml><?xml version="1.0" encoding="utf-8"?>
+<p:sld xmlns:a="http://schemas.openxmlformats.org/drawingml/2006/main" xmlns:r="http://schemas.openxmlformats.org/officeDocument/2006/relationships" xmlns:p="http://schemas.openxmlformats.org/presentationml/2006/main">
+  <p:cSld>
+    <p:spTree>
+      <p:nvGrpSpPr>
+        <p:cNvPr id="1" name=""/>
+        <p:cNvGrpSpPr/>
+        <p:nvPr/>
+      </p:nvGrpSpPr>
+      <p:grpSpPr>
+        <a:xfrm>
+          <a:off x="0" y="0"/>
+          <a:ext cx="0" cy="0"/>
+          <a:chOff x="0" y="0"/>
+          <a:chExt cx="0" cy="0"/>
+        </a:xfrm>
+      </p:grpSpPr>
+      <p:sp>
+        <p:nvSpPr>
           <p:cNvPr id="3" name="Title 2">
             <a:extLst>
               <a:ext uri="{FF2B5EF4-FFF2-40B4-BE49-F238E27FC236}">
@@ -12516,8 +14342,8 @@
         </p:nvSpPr>
         <p:spPr>
           <a:xfrm>
-            <a:off x="2321610" y="3442172"/>
-            <a:ext cx="582211" cy="307777"/>
+            <a:off x="2015780" y="3442172"/>
+            <a:ext cx="678391" cy="369332"/>
           </a:xfrm>
           <a:prstGeom prst="rect">
             <a:avLst/>
@@ -12531,7 +14357,11 @@
           <a:lstStyle/>
           <a:p>
             <a:r>
-              <a:rPr lang="en-GB" dirty="0"/>
+              <a:rPr lang="en-GB" dirty="0">
+                <a:solidFill>
+                  <a:schemeClr val="bg1"/>
+                </a:solidFill>
+              </a:rPr>
               <a:t>2015</a:t>
             </a:r>
           </a:p>
@@ -12594,8 +14424,8 @@
         </p:nvSpPr>
         <p:spPr>
           <a:xfrm>
-            <a:off x="4319370" y="3446942"/>
-            <a:ext cx="582211" cy="307777"/>
+            <a:off x="4013540" y="3446942"/>
+            <a:ext cx="678391" cy="369332"/>
           </a:xfrm>
           <a:prstGeom prst="rect">
             <a:avLst/>
@@ -12609,7 +14439,11 @@
           <a:lstStyle/>
           <a:p>
             <a:r>
-              <a:rPr lang="en-GB" dirty="0"/>
+              <a:rPr lang="en-GB" dirty="0">
+                <a:solidFill>
+                  <a:schemeClr val="bg1"/>
+                </a:solidFill>
+              </a:rPr>
               <a:t>2016</a:t>
             </a:r>
           </a:p>
@@ -12629,8 +14463,8 @@
         </p:nvSpPr>
         <p:spPr>
           <a:xfrm>
-            <a:off x="6874674" y="3414720"/>
-            <a:ext cx="582211" cy="307777"/>
+            <a:off x="6568844" y="3414720"/>
+            <a:ext cx="678391" cy="369332"/>
           </a:xfrm>
           <a:prstGeom prst="rect">
             <a:avLst/>
@@ -12644,7 +14478,11 @@
           <a:lstStyle/>
           <a:p>
             <a:r>
-              <a:rPr lang="en-GB" dirty="0"/>
+              <a:rPr lang="en-GB" dirty="0">
+                <a:solidFill>
+                  <a:schemeClr val="bg1"/>
+                </a:solidFill>
+              </a:rPr>
               <a:t>2017</a:t>
             </a:r>
           </a:p>
@@ -12664,8 +14502,8 @@
         </p:nvSpPr>
         <p:spPr>
           <a:xfrm>
-            <a:off x="10128177" y="3442172"/>
-            <a:ext cx="582211" cy="307777"/>
+            <a:off x="9996247" y="3442172"/>
+            <a:ext cx="678391" cy="369332"/>
           </a:xfrm>
           <a:prstGeom prst="rect">
             <a:avLst/>
@@ -12679,7 +14517,11 @@
           <a:lstStyle/>
           <a:p>
             <a:r>
-              <a:rPr lang="en-GB" dirty="0"/>
+              <a:rPr lang="en-GB" dirty="0">
+                <a:solidFill>
+                  <a:schemeClr val="bg1"/>
+                </a:solidFill>
+              </a:rPr>
               <a:t>2018</a:t>
             </a:r>
           </a:p>
@@ -12699,8 +14541,8 @@
         </p:nvSpPr>
         <p:spPr>
           <a:xfrm>
-            <a:off x="316775" y="3429000"/>
-            <a:ext cx="1059906" cy="307777"/>
+            <a:off x="10945" y="3429000"/>
+            <a:ext cx="1259127" cy="369332"/>
           </a:xfrm>
           <a:prstGeom prst="rect">
             <a:avLst/>
@@ -12714,7 +14556,11 @@
           <a:lstStyle/>
           <a:p>
             <a:r>
-              <a:rPr lang="en-GB" dirty="0"/>
+              <a:rPr lang="en-GB" dirty="0">
+                <a:solidFill>
+                  <a:schemeClr val="bg1"/>
+                </a:solidFill>
+              </a:rPr>
               <a:t>Up to 2014</a:t>
             </a:r>
           </a:p>
@@ -13340,7 +15186,7 @@
 </p:sld>
 </file>
 
-<file path=ppt/slides/slide4.xml><?xml version="1.0" encoding="utf-8"?>
+<file path=ppt/slides/slide5.xml><?xml version="1.0" encoding="utf-8"?>
 <p:sld xmlns:a="http://schemas.openxmlformats.org/drawingml/2006/main" xmlns:r="http://schemas.openxmlformats.org/officeDocument/2006/relationships" xmlns:p="http://schemas.openxmlformats.org/presentationml/2006/main">
   <p:cSld>
     <p:spTree>
@@ -13432,7 +15278,11 @@
           <a:lstStyle/>
           <a:p>
             <a:pPr algn="ctr"/>
-            <a:endParaRPr lang="en-GB"/>
+            <a:endParaRPr lang="en-GB">
+              <a:solidFill>
+                <a:schemeClr val="bg1"/>
+              </a:solidFill>
+            </a:endParaRPr>
           </a:p>
         </p:txBody>
       </p:sp>
@@ -13815,7 +15665,11 @@
           <a:lstStyle/>
           <a:p>
             <a:r>
-              <a:rPr lang="en-GB" sz="2000" dirty="0"/>
+              <a:rPr lang="en-GB" sz="2000" dirty="0">
+                <a:solidFill>
+                  <a:schemeClr val="bg1"/>
+                </a:solidFill>
+              </a:rPr>
               <a:t>2019</a:t>
             </a:r>
           </a:p>
@@ -13850,7 +15704,11 @@
           <a:lstStyle/>
           <a:p>
             <a:r>
-              <a:rPr lang="en-GB" sz="2000" dirty="0"/>
+              <a:rPr lang="en-GB" sz="2000" dirty="0">
+                <a:solidFill>
+                  <a:schemeClr val="bg1"/>
+                </a:solidFill>
+              </a:rPr>
               <a:t>2020</a:t>
             </a:r>
           </a:p>
@@ -13885,7 +15743,11 @@
           <a:lstStyle/>
           <a:p>
             <a:r>
-              <a:rPr lang="en-GB" sz="2000" dirty="0"/>
+              <a:rPr lang="en-GB" sz="2000" dirty="0">
+                <a:solidFill>
+                  <a:schemeClr val="bg1"/>
+                </a:solidFill>
+              </a:rPr>
               <a:t>2021</a:t>
             </a:r>
           </a:p>
@@ -14658,7 +16520,7 @@
 </p:sld>
 </file>
 
-<file path=ppt/slides/slide5.xml><?xml version="1.0" encoding="utf-8"?>
+<file path=ppt/slides/slide6.xml><?xml version="1.0" encoding="utf-8"?>
 <p:sld xmlns:a="http://schemas.openxmlformats.org/drawingml/2006/main" xmlns:r="http://schemas.openxmlformats.org/officeDocument/2006/relationships" xmlns:p="http://schemas.openxmlformats.org/presentationml/2006/main">
   <p:cSld>
     <p:spTree>
@@ -14865,7 +16727,11 @@
           <a:lstStyle/>
           <a:p>
             <a:r>
-              <a:rPr lang="en-GB" sz="2000" dirty="0"/>
+              <a:rPr lang="en-GB" sz="2000" dirty="0">
+                <a:solidFill>
+                  <a:schemeClr val="bg1"/>
+                </a:solidFill>
+              </a:rPr>
               <a:t>2022</a:t>
             </a:r>
           </a:p>
@@ -14900,7 +16766,11 @@
           <a:lstStyle/>
           <a:p>
             <a:r>
-              <a:rPr lang="en-GB" sz="2000" dirty="0"/>
+              <a:rPr lang="en-GB" sz="2000" dirty="0">
+                <a:solidFill>
+                  <a:schemeClr val="bg1"/>
+                </a:solidFill>
+              </a:rPr>
               <a:t>2023</a:t>
             </a:r>
           </a:p>
@@ -14935,7 +16805,11 @@
           <a:lstStyle/>
           <a:p>
             <a:r>
-              <a:rPr lang="en-GB" sz="2000" dirty="0"/>
+              <a:rPr lang="en-GB" sz="2000" dirty="0">
+                <a:solidFill>
+                  <a:schemeClr val="bg1"/>
+                </a:solidFill>
+              </a:rPr>
               <a:t>2024</a:t>
             </a:r>
           </a:p>
@@ -16631,1728 +18505,6 @@
 </p:sld>
 </file>
 
-<file path=ppt/slides/slide6.xml><?xml version="1.0" encoding="utf-8"?>
-<p:sld xmlns:a="http://schemas.openxmlformats.org/drawingml/2006/main" xmlns:r="http://schemas.openxmlformats.org/officeDocument/2006/relationships" xmlns:p="http://schemas.openxmlformats.org/presentationml/2006/main">
-  <p:cSld>
-    <p:spTree>
-      <p:nvGrpSpPr>
-        <p:cNvPr id="1" name=""/>
-        <p:cNvGrpSpPr/>
-        <p:nvPr/>
-      </p:nvGrpSpPr>
-      <p:grpSpPr>
-        <a:xfrm>
-          <a:off x="0" y="0"/>
-          <a:ext cx="0" cy="0"/>
-          <a:chOff x="0" y="0"/>
-          <a:chExt cx="0" cy="0"/>
-        </a:xfrm>
-      </p:grpSpPr>
-      <p:sp>
-        <p:nvSpPr>
-          <p:cNvPr id="2" name="Title 1">
-            <a:extLst>
-              <a:ext uri="{FF2B5EF4-FFF2-40B4-BE49-F238E27FC236}">
-                <a16:creationId xmlns:a16="http://schemas.microsoft.com/office/drawing/2014/main" id="{D5EF5146-F01F-413E-B715-720E0AD2E61F}"/>
-              </a:ext>
-            </a:extLst>
-          </p:cNvPr>
-          <p:cNvSpPr>
-            <a:spLocks noGrp="1"/>
-          </p:cNvSpPr>
-          <p:nvPr>
-            <p:ph type="title"/>
-          </p:nvPr>
-        </p:nvSpPr>
-        <p:spPr>
-          <a:xfrm>
-            <a:off x="-109700" y="238900"/>
-            <a:ext cx="12411400" cy="1122300"/>
-          </a:xfrm>
-        </p:spPr>
-        <p:txBody>
-          <a:bodyPr>
-            <a:normAutofit fontScale="90000"/>
-          </a:bodyPr>
-          <a:lstStyle/>
-          <a:p>
-            <a:r>
-              <a:rPr lang="en-US" sz="4000" dirty="0"/>
-              <a:t>Hands on with the </a:t>
-            </a:r>
-            <a:r>
-              <a:rPr lang="en-US" sz="4000" dirty="0" err="1"/>
-              <a:t>aeon</a:t>
-            </a:r>
-            <a:r>
-              <a:rPr lang="en-US" sz="4000" dirty="0"/>
-              <a:t> toolkit</a:t>
-            </a:r>
-            <a:br>
-              <a:rPr lang="en-GB" sz="4000" dirty="0"/>
-            </a:br>
-            <a:endParaRPr lang="en-GB" sz="4000" dirty="0"/>
-          </a:p>
-        </p:txBody>
-      </p:sp>
-      <p:sp>
-        <p:nvSpPr>
-          <p:cNvPr id="4" name="TextBox 3">
-            <a:extLst>
-              <a:ext uri="{FF2B5EF4-FFF2-40B4-BE49-F238E27FC236}">
-                <a16:creationId xmlns:a16="http://schemas.microsoft.com/office/drawing/2014/main" id="{6795445B-E399-2027-E0A0-14AD13CFBD2D}"/>
-              </a:ext>
-            </a:extLst>
-          </p:cNvPr>
-          <p:cNvSpPr txBox="1"/>
-          <p:nvPr/>
-        </p:nvSpPr>
-        <p:spPr>
-          <a:xfrm>
-            <a:off x="190500" y="1685777"/>
-            <a:ext cx="11838271" cy="688212"/>
-          </a:xfrm>
-          <a:prstGeom prst="rect">
-            <a:avLst/>
-          </a:prstGeom>
-          <a:solidFill>
-            <a:schemeClr val="accent1">
-              <a:lumMod val="40000"/>
-              <a:lumOff val="60000"/>
-            </a:schemeClr>
-          </a:solidFill>
-          <a:ln w="38100">
-            <a:noFill/>
-            <a:prstDash val="dash"/>
-            <a:bevel/>
-          </a:ln>
-        </p:spPr>
-        <p:txBody>
-          <a:bodyPr vert="horz" wrap="square" lIns="0" tIns="0" rIns="0" bIns="0" rtlCol="0" anchor="ctr" anchorCtr="0">
-            <a:normAutofit/>
-          </a:bodyPr>
-          <a:lstStyle/>
-          <a:p>
-            <a:pPr marL="0" marR="0" indent="0" algn="ctr" defTabSz="914400" rtl="0" eaLnBrk="1" fontAlgn="auto" latinLnBrk="0" hangingPunct="1">
-              <a:lnSpc>
-                <a:spcPct val="100000"/>
-              </a:lnSpc>
-              <a:spcBef>
-                <a:spcPts val="0"/>
-              </a:spcBef>
-              <a:spcAft>
-                <a:spcPts val="0"/>
-              </a:spcAft>
-              <a:buClrTx/>
-              <a:buSzTx/>
-              <a:buFont typeface="Arial" panose="020B0604020202020204" pitchFamily="34" charset="0"/>
-              <a:buNone/>
-              <a:tabLst/>
-            </a:pPr>
-            <a:r>
-              <a:rPr lang="en-GB" sz="2000" b="1" dirty="0">
-                <a:solidFill>
-                  <a:prstClr val="black"/>
-                </a:solidFill>
-                <a:latin typeface="Menlo" panose="020B0609030804020204" pitchFamily="49" charset="0"/>
-                <a:ea typeface="Menlo" panose="020B0609030804020204" pitchFamily="49" charset="0"/>
-                <a:cs typeface="Menlo" panose="020B0609030804020204" pitchFamily="49" charset="0"/>
-              </a:rPr>
-              <a:t>aeon</a:t>
-            </a:r>
-            <a:endParaRPr kumimoji="0" lang="en-GB" sz="2000" b="1" i="0" u="none" strike="noStrike" kern="1200" cap="none" spc="0" normalizeH="0" baseline="0" noProof="0" dirty="0">
-              <a:ln>
-                <a:noFill/>
-              </a:ln>
-              <a:solidFill>
-                <a:prstClr val="black"/>
-              </a:solidFill>
-              <a:effectLst/>
-              <a:uLnTx/>
-              <a:uFillTx/>
-              <a:latin typeface="Menlo" panose="020B0609030804020204" pitchFamily="49" charset="0"/>
-              <a:ea typeface="Menlo" panose="020B0609030804020204" pitchFamily="49" charset="0"/>
-              <a:cs typeface="Menlo" panose="020B0609030804020204" pitchFamily="49" charset="0"/>
-            </a:endParaRPr>
-          </a:p>
-        </p:txBody>
-      </p:sp>
-      <p:sp>
-        <p:nvSpPr>
-          <p:cNvPr id="5" name="TextBox 4">
-            <a:extLst>
-              <a:ext uri="{FF2B5EF4-FFF2-40B4-BE49-F238E27FC236}">
-                <a16:creationId xmlns:a16="http://schemas.microsoft.com/office/drawing/2014/main" id="{951F56E8-F489-470C-5024-8BC29F461983}"/>
-              </a:ext>
-            </a:extLst>
-          </p:cNvPr>
-          <p:cNvSpPr txBox="1"/>
-          <p:nvPr/>
-        </p:nvSpPr>
-        <p:spPr>
-          <a:xfrm>
-            <a:off x="1829340" y="900451"/>
-            <a:ext cx="1549730" cy="688212"/>
-          </a:xfrm>
-          <a:prstGeom prst="rect">
-            <a:avLst/>
-          </a:prstGeom>
-          <a:solidFill>
-            <a:schemeClr val="accent1">
-              <a:lumMod val="20000"/>
-              <a:lumOff val="80000"/>
-            </a:schemeClr>
-          </a:solidFill>
-          <a:ln w="38100">
-            <a:noFill/>
-            <a:prstDash val="dash"/>
-            <a:bevel/>
-          </a:ln>
-        </p:spPr>
-        <p:txBody>
-          <a:bodyPr vert="horz" wrap="square" lIns="0" tIns="0" rIns="0" bIns="0" rtlCol="0" anchor="ctr" anchorCtr="0">
-            <a:noAutofit/>
-          </a:bodyPr>
-          <a:lstStyle/>
-          <a:p>
-            <a:pPr marL="0" marR="0" indent="0" algn="ctr" defTabSz="914400" rtl="0" eaLnBrk="1" fontAlgn="auto" latinLnBrk="0" hangingPunct="1">
-              <a:lnSpc>
-                <a:spcPct val="100000"/>
-              </a:lnSpc>
-              <a:spcBef>
-                <a:spcPts val="0"/>
-              </a:spcBef>
-              <a:spcAft>
-                <a:spcPts val="0"/>
-              </a:spcAft>
-              <a:buClrTx/>
-              <a:buSzTx/>
-              <a:buFont typeface="Arial" panose="020B0604020202020204" pitchFamily="34" charset="0"/>
-              <a:buNone/>
-              <a:tabLst/>
-            </a:pPr>
-            <a:r>
-              <a:rPr lang="en-GB" sz="2000" b="1" dirty="0">
-                <a:solidFill>
-                  <a:prstClr val="black"/>
-                </a:solidFill>
-                <a:latin typeface="Menlo" panose="020B0609030804020204" pitchFamily="49" charset="0"/>
-                <a:ea typeface="Menlo" panose="020B0609030804020204" pitchFamily="49" charset="0"/>
-                <a:cs typeface="Menlo" panose="020B0609030804020204" pitchFamily="49" charset="0"/>
-              </a:rPr>
-              <a:t>classification</a:t>
-            </a:r>
-            <a:endParaRPr kumimoji="0" lang="en-GB" sz="2000" b="1" i="0" u="none" strike="noStrike" kern="1200" cap="none" spc="0" normalizeH="0" baseline="0" noProof="0" dirty="0">
-              <a:ln>
-                <a:noFill/>
-              </a:ln>
-              <a:solidFill>
-                <a:prstClr val="black"/>
-              </a:solidFill>
-              <a:effectLst/>
-              <a:uLnTx/>
-              <a:uFillTx/>
-              <a:latin typeface="Menlo" panose="020B0609030804020204" pitchFamily="49" charset="0"/>
-              <a:ea typeface="Menlo" panose="020B0609030804020204" pitchFamily="49" charset="0"/>
-              <a:cs typeface="Menlo" panose="020B0609030804020204" pitchFamily="49" charset="0"/>
-            </a:endParaRPr>
-          </a:p>
-        </p:txBody>
-      </p:sp>
-      <p:sp>
-        <p:nvSpPr>
-          <p:cNvPr id="12" name="TextBox 11">
-            <a:extLst>
-              <a:ext uri="{FF2B5EF4-FFF2-40B4-BE49-F238E27FC236}">
-                <a16:creationId xmlns:a16="http://schemas.microsoft.com/office/drawing/2014/main" id="{F0BDB086-8DFD-8E8F-A1DB-E36D947D9430}"/>
-              </a:ext>
-            </a:extLst>
-          </p:cNvPr>
-          <p:cNvSpPr txBox="1"/>
-          <p:nvPr/>
-        </p:nvSpPr>
-        <p:spPr>
-          <a:xfrm>
-            <a:off x="5107020" y="898912"/>
-            <a:ext cx="1549730" cy="688212"/>
-          </a:xfrm>
-          <a:prstGeom prst="rect">
-            <a:avLst/>
-          </a:prstGeom>
-          <a:solidFill>
-            <a:schemeClr val="accent1">
-              <a:lumMod val="20000"/>
-              <a:lumOff val="80000"/>
-            </a:schemeClr>
-          </a:solidFill>
-          <a:ln w="38100">
-            <a:noFill/>
-            <a:prstDash val="dash"/>
-            <a:bevel/>
-          </a:ln>
-        </p:spPr>
-        <p:txBody>
-          <a:bodyPr vert="horz" wrap="square" lIns="0" tIns="0" rIns="0" bIns="0" rtlCol="0" anchor="ctr" anchorCtr="0">
-            <a:noAutofit/>
-          </a:bodyPr>
-          <a:lstStyle/>
-          <a:p>
-            <a:pPr marL="0" marR="0" indent="0" algn="ctr" defTabSz="914400" rtl="0" eaLnBrk="1" fontAlgn="auto" latinLnBrk="0" hangingPunct="1">
-              <a:lnSpc>
-                <a:spcPct val="100000"/>
-              </a:lnSpc>
-              <a:spcBef>
-                <a:spcPts val="0"/>
-              </a:spcBef>
-              <a:spcAft>
-                <a:spcPts val="0"/>
-              </a:spcAft>
-              <a:buClrTx/>
-              <a:buSzTx/>
-              <a:buFont typeface="Arial" panose="020B0604020202020204" pitchFamily="34" charset="0"/>
-              <a:buNone/>
-              <a:tabLst/>
-            </a:pPr>
-            <a:r>
-              <a:rPr lang="en-GB" sz="2000" b="1" dirty="0">
-                <a:solidFill>
-                  <a:prstClr val="black"/>
-                </a:solidFill>
-                <a:latin typeface="Menlo" panose="020B0609030804020204" pitchFamily="49" charset="0"/>
-                <a:ea typeface="Menlo" panose="020B0609030804020204" pitchFamily="49" charset="0"/>
-                <a:cs typeface="Menlo" panose="020B0609030804020204" pitchFamily="49" charset="0"/>
-              </a:rPr>
-              <a:t>regression</a:t>
-            </a:r>
-            <a:endParaRPr kumimoji="0" lang="en-GB" sz="2000" b="1" i="0" u="none" strike="noStrike" kern="1200" cap="none" spc="0" normalizeH="0" baseline="0" noProof="0" dirty="0">
-              <a:ln>
-                <a:noFill/>
-              </a:ln>
-              <a:solidFill>
-                <a:prstClr val="black"/>
-              </a:solidFill>
-              <a:effectLst/>
-              <a:uLnTx/>
-              <a:uFillTx/>
-              <a:latin typeface="Menlo" panose="020B0609030804020204" pitchFamily="49" charset="0"/>
-              <a:ea typeface="Menlo" panose="020B0609030804020204" pitchFamily="49" charset="0"/>
-              <a:cs typeface="Menlo" panose="020B0609030804020204" pitchFamily="49" charset="0"/>
-            </a:endParaRPr>
-          </a:p>
-        </p:txBody>
-      </p:sp>
-      <p:sp>
-        <p:nvSpPr>
-          <p:cNvPr id="13" name="TextBox 12">
-            <a:extLst>
-              <a:ext uri="{FF2B5EF4-FFF2-40B4-BE49-F238E27FC236}">
-                <a16:creationId xmlns:a16="http://schemas.microsoft.com/office/drawing/2014/main" id="{400642DD-D42F-9708-85A1-ECD7846E01CA}"/>
-              </a:ext>
-            </a:extLst>
-          </p:cNvPr>
-          <p:cNvSpPr txBox="1"/>
-          <p:nvPr/>
-        </p:nvSpPr>
-        <p:spPr>
-          <a:xfrm>
-            <a:off x="3468180" y="900451"/>
-            <a:ext cx="1549730" cy="688212"/>
-          </a:xfrm>
-          <a:prstGeom prst="rect">
-            <a:avLst/>
-          </a:prstGeom>
-          <a:solidFill>
-            <a:schemeClr val="accent1">
-              <a:lumMod val="20000"/>
-              <a:lumOff val="80000"/>
-            </a:schemeClr>
-          </a:solidFill>
-          <a:ln w="38100">
-            <a:noFill/>
-            <a:prstDash val="dash"/>
-            <a:bevel/>
-          </a:ln>
-        </p:spPr>
-        <p:txBody>
-          <a:bodyPr vert="horz" wrap="square" lIns="0" tIns="0" rIns="0" bIns="0" rtlCol="0" anchor="ctr" anchorCtr="0">
-            <a:noAutofit/>
-          </a:bodyPr>
-          <a:lstStyle/>
-          <a:p>
-            <a:pPr marL="0" marR="0" indent="0" algn="ctr" defTabSz="914400" rtl="0" eaLnBrk="1" fontAlgn="auto" latinLnBrk="0" hangingPunct="1">
-              <a:lnSpc>
-                <a:spcPct val="100000"/>
-              </a:lnSpc>
-              <a:spcBef>
-                <a:spcPts val="0"/>
-              </a:spcBef>
-              <a:spcAft>
-                <a:spcPts val="0"/>
-              </a:spcAft>
-              <a:buClrTx/>
-              <a:buSzTx/>
-              <a:buFont typeface="Arial" panose="020B0604020202020204" pitchFamily="34" charset="0"/>
-              <a:buNone/>
-              <a:tabLst/>
-            </a:pPr>
-            <a:r>
-              <a:rPr lang="en-GB" sz="2000" b="1" dirty="0">
-                <a:solidFill>
-                  <a:prstClr val="black"/>
-                </a:solidFill>
-                <a:latin typeface="Menlo" panose="020B0609030804020204" pitchFamily="49" charset="0"/>
-                <a:ea typeface="Menlo" panose="020B0609030804020204" pitchFamily="49" charset="0"/>
-                <a:cs typeface="Menlo" panose="020B0609030804020204" pitchFamily="49" charset="0"/>
-              </a:rPr>
-              <a:t>clustering</a:t>
-            </a:r>
-            <a:endParaRPr kumimoji="0" lang="en-GB" sz="2000" b="1" i="0" u="none" strike="noStrike" kern="1200" cap="none" spc="0" normalizeH="0" baseline="0" noProof="0" dirty="0">
-              <a:ln>
-                <a:noFill/>
-              </a:ln>
-              <a:solidFill>
-                <a:prstClr val="black"/>
-              </a:solidFill>
-              <a:effectLst/>
-              <a:uLnTx/>
-              <a:uFillTx/>
-              <a:latin typeface="Menlo" panose="020B0609030804020204" pitchFamily="49" charset="0"/>
-              <a:ea typeface="Menlo" panose="020B0609030804020204" pitchFamily="49" charset="0"/>
-              <a:cs typeface="Menlo" panose="020B0609030804020204" pitchFamily="49" charset="0"/>
-            </a:endParaRPr>
-          </a:p>
-        </p:txBody>
-      </p:sp>
-      <p:sp>
-        <p:nvSpPr>
-          <p:cNvPr id="14" name="TextBox 13">
-            <a:extLst>
-              <a:ext uri="{FF2B5EF4-FFF2-40B4-BE49-F238E27FC236}">
-                <a16:creationId xmlns:a16="http://schemas.microsoft.com/office/drawing/2014/main" id="{C700AEA0-686F-AD58-7049-9EC74AE6CC58}"/>
-              </a:ext>
-            </a:extLst>
-          </p:cNvPr>
-          <p:cNvSpPr txBox="1"/>
-          <p:nvPr/>
-        </p:nvSpPr>
-        <p:spPr>
-          <a:xfrm>
-            <a:off x="190500" y="900451"/>
-            <a:ext cx="1549730" cy="688212"/>
-          </a:xfrm>
-          <a:prstGeom prst="rect">
-            <a:avLst/>
-          </a:prstGeom>
-          <a:solidFill>
-            <a:schemeClr val="accent1">
-              <a:lumMod val="20000"/>
-              <a:lumOff val="80000"/>
-            </a:schemeClr>
-          </a:solidFill>
-          <a:ln w="38100">
-            <a:noFill/>
-            <a:prstDash val="dash"/>
-            <a:bevel/>
-          </a:ln>
-        </p:spPr>
-        <p:txBody>
-          <a:bodyPr vert="horz" wrap="square" lIns="0" tIns="0" rIns="0" bIns="0" rtlCol="0" anchor="ctr" anchorCtr="0">
-            <a:noAutofit/>
-          </a:bodyPr>
-          <a:lstStyle/>
-          <a:p>
-            <a:pPr marL="0" marR="0" indent="0" algn="ctr" defTabSz="914400" rtl="0" eaLnBrk="1" fontAlgn="auto" latinLnBrk="0" hangingPunct="1">
-              <a:lnSpc>
-                <a:spcPct val="100000"/>
-              </a:lnSpc>
-              <a:spcBef>
-                <a:spcPts val="0"/>
-              </a:spcBef>
-              <a:spcAft>
-                <a:spcPts val="0"/>
-              </a:spcAft>
-              <a:buClrTx/>
-              <a:buSzTx/>
-              <a:buFont typeface="Arial" panose="020B0604020202020204" pitchFamily="34" charset="0"/>
-              <a:buNone/>
-              <a:tabLst/>
-            </a:pPr>
-            <a:r>
-              <a:rPr lang="en-GB" sz="2000" b="1" dirty="0">
-                <a:solidFill>
-                  <a:prstClr val="black"/>
-                </a:solidFill>
-                <a:latin typeface="Menlo" panose="020B0609030804020204" pitchFamily="49" charset="0"/>
-                <a:ea typeface="Menlo" panose="020B0609030804020204" pitchFamily="49" charset="0"/>
-                <a:cs typeface="Menlo" panose="020B0609030804020204" pitchFamily="49" charset="0"/>
-              </a:rPr>
-              <a:t>Similarity search</a:t>
-            </a:r>
-            <a:endParaRPr kumimoji="0" lang="en-GB" sz="2000" b="1" i="0" u="none" strike="noStrike" kern="1200" cap="none" spc="0" normalizeH="0" baseline="0" noProof="0" dirty="0">
-              <a:ln>
-                <a:noFill/>
-              </a:ln>
-              <a:solidFill>
-                <a:prstClr val="black"/>
-              </a:solidFill>
-              <a:effectLst/>
-              <a:uLnTx/>
-              <a:uFillTx/>
-              <a:latin typeface="Menlo" panose="020B0609030804020204" pitchFamily="49" charset="0"/>
-              <a:ea typeface="Menlo" panose="020B0609030804020204" pitchFamily="49" charset="0"/>
-              <a:cs typeface="Menlo" panose="020B0609030804020204" pitchFamily="49" charset="0"/>
-            </a:endParaRPr>
-          </a:p>
-        </p:txBody>
-      </p:sp>
-      <p:sp>
-        <p:nvSpPr>
-          <p:cNvPr id="15" name="TextBox 14">
-            <a:extLst>
-              <a:ext uri="{FF2B5EF4-FFF2-40B4-BE49-F238E27FC236}">
-                <a16:creationId xmlns:a16="http://schemas.microsoft.com/office/drawing/2014/main" id="{F831A30C-18F7-AEE9-C68A-DAF5063ACA4F}"/>
-              </a:ext>
-            </a:extLst>
-          </p:cNvPr>
-          <p:cNvSpPr txBox="1"/>
-          <p:nvPr/>
-        </p:nvSpPr>
-        <p:spPr>
-          <a:xfrm>
-            <a:off x="6745860" y="898912"/>
-            <a:ext cx="1770264" cy="688212"/>
-          </a:xfrm>
-          <a:prstGeom prst="rect">
-            <a:avLst/>
-          </a:prstGeom>
-          <a:solidFill>
-            <a:schemeClr val="accent1">
-              <a:lumMod val="20000"/>
-              <a:lumOff val="80000"/>
-            </a:schemeClr>
-          </a:solidFill>
-          <a:ln w="38100">
-            <a:noFill/>
-            <a:prstDash val="dash"/>
-            <a:bevel/>
-          </a:ln>
-        </p:spPr>
-        <p:txBody>
-          <a:bodyPr vert="horz" wrap="square" lIns="0" tIns="0" rIns="0" bIns="0" rtlCol="0" anchor="ctr" anchorCtr="0">
-            <a:noAutofit/>
-          </a:bodyPr>
-          <a:lstStyle/>
-          <a:p>
-            <a:pPr marL="0" marR="0" indent="0" algn="ctr" defTabSz="914400" rtl="0" eaLnBrk="1" fontAlgn="auto" latinLnBrk="0" hangingPunct="1">
-              <a:lnSpc>
-                <a:spcPct val="100000"/>
-              </a:lnSpc>
-              <a:spcBef>
-                <a:spcPts val="0"/>
-              </a:spcBef>
-              <a:spcAft>
-                <a:spcPts val="0"/>
-              </a:spcAft>
-              <a:buClrTx/>
-              <a:buSzTx/>
-              <a:buFont typeface="Arial" panose="020B0604020202020204" pitchFamily="34" charset="0"/>
-              <a:buNone/>
-              <a:tabLst/>
-            </a:pPr>
-            <a:r>
-              <a:rPr lang="en-GB" sz="2000" b="1" dirty="0">
-                <a:solidFill>
-                  <a:prstClr val="black"/>
-                </a:solidFill>
-                <a:latin typeface="Menlo" panose="020B0609030804020204" pitchFamily="49" charset="0"/>
-                <a:ea typeface="Menlo" panose="020B0609030804020204" pitchFamily="49" charset="0"/>
-                <a:cs typeface="Menlo" panose="020B0609030804020204" pitchFamily="49" charset="0"/>
-              </a:rPr>
-              <a:t>transformations</a:t>
-            </a:r>
-            <a:endParaRPr kumimoji="0" lang="en-GB" sz="2000" b="1" i="0" u="none" strike="noStrike" kern="1200" cap="none" spc="0" normalizeH="0" baseline="0" noProof="0" dirty="0">
-              <a:ln>
-                <a:noFill/>
-              </a:ln>
-              <a:solidFill>
-                <a:prstClr val="black"/>
-              </a:solidFill>
-              <a:effectLst/>
-              <a:uLnTx/>
-              <a:uFillTx/>
-              <a:latin typeface="Menlo" panose="020B0609030804020204" pitchFamily="49" charset="0"/>
-              <a:ea typeface="Menlo" panose="020B0609030804020204" pitchFamily="49" charset="0"/>
-              <a:cs typeface="Menlo" panose="020B0609030804020204" pitchFamily="49" charset="0"/>
-            </a:endParaRPr>
-          </a:p>
-        </p:txBody>
-      </p:sp>
-      <p:sp>
-        <p:nvSpPr>
-          <p:cNvPr id="17" name="TextBox 16">
-            <a:extLst>
-              <a:ext uri="{FF2B5EF4-FFF2-40B4-BE49-F238E27FC236}">
-                <a16:creationId xmlns:a16="http://schemas.microsoft.com/office/drawing/2014/main" id="{82D935F9-4C19-D82C-D2F0-2DB81E3B1572}"/>
-              </a:ext>
-            </a:extLst>
-          </p:cNvPr>
-          <p:cNvSpPr txBox="1"/>
-          <p:nvPr/>
-        </p:nvSpPr>
-        <p:spPr>
-          <a:xfrm>
-            <a:off x="8605234" y="898912"/>
-            <a:ext cx="1770264" cy="688212"/>
-          </a:xfrm>
-          <a:prstGeom prst="rect">
-            <a:avLst/>
-          </a:prstGeom>
-          <a:solidFill>
-            <a:schemeClr val="accent1">
-              <a:lumMod val="20000"/>
-              <a:lumOff val="80000"/>
-            </a:schemeClr>
-          </a:solidFill>
-          <a:ln w="38100">
-            <a:noFill/>
-            <a:prstDash val="dash"/>
-            <a:bevel/>
-          </a:ln>
-        </p:spPr>
-        <p:txBody>
-          <a:bodyPr vert="horz" wrap="square" lIns="0" tIns="0" rIns="0" bIns="0" rtlCol="0" anchor="ctr" anchorCtr="0">
-            <a:noAutofit/>
-          </a:bodyPr>
-          <a:lstStyle/>
-          <a:p>
-            <a:pPr marL="0" marR="0" indent="0" algn="ctr" defTabSz="914400" rtl="0" eaLnBrk="1" fontAlgn="auto" latinLnBrk="0" hangingPunct="1">
-              <a:lnSpc>
-                <a:spcPct val="100000"/>
-              </a:lnSpc>
-              <a:spcBef>
-                <a:spcPts val="0"/>
-              </a:spcBef>
-              <a:spcAft>
-                <a:spcPts val="0"/>
-              </a:spcAft>
-              <a:buClrTx/>
-              <a:buSzTx/>
-              <a:buFont typeface="Arial" panose="020B0604020202020204" pitchFamily="34" charset="0"/>
-              <a:buNone/>
-              <a:tabLst/>
-            </a:pPr>
-            <a:r>
-              <a:rPr lang="en-GB" sz="2000" b="1" dirty="0">
-                <a:solidFill>
-                  <a:prstClr val="black"/>
-                </a:solidFill>
-                <a:latin typeface="Menlo" panose="020B0609030804020204" pitchFamily="49" charset="0"/>
-                <a:ea typeface="Menlo" panose="020B0609030804020204" pitchFamily="49" charset="0"/>
-                <a:cs typeface="Menlo" panose="020B0609030804020204" pitchFamily="49" charset="0"/>
-              </a:rPr>
-              <a:t>distances</a:t>
-            </a:r>
-            <a:endParaRPr kumimoji="0" lang="en-GB" sz="2000" b="1" i="0" u="none" strike="noStrike" kern="1200" cap="none" spc="0" normalizeH="0" baseline="0" noProof="0" dirty="0">
-              <a:ln>
-                <a:noFill/>
-              </a:ln>
-              <a:solidFill>
-                <a:prstClr val="black"/>
-              </a:solidFill>
-              <a:effectLst/>
-              <a:uLnTx/>
-              <a:uFillTx/>
-              <a:latin typeface="Menlo" panose="020B0609030804020204" pitchFamily="49" charset="0"/>
-              <a:ea typeface="Menlo" panose="020B0609030804020204" pitchFamily="49" charset="0"/>
-              <a:cs typeface="Menlo" panose="020B0609030804020204" pitchFamily="49" charset="0"/>
-            </a:endParaRPr>
-          </a:p>
-        </p:txBody>
-      </p:sp>
-      <p:sp>
-        <p:nvSpPr>
-          <p:cNvPr id="18" name="TextBox 17">
-            <a:extLst>
-              <a:ext uri="{FF2B5EF4-FFF2-40B4-BE49-F238E27FC236}">
-                <a16:creationId xmlns:a16="http://schemas.microsoft.com/office/drawing/2014/main" id="{F8A6275B-7B9F-AB2D-9BE4-78942D942DAB}"/>
-              </a:ext>
-            </a:extLst>
-          </p:cNvPr>
-          <p:cNvSpPr txBox="1"/>
-          <p:nvPr/>
-        </p:nvSpPr>
-        <p:spPr>
-          <a:xfrm>
-            <a:off x="10464608" y="898912"/>
-            <a:ext cx="1564163" cy="688212"/>
-          </a:xfrm>
-          <a:prstGeom prst="rect">
-            <a:avLst/>
-          </a:prstGeom>
-          <a:solidFill>
-            <a:schemeClr val="accent1">
-              <a:lumMod val="20000"/>
-              <a:lumOff val="80000"/>
-            </a:schemeClr>
-          </a:solidFill>
-          <a:ln w="38100">
-            <a:noFill/>
-            <a:prstDash val="dash"/>
-            <a:bevel/>
-          </a:ln>
-        </p:spPr>
-        <p:txBody>
-          <a:bodyPr vert="horz" wrap="square" lIns="0" tIns="0" rIns="0" bIns="0" rtlCol="0" anchor="ctr" anchorCtr="0">
-            <a:noAutofit/>
-          </a:bodyPr>
-          <a:lstStyle/>
-          <a:p>
-            <a:pPr marL="0" marR="0" indent="0" algn="ctr" defTabSz="914400" rtl="0" eaLnBrk="1" fontAlgn="auto" latinLnBrk="0" hangingPunct="1">
-              <a:lnSpc>
-                <a:spcPct val="100000"/>
-              </a:lnSpc>
-              <a:spcBef>
-                <a:spcPts val="0"/>
-              </a:spcBef>
-              <a:spcAft>
-                <a:spcPts val="0"/>
-              </a:spcAft>
-              <a:buClrTx/>
-              <a:buSzTx/>
-              <a:buFont typeface="Arial" panose="020B0604020202020204" pitchFamily="34" charset="0"/>
-              <a:buNone/>
-              <a:tabLst/>
-            </a:pPr>
-            <a:r>
-              <a:rPr lang="en-GB" sz="2000" b="1" dirty="0">
-                <a:solidFill>
-                  <a:prstClr val="black"/>
-                </a:solidFill>
-                <a:latin typeface="Menlo" panose="020B0609030804020204" pitchFamily="49" charset="0"/>
-                <a:ea typeface="Menlo" panose="020B0609030804020204" pitchFamily="49" charset="0"/>
-                <a:cs typeface="Menlo" panose="020B0609030804020204" pitchFamily="49" charset="0"/>
-              </a:rPr>
-              <a:t>anomaly detection</a:t>
-            </a:r>
-            <a:endParaRPr kumimoji="0" lang="en-GB" sz="2000" b="1" i="0" u="none" strike="noStrike" kern="1200" cap="none" spc="0" normalizeH="0" baseline="0" noProof="0" dirty="0">
-              <a:ln>
-                <a:noFill/>
-              </a:ln>
-              <a:solidFill>
-                <a:prstClr val="black"/>
-              </a:solidFill>
-              <a:effectLst/>
-              <a:uLnTx/>
-              <a:uFillTx/>
-              <a:latin typeface="Menlo" panose="020B0609030804020204" pitchFamily="49" charset="0"/>
-              <a:ea typeface="Menlo" panose="020B0609030804020204" pitchFamily="49" charset="0"/>
-              <a:cs typeface="Menlo" panose="020B0609030804020204" pitchFamily="49" charset="0"/>
-            </a:endParaRPr>
-          </a:p>
-        </p:txBody>
-      </p:sp>
-      <p:sp>
-        <p:nvSpPr>
-          <p:cNvPr id="40" name="Pentagon 19">
-            <a:extLst>
-              <a:ext uri="{FF2B5EF4-FFF2-40B4-BE49-F238E27FC236}">
-                <a16:creationId xmlns:a16="http://schemas.microsoft.com/office/drawing/2014/main" id="{2013B523-8195-EEF7-1310-0B152C8D0BF5}"/>
-              </a:ext>
-            </a:extLst>
-          </p:cNvPr>
-          <p:cNvSpPr/>
-          <p:nvPr/>
-        </p:nvSpPr>
-        <p:spPr>
-          <a:xfrm>
-            <a:off x="190500" y="2496874"/>
-            <a:ext cx="4395270" cy="532076"/>
-          </a:xfrm>
-          <a:prstGeom prst="homePlate">
-            <a:avLst/>
-          </a:prstGeom>
-          <a:solidFill>
-            <a:schemeClr val="accent3">
-              <a:lumMod val="40000"/>
-              <a:lumOff val="60000"/>
-            </a:schemeClr>
-          </a:solidFill>
-          <a:ln>
-            <a:noFill/>
-          </a:ln>
-        </p:spPr>
-        <p:style>
-          <a:lnRef idx="2">
-            <a:schemeClr val="accent1">
-              <a:shade val="50000"/>
-            </a:schemeClr>
-          </a:lnRef>
-          <a:fillRef idx="1">
-            <a:schemeClr val="accent1"/>
-          </a:fillRef>
-          <a:effectRef idx="0">
-            <a:schemeClr val="accent1"/>
-          </a:effectRef>
-          <a:fontRef idx="minor">
-            <a:schemeClr val="lt1"/>
-          </a:fontRef>
-        </p:style>
-        <p:txBody>
-          <a:bodyPr lIns="503998" rIns="108000" rtlCol="0" anchor="ctr"/>
-          <a:lstStyle/>
-          <a:p>
-            <a:pPr marL="0" marR="0" indent="0" defTabSz="914400" rtl="0" eaLnBrk="1" fontAlgn="auto" latinLnBrk="0" hangingPunct="1">
-              <a:lnSpc>
-                <a:spcPct val="100000"/>
-              </a:lnSpc>
-              <a:spcBef>
-                <a:spcPts val="0"/>
-              </a:spcBef>
-              <a:spcAft>
-                <a:spcPts val="0"/>
-              </a:spcAft>
-              <a:buClrTx/>
-              <a:buSzTx/>
-              <a:buFont typeface="Arial" panose="020B0604020202020204" pitchFamily="34" charset="0"/>
-              <a:buNone/>
-              <a:tabLst/>
-            </a:pPr>
-            <a:r>
-              <a:rPr lang="en-GB" sz="2600" b="1" dirty="0">
-                <a:solidFill>
-                  <a:prstClr val="black"/>
-                </a:solidFill>
-                <a:latin typeface="Menlo" panose="020B0609030804020204" pitchFamily="49" charset="0"/>
-                <a:ea typeface="Menlo" panose="020B0609030804020204" pitchFamily="49" charset="0"/>
-                <a:cs typeface="Menlo" panose="020B0609030804020204" pitchFamily="49" charset="0"/>
-              </a:rPr>
-              <a:t>Algorithm research</a:t>
-            </a:r>
-            <a:endParaRPr kumimoji="0" lang="en-GB" sz="2600" b="1" i="0" u="none" strike="noStrike" kern="1200" cap="none" spc="0" normalizeH="0" baseline="0" noProof="0" dirty="0">
-              <a:ln>
-                <a:noFill/>
-              </a:ln>
-              <a:solidFill>
-                <a:prstClr val="black"/>
-              </a:solidFill>
-              <a:effectLst/>
-              <a:uLnTx/>
-              <a:uFillTx/>
-              <a:latin typeface="Menlo" panose="020B0609030804020204" pitchFamily="49" charset="0"/>
-              <a:ea typeface="Menlo" panose="020B0609030804020204" pitchFamily="49" charset="0"/>
-              <a:cs typeface="Menlo" panose="020B0609030804020204" pitchFamily="49" charset="0"/>
-            </a:endParaRPr>
-          </a:p>
-        </p:txBody>
-      </p:sp>
-      <p:pic>
-        <p:nvPicPr>
-          <p:cNvPr id="41" name="Picture 40">
-            <a:extLst>
-              <a:ext uri="{FF2B5EF4-FFF2-40B4-BE49-F238E27FC236}">
-                <a16:creationId xmlns:a16="http://schemas.microsoft.com/office/drawing/2014/main" id="{1D9FDCC2-418D-89EE-98C8-5626FDA5B93D}"/>
-              </a:ext>
-            </a:extLst>
-          </p:cNvPr>
-          <p:cNvPicPr>
-            <a:picLocks noChangeAspect="1"/>
-          </p:cNvPicPr>
-          <p:nvPr/>
-        </p:nvPicPr>
-        <p:blipFill>
-          <a:blip r:embed="rId3">
-            <a:extLst>
-              <a:ext uri="{28A0092B-C50C-407E-A947-70E740481C1C}">
-                <a14:useLocalDpi xmlns:a14="http://schemas.microsoft.com/office/drawing/2010/main" val="0"/>
-              </a:ext>
-            </a:extLst>
-          </a:blip>
-          <a:stretch>
-            <a:fillRect/>
-          </a:stretch>
-        </p:blipFill>
-        <p:spPr>
-          <a:xfrm>
-            <a:off x="5070617" y="2467196"/>
-            <a:ext cx="1361005" cy="281115"/>
-          </a:xfrm>
-          <a:prstGeom prst="rect">
-            <a:avLst/>
-          </a:prstGeom>
-          <a:solidFill>
-            <a:schemeClr val="bg1"/>
-          </a:solidFill>
-          <a:ln w="25400">
-            <a:solidFill>
-              <a:schemeClr val="bg1"/>
-            </a:solidFill>
-            <a:miter lim="800000"/>
-          </a:ln>
-        </p:spPr>
-      </p:pic>
-      <p:pic>
-        <p:nvPicPr>
-          <p:cNvPr id="42" name="Picture 41">
-            <a:extLst>
-              <a:ext uri="{FF2B5EF4-FFF2-40B4-BE49-F238E27FC236}">
-                <a16:creationId xmlns:a16="http://schemas.microsoft.com/office/drawing/2014/main" id="{A087771D-D446-D2FA-DB76-A6B67043521D}"/>
-              </a:ext>
-            </a:extLst>
-          </p:cNvPr>
-          <p:cNvPicPr>
-            <a:picLocks noChangeAspect="1"/>
-          </p:cNvPicPr>
-          <p:nvPr/>
-        </p:nvPicPr>
-        <p:blipFill>
-          <a:blip r:embed="rId4"/>
-          <a:stretch>
-            <a:fillRect/>
-          </a:stretch>
-        </p:blipFill>
-        <p:spPr>
-          <a:xfrm>
-            <a:off x="8294690" y="2488750"/>
-            <a:ext cx="776384" cy="383894"/>
-          </a:xfrm>
-          <a:prstGeom prst="rect">
-            <a:avLst/>
-          </a:prstGeom>
-        </p:spPr>
-      </p:pic>
-      <p:pic>
-        <p:nvPicPr>
-          <p:cNvPr id="43" name="Picture 42">
-            <a:extLst>
-              <a:ext uri="{FF2B5EF4-FFF2-40B4-BE49-F238E27FC236}">
-                <a16:creationId xmlns:a16="http://schemas.microsoft.com/office/drawing/2014/main" id="{C74349E8-99F7-7B10-24BA-993F368A19F8}"/>
-              </a:ext>
-            </a:extLst>
-          </p:cNvPr>
-          <p:cNvPicPr>
-            <a:picLocks noChangeAspect="1"/>
-          </p:cNvPicPr>
-          <p:nvPr/>
-        </p:nvPicPr>
-        <p:blipFill>
-          <a:blip r:embed="rId5"/>
-          <a:stretch>
-            <a:fillRect/>
-          </a:stretch>
-        </p:blipFill>
-        <p:spPr>
-          <a:xfrm>
-            <a:off x="6626975" y="2489793"/>
-            <a:ext cx="376298" cy="546238"/>
-          </a:xfrm>
-          <a:prstGeom prst="rect">
-            <a:avLst/>
-          </a:prstGeom>
-        </p:spPr>
-      </p:pic>
-      <p:pic>
-        <p:nvPicPr>
-          <p:cNvPr id="44" name="Picture 43">
-            <a:extLst>
-              <a:ext uri="{FF2B5EF4-FFF2-40B4-BE49-F238E27FC236}">
-                <a16:creationId xmlns:a16="http://schemas.microsoft.com/office/drawing/2014/main" id="{D774F84C-2708-112F-093C-A56862CFB2F7}"/>
-              </a:ext>
-            </a:extLst>
-          </p:cNvPr>
-          <p:cNvPicPr>
-            <a:picLocks noChangeAspect="1"/>
-          </p:cNvPicPr>
-          <p:nvPr/>
-        </p:nvPicPr>
-        <p:blipFill>
-          <a:blip r:embed="rId6"/>
-          <a:stretch>
-            <a:fillRect/>
-          </a:stretch>
-        </p:blipFill>
-        <p:spPr>
-          <a:xfrm>
-            <a:off x="9228432" y="2471103"/>
-            <a:ext cx="630919" cy="483048"/>
-          </a:xfrm>
-          <a:prstGeom prst="rect">
-            <a:avLst/>
-          </a:prstGeom>
-          <a:ln w="25400">
-            <a:solidFill>
-              <a:schemeClr val="bg1"/>
-            </a:solidFill>
-            <a:miter lim="800000"/>
-          </a:ln>
-        </p:spPr>
-      </p:pic>
-      <p:pic>
-        <p:nvPicPr>
-          <p:cNvPr id="45" name="Picture 44">
-            <a:extLst>
-              <a:ext uri="{FF2B5EF4-FFF2-40B4-BE49-F238E27FC236}">
-                <a16:creationId xmlns:a16="http://schemas.microsoft.com/office/drawing/2014/main" id="{355C08CA-8B90-D640-31AF-5049FE332AAE}"/>
-              </a:ext>
-            </a:extLst>
-          </p:cNvPr>
-          <p:cNvPicPr>
-            <a:picLocks noChangeAspect="1"/>
-          </p:cNvPicPr>
-          <p:nvPr/>
-        </p:nvPicPr>
-        <p:blipFill>
-          <a:blip r:embed="rId7"/>
-          <a:stretch>
-            <a:fillRect/>
-          </a:stretch>
-        </p:blipFill>
-        <p:spPr>
-          <a:xfrm>
-            <a:off x="7124669" y="2455496"/>
-            <a:ext cx="776386" cy="395804"/>
-          </a:xfrm>
-          <a:prstGeom prst="rect">
-            <a:avLst/>
-          </a:prstGeom>
-        </p:spPr>
-      </p:pic>
-      <p:pic>
-        <p:nvPicPr>
-          <p:cNvPr id="46" name="Picture 45">
-            <a:extLst>
-              <a:ext uri="{FF2B5EF4-FFF2-40B4-BE49-F238E27FC236}">
-                <a16:creationId xmlns:a16="http://schemas.microsoft.com/office/drawing/2014/main" id="{7CF127A9-81D9-CA25-08EB-30EC3CEA26A8}"/>
-              </a:ext>
-            </a:extLst>
-          </p:cNvPr>
-          <p:cNvPicPr>
-            <a:picLocks noChangeAspect="1"/>
-          </p:cNvPicPr>
-          <p:nvPr/>
-        </p:nvPicPr>
-        <p:blipFill>
-          <a:blip r:embed="rId8"/>
-          <a:stretch>
-            <a:fillRect/>
-          </a:stretch>
-        </p:blipFill>
-        <p:spPr>
-          <a:xfrm>
-            <a:off x="7271412" y="2891237"/>
-            <a:ext cx="1023278" cy="309192"/>
-          </a:xfrm>
-          <a:prstGeom prst="rect">
-            <a:avLst/>
-          </a:prstGeom>
-        </p:spPr>
-      </p:pic>
-      <p:pic>
-        <p:nvPicPr>
-          <p:cNvPr id="47" name="Picture 46">
-            <a:extLst>
-              <a:ext uri="{FF2B5EF4-FFF2-40B4-BE49-F238E27FC236}">
-                <a16:creationId xmlns:a16="http://schemas.microsoft.com/office/drawing/2014/main" id="{D9B02F98-F62C-6F91-5FA7-ACA3F3ED506E}"/>
-              </a:ext>
-            </a:extLst>
-          </p:cNvPr>
-          <p:cNvPicPr>
-            <a:picLocks noChangeAspect="1"/>
-          </p:cNvPicPr>
-          <p:nvPr/>
-        </p:nvPicPr>
-        <p:blipFill>
-          <a:blip r:embed="rId9"/>
-          <a:stretch>
-            <a:fillRect/>
-          </a:stretch>
-        </p:blipFill>
-        <p:spPr>
-          <a:xfrm>
-            <a:off x="9956434" y="2436902"/>
-            <a:ext cx="811313" cy="454335"/>
-          </a:xfrm>
-          <a:prstGeom prst="rect">
-            <a:avLst/>
-          </a:prstGeom>
-        </p:spPr>
-      </p:pic>
-      <p:pic>
-        <p:nvPicPr>
-          <p:cNvPr id="51" name="Picture 50">
-            <a:extLst>
-              <a:ext uri="{FF2B5EF4-FFF2-40B4-BE49-F238E27FC236}">
-                <a16:creationId xmlns:a16="http://schemas.microsoft.com/office/drawing/2014/main" id="{EC4164FE-8D19-83E5-5466-600C2646224F}"/>
-              </a:ext>
-            </a:extLst>
-          </p:cNvPr>
-          <p:cNvPicPr>
-            <a:picLocks noChangeAspect="1"/>
-          </p:cNvPicPr>
-          <p:nvPr/>
-        </p:nvPicPr>
-        <p:blipFill>
-          <a:blip r:embed="rId10"/>
-          <a:stretch>
-            <a:fillRect/>
-          </a:stretch>
-        </p:blipFill>
-        <p:spPr>
-          <a:xfrm>
-            <a:off x="5049510" y="2831568"/>
-            <a:ext cx="1170021" cy="394763"/>
-          </a:xfrm>
-          <a:prstGeom prst="rect">
-            <a:avLst/>
-          </a:prstGeom>
-        </p:spPr>
-      </p:pic>
-      <p:sp>
-        <p:nvSpPr>
-          <p:cNvPr id="52" name="Pentagon 20">
-            <a:extLst>
-              <a:ext uri="{FF2B5EF4-FFF2-40B4-BE49-F238E27FC236}">
-                <a16:creationId xmlns:a16="http://schemas.microsoft.com/office/drawing/2014/main" id="{7DC0480E-86B9-3DAC-88B9-547735B4FF6A}"/>
-              </a:ext>
-            </a:extLst>
-          </p:cNvPr>
-          <p:cNvSpPr/>
-          <p:nvPr/>
-        </p:nvSpPr>
-        <p:spPr>
-          <a:xfrm>
-            <a:off x="158648" y="4612129"/>
-            <a:ext cx="4395270" cy="488475"/>
-          </a:xfrm>
-          <a:prstGeom prst="homePlate">
-            <a:avLst/>
-          </a:prstGeom>
-          <a:solidFill>
-            <a:schemeClr val="accent4">
-              <a:lumMod val="10000"/>
-              <a:lumOff val="90000"/>
-            </a:schemeClr>
-          </a:solidFill>
-          <a:ln>
-            <a:noFill/>
-          </a:ln>
-        </p:spPr>
-        <p:style>
-          <a:lnRef idx="2">
-            <a:schemeClr val="accent1">
-              <a:shade val="50000"/>
-            </a:schemeClr>
-          </a:lnRef>
-          <a:fillRef idx="1">
-            <a:schemeClr val="accent1"/>
-          </a:fillRef>
-          <a:effectRef idx="0">
-            <a:schemeClr val="accent1"/>
-          </a:effectRef>
-          <a:fontRef idx="minor">
-            <a:schemeClr val="lt1"/>
-          </a:fontRef>
-        </p:style>
-        <p:txBody>
-          <a:bodyPr lIns="503999" rtlCol="0" anchor="ctr"/>
-          <a:lstStyle/>
-          <a:p>
-            <a:pPr marL="0" marR="0" indent="0" defTabSz="914400" rtl="0" eaLnBrk="1" fontAlgn="auto" latinLnBrk="0" hangingPunct="1">
-              <a:lnSpc>
-                <a:spcPct val="100000"/>
-              </a:lnSpc>
-              <a:spcBef>
-                <a:spcPts val="0"/>
-              </a:spcBef>
-              <a:spcAft>
-                <a:spcPts val="0"/>
-              </a:spcAft>
-              <a:buClrTx/>
-              <a:buSzTx/>
-              <a:buFont typeface="Arial" panose="020B0604020202020204" pitchFamily="34" charset="0"/>
-              <a:buNone/>
-              <a:tabLst/>
-            </a:pPr>
-            <a:r>
-              <a:rPr lang="en-GB" sz="2600" b="1" dirty="0">
-                <a:solidFill>
-                  <a:prstClr val="black"/>
-                </a:solidFill>
-                <a:latin typeface="Menlo" panose="020B0609030804020204" pitchFamily="49" charset="0"/>
-                <a:ea typeface="Menlo" panose="020B0609030804020204" pitchFamily="49" charset="0"/>
-                <a:cs typeface="Menlo" panose="020B0609030804020204" pitchFamily="49" charset="0"/>
-              </a:rPr>
-              <a:t>Industry application</a:t>
-            </a:r>
-            <a:endParaRPr kumimoji="0" lang="en-GB" sz="2600" b="1" i="0" u="none" strike="noStrike" kern="1200" cap="none" spc="0" normalizeH="0" baseline="0" noProof="0" dirty="0">
-              <a:ln>
-                <a:noFill/>
-              </a:ln>
-              <a:solidFill>
-                <a:prstClr val="black"/>
-              </a:solidFill>
-              <a:effectLst/>
-              <a:uLnTx/>
-              <a:uFillTx/>
-              <a:latin typeface="Menlo" panose="020B0609030804020204" pitchFamily="49" charset="0"/>
-              <a:ea typeface="Menlo" panose="020B0609030804020204" pitchFamily="49" charset="0"/>
-              <a:cs typeface="Menlo" panose="020B0609030804020204" pitchFamily="49" charset="0"/>
-            </a:endParaRPr>
-          </a:p>
-        </p:txBody>
-      </p:sp>
-      <p:pic>
-        <p:nvPicPr>
-          <p:cNvPr id="53" name="Picture 52">
-            <a:extLst>
-              <a:ext uri="{FF2B5EF4-FFF2-40B4-BE49-F238E27FC236}">
-                <a16:creationId xmlns:a16="http://schemas.microsoft.com/office/drawing/2014/main" id="{CF4A64A1-9D0B-CB4D-6BB2-CEFF640E246C}"/>
-              </a:ext>
-            </a:extLst>
-          </p:cNvPr>
-          <p:cNvPicPr>
-            <a:picLocks noChangeAspect="1"/>
-          </p:cNvPicPr>
-          <p:nvPr/>
-        </p:nvPicPr>
-        <p:blipFill>
-          <a:blip r:embed="rId11"/>
-          <a:stretch>
-            <a:fillRect/>
-          </a:stretch>
-        </p:blipFill>
-        <p:spPr>
-          <a:xfrm>
-            <a:off x="5029916" y="4543050"/>
-            <a:ext cx="1378704" cy="537904"/>
-          </a:xfrm>
-          <a:prstGeom prst="rect">
-            <a:avLst/>
-          </a:prstGeom>
-        </p:spPr>
-      </p:pic>
-      <p:pic>
-        <p:nvPicPr>
-          <p:cNvPr id="54" name="Picture 53">
-            <a:extLst>
-              <a:ext uri="{FF2B5EF4-FFF2-40B4-BE49-F238E27FC236}">
-                <a16:creationId xmlns:a16="http://schemas.microsoft.com/office/drawing/2014/main" id="{6DD8B18C-D2D1-FAF2-5D71-758E286310EE}"/>
-              </a:ext>
-            </a:extLst>
-          </p:cNvPr>
-          <p:cNvPicPr>
-            <a:picLocks noChangeAspect="1"/>
-          </p:cNvPicPr>
-          <p:nvPr/>
-        </p:nvPicPr>
-        <p:blipFill>
-          <a:blip r:embed="rId12"/>
-          <a:stretch>
-            <a:fillRect/>
-          </a:stretch>
-        </p:blipFill>
-        <p:spPr>
-          <a:xfrm>
-            <a:off x="6574922" y="4526917"/>
-            <a:ext cx="792999" cy="719992"/>
-          </a:xfrm>
-          <a:prstGeom prst="rect">
-            <a:avLst/>
-          </a:prstGeom>
-        </p:spPr>
-      </p:pic>
-      <p:sp>
-        <p:nvSpPr>
-          <p:cNvPr id="55" name="Pentagon 21">
-            <a:extLst>
-              <a:ext uri="{FF2B5EF4-FFF2-40B4-BE49-F238E27FC236}">
-                <a16:creationId xmlns:a16="http://schemas.microsoft.com/office/drawing/2014/main" id="{D532198A-B688-D634-A721-FF5887C627CC}"/>
-              </a:ext>
-            </a:extLst>
-          </p:cNvPr>
-          <p:cNvSpPr/>
-          <p:nvPr/>
-        </p:nvSpPr>
-        <p:spPr>
-          <a:xfrm>
-            <a:off x="169393" y="3617388"/>
-            <a:ext cx="4395269" cy="466777"/>
-          </a:xfrm>
-          <a:prstGeom prst="homePlate">
-            <a:avLst/>
-          </a:prstGeom>
-          <a:solidFill>
-            <a:schemeClr val="accent5">
-              <a:lumMod val="20000"/>
-              <a:lumOff val="80000"/>
-            </a:schemeClr>
-          </a:solidFill>
-          <a:ln>
-            <a:noFill/>
-          </a:ln>
-        </p:spPr>
-        <p:style>
-          <a:lnRef idx="2">
-            <a:schemeClr val="accent1">
-              <a:shade val="50000"/>
-            </a:schemeClr>
-          </a:lnRef>
-          <a:fillRef idx="1">
-            <a:schemeClr val="accent1"/>
-          </a:fillRef>
-          <a:effectRef idx="0">
-            <a:schemeClr val="accent1"/>
-          </a:effectRef>
-          <a:fontRef idx="minor">
-            <a:schemeClr val="lt1"/>
-          </a:fontRef>
-        </p:style>
-        <p:txBody>
-          <a:bodyPr lIns="216000" rtlCol="0" anchor="ctr"/>
-          <a:lstStyle/>
-          <a:p>
-            <a:pPr marL="0" marR="0" indent="0" defTabSz="914400" rtl="0" eaLnBrk="1" fontAlgn="auto" latinLnBrk="0" hangingPunct="1">
-              <a:lnSpc>
-                <a:spcPct val="100000"/>
-              </a:lnSpc>
-              <a:spcBef>
-                <a:spcPts val="0"/>
-              </a:spcBef>
-              <a:spcAft>
-                <a:spcPts val="0"/>
-              </a:spcAft>
-              <a:buClrTx/>
-              <a:buSzTx/>
-              <a:buFont typeface="Arial" panose="020B0604020202020204" pitchFamily="34" charset="0"/>
-              <a:buNone/>
-              <a:tabLst/>
-            </a:pPr>
-            <a:r>
-              <a:rPr lang="en-GB" sz="2600" b="1" dirty="0">
-                <a:solidFill>
-                  <a:prstClr val="black"/>
-                </a:solidFill>
-                <a:latin typeface="Menlo" panose="020B0609030804020204" pitchFamily="49" charset="0"/>
-                <a:ea typeface="Menlo" panose="020B0609030804020204" pitchFamily="49" charset="0"/>
-                <a:cs typeface="Menlo" panose="020B0609030804020204" pitchFamily="49" charset="0"/>
-              </a:rPr>
-              <a:t>Scientific research</a:t>
-            </a:r>
-            <a:endParaRPr kumimoji="0" lang="en-GB" sz="2600" b="1" i="0" u="none" strike="noStrike" kern="1200" cap="none" spc="0" normalizeH="0" baseline="0" noProof="0" dirty="0">
-              <a:ln>
-                <a:noFill/>
-              </a:ln>
-              <a:solidFill>
-                <a:prstClr val="black"/>
-              </a:solidFill>
-              <a:effectLst/>
-              <a:uLnTx/>
-              <a:uFillTx/>
-              <a:latin typeface="Menlo" panose="020B0609030804020204" pitchFamily="49" charset="0"/>
-              <a:ea typeface="Menlo" panose="020B0609030804020204" pitchFamily="49" charset="0"/>
-              <a:cs typeface="Menlo" panose="020B0609030804020204" pitchFamily="49" charset="0"/>
-            </a:endParaRPr>
-          </a:p>
-        </p:txBody>
-      </p:sp>
-      <p:sp>
-        <p:nvSpPr>
-          <p:cNvPr id="57" name="Pentagon 21">
-            <a:extLst>
-              <a:ext uri="{FF2B5EF4-FFF2-40B4-BE49-F238E27FC236}">
-                <a16:creationId xmlns:a16="http://schemas.microsoft.com/office/drawing/2014/main" id="{AA8FDFEA-AD59-8621-A7B2-BE969407275C}"/>
-              </a:ext>
-            </a:extLst>
-          </p:cNvPr>
-          <p:cNvSpPr/>
-          <p:nvPr/>
-        </p:nvSpPr>
-        <p:spPr>
-          <a:xfrm>
-            <a:off x="158649" y="5730351"/>
-            <a:ext cx="4395269" cy="466777"/>
-          </a:xfrm>
-          <a:prstGeom prst="homePlate">
-            <a:avLst/>
-          </a:prstGeom>
-          <a:solidFill>
-            <a:schemeClr val="accent5">
-              <a:lumMod val="20000"/>
-              <a:lumOff val="80000"/>
-            </a:schemeClr>
-          </a:solidFill>
-          <a:ln>
-            <a:noFill/>
-          </a:ln>
-        </p:spPr>
-        <p:style>
-          <a:lnRef idx="2">
-            <a:schemeClr val="accent1">
-              <a:shade val="50000"/>
-            </a:schemeClr>
-          </a:lnRef>
-          <a:fillRef idx="1">
-            <a:schemeClr val="accent1"/>
-          </a:fillRef>
-          <a:effectRef idx="0">
-            <a:schemeClr val="accent1"/>
-          </a:effectRef>
-          <a:fontRef idx="minor">
-            <a:schemeClr val="lt1"/>
-          </a:fontRef>
-        </p:style>
-        <p:txBody>
-          <a:bodyPr lIns="216000" rtlCol="0" anchor="ctr"/>
-          <a:lstStyle/>
-          <a:p>
-            <a:pPr marL="0" marR="0" indent="0" defTabSz="914400" rtl="0" eaLnBrk="1" fontAlgn="auto" latinLnBrk="0" hangingPunct="1">
-              <a:lnSpc>
-                <a:spcPct val="100000"/>
-              </a:lnSpc>
-              <a:spcBef>
-                <a:spcPts val="0"/>
-              </a:spcBef>
-              <a:spcAft>
-                <a:spcPts val="0"/>
-              </a:spcAft>
-              <a:buClrTx/>
-              <a:buSzTx/>
-              <a:buFont typeface="Arial" panose="020B0604020202020204" pitchFamily="34" charset="0"/>
-              <a:buNone/>
-              <a:tabLst/>
-            </a:pPr>
-            <a:r>
-              <a:rPr lang="en-GB" sz="2600" b="1" dirty="0">
-                <a:solidFill>
-                  <a:prstClr val="black"/>
-                </a:solidFill>
-                <a:latin typeface="Menlo" panose="020B0609030804020204" pitchFamily="49" charset="0"/>
-                <a:ea typeface="Menlo" panose="020B0609030804020204" pitchFamily="49" charset="0"/>
-                <a:cs typeface="Menlo" panose="020B0609030804020204" pitchFamily="49" charset="0"/>
-              </a:rPr>
-              <a:t>Data science community</a:t>
-            </a:r>
-            <a:endParaRPr kumimoji="0" lang="en-GB" sz="2600" b="1" i="0" u="none" strike="noStrike" kern="1200" cap="none" spc="0" normalizeH="0" baseline="0" noProof="0" dirty="0">
-              <a:ln>
-                <a:noFill/>
-              </a:ln>
-              <a:solidFill>
-                <a:prstClr val="black"/>
-              </a:solidFill>
-              <a:effectLst/>
-              <a:uLnTx/>
-              <a:uFillTx/>
-              <a:latin typeface="Menlo" panose="020B0609030804020204" pitchFamily="49" charset="0"/>
-              <a:ea typeface="Menlo" panose="020B0609030804020204" pitchFamily="49" charset="0"/>
-              <a:cs typeface="Menlo" panose="020B0609030804020204" pitchFamily="49" charset="0"/>
-            </a:endParaRPr>
-          </a:p>
-        </p:txBody>
-      </p:sp>
-      <p:pic>
-        <p:nvPicPr>
-          <p:cNvPr id="59" name="Picture 2" descr="Google Summer of Code/2021 - MediaWiki">
-            <a:extLst>
-              <a:ext uri="{FF2B5EF4-FFF2-40B4-BE49-F238E27FC236}">
-                <a16:creationId xmlns:a16="http://schemas.microsoft.com/office/drawing/2014/main" id="{2C275F74-7541-EE9C-C8DE-E78228859237}"/>
-              </a:ext>
-            </a:extLst>
-          </p:cNvPr>
-          <p:cNvPicPr>
-            <a:picLocks noChangeAspect="1" noChangeArrowheads="1"/>
-          </p:cNvPicPr>
-          <p:nvPr/>
-        </p:nvPicPr>
-        <p:blipFill>
-          <a:blip r:embed="rId13">
-            <a:extLst>
-              <a:ext uri="{28A0092B-C50C-407E-A947-70E740481C1C}">
-                <a14:useLocalDpi xmlns:a14="http://schemas.microsoft.com/office/drawing/2010/main" val="0"/>
-              </a:ext>
-            </a:extLst>
-          </a:blip>
-          <a:srcRect/>
-          <a:stretch>
-            <a:fillRect/>
-          </a:stretch>
-        </p:blipFill>
-        <p:spPr bwMode="auto">
-          <a:xfrm>
-            <a:off x="6223528" y="5749634"/>
-            <a:ext cx="802744" cy="802744"/>
-          </a:xfrm>
-          <a:prstGeom prst="rect">
-            <a:avLst/>
-          </a:prstGeom>
-          <a:noFill/>
-          <a:ln w="38100">
-            <a:solidFill>
-              <a:schemeClr val="bg1"/>
-            </a:solidFill>
-          </a:ln>
-          <a:extLst>
-            <a:ext uri="{909E8E84-426E-40DD-AFC4-6F175D3DCCD1}">
-              <a14:hiddenFill xmlns:a14="http://schemas.microsoft.com/office/drawing/2010/main">
-                <a:solidFill>
-                  <a:srgbClr val="FFFFFF"/>
-                </a:solidFill>
-              </a14:hiddenFill>
-            </a:ext>
-          </a:extLst>
-        </p:spPr>
-      </p:pic>
-      <p:pic>
-        <p:nvPicPr>
-          <p:cNvPr id="61" name="Picture 60">
-            <a:extLst>
-              <a:ext uri="{FF2B5EF4-FFF2-40B4-BE49-F238E27FC236}">
-                <a16:creationId xmlns:a16="http://schemas.microsoft.com/office/drawing/2014/main" id="{88877D47-90C0-61A9-265D-1D53B0C3B887}"/>
-              </a:ext>
-            </a:extLst>
-          </p:cNvPr>
-          <p:cNvPicPr>
-            <a:picLocks noChangeAspect="1"/>
-          </p:cNvPicPr>
-          <p:nvPr/>
-        </p:nvPicPr>
-        <p:blipFill>
-          <a:blip r:embed="rId14"/>
-          <a:stretch>
-            <a:fillRect/>
-          </a:stretch>
-        </p:blipFill>
-        <p:spPr>
-          <a:xfrm>
-            <a:off x="4844251" y="5730351"/>
-            <a:ext cx="1228536" cy="492886"/>
-          </a:xfrm>
-          <a:prstGeom prst="rect">
-            <a:avLst/>
-          </a:prstGeom>
-        </p:spPr>
-      </p:pic>
-      <p:pic>
-        <p:nvPicPr>
-          <p:cNvPr id="63" name="Picture 62">
-            <a:extLst>
-              <a:ext uri="{FF2B5EF4-FFF2-40B4-BE49-F238E27FC236}">
-                <a16:creationId xmlns:a16="http://schemas.microsoft.com/office/drawing/2014/main" id="{65BC4A36-4BD4-A4B2-9922-2A26BD8294FC}"/>
-              </a:ext>
-            </a:extLst>
-          </p:cNvPr>
-          <p:cNvPicPr>
-            <a:picLocks noChangeAspect="1"/>
-          </p:cNvPicPr>
-          <p:nvPr/>
-        </p:nvPicPr>
-        <p:blipFill>
-          <a:blip r:embed="rId15"/>
-          <a:stretch>
-            <a:fillRect/>
-          </a:stretch>
-        </p:blipFill>
-        <p:spPr>
-          <a:xfrm>
-            <a:off x="7367921" y="5727722"/>
-            <a:ext cx="905044" cy="755391"/>
-          </a:xfrm>
-          <a:prstGeom prst="rect">
-            <a:avLst/>
-          </a:prstGeom>
-        </p:spPr>
-      </p:pic>
-      <p:pic>
-        <p:nvPicPr>
-          <p:cNvPr id="65" name="Picture 64">
-            <a:extLst>
-              <a:ext uri="{FF2B5EF4-FFF2-40B4-BE49-F238E27FC236}">
-                <a16:creationId xmlns:a16="http://schemas.microsoft.com/office/drawing/2014/main" id="{D782BEC3-7510-AA61-796F-A23B6AD4EB75}"/>
-              </a:ext>
-            </a:extLst>
-          </p:cNvPr>
-          <p:cNvPicPr>
-            <a:picLocks noChangeAspect="1"/>
-          </p:cNvPicPr>
-          <p:nvPr/>
-        </p:nvPicPr>
-        <p:blipFill>
-          <a:blip r:embed="rId16"/>
-          <a:stretch>
-            <a:fillRect/>
-          </a:stretch>
-        </p:blipFill>
-        <p:spPr>
-          <a:xfrm>
-            <a:off x="7521984" y="4523432"/>
-            <a:ext cx="1435188" cy="571995"/>
-          </a:xfrm>
-          <a:prstGeom prst="rect">
-            <a:avLst/>
-          </a:prstGeom>
-        </p:spPr>
-      </p:pic>
-      <p:pic>
-        <p:nvPicPr>
-          <p:cNvPr id="6" name="Picture 5">
-            <a:extLst>
-              <a:ext uri="{FF2B5EF4-FFF2-40B4-BE49-F238E27FC236}">
-                <a16:creationId xmlns:a16="http://schemas.microsoft.com/office/drawing/2014/main" id="{8F62978C-35CD-C538-B95F-A57B0DA2CDE8}"/>
-              </a:ext>
-            </a:extLst>
-          </p:cNvPr>
-          <p:cNvPicPr>
-            <a:picLocks noChangeAspect="1"/>
-          </p:cNvPicPr>
-          <p:nvPr/>
-        </p:nvPicPr>
-        <p:blipFill>
-          <a:blip r:embed="rId17"/>
-          <a:stretch>
-            <a:fillRect/>
-          </a:stretch>
-        </p:blipFill>
-        <p:spPr>
-          <a:xfrm>
-            <a:off x="10823363" y="2455073"/>
-            <a:ext cx="1295581" cy="562054"/>
-          </a:xfrm>
-          <a:prstGeom prst="rect">
-            <a:avLst/>
-          </a:prstGeom>
-        </p:spPr>
-      </p:pic>
-      <p:pic>
-        <p:nvPicPr>
-          <p:cNvPr id="7" name="Picture 6">
-            <a:extLst>
-              <a:ext uri="{FF2B5EF4-FFF2-40B4-BE49-F238E27FC236}">
-                <a16:creationId xmlns:a16="http://schemas.microsoft.com/office/drawing/2014/main" id="{3597466C-AC16-3592-0034-ABA7B98BC92B}"/>
-              </a:ext>
-            </a:extLst>
-          </p:cNvPr>
-          <p:cNvPicPr>
-            <a:picLocks noChangeAspect="1"/>
-          </p:cNvPicPr>
-          <p:nvPr/>
-        </p:nvPicPr>
-        <p:blipFill>
-          <a:blip r:embed="rId18"/>
-          <a:stretch>
-            <a:fillRect/>
-          </a:stretch>
-        </p:blipFill>
-        <p:spPr>
-          <a:xfrm>
-            <a:off x="4809997" y="3631670"/>
-            <a:ext cx="4922829" cy="435792"/>
-          </a:xfrm>
-          <a:prstGeom prst="rect">
-            <a:avLst/>
-          </a:prstGeom>
-        </p:spPr>
-      </p:pic>
-      <p:pic>
-        <p:nvPicPr>
-          <p:cNvPr id="3" name="Picture 2">
-            <a:extLst>
-              <a:ext uri="{FF2B5EF4-FFF2-40B4-BE49-F238E27FC236}">
-                <a16:creationId xmlns:a16="http://schemas.microsoft.com/office/drawing/2014/main" id="{360EA7E3-98B1-A025-7301-983C0E8A4832}"/>
-              </a:ext>
-            </a:extLst>
-          </p:cNvPr>
-          <p:cNvPicPr>
-            <a:picLocks noChangeAspect="1"/>
-          </p:cNvPicPr>
-          <p:nvPr/>
-        </p:nvPicPr>
-        <p:blipFill>
-          <a:blip r:embed="rId19"/>
-          <a:stretch>
-            <a:fillRect/>
-          </a:stretch>
-        </p:blipFill>
-        <p:spPr>
-          <a:xfrm>
-            <a:off x="8385004" y="3000996"/>
-            <a:ext cx="1095152" cy="308538"/>
-          </a:xfrm>
-          <a:prstGeom prst="rect">
-            <a:avLst/>
-          </a:prstGeom>
-        </p:spPr>
-      </p:pic>
-      <p:pic>
-        <p:nvPicPr>
-          <p:cNvPr id="8" name="Picture 7">
-            <a:extLst>
-              <a:ext uri="{FF2B5EF4-FFF2-40B4-BE49-F238E27FC236}">
-                <a16:creationId xmlns:a16="http://schemas.microsoft.com/office/drawing/2014/main" id="{1F6C99DB-CCED-42F0-E74F-4769C2B4CD93}"/>
-              </a:ext>
-            </a:extLst>
-          </p:cNvPr>
-          <p:cNvPicPr>
-            <a:picLocks noChangeAspect="1"/>
-          </p:cNvPicPr>
-          <p:nvPr/>
-        </p:nvPicPr>
-        <p:blipFill>
-          <a:blip r:embed="rId20"/>
-          <a:stretch>
-            <a:fillRect/>
-          </a:stretch>
-        </p:blipFill>
-        <p:spPr>
-          <a:xfrm>
-            <a:off x="9536967" y="3032984"/>
-            <a:ext cx="1017207" cy="323072"/>
-          </a:xfrm>
-          <a:prstGeom prst="rect">
-            <a:avLst/>
-          </a:prstGeom>
-        </p:spPr>
-      </p:pic>
-      <p:pic>
-        <p:nvPicPr>
-          <p:cNvPr id="10" name="Picture 9">
-            <a:extLst>
-              <a:ext uri="{FF2B5EF4-FFF2-40B4-BE49-F238E27FC236}">
-                <a16:creationId xmlns:a16="http://schemas.microsoft.com/office/drawing/2014/main" id="{07A02210-756B-5E11-FA9D-BE4FA785BD3C}"/>
-              </a:ext>
-            </a:extLst>
-          </p:cNvPr>
-          <p:cNvPicPr>
-            <a:picLocks noChangeAspect="1"/>
-          </p:cNvPicPr>
-          <p:nvPr/>
-        </p:nvPicPr>
-        <p:blipFill>
-          <a:blip r:embed="rId21"/>
-          <a:stretch>
-            <a:fillRect/>
-          </a:stretch>
-        </p:blipFill>
-        <p:spPr>
-          <a:xfrm>
-            <a:off x="11519433" y="3052986"/>
-            <a:ext cx="585870" cy="633502"/>
-          </a:xfrm>
-          <a:prstGeom prst="rect">
-            <a:avLst/>
-          </a:prstGeom>
-        </p:spPr>
-      </p:pic>
-    </p:spTree>
-    <p:extLst>
-      <p:ext uri="{BB962C8B-B14F-4D97-AF65-F5344CB8AC3E}">
-        <p14:creationId xmlns:p14="http://schemas.microsoft.com/office/powerpoint/2010/main" val="1271839891"/>
-      </p:ext>
-    </p:extLst>
-  </p:cSld>
-  <p:clrMapOvr>
-    <a:masterClrMapping/>
-  </p:clrMapOvr>
-</p:sld>
-</file>
-
 <file path=ppt/slides/slide7.xml><?xml version="1.0" encoding="utf-8"?>
 <p:sld xmlns:a="http://schemas.openxmlformats.org/drawingml/2006/main" xmlns:r="http://schemas.openxmlformats.org/officeDocument/2006/relationships" xmlns:p="http://schemas.openxmlformats.org/presentationml/2006/main">
   <p:cSld>
@@ -18375,7 +18527,7 @@
           <p:cNvPr id="2" name="Title 1">
             <a:extLst>
               <a:ext uri="{FF2B5EF4-FFF2-40B4-BE49-F238E27FC236}">
-                <a16:creationId xmlns:a16="http://schemas.microsoft.com/office/drawing/2014/main" id="{C1D0E459-2535-5082-B64B-176F4F745EE9}"/>
+                <a16:creationId xmlns:a16="http://schemas.microsoft.com/office/drawing/2014/main" id="{D5EF5146-F01F-413E-B715-720E0AD2E61F}"/>
               </a:ext>
             </a:extLst>
           </p:cNvPr>
@@ -18383,18 +18535,18 @@
             <a:spLocks noGrp="1"/>
           </p:cNvSpPr>
           <p:nvPr>
-            <p:ph type="ctrTitle"/>
+            <p:ph type="title"/>
           </p:nvPr>
         </p:nvSpPr>
         <p:spPr>
           <a:xfrm>
-            <a:off x="410435" y="147598"/>
-            <a:ext cx="11107885" cy="922760"/>
+            <a:off x="-109700" y="238900"/>
+            <a:ext cx="12411400" cy="1122300"/>
           </a:xfrm>
         </p:spPr>
         <p:txBody>
           <a:bodyPr>
-            <a:normAutofit/>
+            <a:normAutofit fontScale="90000"/>
           </a:bodyPr>
           <a:lstStyle/>
           <a:p>
@@ -18410,7 +18562,10 @@
               <a:rPr lang="en-US" sz="4000" dirty="0"/>
               <a:t> toolkit</a:t>
             </a:r>
-            <a:endParaRPr lang="en-AU" sz="4000" dirty="0"/>
+            <a:br>
+              <a:rPr lang="en-GB" sz="4000" dirty="0"/>
+            </a:br>
+            <a:endParaRPr lang="en-GB" sz="4000" dirty="0"/>
           </a:p>
         </p:txBody>
       </p:sp>
@@ -18419,7 +18574,7 @@
           <p:cNvPr id="4" name="TextBox 3">
             <a:extLst>
               <a:ext uri="{FF2B5EF4-FFF2-40B4-BE49-F238E27FC236}">
-                <a16:creationId xmlns:a16="http://schemas.microsoft.com/office/drawing/2014/main" id="{DBC43C2C-5A14-2116-E0A9-D29576C5BB21}"/>
+                <a16:creationId xmlns:a16="http://schemas.microsoft.com/office/drawing/2014/main" id="{6795445B-E399-2027-E0A0-14AD13CFBD2D}"/>
               </a:ext>
             </a:extLst>
           </p:cNvPr>
@@ -18428,34 +18583,80 @@
         </p:nvSpPr>
         <p:spPr>
           <a:xfrm>
-            <a:off x="9964403" y="0"/>
-            <a:ext cx="2227597" cy="369332"/>
+            <a:off x="190500" y="1685777"/>
+            <a:ext cx="11838271" cy="688212"/>
           </a:xfrm>
           <a:prstGeom prst="rect">
             <a:avLst/>
           </a:prstGeom>
-          <a:noFill/>
+          <a:solidFill>
+            <a:schemeClr val="accent1">
+              <a:lumMod val="40000"/>
+              <a:lumOff val="60000"/>
+            </a:schemeClr>
+          </a:solidFill>
+          <a:ln w="38100">
+            <a:noFill/>
+            <a:prstDash val="dash"/>
+            <a:bevel/>
+          </a:ln>
         </p:spPr>
         <p:txBody>
-          <a:bodyPr wrap="none" rtlCol="0">
-            <a:spAutoFit/>
+          <a:bodyPr vert="horz" wrap="square" lIns="0" tIns="0" rIns="0" bIns="0" rtlCol="0" anchor="ctr" anchorCtr="0">
+            <a:normAutofit/>
           </a:bodyPr>
           <a:lstStyle/>
           <a:p>
-            <a:pPr algn="r"/>
-            <a:r>
-              <a:rPr lang="en-AU" dirty="0"/>
-              <a:t>KDD 2024 Workshop</a:t>
-            </a:r>
+            <a:pPr marL="0" marR="0" indent="0" algn="ctr" defTabSz="914400" rtl="0" eaLnBrk="1" fontAlgn="auto" latinLnBrk="0" hangingPunct="1">
+              <a:lnSpc>
+                <a:spcPct val="100000"/>
+              </a:lnSpc>
+              <a:spcBef>
+                <a:spcPts val="0"/>
+              </a:spcBef>
+              <a:spcAft>
+                <a:spcPts val="0"/>
+              </a:spcAft>
+              <a:buClrTx/>
+              <a:buSzTx/>
+              <a:buFont typeface="Arial" panose="020B0604020202020204" pitchFamily="34" charset="0"/>
+              <a:buNone/>
+              <a:tabLst/>
+            </a:pPr>
+            <a:r>
+              <a:rPr lang="en-GB" sz="2000" b="1" dirty="0">
+                <a:solidFill>
+                  <a:prstClr val="black"/>
+                </a:solidFill>
+                <a:latin typeface="Menlo" panose="020B0609030804020204" pitchFamily="49" charset="0"/>
+                <a:ea typeface="Menlo" panose="020B0609030804020204" pitchFamily="49" charset="0"/>
+                <a:cs typeface="Menlo" panose="020B0609030804020204" pitchFamily="49" charset="0"/>
+              </a:rPr>
+              <a:t>aeon</a:t>
+            </a:r>
+            <a:endParaRPr kumimoji="0" lang="en-GB" sz="2000" b="1" i="0" u="none" strike="noStrike" kern="1200" cap="none" spc="0" normalizeH="0" baseline="0" noProof="0" dirty="0">
+              <a:ln>
+                <a:noFill/>
+              </a:ln>
+              <a:solidFill>
+                <a:prstClr val="black"/>
+              </a:solidFill>
+              <a:effectLst/>
+              <a:uLnTx/>
+              <a:uFillTx/>
+              <a:latin typeface="Menlo" panose="020B0609030804020204" pitchFamily="49" charset="0"/>
+              <a:ea typeface="Menlo" panose="020B0609030804020204" pitchFamily="49" charset="0"/>
+              <a:cs typeface="Menlo" panose="020B0609030804020204" pitchFamily="49" charset="0"/>
+            </a:endParaRPr>
           </a:p>
         </p:txBody>
       </p:sp>
       <p:sp>
         <p:nvSpPr>
-          <p:cNvPr id="21" name="TextBox 20">
-            <a:extLst>
-              <a:ext uri="{FF2B5EF4-FFF2-40B4-BE49-F238E27FC236}">
-                <a16:creationId xmlns:a16="http://schemas.microsoft.com/office/drawing/2014/main" id="{BF3FF6B9-760A-AF0B-365C-8E267A2FB8EB}"/>
+          <p:cNvPr id="5" name="TextBox 4">
+            <a:extLst>
+              <a:ext uri="{FF2B5EF4-FFF2-40B4-BE49-F238E27FC236}">
+                <a16:creationId xmlns:a16="http://schemas.microsoft.com/office/drawing/2014/main" id="{951F56E8-F489-470C-5024-8BC29F461983}"/>
               </a:ext>
             </a:extLst>
           </p:cNvPr>
@@ -18464,33 +18665,80 @@
         </p:nvSpPr>
         <p:spPr>
           <a:xfrm>
-            <a:off x="2391505" y="966282"/>
-            <a:ext cx="6123708" cy="369332"/>
+            <a:off x="1829340" y="900451"/>
+            <a:ext cx="1549730" cy="688212"/>
           </a:xfrm>
           <a:prstGeom prst="rect">
             <a:avLst/>
           </a:prstGeom>
-          <a:noFill/>
+          <a:solidFill>
+            <a:schemeClr val="accent1">
+              <a:lumMod val="20000"/>
+              <a:lumOff val="80000"/>
+            </a:schemeClr>
+          </a:solidFill>
+          <a:ln w="38100">
+            <a:noFill/>
+            <a:prstDash val="dash"/>
+            <a:bevel/>
+          </a:ln>
         </p:spPr>
         <p:txBody>
-          <a:bodyPr wrap="square">
-            <a:spAutoFit/>
+          <a:bodyPr vert="horz" wrap="square" lIns="0" tIns="0" rIns="0" bIns="0" rtlCol="0" anchor="ctr" anchorCtr="0">
+            <a:noAutofit/>
           </a:bodyPr>
           <a:lstStyle/>
           <a:p>
-            <a:r>
-              <a:rPr lang="en-GB" dirty="0"/>
-              <a:t>https://github.com/aeon-toolkit/aeon</a:t>
-            </a:r>
+            <a:pPr marL="0" marR="0" indent="0" algn="ctr" defTabSz="914400" rtl="0" eaLnBrk="1" fontAlgn="auto" latinLnBrk="0" hangingPunct="1">
+              <a:lnSpc>
+                <a:spcPct val="100000"/>
+              </a:lnSpc>
+              <a:spcBef>
+                <a:spcPts val="0"/>
+              </a:spcBef>
+              <a:spcAft>
+                <a:spcPts val="0"/>
+              </a:spcAft>
+              <a:buClrTx/>
+              <a:buSzTx/>
+              <a:buFont typeface="Arial" panose="020B0604020202020204" pitchFamily="34" charset="0"/>
+              <a:buNone/>
+              <a:tabLst/>
+            </a:pPr>
+            <a:r>
+              <a:rPr lang="en-GB" sz="2000" b="1" dirty="0">
+                <a:solidFill>
+                  <a:prstClr val="black"/>
+                </a:solidFill>
+                <a:latin typeface="Menlo" panose="020B0609030804020204" pitchFamily="49" charset="0"/>
+                <a:ea typeface="Menlo" panose="020B0609030804020204" pitchFamily="49" charset="0"/>
+                <a:cs typeface="Menlo" panose="020B0609030804020204" pitchFamily="49" charset="0"/>
+              </a:rPr>
+              <a:t>classification</a:t>
+            </a:r>
+            <a:endParaRPr kumimoji="0" lang="en-GB" sz="2000" b="1" i="0" u="none" strike="noStrike" kern="1200" cap="none" spc="0" normalizeH="0" baseline="0" noProof="0" dirty="0">
+              <a:ln>
+                <a:noFill/>
+              </a:ln>
+              <a:solidFill>
+                <a:prstClr val="black"/>
+              </a:solidFill>
+              <a:effectLst/>
+              <a:uLnTx/>
+              <a:uFillTx/>
+              <a:latin typeface="Menlo" panose="020B0609030804020204" pitchFamily="49" charset="0"/>
+              <a:ea typeface="Menlo" panose="020B0609030804020204" pitchFamily="49" charset="0"/>
+              <a:cs typeface="Menlo" panose="020B0609030804020204" pitchFamily="49" charset="0"/>
+            </a:endParaRPr>
           </a:p>
         </p:txBody>
       </p:sp>
       <p:sp>
         <p:nvSpPr>
-          <p:cNvPr id="23" name="TextBox 22">
-            <a:extLst>
-              <a:ext uri="{FF2B5EF4-FFF2-40B4-BE49-F238E27FC236}">
-                <a16:creationId xmlns:a16="http://schemas.microsoft.com/office/drawing/2014/main" id="{FE5ED05E-1238-FDFC-B099-E7364CC06108}"/>
+          <p:cNvPr id="12" name="TextBox 11">
+            <a:extLst>
+              <a:ext uri="{FF2B5EF4-FFF2-40B4-BE49-F238E27FC236}">
+                <a16:creationId xmlns:a16="http://schemas.microsoft.com/office/drawing/2014/main" id="{F0BDB086-8DFD-8E8F-A1DB-E36D947D9430}"/>
               </a:ext>
             </a:extLst>
           </p:cNvPr>
@@ -18499,33 +18747,584 @@
         </p:nvSpPr>
         <p:spPr>
           <a:xfrm>
-            <a:off x="7199746" y="951406"/>
-            <a:ext cx="6123708" cy="369332"/>
+            <a:off x="5107020" y="898912"/>
+            <a:ext cx="1549730" cy="688212"/>
           </a:xfrm>
           <a:prstGeom prst="rect">
             <a:avLst/>
           </a:prstGeom>
-          <a:noFill/>
+          <a:solidFill>
+            <a:schemeClr val="accent1">
+              <a:lumMod val="20000"/>
+              <a:lumOff val="80000"/>
+            </a:schemeClr>
+          </a:solidFill>
+          <a:ln w="38100">
+            <a:noFill/>
+            <a:prstDash val="dash"/>
+            <a:bevel/>
+          </a:ln>
         </p:spPr>
         <p:txBody>
-          <a:bodyPr wrap="square">
-            <a:spAutoFit/>
+          <a:bodyPr vert="horz" wrap="square" lIns="0" tIns="0" rIns="0" bIns="0" rtlCol="0" anchor="ctr" anchorCtr="0">
+            <a:noAutofit/>
           </a:bodyPr>
           <a:lstStyle/>
           <a:p>
-            <a:r>
-              <a:rPr lang="en-GB" dirty="0"/>
-              <a:t>https://www.aeon-toolkit.org/</a:t>
-            </a:r>
+            <a:pPr marL="0" marR="0" indent="0" algn="ctr" defTabSz="914400" rtl="0" eaLnBrk="1" fontAlgn="auto" latinLnBrk="0" hangingPunct="1">
+              <a:lnSpc>
+                <a:spcPct val="100000"/>
+              </a:lnSpc>
+              <a:spcBef>
+                <a:spcPts val="0"/>
+              </a:spcBef>
+              <a:spcAft>
+                <a:spcPts val="0"/>
+              </a:spcAft>
+              <a:buClrTx/>
+              <a:buSzTx/>
+              <a:buFont typeface="Arial" panose="020B0604020202020204" pitchFamily="34" charset="0"/>
+              <a:buNone/>
+              <a:tabLst/>
+            </a:pPr>
+            <a:r>
+              <a:rPr lang="en-GB" sz="2000" b="1" dirty="0">
+                <a:solidFill>
+                  <a:prstClr val="black"/>
+                </a:solidFill>
+                <a:latin typeface="Menlo" panose="020B0609030804020204" pitchFamily="49" charset="0"/>
+                <a:ea typeface="Menlo" panose="020B0609030804020204" pitchFamily="49" charset="0"/>
+                <a:cs typeface="Menlo" panose="020B0609030804020204" pitchFamily="49" charset="0"/>
+              </a:rPr>
+              <a:t>regression</a:t>
+            </a:r>
+            <a:endParaRPr kumimoji="0" lang="en-GB" sz="2000" b="1" i="0" u="none" strike="noStrike" kern="1200" cap="none" spc="0" normalizeH="0" baseline="0" noProof="0" dirty="0">
+              <a:ln>
+                <a:noFill/>
+              </a:ln>
+              <a:solidFill>
+                <a:prstClr val="black"/>
+              </a:solidFill>
+              <a:effectLst/>
+              <a:uLnTx/>
+              <a:uFillTx/>
+              <a:latin typeface="Menlo" panose="020B0609030804020204" pitchFamily="49" charset="0"/>
+              <a:ea typeface="Menlo" panose="020B0609030804020204" pitchFamily="49" charset="0"/>
+              <a:cs typeface="Menlo" panose="020B0609030804020204" pitchFamily="49" charset="0"/>
+            </a:endParaRPr>
+          </a:p>
+        </p:txBody>
+      </p:sp>
+      <p:sp>
+        <p:nvSpPr>
+          <p:cNvPr id="13" name="TextBox 12">
+            <a:extLst>
+              <a:ext uri="{FF2B5EF4-FFF2-40B4-BE49-F238E27FC236}">
+                <a16:creationId xmlns:a16="http://schemas.microsoft.com/office/drawing/2014/main" id="{400642DD-D42F-9708-85A1-ECD7846E01CA}"/>
+              </a:ext>
+            </a:extLst>
+          </p:cNvPr>
+          <p:cNvSpPr txBox="1"/>
+          <p:nvPr/>
+        </p:nvSpPr>
+        <p:spPr>
+          <a:xfrm>
+            <a:off x="3468180" y="900451"/>
+            <a:ext cx="1549730" cy="688212"/>
+          </a:xfrm>
+          <a:prstGeom prst="rect">
+            <a:avLst/>
+          </a:prstGeom>
+          <a:solidFill>
+            <a:schemeClr val="accent1">
+              <a:lumMod val="20000"/>
+              <a:lumOff val="80000"/>
+            </a:schemeClr>
+          </a:solidFill>
+          <a:ln w="38100">
+            <a:noFill/>
+            <a:prstDash val="dash"/>
+            <a:bevel/>
+          </a:ln>
+        </p:spPr>
+        <p:txBody>
+          <a:bodyPr vert="horz" wrap="square" lIns="0" tIns="0" rIns="0" bIns="0" rtlCol="0" anchor="ctr" anchorCtr="0">
+            <a:noAutofit/>
+          </a:bodyPr>
+          <a:lstStyle/>
+          <a:p>
+            <a:pPr marL="0" marR="0" indent="0" algn="ctr" defTabSz="914400" rtl="0" eaLnBrk="1" fontAlgn="auto" latinLnBrk="0" hangingPunct="1">
+              <a:lnSpc>
+                <a:spcPct val="100000"/>
+              </a:lnSpc>
+              <a:spcBef>
+                <a:spcPts val="0"/>
+              </a:spcBef>
+              <a:spcAft>
+                <a:spcPts val="0"/>
+              </a:spcAft>
+              <a:buClrTx/>
+              <a:buSzTx/>
+              <a:buFont typeface="Arial" panose="020B0604020202020204" pitchFamily="34" charset="0"/>
+              <a:buNone/>
+              <a:tabLst/>
+            </a:pPr>
+            <a:r>
+              <a:rPr lang="en-GB" sz="2000" b="1" dirty="0">
+                <a:solidFill>
+                  <a:prstClr val="black"/>
+                </a:solidFill>
+                <a:latin typeface="Menlo" panose="020B0609030804020204" pitchFamily="49" charset="0"/>
+                <a:ea typeface="Menlo" panose="020B0609030804020204" pitchFamily="49" charset="0"/>
+                <a:cs typeface="Menlo" panose="020B0609030804020204" pitchFamily="49" charset="0"/>
+              </a:rPr>
+              <a:t>clustering</a:t>
+            </a:r>
+            <a:endParaRPr kumimoji="0" lang="en-GB" sz="2000" b="1" i="0" u="none" strike="noStrike" kern="1200" cap="none" spc="0" normalizeH="0" baseline="0" noProof="0" dirty="0">
+              <a:ln>
+                <a:noFill/>
+              </a:ln>
+              <a:solidFill>
+                <a:prstClr val="black"/>
+              </a:solidFill>
+              <a:effectLst/>
+              <a:uLnTx/>
+              <a:uFillTx/>
+              <a:latin typeface="Menlo" panose="020B0609030804020204" pitchFamily="49" charset="0"/>
+              <a:ea typeface="Menlo" panose="020B0609030804020204" pitchFamily="49" charset="0"/>
+              <a:cs typeface="Menlo" panose="020B0609030804020204" pitchFamily="49" charset="0"/>
+            </a:endParaRPr>
+          </a:p>
+        </p:txBody>
+      </p:sp>
+      <p:sp>
+        <p:nvSpPr>
+          <p:cNvPr id="14" name="TextBox 13">
+            <a:extLst>
+              <a:ext uri="{FF2B5EF4-FFF2-40B4-BE49-F238E27FC236}">
+                <a16:creationId xmlns:a16="http://schemas.microsoft.com/office/drawing/2014/main" id="{C700AEA0-686F-AD58-7049-9EC74AE6CC58}"/>
+              </a:ext>
+            </a:extLst>
+          </p:cNvPr>
+          <p:cNvSpPr txBox="1"/>
+          <p:nvPr/>
+        </p:nvSpPr>
+        <p:spPr>
+          <a:xfrm>
+            <a:off x="190500" y="900451"/>
+            <a:ext cx="1549730" cy="688212"/>
+          </a:xfrm>
+          <a:prstGeom prst="rect">
+            <a:avLst/>
+          </a:prstGeom>
+          <a:solidFill>
+            <a:schemeClr val="accent1">
+              <a:lumMod val="20000"/>
+              <a:lumOff val="80000"/>
+            </a:schemeClr>
+          </a:solidFill>
+          <a:ln w="38100">
+            <a:noFill/>
+            <a:prstDash val="dash"/>
+            <a:bevel/>
+          </a:ln>
+        </p:spPr>
+        <p:txBody>
+          <a:bodyPr vert="horz" wrap="square" lIns="0" tIns="0" rIns="0" bIns="0" rtlCol="0" anchor="ctr" anchorCtr="0">
+            <a:noAutofit/>
+          </a:bodyPr>
+          <a:lstStyle/>
+          <a:p>
+            <a:pPr marL="0" marR="0" indent="0" algn="ctr" defTabSz="914400" rtl="0" eaLnBrk="1" fontAlgn="auto" latinLnBrk="0" hangingPunct="1">
+              <a:lnSpc>
+                <a:spcPct val="100000"/>
+              </a:lnSpc>
+              <a:spcBef>
+                <a:spcPts val="0"/>
+              </a:spcBef>
+              <a:spcAft>
+                <a:spcPts val="0"/>
+              </a:spcAft>
+              <a:buClrTx/>
+              <a:buSzTx/>
+              <a:buFont typeface="Arial" panose="020B0604020202020204" pitchFamily="34" charset="0"/>
+              <a:buNone/>
+              <a:tabLst/>
+            </a:pPr>
+            <a:r>
+              <a:rPr lang="en-GB" sz="2000" b="1" dirty="0">
+                <a:solidFill>
+                  <a:prstClr val="black"/>
+                </a:solidFill>
+                <a:latin typeface="Menlo" panose="020B0609030804020204" pitchFamily="49" charset="0"/>
+                <a:ea typeface="Menlo" panose="020B0609030804020204" pitchFamily="49" charset="0"/>
+                <a:cs typeface="Menlo" panose="020B0609030804020204" pitchFamily="49" charset="0"/>
+              </a:rPr>
+              <a:t>Similarity search</a:t>
+            </a:r>
+            <a:endParaRPr kumimoji="0" lang="en-GB" sz="2000" b="1" i="0" u="none" strike="noStrike" kern="1200" cap="none" spc="0" normalizeH="0" baseline="0" noProof="0" dirty="0">
+              <a:ln>
+                <a:noFill/>
+              </a:ln>
+              <a:solidFill>
+                <a:prstClr val="black"/>
+              </a:solidFill>
+              <a:effectLst/>
+              <a:uLnTx/>
+              <a:uFillTx/>
+              <a:latin typeface="Menlo" panose="020B0609030804020204" pitchFamily="49" charset="0"/>
+              <a:ea typeface="Menlo" panose="020B0609030804020204" pitchFamily="49" charset="0"/>
+              <a:cs typeface="Menlo" panose="020B0609030804020204" pitchFamily="49" charset="0"/>
+            </a:endParaRPr>
+          </a:p>
+        </p:txBody>
+      </p:sp>
+      <p:sp>
+        <p:nvSpPr>
+          <p:cNvPr id="15" name="TextBox 14">
+            <a:extLst>
+              <a:ext uri="{FF2B5EF4-FFF2-40B4-BE49-F238E27FC236}">
+                <a16:creationId xmlns:a16="http://schemas.microsoft.com/office/drawing/2014/main" id="{F831A30C-18F7-AEE9-C68A-DAF5063ACA4F}"/>
+              </a:ext>
+            </a:extLst>
+          </p:cNvPr>
+          <p:cNvSpPr txBox="1"/>
+          <p:nvPr/>
+        </p:nvSpPr>
+        <p:spPr>
+          <a:xfrm>
+            <a:off x="6745860" y="898912"/>
+            <a:ext cx="1770264" cy="688212"/>
+          </a:xfrm>
+          <a:prstGeom prst="rect">
+            <a:avLst/>
+          </a:prstGeom>
+          <a:solidFill>
+            <a:schemeClr val="accent1">
+              <a:lumMod val="20000"/>
+              <a:lumOff val="80000"/>
+            </a:schemeClr>
+          </a:solidFill>
+          <a:ln w="38100">
+            <a:noFill/>
+            <a:prstDash val="dash"/>
+            <a:bevel/>
+          </a:ln>
+        </p:spPr>
+        <p:txBody>
+          <a:bodyPr vert="horz" wrap="square" lIns="0" tIns="0" rIns="0" bIns="0" rtlCol="0" anchor="ctr" anchorCtr="0">
+            <a:noAutofit/>
+          </a:bodyPr>
+          <a:lstStyle/>
+          <a:p>
+            <a:pPr marL="0" marR="0" indent="0" algn="ctr" defTabSz="914400" rtl="0" eaLnBrk="1" fontAlgn="auto" latinLnBrk="0" hangingPunct="1">
+              <a:lnSpc>
+                <a:spcPct val="100000"/>
+              </a:lnSpc>
+              <a:spcBef>
+                <a:spcPts val="0"/>
+              </a:spcBef>
+              <a:spcAft>
+                <a:spcPts val="0"/>
+              </a:spcAft>
+              <a:buClrTx/>
+              <a:buSzTx/>
+              <a:buFont typeface="Arial" panose="020B0604020202020204" pitchFamily="34" charset="0"/>
+              <a:buNone/>
+              <a:tabLst/>
+            </a:pPr>
+            <a:r>
+              <a:rPr lang="en-GB" sz="2000" b="1" dirty="0">
+                <a:solidFill>
+                  <a:prstClr val="black"/>
+                </a:solidFill>
+                <a:latin typeface="Menlo" panose="020B0609030804020204" pitchFamily="49" charset="0"/>
+                <a:ea typeface="Menlo" panose="020B0609030804020204" pitchFamily="49" charset="0"/>
+                <a:cs typeface="Menlo" panose="020B0609030804020204" pitchFamily="49" charset="0"/>
+              </a:rPr>
+              <a:t>transformations</a:t>
+            </a:r>
+            <a:endParaRPr kumimoji="0" lang="en-GB" sz="2000" b="1" i="0" u="none" strike="noStrike" kern="1200" cap="none" spc="0" normalizeH="0" baseline="0" noProof="0" dirty="0">
+              <a:ln>
+                <a:noFill/>
+              </a:ln>
+              <a:solidFill>
+                <a:prstClr val="black"/>
+              </a:solidFill>
+              <a:effectLst/>
+              <a:uLnTx/>
+              <a:uFillTx/>
+              <a:latin typeface="Menlo" panose="020B0609030804020204" pitchFamily="49" charset="0"/>
+              <a:ea typeface="Menlo" panose="020B0609030804020204" pitchFamily="49" charset="0"/>
+              <a:cs typeface="Menlo" panose="020B0609030804020204" pitchFamily="49" charset="0"/>
+            </a:endParaRPr>
+          </a:p>
+        </p:txBody>
+      </p:sp>
+      <p:sp>
+        <p:nvSpPr>
+          <p:cNvPr id="17" name="TextBox 16">
+            <a:extLst>
+              <a:ext uri="{FF2B5EF4-FFF2-40B4-BE49-F238E27FC236}">
+                <a16:creationId xmlns:a16="http://schemas.microsoft.com/office/drawing/2014/main" id="{82D935F9-4C19-D82C-D2F0-2DB81E3B1572}"/>
+              </a:ext>
+            </a:extLst>
+          </p:cNvPr>
+          <p:cNvSpPr txBox="1"/>
+          <p:nvPr/>
+        </p:nvSpPr>
+        <p:spPr>
+          <a:xfrm>
+            <a:off x="8605234" y="898912"/>
+            <a:ext cx="1770264" cy="688212"/>
+          </a:xfrm>
+          <a:prstGeom prst="rect">
+            <a:avLst/>
+          </a:prstGeom>
+          <a:solidFill>
+            <a:schemeClr val="accent1">
+              <a:lumMod val="20000"/>
+              <a:lumOff val="80000"/>
+            </a:schemeClr>
+          </a:solidFill>
+          <a:ln w="38100">
+            <a:noFill/>
+            <a:prstDash val="dash"/>
+            <a:bevel/>
+          </a:ln>
+        </p:spPr>
+        <p:txBody>
+          <a:bodyPr vert="horz" wrap="square" lIns="0" tIns="0" rIns="0" bIns="0" rtlCol="0" anchor="ctr" anchorCtr="0">
+            <a:noAutofit/>
+          </a:bodyPr>
+          <a:lstStyle/>
+          <a:p>
+            <a:pPr marL="0" marR="0" indent="0" algn="ctr" defTabSz="914400" rtl="0" eaLnBrk="1" fontAlgn="auto" latinLnBrk="0" hangingPunct="1">
+              <a:lnSpc>
+                <a:spcPct val="100000"/>
+              </a:lnSpc>
+              <a:spcBef>
+                <a:spcPts val="0"/>
+              </a:spcBef>
+              <a:spcAft>
+                <a:spcPts val="0"/>
+              </a:spcAft>
+              <a:buClrTx/>
+              <a:buSzTx/>
+              <a:buFont typeface="Arial" panose="020B0604020202020204" pitchFamily="34" charset="0"/>
+              <a:buNone/>
+              <a:tabLst/>
+            </a:pPr>
+            <a:r>
+              <a:rPr lang="en-GB" sz="2000" b="1" dirty="0">
+                <a:solidFill>
+                  <a:prstClr val="black"/>
+                </a:solidFill>
+                <a:latin typeface="Menlo" panose="020B0609030804020204" pitchFamily="49" charset="0"/>
+                <a:ea typeface="Menlo" panose="020B0609030804020204" pitchFamily="49" charset="0"/>
+                <a:cs typeface="Menlo" panose="020B0609030804020204" pitchFamily="49" charset="0"/>
+              </a:rPr>
+              <a:t>distances</a:t>
+            </a:r>
+            <a:endParaRPr kumimoji="0" lang="en-GB" sz="2000" b="1" i="0" u="none" strike="noStrike" kern="1200" cap="none" spc="0" normalizeH="0" baseline="0" noProof="0" dirty="0">
+              <a:ln>
+                <a:noFill/>
+              </a:ln>
+              <a:solidFill>
+                <a:prstClr val="black"/>
+              </a:solidFill>
+              <a:effectLst/>
+              <a:uLnTx/>
+              <a:uFillTx/>
+              <a:latin typeface="Menlo" panose="020B0609030804020204" pitchFamily="49" charset="0"/>
+              <a:ea typeface="Menlo" panose="020B0609030804020204" pitchFamily="49" charset="0"/>
+              <a:cs typeface="Menlo" panose="020B0609030804020204" pitchFamily="49" charset="0"/>
+            </a:endParaRPr>
+          </a:p>
+        </p:txBody>
+      </p:sp>
+      <p:sp>
+        <p:nvSpPr>
+          <p:cNvPr id="18" name="TextBox 17">
+            <a:extLst>
+              <a:ext uri="{FF2B5EF4-FFF2-40B4-BE49-F238E27FC236}">
+                <a16:creationId xmlns:a16="http://schemas.microsoft.com/office/drawing/2014/main" id="{F8A6275B-7B9F-AB2D-9BE4-78942D942DAB}"/>
+              </a:ext>
+            </a:extLst>
+          </p:cNvPr>
+          <p:cNvSpPr txBox="1"/>
+          <p:nvPr/>
+        </p:nvSpPr>
+        <p:spPr>
+          <a:xfrm>
+            <a:off x="10464608" y="898912"/>
+            <a:ext cx="1564163" cy="688212"/>
+          </a:xfrm>
+          <a:prstGeom prst="rect">
+            <a:avLst/>
+          </a:prstGeom>
+          <a:solidFill>
+            <a:schemeClr val="accent1">
+              <a:lumMod val="20000"/>
+              <a:lumOff val="80000"/>
+            </a:schemeClr>
+          </a:solidFill>
+          <a:ln w="38100">
+            <a:noFill/>
+            <a:prstDash val="dash"/>
+            <a:bevel/>
+          </a:ln>
+        </p:spPr>
+        <p:txBody>
+          <a:bodyPr vert="horz" wrap="square" lIns="0" tIns="0" rIns="0" bIns="0" rtlCol="0" anchor="ctr" anchorCtr="0">
+            <a:noAutofit/>
+          </a:bodyPr>
+          <a:lstStyle/>
+          <a:p>
+            <a:pPr marL="0" marR="0" indent="0" algn="ctr" defTabSz="914400" rtl="0" eaLnBrk="1" fontAlgn="auto" latinLnBrk="0" hangingPunct="1">
+              <a:lnSpc>
+                <a:spcPct val="100000"/>
+              </a:lnSpc>
+              <a:spcBef>
+                <a:spcPts val="0"/>
+              </a:spcBef>
+              <a:spcAft>
+                <a:spcPts val="0"/>
+              </a:spcAft>
+              <a:buClrTx/>
+              <a:buSzTx/>
+              <a:buFont typeface="Arial" panose="020B0604020202020204" pitchFamily="34" charset="0"/>
+              <a:buNone/>
+              <a:tabLst/>
+            </a:pPr>
+            <a:r>
+              <a:rPr lang="en-GB" sz="2000" b="1" dirty="0">
+                <a:solidFill>
+                  <a:prstClr val="black"/>
+                </a:solidFill>
+                <a:latin typeface="Menlo" panose="020B0609030804020204" pitchFamily="49" charset="0"/>
+                <a:ea typeface="Menlo" panose="020B0609030804020204" pitchFamily="49" charset="0"/>
+                <a:cs typeface="Menlo" panose="020B0609030804020204" pitchFamily="49" charset="0"/>
+              </a:rPr>
+              <a:t>anomaly detection</a:t>
+            </a:r>
+            <a:endParaRPr kumimoji="0" lang="en-GB" sz="2000" b="1" i="0" u="none" strike="noStrike" kern="1200" cap="none" spc="0" normalizeH="0" baseline="0" noProof="0" dirty="0">
+              <a:ln>
+                <a:noFill/>
+              </a:ln>
+              <a:solidFill>
+                <a:prstClr val="black"/>
+              </a:solidFill>
+              <a:effectLst/>
+              <a:uLnTx/>
+              <a:uFillTx/>
+              <a:latin typeface="Menlo" panose="020B0609030804020204" pitchFamily="49" charset="0"/>
+              <a:ea typeface="Menlo" panose="020B0609030804020204" pitchFamily="49" charset="0"/>
+              <a:cs typeface="Menlo" panose="020B0609030804020204" pitchFamily="49" charset="0"/>
+            </a:endParaRPr>
+          </a:p>
+        </p:txBody>
+      </p:sp>
+      <p:sp>
+        <p:nvSpPr>
+          <p:cNvPr id="40" name="Pentagon 19">
+            <a:extLst>
+              <a:ext uri="{FF2B5EF4-FFF2-40B4-BE49-F238E27FC236}">
+                <a16:creationId xmlns:a16="http://schemas.microsoft.com/office/drawing/2014/main" id="{2013B523-8195-EEF7-1310-0B152C8D0BF5}"/>
+              </a:ext>
+            </a:extLst>
+          </p:cNvPr>
+          <p:cNvSpPr/>
+          <p:nvPr/>
+        </p:nvSpPr>
+        <p:spPr>
+          <a:xfrm>
+            <a:off x="190500" y="2496874"/>
+            <a:ext cx="4395270" cy="532076"/>
+          </a:xfrm>
+          <a:prstGeom prst="homePlate">
+            <a:avLst/>
+          </a:prstGeom>
+          <a:solidFill>
+            <a:schemeClr val="accent3">
+              <a:lumMod val="40000"/>
+              <a:lumOff val="60000"/>
+            </a:schemeClr>
+          </a:solidFill>
+          <a:ln>
+            <a:noFill/>
+          </a:ln>
+        </p:spPr>
+        <p:style>
+          <a:lnRef idx="2">
+            <a:schemeClr val="accent1">
+              <a:shade val="50000"/>
+            </a:schemeClr>
+          </a:lnRef>
+          <a:fillRef idx="1">
+            <a:schemeClr val="accent1"/>
+          </a:fillRef>
+          <a:effectRef idx="0">
+            <a:schemeClr val="accent1"/>
+          </a:effectRef>
+          <a:fontRef idx="minor">
+            <a:schemeClr val="lt1"/>
+          </a:fontRef>
+        </p:style>
+        <p:txBody>
+          <a:bodyPr lIns="503998" rIns="108000" rtlCol="0" anchor="ctr"/>
+          <a:lstStyle/>
+          <a:p>
+            <a:pPr marL="0" marR="0" indent="0" defTabSz="914400" rtl="0" eaLnBrk="1" fontAlgn="auto" latinLnBrk="0" hangingPunct="1">
+              <a:lnSpc>
+                <a:spcPct val="100000"/>
+              </a:lnSpc>
+              <a:spcBef>
+                <a:spcPts val="0"/>
+              </a:spcBef>
+              <a:spcAft>
+                <a:spcPts val="0"/>
+              </a:spcAft>
+              <a:buClrTx/>
+              <a:buSzTx/>
+              <a:buFont typeface="Arial" panose="020B0604020202020204" pitchFamily="34" charset="0"/>
+              <a:buNone/>
+              <a:tabLst/>
+            </a:pPr>
+            <a:r>
+              <a:rPr lang="en-GB" sz="2600" b="1" dirty="0">
+                <a:solidFill>
+                  <a:prstClr val="black"/>
+                </a:solidFill>
+                <a:latin typeface="Menlo" panose="020B0609030804020204" pitchFamily="49" charset="0"/>
+                <a:ea typeface="Menlo" panose="020B0609030804020204" pitchFamily="49" charset="0"/>
+                <a:cs typeface="Menlo" panose="020B0609030804020204" pitchFamily="49" charset="0"/>
+              </a:rPr>
+              <a:t>Algorithm research</a:t>
+            </a:r>
+            <a:endParaRPr kumimoji="0" lang="en-GB" sz="2600" b="1" i="0" u="none" strike="noStrike" kern="1200" cap="none" spc="0" normalizeH="0" baseline="0" noProof="0" dirty="0">
+              <a:ln>
+                <a:noFill/>
+              </a:ln>
+              <a:solidFill>
+                <a:prstClr val="black"/>
+              </a:solidFill>
+              <a:effectLst/>
+              <a:uLnTx/>
+              <a:uFillTx/>
+              <a:latin typeface="Menlo" panose="020B0609030804020204" pitchFamily="49" charset="0"/>
+              <a:ea typeface="Menlo" panose="020B0609030804020204" pitchFamily="49" charset="0"/>
+              <a:cs typeface="Menlo" panose="020B0609030804020204" pitchFamily="49" charset="0"/>
+            </a:endParaRPr>
           </a:p>
         </p:txBody>
       </p:sp>
       <p:pic>
         <p:nvPicPr>
-          <p:cNvPr id="25" name="Picture 24">
-            <a:extLst>
-              <a:ext uri="{FF2B5EF4-FFF2-40B4-BE49-F238E27FC236}">
-                <a16:creationId xmlns:a16="http://schemas.microsoft.com/office/drawing/2014/main" id="{BEB608A9-EBE3-C6A3-3962-6A0B9D2AF63D}"/>
+          <p:cNvPr id="41" name="Picture 40">
+            <a:extLst>
+              <a:ext uri="{FF2B5EF4-FFF2-40B4-BE49-F238E27FC236}">
+                <a16:creationId xmlns:a16="http://schemas.microsoft.com/office/drawing/2014/main" id="{1D9FDCC2-418D-89EE-98C8-5626FDA5B93D}"/>
               </a:ext>
             </a:extLst>
           </p:cNvPr>
@@ -18535,120 +19334,42 @@
           <p:nvPr/>
         </p:nvPicPr>
         <p:blipFill>
-          <a:blip r:embed="rId2"/>
+          <a:blip r:embed="rId3">
+            <a:extLst>
+              <a:ext uri="{28A0092B-C50C-407E-A947-70E740481C1C}">
+                <a14:useLocalDpi xmlns:a14="http://schemas.microsoft.com/office/drawing/2010/main" val="0"/>
+              </a:ext>
+            </a:extLst>
+          </a:blip>
           <a:stretch>
             <a:fillRect/>
           </a:stretch>
         </p:blipFill>
         <p:spPr>
           <a:xfrm>
-            <a:off x="0" y="11778"/>
-            <a:ext cx="2076740" cy="1390844"/>
+            <a:off x="5070617" y="2467196"/>
+            <a:ext cx="1361005" cy="281115"/>
           </a:xfrm>
           <a:prstGeom prst="rect">
             <a:avLst/>
           </a:prstGeom>
+          <a:solidFill>
+            <a:schemeClr val="bg1"/>
+          </a:solidFill>
+          <a:ln w="25400">
+            <a:solidFill>
+              <a:schemeClr val="bg1"/>
+            </a:solidFill>
+            <a:miter lim="800000"/>
+          </a:ln>
         </p:spPr>
       </p:pic>
       <p:pic>
         <p:nvPicPr>
-          <p:cNvPr id="27" name="Picture 26">
-            <a:extLst>
-              <a:ext uri="{FF2B5EF4-FFF2-40B4-BE49-F238E27FC236}">
-                <a16:creationId xmlns:a16="http://schemas.microsoft.com/office/drawing/2014/main" id="{A91288A6-8784-39C5-31A8-E79DA47436F1}"/>
-              </a:ext>
-            </a:extLst>
-          </p:cNvPr>
-          <p:cNvPicPr>
-            <a:picLocks noChangeAspect="1"/>
-          </p:cNvPicPr>
-          <p:nvPr/>
-        </p:nvPicPr>
-        <p:blipFill>
-          <a:blip r:embed="rId3"/>
-          <a:stretch>
-            <a:fillRect/>
-          </a:stretch>
-        </p:blipFill>
-        <p:spPr>
-          <a:xfrm>
-            <a:off x="2466468" y="1402622"/>
-            <a:ext cx="7259063" cy="2172003"/>
-          </a:xfrm>
-          <a:prstGeom prst="rect">
-            <a:avLst/>
-          </a:prstGeom>
-        </p:spPr>
-      </p:pic>
-      <p:sp>
-        <p:nvSpPr>
-          <p:cNvPr id="28" name="Title 1">
-            <a:extLst>
-              <a:ext uri="{FF2B5EF4-FFF2-40B4-BE49-F238E27FC236}">
-                <a16:creationId xmlns:a16="http://schemas.microsoft.com/office/drawing/2014/main" id="{1BF71977-C326-CF09-8D43-54706E8FC17E}"/>
-              </a:ext>
-            </a:extLst>
-          </p:cNvPr>
-          <p:cNvSpPr txBox="1">
-            <a:spLocks/>
-          </p:cNvSpPr>
-          <p:nvPr/>
-        </p:nvSpPr>
-        <p:spPr>
-          <a:xfrm>
-            <a:off x="410434" y="3574625"/>
-            <a:ext cx="11107885" cy="517798"/>
-          </a:xfrm>
-          <a:prstGeom prst="rect">
-            <a:avLst/>
-          </a:prstGeom>
-        </p:spPr>
-        <p:txBody>
-          <a:bodyPr vert="horz" lIns="91440" tIns="45720" rIns="91440" bIns="45720" rtlCol="0" anchor="b">
-            <a:normAutofit/>
-          </a:bodyPr>
-          <a:lstStyle>
-            <a:lvl1pPr algn="ctr" defTabSz="914400" rtl="0" eaLnBrk="1" latinLnBrk="0" hangingPunct="1">
-              <a:lnSpc>
-                <a:spcPct val="90000"/>
-              </a:lnSpc>
-              <a:spcBef>
-                <a:spcPct val="0"/>
-              </a:spcBef>
-              <a:buNone/>
-              <a:defRPr sz="6000" kern="1200">
-                <a:solidFill>
-                  <a:schemeClr val="tx1"/>
-                </a:solidFill>
-                <a:latin typeface="+mj-lt"/>
-                <a:ea typeface="+mj-ea"/>
-                <a:cs typeface="+mj-cs"/>
-              </a:defRPr>
-            </a:lvl1pPr>
-          </a:lstStyle>
-          <a:p>
-            <a:r>
-              <a:rPr lang="en-US" sz="3000" dirty="0" err="1"/>
-              <a:t>aeon</a:t>
-            </a:r>
-            <a:r>
-              <a:rPr lang="en-US" sz="3000" dirty="0"/>
-              <a:t> classifiers and regressors are compatible with </a:t>
-            </a:r>
-            <a:r>
-              <a:rPr lang="en-US" sz="3000" dirty="0" err="1"/>
-              <a:t>sklearn</a:t>
-            </a:r>
-            <a:endParaRPr lang="en-AU" sz="3000" dirty="0"/>
-          </a:p>
-        </p:txBody>
-      </p:sp>
-      <p:pic>
-        <p:nvPicPr>
-          <p:cNvPr id="30" name="Picture 29">
-            <a:extLst>
-              <a:ext uri="{FF2B5EF4-FFF2-40B4-BE49-F238E27FC236}">
-                <a16:creationId xmlns:a16="http://schemas.microsoft.com/office/drawing/2014/main" id="{E723357A-945D-5E15-8DB4-8AA59922AF41}"/>
+          <p:cNvPr id="42" name="Picture 41">
+            <a:extLst>
+              <a:ext uri="{FF2B5EF4-FFF2-40B4-BE49-F238E27FC236}">
+                <a16:creationId xmlns:a16="http://schemas.microsoft.com/office/drawing/2014/main" id="{A087771D-D446-D2FA-DB76-A6B67043521D}"/>
               </a:ext>
             </a:extLst>
           </p:cNvPr>
@@ -18665,8 +19386,828 @@
         </p:blipFill>
         <p:spPr>
           <a:xfrm>
-            <a:off x="3160411" y="4364613"/>
-            <a:ext cx="5249008" cy="2181529"/>
+            <a:off x="8294690" y="2488750"/>
+            <a:ext cx="776384" cy="383894"/>
+          </a:xfrm>
+          <a:prstGeom prst="rect">
+            <a:avLst/>
+          </a:prstGeom>
+        </p:spPr>
+      </p:pic>
+      <p:pic>
+        <p:nvPicPr>
+          <p:cNvPr id="43" name="Picture 42">
+            <a:extLst>
+              <a:ext uri="{FF2B5EF4-FFF2-40B4-BE49-F238E27FC236}">
+                <a16:creationId xmlns:a16="http://schemas.microsoft.com/office/drawing/2014/main" id="{C74349E8-99F7-7B10-24BA-993F368A19F8}"/>
+              </a:ext>
+            </a:extLst>
+          </p:cNvPr>
+          <p:cNvPicPr>
+            <a:picLocks noChangeAspect="1"/>
+          </p:cNvPicPr>
+          <p:nvPr/>
+        </p:nvPicPr>
+        <p:blipFill>
+          <a:blip r:embed="rId5"/>
+          <a:stretch>
+            <a:fillRect/>
+          </a:stretch>
+        </p:blipFill>
+        <p:spPr>
+          <a:xfrm>
+            <a:off x="6626975" y="2489793"/>
+            <a:ext cx="376298" cy="546238"/>
+          </a:xfrm>
+          <a:prstGeom prst="rect">
+            <a:avLst/>
+          </a:prstGeom>
+        </p:spPr>
+      </p:pic>
+      <p:pic>
+        <p:nvPicPr>
+          <p:cNvPr id="44" name="Picture 43">
+            <a:extLst>
+              <a:ext uri="{FF2B5EF4-FFF2-40B4-BE49-F238E27FC236}">
+                <a16:creationId xmlns:a16="http://schemas.microsoft.com/office/drawing/2014/main" id="{D774F84C-2708-112F-093C-A56862CFB2F7}"/>
+              </a:ext>
+            </a:extLst>
+          </p:cNvPr>
+          <p:cNvPicPr>
+            <a:picLocks noChangeAspect="1"/>
+          </p:cNvPicPr>
+          <p:nvPr/>
+        </p:nvPicPr>
+        <p:blipFill>
+          <a:blip r:embed="rId6"/>
+          <a:stretch>
+            <a:fillRect/>
+          </a:stretch>
+        </p:blipFill>
+        <p:spPr>
+          <a:xfrm>
+            <a:off x="9228432" y="2471103"/>
+            <a:ext cx="630919" cy="483048"/>
+          </a:xfrm>
+          <a:prstGeom prst="rect">
+            <a:avLst/>
+          </a:prstGeom>
+          <a:ln w="25400">
+            <a:solidFill>
+              <a:schemeClr val="bg1"/>
+            </a:solidFill>
+            <a:miter lim="800000"/>
+          </a:ln>
+        </p:spPr>
+      </p:pic>
+      <p:pic>
+        <p:nvPicPr>
+          <p:cNvPr id="45" name="Picture 44">
+            <a:extLst>
+              <a:ext uri="{FF2B5EF4-FFF2-40B4-BE49-F238E27FC236}">
+                <a16:creationId xmlns:a16="http://schemas.microsoft.com/office/drawing/2014/main" id="{355C08CA-8B90-D640-31AF-5049FE332AAE}"/>
+              </a:ext>
+            </a:extLst>
+          </p:cNvPr>
+          <p:cNvPicPr>
+            <a:picLocks noChangeAspect="1"/>
+          </p:cNvPicPr>
+          <p:nvPr/>
+        </p:nvPicPr>
+        <p:blipFill>
+          <a:blip r:embed="rId7"/>
+          <a:stretch>
+            <a:fillRect/>
+          </a:stretch>
+        </p:blipFill>
+        <p:spPr>
+          <a:xfrm>
+            <a:off x="7124669" y="2455496"/>
+            <a:ext cx="776386" cy="395804"/>
+          </a:xfrm>
+          <a:prstGeom prst="rect">
+            <a:avLst/>
+          </a:prstGeom>
+        </p:spPr>
+      </p:pic>
+      <p:pic>
+        <p:nvPicPr>
+          <p:cNvPr id="46" name="Picture 45">
+            <a:extLst>
+              <a:ext uri="{FF2B5EF4-FFF2-40B4-BE49-F238E27FC236}">
+                <a16:creationId xmlns:a16="http://schemas.microsoft.com/office/drawing/2014/main" id="{7CF127A9-81D9-CA25-08EB-30EC3CEA26A8}"/>
+              </a:ext>
+            </a:extLst>
+          </p:cNvPr>
+          <p:cNvPicPr>
+            <a:picLocks noChangeAspect="1"/>
+          </p:cNvPicPr>
+          <p:nvPr/>
+        </p:nvPicPr>
+        <p:blipFill>
+          <a:blip r:embed="rId8"/>
+          <a:stretch>
+            <a:fillRect/>
+          </a:stretch>
+        </p:blipFill>
+        <p:spPr>
+          <a:xfrm>
+            <a:off x="7271412" y="2891237"/>
+            <a:ext cx="1023278" cy="309192"/>
+          </a:xfrm>
+          <a:prstGeom prst="rect">
+            <a:avLst/>
+          </a:prstGeom>
+        </p:spPr>
+      </p:pic>
+      <p:pic>
+        <p:nvPicPr>
+          <p:cNvPr id="47" name="Picture 46">
+            <a:extLst>
+              <a:ext uri="{FF2B5EF4-FFF2-40B4-BE49-F238E27FC236}">
+                <a16:creationId xmlns:a16="http://schemas.microsoft.com/office/drawing/2014/main" id="{D9B02F98-F62C-6F91-5FA7-ACA3F3ED506E}"/>
+              </a:ext>
+            </a:extLst>
+          </p:cNvPr>
+          <p:cNvPicPr>
+            <a:picLocks noChangeAspect="1"/>
+          </p:cNvPicPr>
+          <p:nvPr/>
+        </p:nvPicPr>
+        <p:blipFill>
+          <a:blip r:embed="rId9"/>
+          <a:stretch>
+            <a:fillRect/>
+          </a:stretch>
+        </p:blipFill>
+        <p:spPr>
+          <a:xfrm>
+            <a:off x="9956434" y="2436902"/>
+            <a:ext cx="811313" cy="454335"/>
+          </a:xfrm>
+          <a:prstGeom prst="rect">
+            <a:avLst/>
+          </a:prstGeom>
+        </p:spPr>
+      </p:pic>
+      <p:pic>
+        <p:nvPicPr>
+          <p:cNvPr id="51" name="Picture 50">
+            <a:extLst>
+              <a:ext uri="{FF2B5EF4-FFF2-40B4-BE49-F238E27FC236}">
+                <a16:creationId xmlns:a16="http://schemas.microsoft.com/office/drawing/2014/main" id="{EC4164FE-8D19-83E5-5466-600C2646224F}"/>
+              </a:ext>
+            </a:extLst>
+          </p:cNvPr>
+          <p:cNvPicPr>
+            <a:picLocks noChangeAspect="1"/>
+          </p:cNvPicPr>
+          <p:nvPr/>
+        </p:nvPicPr>
+        <p:blipFill>
+          <a:blip r:embed="rId10"/>
+          <a:stretch>
+            <a:fillRect/>
+          </a:stretch>
+        </p:blipFill>
+        <p:spPr>
+          <a:xfrm>
+            <a:off x="5049510" y="2831568"/>
+            <a:ext cx="1170021" cy="394763"/>
+          </a:xfrm>
+          <a:prstGeom prst="rect">
+            <a:avLst/>
+          </a:prstGeom>
+        </p:spPr>
+      </p:pic>
+      <p:sp>
+        <p:nvSpPr>
+          <p:cNvPr id="52" name="Pentagon 20">
+            <a:extLst>
+              <a:ext uri="{FF2B5EF4-FFF2-40B4-BE49-F238E27FC236}">
+                <a16:creationId xmlns:a16="http://schemas.microsoft.com/office/drawing/2014/main" id="{7DC0480E-86B9-3DAC-88B9-547735B4FF6A}"/>
+              </a:ext>
+            </a:extLst>
+          </p:cNvPr>
+          <p:cNvSpPr/>
+          <p:nvPr/>
+        </p:nvSpPr>
+        <p:spPr>
+          <a:xfrm>
+            <a:off x="158648" y="4612129"/>
+            <a:ext cx="4395270" cy="488475"/>
+          </a:xfrm>
+          <a:prstGeom prst="homePlate">
+            <a:avLst/>
+          </a:prstGeom>
+          <a:solidFill>
+            <a:schemeClr val="accent4">
+              <a:lumMod val="10000"/>
+              <a:lumOff val="90000"/>
+            </a:schemeClr>
+          </a:solidFill>
+          <a:ln>
+            <a:noFill/>
+          </a:ln>
+        </p:spPr>
+        <p:style>
+          <a:lnRef idx="2">
+            <a:schemeClr val="accent1">
+              <a:shade val="50000"/>
+            </a:schemeClr>
+          </a:lnRef>
+          <a:fillRef idx="1">
+            <a:schemeClr val="accent1"/>
+          </a:fillRef>
+          <a:effectRef idx="0">
+            <a:schemeClr val="accent1"/>
+          </a:effectRef>
+          <a:fontRef idx="minor">
+            <a:schemeClr val="lt1"/>
+          </a:fontRef>
+        </p:style>
+        <p:txBody>
+          <a:bodyPr lIns="503999" rtlCol="0" anchor="ctr"/>
+          <a:lstStyle/>
+          <a:p>
+            <a:pPr marL="0" marR="0" indent="0" defTabSz="914400" rtl="0" eaLnBrk="1" fontAlgn="auto" latinLnBrk="0" hangingPunct="1">
+              <a:lnSpc>
+                <a:spcPct val="100000"/>
+              </a:lnSpc>
+              <a:spcBef>
+                <a:spcPts val="0"/>
+              </a:spcBef>
+              <a:spcAft>
+                <a:spcPts val="0"/>
+              </a:spcAft>
+              <a:buClrTx/>
+              <a:buSzTx/>
+              <a:buFont typeface="Arial" panose="020B0604020202020204" pitchFamily="34" charset="0"/>
+              <a:buNone/>
+              <a:tabLst/>
+            </a:pPr>
+            <a:r>
+              <a:rPr lang="en-GB" sz="2600" b="1" dirty="0">
+                <a:solidFill>
+                  <a:prstClr val="black"/>
+                </a:solidFill>
+                <a:latin typeface="Menlo" panose="020B0609030804020204" pitchFamily="49" charset="0"/>
+                <a:ea typeface="Menlo" panose="020B0609030804020204" pitchFamily="49" charset="0"/>
+                <a:cs typeface="Menlo" panose="020B0609030804020204" pitchFamily="49" charset="0"/>
+              </a:rPr>
+              <a:t>Industry application</a:t>
+            </a:r>
+            <a:endParaRPr kumimoji="0" lang="en-GB" sz="2600" b="1" i="0" u="none" strike="noStrike" kern="1200" cap="none" spc="0" normalizeH="0" baseline="0" noProof="0" dirty="0">
+              <a:ln>
+                <a:noFill/>
+              </a:ln>
+              <a:solidFill>
+                <a:prstClr val="black"/>
+              </a:solidFill>
+              <a:effectLst/>
+              <a:uLnTx/>
+              <a:uFillTx/>
+              <a:latin typeface="Menlo" panose="020B0609030804020204" pitchFamily="49" charset="0"/>
+              <a:ea typeface="Menlo" panose="020B0609030804020204" pitchFamily="49" charset="0"/>
+              <a:cs typeface="Menlo" panose="020B0609030804020204" pitchFamily="49" charset="0"/>
+            </a:endParaRPr>
+          </a:p>
+        </p:txBody>
+      </p:sp>
+      <p:pic>
+        <p:nvPicPr>
+          <p:cNvPr id="53" name="Picture 52">
+            <a:extLst>
+              <a:ext uri="{FF2B5EF4-FFF2-40B4-BE49-F238E27FC236}">
+                <a16:creationId xmlns:a16="http://schemas.microsoft.com/office/drawing/2014/main" id="{CF4A64A1-9D0B-CB4D-6BB2-CEFF640E246C}"/>
+              </a:ext>
+            </a:extLst>
+          </p:cNvPr>
+          <p:cNvPicPr>
+            <a:picLocks noChangeAspect="1"/>
+          </p:cNvPicPr>
+          <p:nvPr/>
+        </p:nvPicPr>
+        <p:blipFill>
+          <a:blip r:embed="rId11"/>
+          <a:stretch>
+            <a:fillRect/>
+          </a:stretch>
+        </p:blipFill>
+        <p:spPr>
+          <a:xfrm>
+            <a:off x="5029916" y="4543050"/>
+            <a:ext cx="1378704" cy="537904"/>
+          </a:xfrm>
+          <a:prstGeom prst="rect">
+            <a:avLst/>
+          </a:prstGeom>
+        </p:spPr>
+      </p:pic>
+      <p:pic>
+        <p:nvPicPr>
+          <p:cNvPr id="54" name="Picture 53">
+            <a:extLst>
+              <a:ext uri="{FF2B5EF4-FFF2-40B4-BE49-F238E27FC236}">
+                <a16:creationId xmlns:a16="http://schemas.microsoft.com/office/drawing/2014/main" id="{6DD8B18C-D2D1-FAF2-5D71-758E286310EE}"/>
+              </a:ext>
+            </a:extLst>
+          </p:cNvPr>
+          <p:cNvPicPr>
+            <a:picLocks noChangeAspect="1"/>
+          </p:cNvPicPr>
+          <p:nvPr/>
+        </p:nvPicPr>
+        <p:blipFill>
+          <a:blip r:embed="rId12"/>
+          <a:stretch>
+            <a:fillRect/>
+          </a:stretch>
+        </p:blipFill>
+        <p:spPr>
+          <a:xfrm>
+            <a:off x="6574922" y="4526917"/>
+            <a:ext cx="792999" cy="719992"/>
+          </a:xfrm>
+          <a:prstGeom prst="rect">
+            <a:avLst/>
+          </a:prstGeom>
+        </p:spPr>
+      </p:pic>
+      <p:sp>
+        <p:nvSpPr>
+          <p:cNvPr id="55" name="Pentagon 21">
+            <a:extLst>
+              <a:ext uri="{FF2B5EF4-FFF2-40B4-BE49-F238E27FC236}">
+                <a16:creationId xmlns:a16="http://schemas.microsoft.com/office/drawing/2014/main" id="{D532198A-B688-D634-A721-FF5887C627CC}"/>
+              </a:ext>
+            </a:extLst>
+          </p:cNvPr>
+          <p:cNvSpPr/>
+          <p:nvPr/>
+        </p:nvSpPr>
+        <p:spPr>
+          <a:xfrm>
+            <a:off x="169393" y="3617388"/>
+            <a:ext cx="4395269" cy="466777"/>
+          </a:xfrm>
+          <a:prstGeom prst="homePlate">
+            <a:avLst/>
+          </a:prstGeom>
+          <a:solidFill>
+            <a:schemeClr val="accent5">
+              <a:lumMod val="20000"/>
+              <a:lumOff val="80000"/>
+            </a:schemeClr>
+          </a:solidFill>
+          <a:ln>
+            <a:noFill/>
+          </a:ln>
+        </p:spPr>
+        <p:style>
+          <a:lnRef idx="2">
+            <a:schemeClr val="accent1">
+              <a:shade val="50000"/>
+            </a:schemeClr>
+          </a:lnRef>
+          <a:fillRef idx="1">
+            <a:schemeClr val="accent1"/>
+          </a:fillRef>
+          <a:effectRef idx="0">
+            <a:schemeClr val="accent1"/>
+          </a:effectRef>
+          <a:fontRef idx="minor">
+            <a:schemeClr val="lt1"/>
+          </a:fontRef>
+        </p:style>
+        <p:txBody>
+          <a:bodyPr lIns="216000" rtlCol="0" anchor="ctr"/>
+          <a:lstStyle/>
+          <a:p>
+            <a:pPr marL="0" marR="0" indent="0" defTabSz="914400" rtl="0" eaLnBrk="1" fontAlgn="auto" latinLnBrk="0" hangingPunct="1">
+              <a:lnSpc>
+                <a:spcPct val="100000"/>
+              </a:lnSpc>
+              <a:spcBef>
+                <a:spcPts val="0"/>
+              </a:spcBef>
+              <a:spcAft>
+                <a:spcPts val="0"/>
+              </a:spcAft>
+              <a:buClrTx/>
+              <a:buSzTx/>
+              <a:buFont typeface="Arial" panose="020B0604020202020204" pitchFamily="34" charset="0"/>
+              <a:buNone/>
+              <a:tabLst/>
+            </a:pPr>
+            <a:r>
+              <a:rPr lang="en-GB" sz="2600" b="1" dirty="0">
+                <a:solidFill>
+                  <a:prstClr val="black"/>
+                </a:solidFill>
+                <a:latin typeface="Menlo" panose="020B0609030804020204" pitchFamily="49" charset="0"/>
+                <a:ea typeface="Menlo" panose="020B0609030804020204" pitchFamily="49" charset="0"/>
+                <a:cs typeface="Menlo" panose="020B0609030804020204" pitchFamily="49" charset="0"/>
+              </a:rPr>
+              <a:t>Scientific research</a:t>
+            </a:r>
+            <a:endParaRPr kumimoji="0" lang="en-GB" sz="2600" b="1" i="0" u="none" strike="noStrike" kern="1200" cap="none" spc="0" normalizeH="0" baseline="0" noProof="0" dirty="0">
+              <a:ln>
+                <a:noFill/>
+              </a:ln>
+              <a:solidFill>
+                <a:prstClr val="black"/>
+              </a:solidFill>
+              <a:effectLst/>
+              <a:uLnTx/>
+              <a:uFillTx/>
+              <a:latin typeface="Menlo" panose="020B0609030804020204" pitchFamily="49" charset="0"/>
+              <a:ea typeface="Menlo" panose="020B0609030804020204" pitchFamily="49" charset="0"/>
+              <a:cs typeface="Menlo" panose="020B0609030804020204" pitchFamily="49" charset="0"/>
+            </a:endParaRPr>
+          </a:p>
+        </p:txBody>
+      </p:sp>
+      <p:sp>
+        <p:nvSpPr>
+          <p:cNvPr id="57" name="Pentagon 21">
+            <a:extLst>
+              <a:ext uri="{FF2B5EF4-FFF2-40B4-BE49-F238E27FC236}">
+                <a16:creationId xmlns:a16="http://schemas.microsoft.com/office/drawing/2014/main" id="{AA8FDFEA-AD59-8621-A7B2-BE969407275C}"/>
+              </a:ext>
+            </a:extLst>
+          </p:cNvPr>
+          <p:cNvSpPr/>
+          <p:nvPr/>
+        </p:nvSpPr>
+        <p:spPr>
+          <a:xfrm>
+            <a:off x="158649" y="5730351"/>
+            <a:ext cx="4395269" cy="466777"/>
+          </a:xfrm>
+          <a:prstGeom prst="homePlate">
+            <a:avLst/>
+          </a:prstGeom>
+          <a:solidFill>
+            <a:schemeClr val="accent5">
+              <a:lumMod val="20000"/>
+              <a:lumOff val="80000"/>
+            </a:schemeClr>
+          </a:solidFill>
+          <a:ln>
+            <a:noFill/>
+          </a:ln>
+        </p:spPr>
+        <p:style>
+          <a:lnRef idx="2">
+            <a:schemeClr val="accent1">
+              <a:shade val="50000"/>
+            </a:schemeClr>
+          </a:lnRef>
+          <a:fillRef idx="1">
+            <a:schemeClr val="accent1"/>
+          </a:fillRef>
+          <a:effectRef idx="0">
+            <a:schemeClr val="accent1"/>
+          </a:effectRef>
+          <a:fontRef idx="minor">
+            <a:schemeClr val="lt1"/>
+          </a:fontRef>
+        </p:style>
+        <p:txBody>
+          <a:bodyPr lIns="216000" rtlCol="0" anchor="ctr"/>
+          <a:lstStyle/>
+          <a:p>
+            <a:pPr marL="0" marR="0" indent="0" defTabSz="914400" rtl="0" eaLnBrk="1" fontAlgn="auto" latinLnBrk="0" hangingPunct="1">
+              <a:lnSpc>
+                <a:spcPct val="100000"/>
+              </a:lnSpc>
+              <a:spcBef>
+                <a:spcPts val="0"/>
+              </a:spcBef>
+              <a:spcAft>
+                <a:spcPts val="0"/>
+              </a:spcAft>
+              <a:buClrTx/>
+              <a:buSzTx/>
+              <a:buFont typeface="Arial" panose="020B0604020202020204" pitchFamily="34" charset="0"/>
+              <a:buNone/>
+              <a:tabLst/>
+            </a:pPr>
+            <a:r>
+              <a:rPr lang="en-GB" sz="2600" b="1" dirty="0">
+                <a:solidFill>
+                  <a:prstClr val="black"/>
+                </a:solidFill>
+                <a:latin typeface="Menlo" panose="020B0609030804020204" pitchFamily="49" charset="0"/>
+                <a:ea typeface="Menlo" panose="020B0609030804020204" pitchFamily="49" charset="0"/>
+                <a:cs typeface="Menlo" panose="020B0609030804020204" pitchFamily="49" charset="0"/>
+              </a:rPr>
+              <a:t>Data science community</a:t>
+            </a:r>
+            <a:endParaRPr kumimoji="0" lang="en-GB" sz="2600" b="1" i="0" u="none" strike="noStrike" kern="1200" cap="none" spc="0" normalizeH="0" baseline="0" noProof="0" dirty="0">
+              <a:ln>
+                <a:noFill/>
+              </a:ln>
+              <a:solidFill>
+                <a:prstClr val="black"/>
+              </a:solidFill>
+              <a:effectLst/>
+              <a:uLnTx/>
+              <a:uFillTx/>
+              <a:latin typeface="Menlo" panose="020B0609030804020204" pitchFamily="49" charset="0"/>
+              <a:ea typeface="Menlo" panose="020B0609030804020204" pitchFamily="49" charset="0"/>
+              <a:cs typeface="Menlo" panose="020B0609030804020204" pitchFamily="49" charset="0"/>
+            </a:endParaRPr>
+          </a:p>
+        </p:txBody>
+      </p:sp>
+      <p:pic>
+        <p:nvPicPr>
+          <p:cNvPr id="59" name="Picture 2" descr="Google Summer of Code/2021 - MediaWiki">
+            <a:extLst>
+              <a:ext uri="{FF2B5EF4-FFF2-40B4-BE49-F238E27FC236}">
+                <a16:creationId xmlns:a16="http://schemas.microsoft.com/office/drawing/2014/main" id="{2C275F74-7541-EE9C-C8DE-E78228859237}"/>
+              </a:ext>
+            </a:extLst>
+          </p:cNvPr>
+          <p:cNvPicPr>
+            <a:picLocks noChangeAspect="1" noChangeArrowheads="1"/>
+          </p:cNvPicPr>
+          <p:nvPr/>
+        </p:nvPicPr>
+        <p:blipFill>
+          <a:blip r:embed="rId13">
+            <a:extLst>
+              <a:ext uri="{28A0092B-C50C-407E-A947-70E740481C1C}">
+                <a14:useLocalDpi xmlns:a14="http://schemas.microsoft.com/office/drawing/2010/main" val="0"/>
+              </a:ext>
+            </a:extLst>
+          </a:blip>
+          <a:srcRect/>
+          <a:stretch>
+            <a:fillRect/>
+          </a:stretch>
+        </p:blipFill>
+        <p:spPr bwMode="auto">
+          <a:xfrm>
+            <a:off x="6223528" y="5749634"/>
+            <a:ext cx="802744" cy="802744"/>
+          </a:xfrm>
+          <a:prstGeom prst="rect">
+            <a:avLst/>
+          </a:prstGeom>
+          <a:noFill/>
+          <a:ln w="38100">
+            <a:solidFill>
+              <a:schemeClr val="bg1"/>
+            </a:solidFill>
+          </a:ln>
+          <a:extLst>
+            <a:ext uri="{909E8E84-426E-40DD-AFC4-6F175D3DCCD1}">
+              <a14:hiddenFill xmlns:a14="http://schemas.microsoft.com/office/drawing/2010/main">
+                <a:solidFill>
+                  <a:srgbClr val="FFFFFF"/>
+                </a:solidFill>
+              </a14:hiddenFill>
+            </a:ext>
+          </a:extLst>
+        </p:spPr>
+      </p:pic>
+      <p:pic>
+        <p:nvPicPr>
+          <p:cNvPr id="61" name="Picture 60">
+            <a:extLst>
+              <a:ext uri="{FF2B5EF4-FFF2-40B4-BE49-F238E27FC236}">
+                <a16:creationId xmlns:a16="http://schemas.microsoft.com/office/drawing/2014/main" id="{88877D47-90C0-61A9-265D-1D53B0C3B887}"/>
+              </a:ext>
+            </a:extLst>
+          </p:cNvPr>
+          <p:cNvPicPr>
+            <a:picLocks noChangeAspect="1"/>
+          </p:cNvPicPr>
+          <p:nvPr/>
+        </p:nvPicPr>
+        <p:blipFill>
+          <a:blip r:embed="rId14"/>
+          <a:stretch>
+            <a:fillRect/>
+          </a:stretch>
+        </p:blipFill>
+        <p:spPr>
+          <a:xfrm>
+            <a:off x="4844251" y="5730351"/>
+            <a:ext cx="1228536" cy="492886"/>
+          </a:xfrm>
+          <a:prstGeom prst="rect">
+            <a:avLst/>
+          </a:prstGeom>
+        </p:spPr>
+      </p:pic>
+      <p:pic>
+        <p:nvPicPr>
+          <p:cNvPr id="63" name="Picture 62">
+            <a:extLst>
+              <a:ext uri="{FF2B5EF4-FFF2-40B4-BE49-F238E27FC236}">
+                <a16:creationId xmlns:a16="http://schemas.microsoft.com/office/drawing/2014/main" id="{65BC4A36-4BD4-A4B2-9922-2A26BD8294FC}"/>
+              </a:ext>
+            </a:extLst>
+          </p:cNvPr>
+          <p:cNvPicPr>
+            <a:picLocks noChangeAspect="1"/>
+          </p:cNvPicPr>
+          <p:nvPr/>
+        </p:nvPicPr>
+        <p:blipFill>
+          <a:blip r:embed="rId15"/>
+          <a:stretch>
+            <a:fillRect/>
+          </a:stretch>
+        </p:blipFill>
+        <p:spPr>
+          <a:xfrm>
+            <a:off x="7367921" y="5727722"/>
+            <a:ext cx="905044" cy="755391"/>
+          </a:xfrm>
+          <a:prstGeom prst="rect">
+            <a:avLst/>
+          </a:prstGeom>
+        </p:spPr>
+      </p:pic>
+      <p:pic>
+        <p:nvPicPr>
+          <p:cNvPr id="65" name="Picture 64">
+            <a:extLst>
+              <a:ext uri="{FF2B5EF4-FFF2-40B4-BE49-F238E27FC236}">
+                <a16:creationId xmlns:a16="http://schemas.microsoft.com/office/drawing/2014/main" id="{D782BEC3-7510-AA61-796F-A23B6AD4EB75}"/>
+              </a:ext>
+            </a:extLst>
+          </p:cNvPr>
+          <p:cNvPicPr>
+            <a:picLocks noChangeAspect="1"/>
+          </p:cNvPicPr>
+          <p:nvPr/>
+        </p:nvPicPr>
+        <p:blipFill>
+          <a:blip r:embed="rId16"/>
+          <a:stretch>
+            <a:fillRect/>
+          </a:stretch>
+        </p:blipFill>
+        <p:spPr>
+          <a:xfrm>
+            <a:off x="7521984" y="4523432"/>
+            <a:ext cx="1435188" cy="571995"/>
+          </a:xfrm>
+          <a:prstGeom prst="rect">
+            <a:avLst/>
+          </a:prstGeom>
+        </p:spPr>
+      </p:pic>
+      <p:pic>
+        <p:nvPicPr>
+          <p:cNvPr id="6" name="Picture 5">
+            <a:extLst>
+              <a:ext uri="{FF2B5EF4-FFF2-40B4-BE49-F238E27FC236}">
+                <a16:creationId xmlns:a16="http://schemas.microsoft.com/office/drawing/2014/main" id="{8F62978C-35CD-C538-B95F-A57B0DA2CDE8}"/>
+              </a:ext>
+            </a:extLst>
+          </p:cNvPr>
+          <p:cNvPicPr>
+            <a:picLocks noChangeAspect="1"/>
+          </p:cNvPicPr>
+          <p:nvPr/>
+        </p:nvPicPr>
+        <p:blipFill>
+          <a:blip r:embed="rId17"/>
+          <a:stretch>
+            <a:fillRect/>
+          </a:stretch>
+        </p:blipFill>
+        <p:spPr>
+          <a:xfrm>
+            <a:off x="10823363" y="2455073"/>
+            <a:ext cx="1295581" cy="562054"/>
+          </a:xfrm>
+          <a:prstGeom prst="rect">
+            <a:avLst/>
+          </a:prstGeom>
+        </p:spPr>
+      </p:pic>
+      <p:pic>
+        <p:nvPicPr>
+          <p:cNvPr id="7" name="Picture 6">
+            <a:extLst>
+              <a:ext uri="{FF2B5EF4-FFF2-40B4-BE49-F238E27FC236}">
+                <a16:creationId xmlns:a16="http://schemas.microsoft.com/office/drawing/2014/main" id="{3597466C-AC16-3592-0034-ABA7B98BC92B}"/>
+              </a:ext>
+            </a:extLst>
+          </p:cNvPr>
+          <p:cNvPicPr>
+            <a:picLocks noChangeAspect="1"/>
+          </p:cNvPicPr>
+          <p:nvPr/>
+        </p:nvPicPr>
+        <p:blipFill>
+          <a:blip r:embed="rId18"/>
+          <a:stretch>
+            <a:fillRect/>
+          </a:stretch>
+        </p:blipFill>
+        <p:spPr>
+          <a:xfrm>
+            <a:off x="4809997" y="3631670"/>
+            <a:ext cx="4922829" cy="435792"/>
+          </a:xfrm>
+          <a:prstGeom prst="rect">
+            <a:avLst/>
+          </a:prstGeom>
+        </p:spPr>
+      </p:pic>
+      <p:pic>
+        <p:nvPicPr>
+          <p:cNvPr id="3" name="Picture 2">
+            <a:extLst>
+              <a:ext uri="{FF2B5EF4-FFF2-40B4-BE49-F238E27FC236}">
+                <a16:creationId xmlns:a16="http://schemas.microsoft.com/office/drawing/2014/main" id="{360EA7E3-98B1-A025-7301-983C0E8A4832}"/>
+              </a:ext>
+            </a:extLst>
+          </p:cNvPr>
+          <p:cNvPicPr>
+            <a:picLocks noChangeAspect="1"/>
+          </p:cNvPicPr>
+          <p:nvPr/>
+        </p:nvPicPr>
+        <p:blipFill>
+          <a:blip r:embed="rId19"/>
+          <a:stretch>
+            <a:fillRect/>
+          </a:stretch>
+        </p:blipFill>
+        <p:spPr>
+          <a:xfrm>
+            <a:off x="8385004" y="3000996"/>
+            <a:ext cx="1095152" cy="308538"/>
+          </a:xfrm>
+          <a:prstGeom prst="rect">
+            <a:avLst/>
+          </a:prstGeom>
+        </p:spPr>
+      </p:pic>
+      <p:pic>
+        <p:nvPicPr>
+          <p:cNvPr id="8" name="Picture 7">
+            <a:extLst>
+              <a:ext uri="{FF2B5EF4-FFF2-40B4-BE49-F238E27FC236}">
+                <a16:creationId xmlns:a16="http://schemas.microsoft.com/office/drawing/2014/main" id="{1F6C99DB-CCED-42F0-E74F-4769C2B4CD93}"/>
+              </a:ext>
+            </a:extLst>
+          </p:cNvPr>
+          <p:cNvPicPr>
+            <a:picLocks noChangeAspect="1"/>
+          </p:cNvPicPr>
+          <p:nvPr/>
+        </p:nvPicPr>
+        <p:blipFill>
+          <a:blip r:embed="rId20"/>
+          <a:stretch>
+            <a:fillRect/>
+          </a:stretch>
+        </p:blipFill>
+        <p:spPr>
+          <a:xfrm>
+            <a:off x="9536967" y="3032984"/>
+            <a:ext cx="1017207" cy="323072"/>
+          </a:xfrm>
+          <a:prstGeom prst="rect">
+            <a:avLst/>
+          </a:prstGeom>
+        </p:spPr>
+      </p:pic>
+      <p:pic>
+        <p:nvPicPr>
+          <p:cNvPr id="10" name="Picture 9">
+            <a:extLst>
+              <a:ext uri="{FF2B5EF4-FFF2-40B4-BE49-F238E27FC236}">
+                <a16:creationId xmlns:a16="http://schemas.microsoft.com/office/drawing/2014/main" id="{07A02210-756B-5E11-FA9D-BE4FA785BD3C}"/>
+              </a:ext>
+            </a:extLst>
+          </p:cNvPr>
+          <p:cNvPicPr>
+            <a:picLocks noChangeAspect="1"/>
+          </p:cNvPicPr>
+          <p:nvPr/>
+        </p:nvPicPr>
+        <p:blipFill>
+          <a:blip r:embed="rId21"/>
+          <a:stretch>
+            <a:fillRect/>
+          </a:stretch>
+        </p:blipFill>
+        <p:spPr>
+          <a:xfrm>
+            <a:off x="11519433" y="3052986"/>
+            <a:ext cx="585870" cy="633502"/>
           </a:xfrm>
           <a:prstGeom prst="rect">
             <a:avLst/>
@@ -18676,7 +20217,7 @@
     </p:spTree>
     <p:extLst>
       <p:ext uri="{BB962C8B-B14F-4D97-AF65-F5344CB8AC3E}">
-        <p14:creationId xmlns:p14="http://schemas.microsoft.com/office/powerpoint/2010/main" val="3857973298"/>
+        <p14:creationId xmlns:p14="http://schemas.microsoft.com/office/powerpoint/2010/main" val="1271839891"/>
       </p:ext>
     </p:extLst>
   </p:cSld>
@@ -18721,7 +20262,7 @@
         </p:nvSpPr>
         <p:spPr>
           <a:xfrm>
-            <a:off x="410433" y="-118810"/>
+            <a:off x="410435" y="147598"/>
             <a:ext cx="11107885" cy="922760"/>
           </a:xfrm>
         </p:spPr>
@@ -18733,7 +20274,15 @@
           <a:p>
             <a:r>
               <a:rPr lang="en-US" sz="4000" dirty="0"/>
-              <a:t>Example EEG datasets</a:t>
+              <a:t>Hands on with the </a:t>
+            </a:r>
+            <a:r>
+              <a:rPr lang="en-US" sz="4000" dirty="0" err="1"/>
+              <a:t>aeon</a:t>
+            </a:r>
+            <a:r>
+              <a:rPr lang="en-US" sz="4000" dirty="0"/>
+              <a:t> toolkit</a:t>
             </a:r>
             <a:endParaRPr lang="en-AU" sz="4000" dirty="0"/>
           </a:p>
@@ -18775,64 +20324,112 @@
           </a:p>
         </p:txBody>
       </p:sp>
+      <p:sp>
+        <p:nvSpPr>
+          <p:cNvPr id="21" name="TextBox 20">
+            <a:extLst>
+              <a:ext uri="{FF2B5EF4-FFF2-40B4-BE49-F238E27FC236}">
+                <a16:creationId xmlns:a16="http://schemas.microsoft.com/office/drawing/2014/main" id="{BF3FF6B9-760A-AF0B-365C-8E267A2FB8EB}"/>
+              </a:ext>
+            </a:extLst>
+          </p:cNvPr>
+          <p:cNvSpPr txBox="1"/>
+          <p:nvPr/>
+        </p:nvSpPr>
+        <p:spPr>
+          <a:xfrm>
+            <a:off x="2391505" y="966282"/>
+            <a:ext cx="6123708" cy="369332"/>
+          </a:xfrm>
+          <a:prstGeom prst="rect">
+            <a:avLst/>
+          </a:prstGeom>
+          <a:noFill/>
+        </p:spPr>
+        <p:txBody>
+          <a:bodyPr wrap="square">
+            <a:spAutoFit/>
+          </a:bodyPr>
+          <a:lstStyle/>
+          <a:p>
+            <a:r>
+              <a:rPr lang="en-GB" dirty="0"/>
+              <a:t>https://github.com/aeon-toolkit/aeon</a:t>
+            </a:r>
+          </a:p>
+        </p:txBody>
+      </p:sp>
+      <p:sp>
+        <p:nvSpPr>
+          <p:cNvPr id="23" name="TextBox 22">
+            <a:extLst>
+              <a:ext uri="{FF2B5EF4-FFF2-40B4-BE49-F238E27FC236}">
+                <a16:creationId xmlns:a16="http://schemas.microsoft.com/office/drawing/2014/main" id="{FE5ED05E-1238-FDFC-B099-E7364CC06108}"/>
+              </a:ext>
+            </a:extLst>
+          </p:cNvPr>
+          <p:cNvSpPr txBox="1"/>
+          <p:nvPr/>
+        </p:nvSpPr>
+        <p:spPr>
+          <a:xfrm>
+            <a:off x="7199746" y="951406"/>
+            <a:ext cx="6123708" cy="369332"/>
+          </a:xfrm>
+          <a:prstGeom prst="rect">
+            <a:avLst/>
+          </a:prstGeom>
+          <a:noFill/>
+        </p:spPr>
+        <p:txBody>
+          <a:bodyPr wrap="square">
+            <a:spAutoFit/>
+          </a:bodyPr>
+          <a:lstStyle/>
+          <a:p>
+            <a:r>
+              <a:rPr lang="en-GB" dirty="0"/>
+              <a:t>https://www.aeon-toolkit.org/</a:t>
+            </a:r>
+          </a:p>
+        </p:txBody>
+      </p:sp>
       <p:pic>
         <p:nvPicPr>
-          <p:cNvPr id="3" name="Picture 2" descr="Google Summer of Code/2021 - MediaWiki">
-            <a:extLst>
-              <a:ext uri="{FF2B5EF4-FFF2-40B4-BE49-F238E27FC236}">
-                <a16:creationId xmlns:a16="http://schemas.microsoft.com/office/drawing/2014/main" id="{47C2C4C0-2BBD-5A60-5456-E091E530A1CE}"/>
+          <p:cNvPr id="25" name="Picture 24">
+            <a:extLst>
+              <a:ext uri="{FF2B5EF4-FFF2-40B4-BE49-F238E27FC236}">
+                <a16:creationId xmlns:a16="http://schemas.microsoft.com/office/drawing/2014/main" id="{BEB608A9-EBE3-C6A3-3962-6A0B9D2AF63D}"/>
               </a:ext>
             </a:extLst>
           </p:cNvPr>
           <p:cNvPicPr>
-            <a:picLocks noChangeAspect="1" noChangeArrowheads="1"/>
+            <a:picLocks noChangeAspect="1"/>
           </p:cNvPicPr>
           <p:nvPr/>
         </p:nvPicPr>
         <p:blipFill>
-          <a:blip r:embed="rId2">
-            <a:extLst>
-              <a:ext uri="{28A0092B-C50C-407E-A947-70E740481C1C}">
-                <a14:useLocalDpi xmlns:a14="http://schemas.microsoft.com/office/drawing/2010/main" val="0"/>
-              </a:ext>
-            </a:extLst>
-          </a:blip>
-          <a:srcRect/>
+          <a:blip r:embed="rId2"/>
           <a:stretch>
             <a:fillRect/>
           </a:stretch>
         </p:blipFill>
-        <p:spPr bwMode="auto">
-          <a:xfrm>
-            <a:off x="10561834" y="563465"/>
-            <a:ext cx="1110299" cy="1110299"/>
+        <p:spPr>
+          <a:xfrm>
+            <a:off x="0" y="11778"/>
+            <a:ext cx="2076740" cy="1390844"/>
           </a:xfrm>
           <a:prstGeom prst="rect">
             <a:avLst/>
           </a:prstGeom>
-          <a:noFill/>
-          <a:ln w="38100">
-            <a:solidFill>
-              <a:schemeClr val="bg1"/>
-            </a:solidFill>
-          </a:ln>
-          <a:extLst>
-            <a:ext uri="{909E8E84-426E-40DD-AFC4-6F175D3DCCD1}">
-              <a14:hiddenFill xmlns:a14="http://schemas.microsoft.com/office/drawing/2010/main">
-                <a:solidFill>
-                  <a:srgbClr val="FFFFFF"/>
-                </a:solidFill>
-              </a14:hiddenFill>
-            </a:ext>
-          </a:extLst>
         </p:spPr>
       </p:pic>
       <p:pic>
         <p:nvPicPr>
-          <p:cNvPr id="5" name="Picture 4">
-            <a:extLst>
-              <a:ext uri="{FF2B5EF4-FFF2-40B4-BE49-F238E27FC236}">
-                <a16:creationId xmlns:a16="http://schemas.microsoft.com/office/drawing/2014/main" id="{C82FF380-16FC-A4F8-1D5F-F9AA5E10137E}"/>
+          <p:cNvPr id="27" name="Picture 26">
+            <a:extLst>
+              <a:ext uri="{FF2B5EF4-FFF2-40B4-BE49-F238E27FC236}">
+                <a16:creationId xmlns:a16="http://schemas.microsoft.com/office/drawing/2014/main" id="{A91288A6-8784-39C5-31A8-E79DA47436F1}"/>
               </a:ext>
             </a:extLst>
           </p:cNvPr>
@@ -18849,8 +20446,8 @@
         </p:blipFill>
         <p:spPr>
           <a:xfrm>
-            <a:off x="10502360" y="4872245"/>
-            <a:ext cx="1689640" cy="1944359"/>
+            <a:off x="2466468" y="1402622"/>
+            <a:ext cx="7259063" cy="2172003"/>
           </a:xfrm>
           <a:prstGeom prst="rect">
             <a:avLst/>
@@ -18859,10 +20456,10 @@
       </p:pic>
       <p:sp>
         <p:nvSpPr>
-          <p:cNvPr id="7" name="Title 1">
-            <a:extLst>
-              <a:ext uri="{FF2B5EF4-FFF2-40B4-BE49-F238E27FC236}">
-                <a16:creationId xmlns:a16="http://schemas.microsoft.com/office/drawing/2014/main" id="{29A3CCC5-06FF-C91C-5B4A-6956A9D46701}"/>
+          <p:cNvPr id="28" name="Title 1">
+            <a:extLst>
+              <a:ext uri="{FF2B5EF4-FFF2-40B4-BE49-F238E27FC236}">
+                <a16:creationId xmlns:a16="http://schemas.microsoft.com/office/drawing/2014/main" id="{1BF71977-C326-CF09-8D43-54706E8FC17E}"/>
               </a:ext>
             </a:extLst>
           </p:cNvPr>
@@ -18873,84 +20470,12 @@
         </p:nvSpPr>
         <p:spPr>
           <a:xfrm>
-            <a:off x="1764660" y="1599645"/>
-            <a:ext cx="8662679" cy="517798"/>
+            <a:off x="410434" y="3574625"/>
+            <a:ext cx="11107885" cy="517798"/>
           </a:xfrm>
           <a:prstGeom prst="rect">
             <a:avLst/>
           </a:prstGeom>
-        </p:spPr>
-        <p:txBody>
-          <a:bodyPr vert="horz" lIns="91440" tIns="45720" rIns="91440" bIns="45720" rtlCol="0" anchor="b">
-            <a:normAutofit fontScale="62500" lnSpcReduction="20000"/>
-          </a:bodyPr>
-          <a:lstStyle>
-            <a:lvl1pPr algn="ctr" defTabSz="914400" rtl="0" eaLnBrk="1" latinLnBrk="0" hangingPunct="1">
-              <a:lnSpc>
-                <a:spcPct val="90000"/>
-              </a:lnSpc>
-              <a:spcBef>
-                <a:spcPct val="0"/>
-              </a:spcBef>
-              <a:buNone/>
-              <a:defRPr sz="6000" kern="1200">
-                <a:solidFill>
-                  <a:schemeClr val="tx1"/>
-                </a:solidFill>
-                <a:latin typeface="+mj-lt"/>
-                <a:ea typeface="+mj-ea"/>
-                <a:cs typeface="+mj-cs"/>
-              </a:defRPr>
-            </a:lvl1pPr>
-          </a:lstStyle>
-          <a:p>
-            <a:r>
-              <a:rPr lang="en-US" sz="3000" dirty="0"/>
-              <a:t>TSC Data collected by PhD student Aiden Rushbrooke and used by </a:t>
-            </a:r>
-            <a:r>
-              <a:rPr lang="en-US" sz="3000" dirty="0" err="1"/>
-              <a:t>GSoC</a:t>
-            </a:r>
-            <a:r>
-              <a:rPr lang="en-US" sz="3000" dirty="0"/>
-              <a:t> intern/PhD student Gabriel </a:t>
-            </a:r>
-            <a:r>
-              <a:rPr lang="en-US" sz="3000" dirty="0" err="1"/>
-              <a:t>Riegner</a:t>
-            </a:r>
-            <a:endParaRPr lang="en-AU" sz="3000" dirty="0"/>
-          </a:p>
-        </p:txBody>
-      </p:sp>
-      <p:sp>
-        <p:nvSpPr>
-          <p:cNvPr id="8" name="Title 1">
-            <a:extLst>
-              <a:ext uri="{FF2B5EF4-FFF2-40B4-BE49-F238E27FC236}">
-                <a16:creationId xmlns:a16="http://schemas.microsoft.com/office/drawing/2014/main" id="{4F5D0B59-17CF-4698-4C7A-C3FACC752711}"/>
-              </a:ext>
-            </a:extLst>
-          </p:cNvPr>
-          <p:cNvSpPr txBox="1">
-            <a:spLocks/>
-          </p:cNvSpPr>
-          <p:nvPr/>
-        </p:nvSpPr>
-        <p:spPr>
-          <a:xfrm>
-            <a:off x="1303595" y="721466"/>
-            <a:ext cx="9104424" cy="757846"/>
-          </a:xfrm>
-          <a:prstGeom prst="rect">
-            <a:avLst/>
-          </a:prstGeom>
-          <a:ln>
-            <a:solidFill>
-              <a:schemeClr val="accent1"/>
-            </a:solidFill>
-          </a:ln>
         </p:spPr>
         <p:txBody>
           <a:bodyPr vert="horz" lIns="91440" tIns="45720" rIns="91440" bIns="45720" rtlCol="0" anchor="b">
@@ -18977,61 +20502,27 @@
           </a:lstStyle>
           <a:p>
             <a:r>
-              <a:rPr lang="en-US" sz="2200" dirty="0" err="1"/>
+              <a:rPr lang="en-US" sz="3000" dirty="0" err="1"/>
               <a:t>aeon</a:t>
             </a:r>
             <a:r>
-              <a:rPr lang="en-US" sz="2200" dirty="0"/>
-              <a:t>-neuro is a fledgling sub project for EEG classification and regression</a:t>
-            </a:r>
-            <a:endParaRPr lang="en-AU" sz="2200" dirty="0"/>
-          </a:p>
-        </p:txBody>
-      </p:sp>
-      <p:sp>
-        <p:nvSpPr>
-          <p:cNvPr id="10" name="TextBox 9">
-            <a:extLst>
-              <a:ext uri="{FF2B5EF4-FFF2-40B4-BE49-F238E27FC236}">
-                <a16:creationId xmlns:a16="http://schemas.microsoft.com/office/drawing/2014/main" id="{91FDA17D-650F-FAAB-B9D3-1EF6266D05E9}"/>
-              </a:ext>
-            </a:extLst>
-          </p:cNvPr>
-          <p:cNvSpPr txBox="1"/>
-          <p:nvPr/>
-        </p:nvSpPr>
-        <p:spPr>
-          <a:xfrm>
-            <a:off x="3509637" y="709905"/>
-            <a:ext cx="6138808" cy="369332"/>
-          </a:xfrm>
-          <a:prstGeom prst="rect">
-            <a:avLst/>
-          </a:prstGeom>
-          <a:noFill/>
-        </p:spPr>
-        <p:txBody>
-          <a:bodyPr wrap="square">
-            <a:spAutoFit/>
-          </a:bodyPr>
-          <a:lstStyle/>
-          <a:p>
-            <a:r>
-              <a:rPr lang="en-GB" dirty="0">
-                <a:hlinkClick r:id="rId4"/>
-              </a:rPr>
-              <a:t>https://github.com/aeon-toolkit/aeon-neuro</a:t>
-            </a:r>
-            <a:endParaRPr lang="en-GB" dirty="0"/>
+              <a:rPr lang="en-US" sz="3000" dirty="0"/>
+              <a:t> classifiers and regressors are compatible with </a:t>
+            </a:r>
+            <a:r>
+              <a:rPr lang="en-US" sz="3000" dirty="0" err="1"/>
+              <a:t>sklearn</a:t>
+            </a:r>
+            <a:endParaRPr lang="en-AU" sz="3000" dirty="0"/>
           </a:p>
         </p:txBody>
       </p:sp>
       <p:pic>
         <p:nvPicPr>
-          <p:cNvPr id="12" name="Picture 11">
-            <a:extLst>
-              <a:ext uri="{FF2B5EF4-FFF2-40B4-BE49-F238E27FC236}">
-                <a16:creationId xmlns:a16="http://schemas.microsoft.com/office/drawing/2014/main" id="{8317E9FA-E39A-CBD4-8EA8-7A7FADE428C8}"/>
+          <p:cNvPr id="30" name="Picture 29">
+            <a:extLst>
+              <a:ext uri="{FF2B5EF4-FFF2-40B4-BE49-F238E27FC236}">
+                <a16:creationId xmlns:a16="http://schemas.microsoft.com/office/drawing/2014/main" id="{E723357A-945D-5E15-8DB4-8AA59922AF41}"/>
               </a:ext>
             </a:extLst>
           </p:cNvPr>
@@ -19041,1342 +20532,25 @@
           <p:nvPr/>
         </p:nvPicPr>
         <p:blipFill>
-          <a:blip r:embed="rId5"/>
+          <a:blip r:embed="rId4"/>
           <a:stretch>
             <a:fillRect/>
           </a:stretch>
         </p:blipFill>
         <p:spPr>
           <a:xfrm>
-            <a:off x="10561834" y="1793779"/>
-            <a:ext cx="1139950" cy="1112547"/>
+            <a:off x="3160411" y="4364613"/>
+            <a:ext cx="5249008" cy="2181529"/>
           </a:xfrm>
           <a:prstGeom prst="rect">
             <a:avLst/>
           </a:prstGeom>
         </p:spPr>
       </p:pic>
-      <p:sp>
-        <p:nvSpPr>
-          <p:cNvPr id="14" name="TextBox 13">
-            <a:extLst>
-              <a:ext uri="{FF2B5EF4-FFF2-40B4-BE49-F238E27FC236}">
-                <a16:creationId xmlns:a16="http://schemas.microsoft.com/office/drawing/2014/main" id="{7F2A2EBD-ED3C-2491-755F-8213015D55BF}"/>
-              </a:ext>
-            </a:extLst>
-          </p:cNvPr>
-          <p:cNvSpPr txBox="1"/>
-          <p:nvPr/>
-        </p:nvSpPr>
-        <p:spPr>
-          <a:xfrm>
-            <a:off x="9130146" y="2978570"/>
-            <a:ext cx="6123708" cy="369332"/>
-          </a:xfrm>
-          <a:prstGeom prst="rect">
-            <a:avLst/>
-          </a:prstGeom>
-          <a:noFill/>
-        </p:spPr>
-        <p:txBody>
-          <a:bodyPr wrap="square">
-            <a:spAutoFit/>
-          </a:bodyPr>
-          <a:lstStyle/>
-          <a:p>
-            <a:r>
-              <a:rPr lang="en-GB" dirty="0">
-                <a:hlinkClick r:id="rId6"/>
-              </a:rPr>
-              <a:t>https://www.wellthlab.ac.uk/</a:t>
-            </a:r>
-            <a:endParaRPr lang="en-GB" dirty="0"/>
-          </a:p>
-        </p:txBody>
-      </p:sp>
-      <p:sp>
-        <p:nvSpPr>
-          <p:cNvPr id="15" name="Title 1">
-            <a:extLst>
-              <a:ext uri="{FF2B5EF4-FFF2-40B4-BE49-F238E27FC236}">
-                <a16:creationId xmlns:a16="http://schemas.microsoft.com/office/drawing/2014/main" id="{4763B378-6AC7-B471-0773-CDB6FDC9DE60}"/>
-              </a:ext>
-            </a:extLst>
-          </p:cNvPr>
-          <p:cNvSpPr txBox="1">
-            <a:spLocks/>
-          </p:cNvSpPr>
-          <p:nvPr/>
-        </p:nvSpPr>
-        <p:spPr>
-          <a:xfrm>
-            <a:off x="179111" y="2654399"/>
-            <a:ext cx="9332806" cy="450430"/>
-          </a:xfrm>
-          <a:prstGeom prst="rect">
-            <a:avLst/>
-          </a:prstGeom>
-        </p:spPr>
-        <p:txBody>
-          <a:bodyPr vert="horz" lIns="91440" tIns="45720" rIns="91440" bIns="45720" rtlCol="0" anchor="b">
-            <a:normAutofit/>
-          </a:bodyPr>
-          <a:lstStyle>
-            <a:lvl1pPr algn="ctr" defTabSz="914400" rtl="0" eaLnBrk="1" latinLnBrk="0" hangingPunct="1">
-              <a:lnSpc>
-                <a:spcPct val="90000"/>
-              </a:lnSpc>
-              <a:spcBef>
-                <a:spcPct val="0"/>
-              </a:spcBef>
-              <a:buNone/>
-              <a:defRPr sz="6000" kern="1200">
-                <a:solidFill>
-                  <a:schemeClr val="tx1"/>
-                </a:solidFill>
-                <a:latin typeface="+mj-lt"/>
-                <a:ea typeface="+mj-ea"/>
-                <a:cs typeface="+mj-cs"/>
-              </a:defRPr>
-            </a:lvl1pPr>
-          </a:lstStyle>
-          <a:p>
-            <a:r>
-              <a:rPr lang="en-US" sz="1900" dirty="0"/>
-              <a:t>TSER Data collected by Southampton post-doc Christoph </a:t>
-            </a:r>
-            <a:r>
-              <a:rPr lang="en-US" sz="1900" dirty="0" err="1"/>
-              <a:t>Tremmel</a:t>
-            </a:r>
-            <a:r>
-              <a:rPr lang="en-US" sz="1900" dirty="0"/>
-              <a:t> (part of the </a:t>
-            </a:r>
-            <a:r>
-              <a:rPr lang="en-US" sz="1900" dirty="0" err="1"/>
-              <a:t>the</a:t>
-            </a:r>
-            <a:r>
-              <a:rPr lang="en-US" sz="1900" dirty="0"/>
-              <a:t> </a:t>
-            </a:r>
-            <a:r>
-              <a:rPr lang="en-US" sz="1900" dirty="0" err="1"/>
-              <a:t>wellth</a:t>
-            </a:r>
-            <a:r>
-              <a:rPr lang="en-US" sz="1900" dirty="0"/>
-              <a:t> lab) </a:t>
-            </a:r>
-            <a:endParaRPr lang="en-AU" sz="1900" dirty="0"/>
-          </a:p>
-        </p:txBody>
-      </p:sp>
-      <p:sp>
-        <p:nvSpPr>
-          <p:cNvPr id="16" name="Title 1">
-            <a:extLst>
-              <a:ext uri="{FF2B5EF4-FFF2-40B4-BE49-F238E27FC236}">
-                <a16:creationId xmlns:a16="http://schemas.microsoft.com/office/drawing/2014/main" id="{D9EE4CB3-A20F-F3D1-F0B4-59661F4B5772}"/>
-              </a:ext>
-            </a:extLst>
-          </p:cNvPr>
-          <p:cNvSpPr txBox="1">
-            <a:spLocks/>
-          </p:cNvSpPr>
-          <p:nvPr/>
-        </p:nvSpPr>
-        <p:spPr>
-          <a:xfrm>
-            <a:off x="179111" y="3261231"/>
-            <a:ext cx="9884087" cy="517798"/>
-          </a:xfrm>
-          <a:prstGeom prst="rect">
-            <a:avLst/>
-          </a:prstGeom>
-        </p:spPr>
-        <p:txBody>
-          <a:bodyPr vert="horz" lIns="91440" tIns="45720" rIns="91440" bIns="45720" rtlCol="0" anchor="b">
-            <a:normAutofit fontScale="62500" lnSpcReduction="20000"/>
-          </a:bodyPr>
-          <a:lstStyle>
-            <a:lvl1pPr algn="ctr" defTabSz="914400" rtl="0" eaLnBrk="1" latinLnBrk="0" hangingPunct="1">
-              <a:lnSpc>
-                <a:spcPct val="90000"/>
-              </a:lnSpc>
-              <a:spcBef>
-                <a:spcPct val="0"/>
-              </a:spcBef>
-              <a:buNone/>
-              <a:defRPr sz="6000" kern="1200">
-                <a:solidFill>
-                  <a:schemeClr val="tx1"/>
-                </a:solidFill>
-                <a:latin typeface="+mj-lt"/>
-                <a:ea typeface="+mj-ea"/>
-                <a:cs typeface="+mj-cs"/>
-              </a:defRPr>
-            </a:lvl1pPr>
-          </a:lstStyle>
-          <a:p>
-            <a:r>
-              <a:rPr lang="en-US" sz="3000" dirty="0"/>
-              <a:t>Both data sets preprocessed for use as an example. They can be downloaded from the tutorial site or directly with </a:t>
-            </a:r>
-            <a:r>
-              <a:rPr lang="en-US" sz="3000" dirty="0" err="1"/>
-              <a:t>aeon</a:t>
-            </a:r>
-            <a:endParaRPr lang="en-AU" sz="3000" dirty="0"/>
-          </a:p>
-        </p:txBody>
-      </p:sp>
-      <p:sp>
-        <p:nvSpPr>
-          <p:cNvPr id="18" name="TextBox 17">
-            <a:extLst>
-              <a:ext uri="{FF2B5EF4-FFF2-40B4-BE49-F238E27FC236}">
-                <a16:creationId xmlns:a16="http://schemas.microsoft.com/office/drawing/2014/main" id="{C816BCA0-1331-BE49-D4CD-19474A6552DA}"/>
-              </a:ext>
-            </a:extLst>
-          </p:cNvPr>
-          <p:cNvSpPr txBox="1"/>
-          <p:nvPr/>
-        </p:nvSpPr>
-        <p:spPr>
-          <a:xfrm>
-            <a:off x="1764660" y="2290285"/>
-            <a:ext cx="8662679" cy="369332"/>
-          </a:xfrm>
-          <a:prstGeom prst="rect">
-            <a:avLst/>
-          </a:prstGeom>
-          <a:noFill/>
-        </p:spPr>
-        <p:txBody>
-          <a:bodyPr wrap="square">
-            <a:spAutoFit/>
-          </a:bodyPr>
-          <a:lstStyle/>
-          <a:p>
-            <a:r>
-              <a:rPr lang="en-GB" dirty="0">
-                <a:hlinkClick r:id="rId4"/>
-              </a:rPr>
-              <a:t>https://github.com/aeon-toolkit/aeon-neuro/blob/main/examples/data_loading.ipynb</a:t>
-            </a:r>
-            <a:endParaRPr lang="en-GB" dirty="0"/>
-          </a:p>
-        </p:txBody>
-      </p:sp>
-      <p:sp>
-        <p:nvSpPr>
-          <p:cNvPr id="6" name="Rectangle 1">
-            <a:extLst>
-              <a:ext uri="{FF2B5EF4-FFF2-40B4-BE49-F238E27FC236}">
-                <a16:creationId xmlns:a16="http://schemas.microsoft.com/office/drawing/2014/main" id="{FDFEC908-9CD7-725E-63F7-D8EFE4018F5D}"/>
-              </a:ext>
-            </a:extLst>
-          </p:cNvPr>
-          <p:cNvSpPr>
-            <a:spLocks noChangeArrowheads="1"/>
-          </p:cNvSpPr>
-          <p:nvPr/>
-        </p:nvSpPr>
-        <p:spPr bwMode="auto">
-          <a:xfrm>
-            <a:off x="1131217" y="3808378"/>
-            <a:ext cx="6851301" cy="3108543"/>
-          </a:xfrm>
-          <a:prstGeom prst="rect">
-            <a:avLst/>
-          </a:prstGeom>
-          <a:solidFill>
-            <a:srgbClr val="2B2B2B"/>
-          </a:solidFill>
-          <a:ln>
-            <a:noFill/>
-          </a:ln>
-          <a:effectLst/>
-          <a:extLst>
-            <a:ext uri="{91240B29-F687-4F45-9708-019B960494DF}">
-              <a14:hiddenLine xmlns:a14="http://schemas.microsoft.com/office/drawing/2010/main" w="9525">
-                <a:solidFill>
-                  <a:schemeClr val="tx1"/>
-                </a:solidFill>
-                <a:miter lim="800000"/>
-                <a:headEnd/>
-                <a:tailEnd/>
-              </a14:hiddenLine>
-            </a:ext>
-            <a:ext uri="{AF507438-7753-43E0-B8FC-AC1667EBCBE1}">
-              <a14:hiddenEffects xmlns:a14="http://schemas.microsoft.com/office/drawing/2010/main">
-                <a:effectLst>
-                  <a:outerShdw dist="35921" dir="2700000" algn="ctr" rotWithShape="0">
-                    <a:schemeClr val="bg2"/>
-                  </a:outerShdw>
-                </a:effectLst>
-              </a14:hiddenEffects>
-            </a:ext>
-          </a:extLst>
-        </p:spPr>
-        <p:txBody>
-          <a:bodyPr vert="horz" wrap="square" lIns="91440" tIns="45720" rIns="91440" bIns="45720" numCol="1" anchor="ctr" anchorCtr="0" compatLnSpc="1">
-            <a:prstTxWarp prst="textNoShape">
-              <a:avLst/>
-            </a:prstTxWarp>
-            <a:spAutoFit/>
-          </a:bodyPr>
-          <a:lstStyle/>
-          <a:p>
-            <a:pPr marL="0" marR="0" lvl="0" indent="0" algn="l" defTabSz="914400" rtl="0" eaLnBrk="0" fontAlgn="base" latinLnBrk="0" hangingPunct="0">
-              <a:lnSpc>
-                <a:spcPct val="100000"/>
-              </a:lnSpc>
-              <a:spcBef>
-                <a:spcPct val="0"/>
-              </a:spcBef>
-              <a:spcAft>
-                <a:spcPct val="0"/>
-              </a:spcAft>
-              <a:buClrTx/>
-              <a:buSzTx/>
-              <a:buFontTx/>
-              <a:buNone/>
-              <a:tabLst/>
-            </a:pPr>
-            <a:r>
-              <a:rPr kumimoji="0" lang="en-US" altLang="en-US" sz="1400" b="0" i="0" u="none" strike="noStrike" cap="none" normalizeH="0" baseline="0">
-                <a:ln>
-                  <a:noFill/>
-                </a:ln>
-                <a:solidFill>
-                  <a:srgbClr val="CC7832"/>
-                </a:solidFill>
-                <a:effectLst/>
-                <a:latin typeface="Arial Unicode MS"/>
-              </a:rPr>
-              <a:t>from </a:t>
-            </a:r>
-            <a:r>
-              <a:rPr kumimoji="0" lang="en-US" altLang="en-US" sz="1400" b="0" i="0" u="none" strike="noStrike" cap="none" normalizeH="0" baseline="0">
-                <a:ln>
-                  <a:noFill/>
-                </a:ln>
-                <a:solidFill>
-                  <a:srgbClr val="A9B7C6"/>
-                </a:solidFill>
-                <a:effectLst/>
-                <a:latin typeface="Arial Unicode MS"/>
-              </a:rPr>
-              <a:t>aeon.datasets </a:t>
-            </a:r>
-            <a:r>
-              <a:rPr kumimoji="0" lang="en-US" altLang="en-US" sz="1400" b="0" i="0" u="none" strike="noStrike" cap="none" normalizeH="0" baseline="0">
-                <a:ln>
-                  <a:noFill/>
-                </a:ln>
-                <a:solidFill>
-                  <a:srgbClr val="CC7832"/>
-                </a:solidFill>
-                <a:effectLst/>
-                <a:latin typeface="Arial Unicode MS"/>
-              </a:rPr>
-              <a:t>import </a:t>
-            </a:r>
-            <a:r>
-              <a:rPr kumimoji="0" lang="en-US" altLang="en-US" sz="1400" b="0" i="0" u="none" strike="noStrike" cap="none" normalizeH="0" baseline="0">
-                <a:ln>
-                  <a:noFill/>
-                </a:ln>
-                <a:solidFill>
-                  <a:srgbClr val="A9B7C6"/>
-                </a:solidFill>
-                <a:effectLst/>
-                <a:latin typeface="Arial Unicode MS"/>
-              </a:rPr>
-              <a:t>load_classification</a:t>
-            </a:r>
-            <a:br>
-              <a:rPr kumimoji="0" lang="en-US" altLang="en-US" sz="1400" b="0" i="0" u="none" strike="noStrike" cap="none" normalizeH="0" baseline="0">
-                <a:ln>
-                  <a:noFill/>
-                </a:ln>
-                <a:solidFill>
-                  <a:srgbClr val="A9B7C6"/>
-                </a:solidFill>
-                <a:effectLst/>
-                <a:latin typeface="Arial Unicode MS"/>
-              </a:rPr>
-            </a:br>
-            <a:r>
-              <a:rPr kumimoji="0" lang="en-US" altLang="en-US" sz="1400" b="0" i="0" u="none" strike="noStrike" cap="none" normalizeH="0" baseline="0">
-                <a:ln>
-                  <a:noFill/>
-                </a:ln>
-                <a:solidFill>
-                  <a:srgbClr val="CC7832"/>
-                </a:solidFill>
-                <a:effectLst/>
-                <a:latin typeface="Arial Unicode MS"/>
-              </a:rPr>
-              <a:t>from </a:t>
-            </a:r>
-            <a:r>
-              <a:rPr kumimoji="0" lang="en-US" altLang="en-US" sz="1400" b="0" i="0" u="none" strike="noStrike" cap="none" normalizeH="0" baseline="0">
-                <a:ln>
-                  <a:noFill/>
-                </a:ln>
-                <a:solidFill>
-                  <a:srgbClr val="A9B7C6"/>
-                </a:solidFill>
-                <a:effectLst/>
-                <a:latin typeface="Arial Unicode MS"/>
-              </a:rPr>
-              <a:t>aeon.classification.convolution_based </a:t>
-            </a:r>
-            <a:r>
-              <a:rPr kumimoji="0" lang="en-US" altLang="en-US" sz="1400" b="0" i="0" u="none" strike="noStrike" cap="none" normalizeH="0" baseline="0">
-                <a:ln>
-                  <a:noFill/>
-                </a:ln>
-                <a:solidFill>
-                  <a:srgbClr val="CC7832"/>
-                </a:solidFill>
-                <a:effectLst/>
-                <a:latin typeface="Arial Unicode MS"/>
-              </a:rPr>
-              <a:t>import </a:t>
-            </a:r>
-            <a:r>
-              <a:rPr kumimoji="0" lang="en-US" altLang="en-US" sz="1400" b="0" i="0" u="none" strike="noStrike" cap="none" normalizeH="0" baseline="0">
-                <a:ln>
-                  <a:noFill/>
-                </a:ln>
-                <a:solidFill>
-                  <a:srgbClr val="A9B7C6"/>
-                </a:solidFill>
-                <a:effectLst/>
-                <a:latin typeface="Arial Unicode MS"/>
-              </a:rPr>
-              <a:t>RocketClassifier</a:t>
-            </a:r>
-            <a:br>
-              <a:rPr kumimoji="0" lang="en-US" altLang="en-US" sz="1400" b="0" i="0" u="none" strike="noStrike" cap="none" normalizeH="0" baseline="0">
-                <a:ln>
-                  <a:noFill/>
-                </a:ln>
-                <a:solidFill>
-                  <a:srgbClr val="A9B7C6"/>
-                </a:solidFill>
-                <a:effectLst/>
-                <a:latin typeface="Arial Unicode MS"/>
-              </a:rPr>
-            </a:br>
-            <a:r>
-              <a:rPr kumimoji="0" lang="en-US" altLang="en-US" sz="1400" b="0" i="0" u="none" strike="noStrike" cap="none" normalizeH="0" baseline="0">
-                <a:ln>
-                  <a:noFill/>
-                </a:ln>
-                <a:solidFill>
-                  <a:srgbClr val="CC7832"/>
-                </a:solidFill>
-                <a:effectLst/>
-                <a:latin typeface="Arial Unicode MS"/>
-              </a:rPr>
-              <a:t>from </a:t>
-            </a:r>
-            <a:r>
-              <a:rPr kumimoji="0" lang="en-US" altLang="en-US" sz="1400" b="0" i="0" u="none" strike="noStrike" cap="none" normalizeH="0" baseline="0">
-                <a:ln>
-                  <a:noFill/>
-                </a:ln>
-                <a:solidFill>
-                  <a:srgbClr val="A9B7C6"/>
-                </a:solidFill>
-                <a:effectLst/>
-                <a:latin typeface="Arial Unicode MS"/>
-              </a:rPr>
-              <a:t>sklearn.metrics </a:t>
-            </a:r>
-            <a:r>
-              <a:rPr kumimoji="0" lang="en-US" altLang="en-US" sz="1400" b="0" i="0" u="none" strike="noStrike" cap="none" normalizeH="0" baseline="0">
-                <a:ln>
-                  <a:noFill/>
-                </a:ln>
-                <a:solidFill>
-                  <a:srgbClr val="CC7832"/>
-                </a:solidFill>
-                <a:effectLst/>
-                <a:latin typeface="Arial Unicode MS"/>
-              </a:rPr>
-              <a:t>import </a:t>
-            </a:r>
-            <a:r>
-              <a:rPr kumimoji="0" lang="en-US" altLang="en-US" sz="1400" b="0" i="0" u="none" strike="noStrike" cap="none" normalizeH="0" baseline="0">
-                <a:ln>
-                  <a:noFill/>
-                </a:ln>
-                <a:solidFill>
-                  <a:srgbClr val="A9B7C6"/>
-                </a:solidFill>
-                <a:effectLst/>
-                <a:latin typeface="Arial Unicode MS"/>
-              </a:rPr>
-              <a:t>accuracy_score</a:t>
-            </a:r>
-            <a:br>
-              <a:rPr kumimoji="0" lang="en-US" altLang="en-US" sz="1400" b="0" i="0" u="none" strike="noStrike" cap="none" normalizeH="0" baseline="0">
-                <a:ln>
-                  <a:noFill/>
-                </a:ln>
-                <a:solidFill>
-                  <a:srgbClr val="A9B7C6"/>
-                </a:solidFill>
-                <a:effectLst/>
-                <a:latin typeface="Arial Unicode MS"/>
-              </a:rPr>
-            </a:br>
-            <a:r>
-              <a:rPr kumimoji="0" lang="en-US" altLang="en-US" sz="1400" b="0" i="0" u="none" strike="noStrike" cap="none" normalizeH="0" baseline="0">
-                <a:ln>
-                  <a:noFill/>
-                </a:ln>
-                <a:solidFill>
-                  <a:srgbClr val="A9B7C6"/>
-                </a:solidFill>
-                <a:effectLst/>
-                <a:latin typeface="Arial Unicode MS"/>
-              </a:rPr>
-              <a:t>datasets = [</a:t>
-            </a:r>
-            <a:r>
-              <a:rPr kumimoji="0" lang="en-US" altLang="en-US" sz="1400" b="0" i="0" u="none" strike="noStrike" cap="none" normalizeH="0" baseline="0">
-                <a:ln>
-                  <a:noFill/>
-                </a:ln>
-                <a:solidFill>
-                  <a:srgbClr val="6A8759"/>
-                </a:solidFill>
-                <a:effectLst/>
-                <a:latin typeface="Arial Unicode MS"/>
-              </a:rPr>
-              <a:t>"KDD_UTSC"</a:t>
-            </a:r>
-            <a:r>
-              <a:rPr kumimoji="0" lang="en-US" altLang="en-US" sz="1400" b="0" i="0" u="none" strike="noStrike" cap="none" normalizeH="0" baseline="0">
-                <a:ln>
-                  <a:noFill/>
-                </a:ln>
-                <a:solidFill>
-                  <a:srgbClr val="CC7832"/>
-                </a:solidFill>
-                <a:effectLst/>
-                <a:latin typeface="Arial Unicode MS"/>
-              </a:rPr>
-              <a:t>, </a:t>
-            </a:r>
-            <a:r>
-              <a:rPr kumimoji="0" lang="en-US" altLang="en-US" sz="1400" b="0" i="0" u="none" strike="noStrike" cap="none" normalizeH="0" baseline="0">
-                <a:ln>
-                  <a:noFill/>
-                </a:ln>
-                <a:solidFill>
-                  <a:srgbClr val="6A8759"/>
-                </a:solidFill>
-                <a:effectLst/>
-                <a:latin typeface="Arial Unicode MS"/>
-              </a:rPr>
-              <a:t>"KDD_MTSC"</a:t>
-            </a:r>
-            <a:r>
-              <a:rPr kumimoji="0" lang="en-US" altLang="en-US" sz="1400" b="0" i="0" u="none" strike="noStrike" cap="none" normalizeH="0" baseline="0">
-                <a:ln>
-                  <a:noFill/>
-                </a:ln>
-                <a:solidFill>
-                  <a:srgbClr val="A9B7C6"/>
-                </a:solidFill>
-                <a:effectLst/>
-                <a:latin typeface="Arial Unicode MS"/>
-              </a:rPr>
-              <a:t>]</a:t>
-            </a:r>
-            <a:br>
-              <a:rPr kumimoji="0" lang="en-US" altLang="en-US" sz="1400" b="0" i="0" u="none" strike="noStrike" cap="none" normalizeH="0" baseline="0">
-                <a:ln>
-                  <a:noFill/>
-                </a:ln>
-                <a:solidFill>
-                  <a:srgbClr val="A9B7C6"/>
-                </a:solidFill>
-                <a:effectLst/>
-                <a:latin typeface="Arial Unicode MS"/>
-              </a:rPr>
-            </a:br>
-            <a:r>
-              <a:rPr kumimoji="0" lang="en-US" altLang="en-US" sz="1400" b="0" i="0" u="none" strike="noStrike" cap="none" normalizeH="0" baseline="0">
-                <a:ln>
-                  <a:noFill/>
-                </a:ln>
-                <a:solidFill>
-                  <a:srgbClr val="A9B7C6"/>
-                </a:solidFill>
-                <a:effectLst/>
-                <a:latin typeface="Arial Unicode MS"/>
-              </a:rPr>
-              <a:t>r1 = RocketClassifier(</a:t>
-            </a:r>
-            <a:r>
-              <a:rPr kumimoji="0" lang="en-US" altLang="en-US" sz="1400" b="0" i="0" u="none" strike="noStrike" cap="none" normalizeH="0" baseline="0">
-                <a:ln>
-                  <a:noFill/>
-                </a:ln>
-                <a:solidFill>
-                  <a:srgbClr val="AA4926"/>
-                </a:solidFill>
-                <a:effectLst/>
-                <a:latin typeface="Arial Unicode MS"/>
-              </a:rPr>
-              <a:t>rocket_transform</a:t>
-            </a:r>
-            <a:r>
-              <a:rPr kumimoji="0" lang="en-US" altLang="en-US" sz="1400" b="0" i="0" u="none" strike="noStrike" cap="none" normalizeH="0" baseline="0">
-                <a:ln>
-                  <a:noFill/>
-                </a:ln>
-                <a:solidFill>
-                  <a:srgbClr val="A9B7C6"/>
-                </a:solidFill>
-                <a:effectLst/>
-                <a:latin typeface="Arial Unicode MS"/>
-              </a:rPr>
-              <a:t>=</a:t>
-            </a:r>
-            <a:r>
-              <a:rPr kumimoji="0" lang="en-US" altLang="en-US" sz="1400" b="0" i="0" u="none" strike="noStrike" cap="none" normalizeH="0" baseline="0">
-                <a:ln>
-                  <a:noFill/>
-                </a:ln>
-                <a:solidFill>
-                  <a:srgbClr val="6A8759"/>
-                </a:solidFill>
-                <a:effectLst/>
-                <a:latin typeface="Arial Unicode MS"/>
-              </a:rPr>
-              <a:t>"minirocket"</a:t>
-            </a:r>
-            <a:r>
-              <a:rPr kumimoji="0" lang="en-US" altLang="en-US" sz="1400" b="0" i="0" u="none" strike="noStrike" cap="none" normalizeH="0" baseline="0">
-                <a:ln>
-                  <a:noFill/>
-                </a:ln>
-                <a:solidFill>
-                  <a:srgbClr val="A9B7C6"/>
-                </a:solidFill>
-                <a:effectLst/>
-                <a:latin typeface="Arial Unicode MS"/>
-              </a:rPr>
-              <a:t>)</a:t>
-            </a:r>
-            <a:br>
-              <a:rPr kumimoji="0" lang="en-US" altLang="en-US" sz="1400" b="0" i="0" u="none" strike="noStrike" cap="none" normalizeH="0" baseline="0">
-                <a:ln>
-                  <a:noFill/>
-                </a:ln>
-                <a:solidFill>
-                  <a:srgbClr val="A9B7C6"/>
-                </a:solidFill>
-                <a:effectLst/>
-                <a:latin typeface="Arial Unicode MS"/>
-              </a:rPr>
-            </a:br>
-            <a:r>
-              <a:rPr kumimoji="0" lang="en-US" altLang="en-US" sz="1400" b="0" i="0" u="none" strike="noStrike" cap="none" normalizeH="0" baseline="0">
-                <a:ln>
-                  <a:noFill/>
-                </a:ln>
-                <a:solidFill>
-                  <a:srgbClr val="CC7832"/>
-                </a:solidFill>
-                <a:effectLst/>
-                <a:latin typeface="Arial Unicode MS"/>
-              </a:rPr>
-              <a:t>for </a:t>
-            </a:r>
-            <a:r>
-              <a:rPr kumimoji="0" lang="en-US" altLang="en-US" sz="1400" b="0" i="0" u="none" strike="noStrike" cap="none" normalizeH="0" baseline="0">
-                <a:ln>
-                  <a:noFill/>
-                </a:ln>
-                <a:solidFill>
-                  <a:srgbClr val="A9B7C6"/>
-                </a:solidFill>
-                <a:effectLst/>
-                <a:latin typeface="Arial Unicode MS"/>
-              </a:rPr>
-              <a:t>d </a:t>
-            </a:r>
-            <a:r>
-              <a:rPr kumimoji="0" lang="en-US" altLang="en-US" sz="1400" b="0" i="0" u="none" strike="noStrike" cap="none" normalizeH="0" baseline="0">
-                <a:ln>
-                  <a:noFill/>
-                </a:ln>
-                <a:solidFill>
-                  <a:srgbClr val="CC7832"/>
-                </a:solidFill>
-                <a:effectLst/>
-                <a:latin typeface="Arial Unicode MS"/>
-              </a:rPr>
-              <a:t>in </a:t>
-            </a:r>
-            <a:r>
-              <a:rPr kumimoji="0" lang="en-US" altLang="en-US" sz="1400" b="0" i="0" u="none" strike="noStrike" cap="none" normalizeH="0" baseline="0">
-                <a:ln>
-                  <a:noFill/>
-                </a:ln>
-                <a:solidFill>
-                  <a:srgbClr val="A9B7C6"/>
-                </a:solidFill>
-                <a:effectLst/>
-                <a:latin typeface="Arial Unicode MS"/>
-              </a:rPr>
-              <a:t>datasets:</a:t>
-            </a:r>
-            <a:br>
-              <a:rPr kumimoji="0" lang="en-US" altLang="en-US" sz="1400" b="0" i="0" u="none" strike="noStrike" cap="none" normalizeH="0" baseline="0">
-                <a:ln>
-                  <a:noFill/>
-                </a:ln>
-                <a:solidFill>
-                  <a:srgbClr val="A9B7C6"/>
-                </a:solidFill>
-                <a:effectLst/>
-                <a:latin typeface="Arial Unicode MS"/>
-              </a:rPr>
-            </a:br>
-            <a:r>
-              <a:rPr kumimoji="0" lang="en-US" altLang="en-US" sz="1400" b="0" i="0" u="none" strike="noStrike" cap="none" normalizeH="0" baseline="0">
-                <a:ln>
-                  <a:noFill/>
-                </a:ln>
-                <a:solidFill>
-                  <a:srgbClr val="A9B7C6"/>
-                </a:solidFill>
-                <a:effectLst/>
-                <a:latin typeface="Arial Unicode MS"/>
-              </a:rPr>
-              <a:t>    X_train</a:t>
-            </a:r>
-            <a:r>
-              <a:rPr kumimoji="0" lang="en-US" altLang="en-US" sz="1400" b="0" i="0" u="none" strike="noStrike" cap="none" normalizeH="0" baseline="0">
-                <a:ln>
-                  <a:noFill/>
-                </a:ln>
-                <a:solidFill>
-                  <a:srgbClr val="CC7832"/>
-                </a:solidFill>
-                <a:effectLst/>
-                <a:latin typeface="Arial Unicode MS"/>
-              </a:rPr>
-              <a:t>, </a:t>
-            </a:r>
-            <a:r>
-              <a:rPr kumimoji="0" lang="en-US" altLang="en-US" sz="1400" b="0" i="0" u="none" strike="noStrike" cap="none" normalizeH="0" baseline="0">
-                <a:ln>
-                  <a:noFill/>
-                </a:ln>
-                <a:solidFill>
-                  <a:srgbClr val="A9B7C6"/>
-                </a:solidFill>
-                <a:effectLst/>
-                <a:latin typeface="Arial Unicode MS"/>
-              </a:rPr>
-              <a:t>y_train =load_classification(d</a:t>
-            </a:r>
-            <a:r>
-              <a:rPr kumimoji="0" lang="en-US" altLang="en-US" sz="1400" b="0" i="0" u="none" strike="noStrike" cap="none" normalizeH="0" baseline="0">
-                <a:ln>
-                  <a:noFill/>
-                </a:ln>
-                <a:solidFill>
-                  <a:srgbClr val="CC7832"/>
-                </a:solidFill>
-                <a:effectLst/>
-                <a:latin typeface="Arial Unicode MS"/>
-              </a:rPr>
-              <a:t>, </a:t>
-            </a:r>
-            <a:r>
-              <a:rPr kumimoji="0" lang="en-US" altLang="en-US" sz="1400" b="0" i="0" u="none" strike="noStrike" cap="none" normalizeH="0" baseline="0">
-                <a:ln>
-                  <a:noFill/>
-                </a:ln>
-                <a:solidFill>
-                  <a:srgbClr val="AA4926"/>
-                </a:solidFill>
-                <a:effectLst/>
-                <a:latin typeface="Arial Unicode MS"/>
-              </a:rPr>
-              <a:t>split</a:t>
-            </a:r>
-            <a:r>
-              <a:rPr kumimoji="0" lang="en-US" altLang="en-US" sz="1400" b="0" i="0" u="none" strike="noStrike" cap="none" normalizeH="0" baseline="0">
-                <a:ln>
-                  <a:noFill/>
-                </a:ln>
-                <a:solidFill>
-                  <a:srgbClr val="A9B7C6"/>
-                </a:solidFill>
-                <a:effectLst/>
-                <a:latin typeface="Arial Unicode MS"/>
-              </a:rPr>
-              <a:t>=</a:t>
-            </a:r>
-            <a:r>
-              <a:rPr kumimoji="0" lang="en-US" altLang="en-US" sz="1400" b="0" i="0" u="none" strike="noStrike" cap="none" normalizeH="0" baseline="0">
-                <a:ln>
-                  <a:noFill/>
-                </a:ln>
-                <a:solidFill>
-                  <a:srgbClr val="6A8759"/>
-                </a:solidFill>
-                <a:effectLst/>
-                <a:latin typeface="Arial Unicode MS"/>
-              </a:rPr>
-              <a:t>"TRAIN"</a:t>
-            </a:r>
-            <a:r>
-              <a:rPr kumimoji="0" lang="en-US" altLang="en-US" sz="1400" b="0" i="0" u="none" strike="noStrike" cap="none" normalizeH="0" baseline="0">
-                <a:ln>
-                  <a:noFill/>
-                </a:ln>
-                <a:solidFill>
-                  <a:srgbClr val="A9B7C6"/>
-                </a:solidFill>
-                <a:effectLst/>
-                <a:latin typeface="Arial Unicode MS"/>
-              </a:rPr>
-              <a:t>)</a:t>
-            </a:r>
-            <a:br>
-              <a:rPr kumimoji="0" lang="en-US" altLang="en-US" sz="1400" b="0" i="0" u="none" strike="noStrike" cap="none" normalizeH="0" baseline="0">
-                <a:ln>
-                  <a:noFill/>
-                </a:ln>
-                <a:solidFill>
-                  <a:srgbClr val="A9B7C6"/>
-                </a:solidFill>
-                <a:effectLst/>
-                <a:latin typeface="Arial Unicode MS"/>
-              </a:rPr>
-            </a:br>
-            <a:r>
-              <a:rPr kumimoji="0" lang="en-US" altLang="en-US" sz="1400" b="0" i="0" u="none" strike="noStrike" cap="none" normalizeH="0" baseline="0">
-                <a:ln>
-                  <a:noFill/>
-                </a:ln>
-                <a:solidFill>
-                  <a:srgbClr val="A9B7C6"/>
-                </a:solidFill>
-                <a:effectLst/>
-                <a:latin typeface="Arial Unicode MS"/>
-              </a:rPr>
-              <a:t>    </a:t>
-            </a:r>
-            <a:r>
-              <a:rPr kumimoji="0" lang="en-US" altLang="en-US" sz="1400" b="0" i="0" u="none" strike="noStrike" cap="none" normalizeH="0" baseline="0">
-                <a:ln>
-                  <a:noFill/>
-                </a:ln>
-                <a:solidFill>
-                  <a:srgbClr val="8888C6"/>
-                </a:solidFill>
-                <a:effectLst/>
-                <a:latin typeface="Arial Unicode MS"/>
-              </a:rPr>
-              <a:t>print</a:t>
-            </a:r>
-            <a:r>
-              <a:rPr kumimoji="0" lang="en-US" altLang="en-US" sz="1400" b="0" i="0" u="none" strike="noStrike" cap="none" normalizeH="0" baseline="0">
-                <a:ln>
-                  <a:noFill/>
-                </a:ln>
-                <a:solidFill>
-                  <a:srgbClr val="A9B7C6"/>
-                </a:solidFill>
-                <a:effectLst/>
-                <a:latin typeface="Arial Unicode MS"/>
-              </a:rPr>
-              <a:t>(</a:t>
-            </a:r>
-            <a:r>
-              <a:rPr kumimoji="0" lang="en-US" altLang="en-US" sz="1400" b="0" i="0" u="none" strike="noStrike" cap="none" normalizeH="0" baseline="0">
-                <a:ln>
-                  <a:noFill/>
-                </a:ln>
-                <a:solidFill>
-                  <a:srgbClr val="6A8759"/>
-                </a:solidFill>
-                <a:effectLst/>
-                <a:latin typeface="Arial Unicode MS"/>
-              </a:rPr>
-              <a:t>"X shape = "</a:t>
-            </a:r>
-            <a:r>
-              <a:rPr kumimoji="0" lang="en-US" altLang="en-US" sz="1400" b="0" i="0" u="none" strike="noStrike" cap="none" normalizeH="0" baseline="0">
-                <a:ln>
-                  <a:noFill/>
-                </a:ln>
-                <a:solidFill>
-                  <a:srgbClr val="CC7832"/>
-                </a:solidFill>
-                <a:effectLst/>
-                <a:latin typeface="Arial Unicode MS"/>
-              </a:rPr>
-              <a:t>,</a:t>
-            </a:r>
-            <a:r>
-              <a:rPr kumimoji="0" lang="en-US" altLang="en-US" sz="1400" b="0" i="0" u="none" strike="noStrike" cap="none" normalizeH="0" baseline="0">
-                <a:ln>
-                  <a:noFill/>
-                </a:ln>
-                <a:solidFill>
-                  <a:srgbClr val="A9B7C6"/>
-                </a:solidFill>
-                <a:effectLst/>
-                <a:latin typeface="Arial Unicode MS"/>
-              </a:rPr>
-              <a:t>X_train.shape)</a:t>
-            </a:r>
-            <a:br>
-              <a:rPr kumimoji="0" lang="en-US" altLang="en-US" sz="1400" b="0" i="0" u="none" strike="noStrike" cap="none" normalizeH="0" baseline="0">
-                <a:ln>
-                  <a:noFill/>
-                </a:ln>
-                <a:solidFill>
-                  <a:srgbClr val="A9B7C6"/>
-                </a:solidFill>
-                <a:effectLst/>
-                <a:latin typeface="Arial Unicode MS"/>
-              </a:rPr>
-            </a:br>
-            <a:r>
-              <a:rPr kumimoji="0" lang="en-US" altLang="en-US" sz="1400" b="0" i="0" u="none" strike="noStrike" cap="none" normalizeH="0" baseline="0">
-                <a:ln>
-                  <a:noFill/>
-                </a:ln>
-                <a:solidFill>
-                  <a:srgbClr val="A9B7C6"/>
-                </a:solidFill>
-                <a:effectLst/>
-                <a:latin typeface="Arial Unicode MS"/>
-              </a:rPr>
-              <a:t>    X_test</a:t>
-            </a:r>
-            <a:r>
-              <a:rPr kumimoji="0" lang="en-US" altLang="en-US" sz="1400" b="0" i="0" u="none" strike="noStrike" cap="none" normalizeH="0" baseline="0">
-                <a:ln>
-                  <a:noFill/>
-                </a:ln>
-                <a:solidFill>
-                  <a:srgbClr val="CC7832"/>
-                </a:solidFill>
-                <a:effectLst/>
-                <a:latin typeface="Arial Unicode MS"/>
-              </a:rPr>
-              <a:t>, </a:t>
-            </a:r>
-            <a:r>
-              <a:rPr kumimoji="0" lang="en-US" altLang="en-US" sz="1400" b="0" i="0" u="none" strike="noStrike" cap="none" normalizeH="0" baseline="0">
-                <a:ln>
-                  <a:noFill/>
-                </a:ln>
-                <a:solidFill>
-                  <a:srgbClr val="A9B7C6"/>
-                </a:solidFill>
-                <a:effectLst/>
-                <a:latin typeface="Arial Unicode MS"/>
-              </a:rPr>
-              <a:t>y_test = load_classification(d</a:t>
-            </a:r>
-            <a:r>
-              <a:rPr kumimoji="0" lang="en-US" altLang="en-US" sz="1400" b="0" i="0" u="none" strike="noStrike" cap="none" normalizeH="0" baseline="0">
-                <a:ln>
-                  <a:noFill/>
-                </a:ln>
-                <a:solidFill>
-                  <a:srgbClr val="CC7832"/>
-                </a:solidFill>
-                <a:effectLst/>
-                <a:latin typeface="Arial Unicode MS"/>
-              </a:rPr>
-              <a:t>, </a:t>
-            </a:r>
-            <a:r>
-              <a:rPr kumimoji="0" lang="en-US" altLang="en-US" sz="1400" b="0" i="0" u="none" strike="noStrike" cap="none" normalizeH="0" baseline="0">
-                <a:ln>
-                  <a:noFill/>
-                </a:ln>
-                <a:solidFill>
-                  <a:srgbClr val="AA4926"/>
-                </a:solidFill>
-                <a:effectLst/>
-                <a:latin typeface="Arial Unicode MS"/>
-              </a:rPr>
-              <a:t>split</a:t>
-            </a:r>
-            <a:r>
-              <a:rPr kumimoji="0" lang="en-US" altLang="en-US" sz="1400" b="0" i="0" u="none" strike="noStrike" cap="none" normalizeH="0" baseline="0">
-                <a:ln>
-                  <a:noFill/>
-                </a:ln>
-                <a:solidFill>
-                  <a:srgbClr val="A9B7C6"/>
-                </a:solidFill>
-                <a:effectLst/>
-                <a:latin typeface="Arial Unicode MS"/>
-              </a:rPr>
-              <a:t>=</a:t>
-            </a:r>
-            <a:r>
-              <a:rPr kumimoji="0" lang="en-US" altLang="en-US" sz="1400" b="0" i="0" u="none" strike="noStrike" cap="none" normalizeH="0" baseline="0">
-                <a:ln>
-                  <a:noFill/>
-                </a:ln>
-                <a:solidFill>
-                  <a:srgbClr val="6A8759"/>
-                </a:solidFill>
-                <a:effectLst/>
-                <a:latin typeface="Arial Unicode MS"/>
-              </a:rPr>
-              <a:t>"TEST"</a:t>
-            </a:r>
-            <a:r>
-              <a:rPr kumimoji="0" lang="en-US" altLang="en-US" sz="1400" b="0" i="0" u="none" strike="noStrike" cap="none" normalizeH="0" baseline="0">
-                <a:ln>
-                  <a:noFill/>
-                </a:ln>
-                <a:solidFill>
-                  <a:srgbClr val="A9B7C6"/>
-                </a:solidFill>
-                <a:effectLst/>
-                <a:latin typeface="Arial Unicode MS"/>
-              </a:rPr>
-              <a:t>)</a:t>
-            </a:r>
-            <a:br>
-              <a:rPr kumimoji="0" lang="en-US" altLang="en-US" sz="1400" b="0" i="0" u="none" strike="noStrike" cap="none" normalizeH="0" baseline="0">
-                <a:ln>
-                  <a:noFill/>
-                </a:ln>
-                <a:solidFill>
-                  <a:srgbClr val="A9B7C6"/>
-                </a:solidFill>
-                <a:effectLst/>
-                <a:latin typeface="Arial Unicode MS"/>
-              </a:rPr>
-            </a:br>
-            <a:r>
-              <a:rPr kumimoji="0" lang="en-US" altLang="en-US" sz="1400" b="0" i="0" u="none" strike="noStrike" cap="none" normalizeH="0" baseline="0">
-                <a:ln>
-                  <a:noFill/>
-                </a:ln>
-                <a:solidFill>
-                  <a:srgbClr val="A9B7C6"/>
-                </a:solidFill>
-                <a:effectLst/>
-                <a:latin typeface="Arial Unicode MS"/>
-              </a:rPr>
-              <a:t>    </a:t>
-            </a:r>
-            <a:r>
-              <a:rPr kumimoji="0" lang="en-US" altLang="en-US" sz="1400" b="0" i="0" u="none" strike="noStrike" cap="none" normalizeH="0" baseline="0">
-                <a:ln>
-                  <a:noFill/>
-                </a:ln>
-                <a:solidFill>
-                  <a:srgbClr val="8888C6"/>
-                </a:solidFill>
-                <a:effectLst/>
-                <a:latin typeface="Arial Unicode MS"/>
-              </a:rPr>
-              <a:t>print</a:t>
-            </a:r>
-            <a:r>
-              <a:rPr kumimoji="0" lang="en-US" altLang="en-US" sz="1400" b="0" i="0" u="none" strike="noStrike" cap="none" normalizeH="0" baseline="0">
-                <a:ln>
-                  <a:noFill/>
-                </a:ln>
-                <a:solidFill>
-                  <a:srgbClr val="A9B7C6"/>
-                </a:solidFill>
-                <a:effectLst/>
-                <a:latin typeface="Arial Unicode MS"/>
-              </a:rPr>
-              <a:t>(</a:t>
-            </a:r>
-            <a:r>
-              <a:rPr kumimoji="0" lang="en-US" altLang="en-US" sz="1400" b="0" i="0" u="none" strike="noStrike" cap="none" normalizeH="0" baseline="0">
-                <a:ln>
-                  <a:noFill/>
-                </a:ln>
-                <a:solidFill>
-                  <a:srgbClr val="6A8759"/>
-                </a:solidFill>
-                <a:effectLst/>
-                <a:latin typeface="Arial Unicode MS"/>
-              </a:rPr>
-              <a:t>"X shape = "</a:t>
-            </a:r>
-            <a:r>
-              <a:rPr kumimoji="0" lang="en-US" altLang="en-US" sz="1400" b="0" i="0" u="none" strike="noStrike" cap="none" normalizeH="0" baseline="0">
-                <a:ln>
-                  <a:noFill/>
-                </a:ln>
-                <a:solidFill>
-                  <a:srgbClr val="CC7832"/>
-                </a:solidFill>
-                <a:effectLst/>
-                <a:latin typeface="Arial Unicode MS"/>
-              </a:rPr>
-              <a:t>,</a:t>
-            </a:r>
-            <a:r>
-              <a:rPr kumimoji="0" lang="en-US" altLang="en-US" sz="1400" b="0" i="0" u="none" strike="noStrike" cap="none" normalizeH="0" baseline="0">
-                <a:ln>
-                  <a:noFill/>
-                </a:ln>
-                <a:solidFill>
-                  <a:srgbClr val="A9B7C6"/>
-                </a:solidFill>
-                <a:effectLst/>
-                <a:latin typeface="Arial Unicode MS"/>
-              </a:rPr>
-              <a:t>X_test.shape)</a:t>
-            </a:r>
-            <a:br>
-              <a:rPr kumimoji="0" lang="en-US" altLang="en-US" sz="1400" b="0" i="0" u="none" strike="noStrike" cap="none" normalizeH="0" baseline="0">
-                <a:ln>
-                  <a:noFill/>
-                </a:ln>
-                <a:solidFill>
-                  <a:srgbClr val="A9B7C6"/>
-                </a:solidFill>
-                <a:effectLst/>
-                <a:latin typeface="Arial Unicode MS"/>
-              </a:rPr>
-            </a:br>
-            <a:r>
-              <a:rPr kumimoji="0" lang="en-US" altLang="en-US" sz="1400" b="0" i="0" u="none" strike="noStrike" cap="none" normalizeH="0" baseline="0">
-                <a:ln>
-                  <a:noFill/>
-                </a:ln>
-                <a:solidFill>
-                  <a:srgbClr val="A9B7C6"/>
-                </a:solidFill>
-                <a:effectLst/>
-                <a:latin typeface="Arial Unicode MS"/>
-              </a:rPr>
-              <a:t>    r1.fit(X_train</a:t>
-            </a:r>
-            <a:r>
-              <a:rPr kumimoji="0" lang="en-US" altLang="en-US" sz="1400" b="0" i="0" u="none" strike="noStrike" cap="none" normalizeH="0" baseline="0">
-                <a:ln>
-                  <a:noFill/>
-                </a:ln>
-                <a:solidFill>
-                  <a:srgbClr val="CC7832"/>
-                </a:solidFill>
-                <a:effectLst/>
-                <a:latin typeface="Arial Unicode MS"/>
-              </a:rPr>
-              <a:t>, </a:t>
-            </a:r>
-            <a:r>
-              <a:rPr kumimoji="0" lang="en-US" altLang="en-US" sz="1400" b="0" i="0" u="none" strike="noStrike" cap="none" normalizeH="0" baseline="0">
-                <a:ln>
-                  <a:noFill/>
-                </a:ln>
-                <a:solidFill>
-                  <a:srgbClr val="A9B7C6"/>
-                </a:solidFill>
-                <a:effectLst/>
-                <a:latin typeface="Arial Unicode MS"/>
-              </a:rPr>
-              <a:t>y_train)</a:t>
-            </a:r>
-            <a:br>
-              <a:rPr kumimoji="0" lang="en-US" altLang="en-US" sz="1400" b="0" i="0" u="none" strike="noStrike" cap="none" normalizeH="0" baseline="0">
-                <a:ln>
-                  <a:noFill/>
-                </a:ln>
-                <a:solidFill>
-                  <a:srgbClr val="A9B7C6"/>
-                </a:solidFill>
-                <a:effectLst/>
-                <a:latin typeface="Arial Unicode MS"/>
-              </a:rPr>
-            </a:br>
-            <a:r>
-              <a:rPr kumimoji="0" lang="en-US" altLang="en-US" sz="1400" b="0" i="0" u="none" strike="noStrike" cap="none" normalizeH="0" baseline="0">
-                <a:ln>
-                  <a:noFill/>
-                </a:ln>
-                <a:solidFill>
-                  <a:srgbClr val="A9B7C6"/>
-                </a:solidFill>
-                <a:effectLst/>
-                <a:latin typeface="Arial Unicode MS"/>
-              </a:rPr>
-              <a:t>    y_pred = r1.predict(X_test)</a:t>
-            </a:r>
-            <a:br>
-              <a:rPr kumimoji="0" lang="en-US" altLang="en-US" sz="1400" b="0" i="0" u="none" strike="noStrike" cap="none" normalizeH="0" baseline="0">
-                <a:ln>
-                  <a:noFill/>
-                </a:ln>
-                <a:solidFill>
-                  <a:srgbClr val="A9B7C6"/>
-                </a:solidFill>
-                <a:effectLst/>
-                <a:latin typeface="Arial Unicode MS"/>
-              </a:rPr>
-            </a:br>
-            <a:r>
-              <a:rPr kumimoji="0" lang="en-US" altLang="en-US" sz="1400" b="0" i="0" u="none" strike="noStrike" cap="none" normalizeH="0" baseline="0">
-                <a:ln>
-                  <a:noFill/>
-                </a:ln>
-                <a:solidFill>
-                  <a:srgbClr val="A9B7C6"/>
-                </a:solidFill>
-                <a:effectLst/>
-                <a:latin typeface="Arial Unicode MS"/>
-              </a:rPr>
-              <a:t>    </a:t>
-            </a:r>
-            <a:r>
-              <a:rPr kumimoji="0" lang="en-US" altLang="en-US" sz="1400" b="0" i="0" u="none" strike="noStrike" cap="none" normalizeH="0" baseline="0">
-                <a:ln>
-                  <a:noFill/>
-                </a:ln>
-                <a:solidFill>
-                  <a:srgbClr val="8888C6"/>
-                </a:solidFill>
-                <a:effectLst/>
-                <a:latin typeface="Arial Unicode MS"/>
-              </a:rPr>
-              <a:t>print</a:t>
-            </a:r>
-            <a:r>
-              <a:rPr kumimoji="0" lang="en-US" altLang="en-US" sz="1400" b="0" i="0" u="none" strike="noStrike" cap="none" normalizeH="0" baseline="0">
-                <a:ln>
-                  <a:noFill/>
-                </a:ln>
-                <a:solidFill>
-                  <a:srgbClr val="A9B7C6"/>
-                </a:solidFill>
-                <a:effectLst/>
-                <a:latin typeface="Arial Unicode MS"/>
-              </a:rPr>
-              <a:t>(</a:t>
-            </a:r>
-            <a:r>
-              <a:rPr kumimoji="0" lang="en-US" altLang="en-US" sz="1400" b="0" i="0" u="none" strike="noStrike" cap="none" normalizeH="0" baseline="0">
-                <a:ln>
-                  <a:noFill/>
-                </a:ln>
-                <a:solidFill>
-                  <a:srgbClr val="6A8759"/>
-                </a:solidFill>
-                <a:effectLst/>
-                <a:latin typeface="Arial Unicode MS"/>
-              </a:rPr>
-              <a:t>"Accuracy miniROCKET = "</a:t>
-            </a:r>
-            <a:r>
-              <a:rPr kumimoji="0" lang="en-US" altLang="en-US" sz="1400" b="0" i="0" u="none" strike="noStrike" cap="none" normalizeH="0" baseline="0">
-                <a:ln>
-                  <a:noFill/>
-                </a:ln>
-                <a:solidFill>
-                  <a:srgbClr val="CC7832"/>
-                </a:solidFill>
-                <a:effectLst/>
-                <a:latin typeface="Arial Unicode MS"/>
-              </a:rPr>
-              <a:t>, </a:t>
-            </a:r>
-            <a:r>
-              <a:rPr kumimoji="0" lang="en-US" altLang="en-US" sz="1400" b="0" i="0" u="none" strike="noStrike" cap="none" normalizeH="0" baseline="0">
-                <a:ln>
-                  <a:noFill/>
-                </a:ln>
-                <a:solidFill>
-                  <a:srgbClr val="A9B7C6"/>
-                </a:solidFill>
-                <a:effectLst/>
-                <a:latin typeface="Arial Unicode MS"/>
-              </a:rPr>
-              <a:t>accuracy_score(y_pred</a:t>
-            </a:r>
-            <a:r>
-              <a:rPr kumimoji="0" lang="en-US" altLang="en-US" sz="1400" b="0" i="0" u="none" strike="noStrike" cap="none" normalizeH="0" baseline="0">
-                <a:ln>
-                  <a:noFill/>
-                </a:ln>
-                <a:solidFill>
-                  <a:srgbClr val="CC7832"/>
-                </a:solidFill>
-                <a:effectLst/>
-                <a:latin typeface="Arial Unicode MS"/>
-              </a:rPr>
-              <a:t>,</a:t>
-            </a:r>
-            <a:r>
-              <a:rPr kumimoji="0" lang="en-US" altLang="en-US" sz="1400" b="0" i="0" u="none" strike="noStrike" cap="none" normalizeH="0" baseline="0">
-                <a:ln>
-                  <a:noFill/>
-                </a:ln>
-                <a:solidFill>
-                  <a:srgbClr val="A9B7C6"/>
-                </a:solidFill>
-                <a:effectLst/>
-                <a:latin typeface="Arial Unicode MS"/>
-              </a:rPr>
-              <a:t>y_test))</a:t>
-            </a:r>
-            <a:br>
-              <a:rPr kumimoji="0" lang="en-US" altLang="en-US" sz="1400" b="0" i="0" u="none" strike="noStrike" cap="none" normalizeH="0" baseline="0">
-                <a:ln>
-                  <a:noFill/>
-                </a:ln>
-                <a:solidFill>
-                  <a:srgbClr val="A9B7C6"/>
-                </a:solidFill>
-                <a:effectLst/>
-                <a:latin typeface="Arial Unicode MS"/>
-              </a:rPr>
-            </a:br>
-            <a:endParaRPr kumimoji="0" lang="en-US" altLang="en-US" sz="1400" b="0" i="0" u="none" strike="noStrike" cap="none" normalizeH="0" baseline="0">
-              <a:ln>
-                <a:noFill/>
-              </a:ln>
-              <a:solidFill>
-                <a:schemeClr val="tx1"/>
-              </a:solidFill>
-              <a:effectLst/>
-              <a:latin typeface="Arial" panose="020B0604020202020204" pitchFamily="34" charset="0"/>
-            </a:endParaRPr>
-          </a:p>
-        </p:txBody>
-      </p:sp>
     </p:spTree>
     <p:extLst>
       <p:ext uri="{BB962C8B-B14F-4D97-AF65-F5344CB8AC3E}">
-        <p14:creationId xmlns:p14="http://schemas.microsoft.com/office/powerpoint/2010/main" val="1608561078"/>
+        <p14:creationId xmlns:p14="http://schemas.microsoft.com/office/powerpoint/2010/main" val="3857973298"/>
       </p:ext>
     </p:extLst>
   </p:cSld>
@@ -20421,7 +20595,7 @@
         </p:nvSpPr>
         <p:spPr>
           <a:xfrm>
-            <a:off x="410435" y="147598"/>
+            <a:off x="410433" y="-118810"/>
             <a:ext cx="11107885" cy="922760"/>
           </a:xfrm>
         </p:spPr>
@@ -20433,7 +20607,7 @@
           <a:p>
             <a:r>
               <a:rPr lang="en-US" sz="4000" dirty="0"/>
-              <a:t>Code Examples</a:t>
+              <a:t>Example EEG datasets</a:t>
             </a:r>
             <a:endParaRPr lang="en-AU" sz="4000" dirty="0"/>
           </a:p>
@@ -20477,10 +20651,62 @@
       </p:sp>
       <p:pic>
         <p:nvPicPr>
-          <p:cNvPr id="25" name="Picture 24">
-            <a:extLst>
-              <a:ext uri="{FF2B5EF4-FFF2-40B4-BE49-F238E27FC236}">
-                <a16:creationId xmlns:a16="http://schemas.microsoft.com/office/drawing/2014/main" id="{BEB608A9-EBE3-C6A3-3962-6A0B9D2AF63D}"/>
+          <p:cNvPr id="3" name="Picture 2" descr="Google Summer of Code/2021 - MediaWiki">
+            <a:extLst>
+              <a:ext uri="{FF2B5EF4-FFF2-40B4-BE49-F238E27FC236}">
+                <a16:creationId xmlns:a16="http://schemas.microsoft.com/office/drawing/2014/main" id="{47C2C4C0-2BBD-5A60-5456-E091E530A1CE}"/>
+              </a:ext>
+            </a:extLst>
+          </p:cNvPr>
+          <p:cNvPicPr>
+            <a:picLocks noChangeAspect="1" noChangeArrowheads="1"/>
+          </p:cNvPicPr>
+          <p:nvPr/>
+        </p:nvPicPr>
+        <p:blipFill>
+          <a:blip r:embed="rId2">
+            <a:extLst>
+              <a:ext uri="{28A0092B-C50C-407E-A947-70E740481C1C}">
+                <a14:useLocalDpi xmlns:a14="http://schemas.microsoft.com/office/drawing/2010/main" val="0"/>
+              </a:ext>
+            </a:extLst>
+          </a:blip>
+          <a:srcRect/>
+          <a:stretch>
+            <a:fillRect/>
+          </a:stretch>
+        </p:blipFill>
+        <p:spPr bwMode="auto">
+          <a:xfrm>
+            <a:off x="10561834" y="563465"/>
+            <a:ext cx="1110299" cy="1110299"/>
+          </a:xfrm>
+          <a:prstGeom prst="rect">
+            <a:avLst/>
+          </a:prstGeom>
+          <a:noFill/>
+          <a:ln w="38100">
+            <a:solidFill>
+              <a:schemeClr val="bg1"/>
+            </a:solidFill>
+          </a:ln>
+          <a:extLst>
+            <a:ext uri="{909E8E84-426E-40DD-AFC4-6F175D3DCCD1}">
+              <a14:hiddenFill xmlns:a14="http://schemas.microsoft.com/office/drawing/2010/main">
+                <a:solidFill>
+                  <a:srgbClr val="FFFFFF"/>
+                </a:solidFill>
+              </a14:hiddenFill>
+            </a:ext>
+          </a:extLst>
+        </p:spPr>
+      </p:pic>
+      <p:pic>
+        <p:nvPicPr>
+          <p:cNvPr id="5" name="Picture 4">
+            <a:extLst>
+              <a:ext uri="{FF2B5EF4-FFF2-40B4-BE49-F238E27FC236}">
+                <a16:creationId xmlns:a16="http://schemas.microsoft.com/office/drawing/2014/main" id="{C82FF380-16FC-A4F8-1D5F-F9AA5E10137E}"/>
               </a:ext>
             </a:extLst>
           </p:cNvPr>
@@ -20490,15 +20716,15 @@
           <p:nvPr/>
         </p:nvPicPr>
         <p:blipFill>
-          <a:blip r:embed="rId2"/>
+          <a:blip r:embed="rId3"/>
           <a:stretch>
             <a:fillRect/>
           </a:stretch>
         </p:blipFill>
         <p:spPr>
           <a:xfrm>
-            <a:off x="0" y="11778"/>
-            <a:ext cx="2076740" cy="1390844"/>
+            <a:off x="10502360" y="4872245"/>
+            <a:ext cx="1689640" cy="1944359"/>
           </a:xfrm>
           <a:prstGeom prst="rect">
             <a:avLst/>
@@ -20507,10 +20733,10 @@
       </p:pic>
       <p:sp>
         <p:nvSpPr>
-          <p:cNvPr id="3" name="Title 1">
-            <a:extLst>
-              <a:ext uri="{FF2B5EF4-FFF2-40B4-BE49-F238E27FC236}">
-                <a16:creationId xmlns:a16="http://schemas.microsoft.com/office/drawing/2014/main" id="{21BB95F2-E935-F052-EBB3-51B6D04AABB3}"/>
+          <p:cNvPr id="7" name="Title 1">
+            <a:extLst>
+              <a:ext uri="{FF2B5EF4-FFF2-40B4-BE49-F238E27FC236}">
+                <a16:creationId xmlns:a16="http://schemas.microsoft.com/office/drawing/2014/main" id="{29A3CCC5-06FF-C91C-5B4A-6956A9D46701}"/>
               </a:ext>
             </a:extLst>
           </p:cNvPr>
@@ -20521,12 +20747,84 @@
         </p:nvSpPr>
         <p:spPr>
           <a:xfrm>
-            <a:off x="542057" y="1032422"/>
-            <a:ext cx="11107885" cy="517798"/>
+            <a:off x="1764660" y="1599645"/>
+            <a:ext cx="8662679" cy="517798"/>
           </a:xfrm>
           <a:prstGeom prst="rect">
             <a:avLst/>
           </a:prstGeom>
+        </p:spPr>
+        <p:txBody>
+          <a:bodyPr vert="horz" lIns="91440" tIns="45720" rIns="91440" bIns="45720" rtlCol="0" anchor="b">
+            <a:normAutofit fontScale="62500" lnSpcReduction="20000"/>
+          </a:bodyPr>
+          <a:lstStyle>
+            <a:lvl1pPr algn="ctr" defTabSz="914400" rtl="0" eaLnBrk="1" latinLnBrk="0" hangingPunct="1">
+              <a:lnSpc>
+                <a:spcPct val="90000"/>
+              </a:lnSpc>
+              <a:spcBef>
+                <a:spcPct val="0"/>
+              </a:spcBef>
+              <a:buNone/>
+              <a:defRPr sz="6000" kern="1200">
+                <a:solidFill>
+                  <a:schemeClr val="tx1"/>
+                </a:solidFill>
+                <a:latin typeface="+mj-lt"/>
+                <a:ea typeface="+mj-ea"/>
+                <a:cs typeface="+mj-cs"/>
+              </a:defRPr>
+            </a:lvl1pPr>
+          </a:lstStyle>
+          <a:p>
+            <a:r>
+              <a:rPr lang="en-US" sz="3000" dirty="0"/>
+              <a:t>TSC Data collected by PhD student Aiden Rushbrooke and used by </a:t>
+            </a:r>
+            <a:r>
+              <a:rPr lang="en-US" sz="3000" dirty="0" err="1"/>
+              <a:t>GSoC</a:t>
+            </a:r>
+            <a:r>
+              <a:rPr lang="en-US" sz="3000" dirty="0"/>
+              <a:t> intern/PhD student Gabriel </a:t>
+            </a:r>
+            <a:r>
+              <a:rPr lang="en-US" sz="3000" dirty="0" err="1"/>
+              <a:t>Riegner</a:t>
+            </a:r>
+            <a:endParaRPr lang="en-AU" sz="3000" dirty="0"/>
+          </a:p>
+        </p:txBody>
+      </p:sp>
+      <p:sp>
+        <p:nvSpPr>
+          <p:cNvPr id="8" name="Title 1">
+            <a:extLst>
+              <a:ext uri="{FF2B5EF4-FFF2-40B4-BE49-F238E27FC236}">
+                <a16:creationId xmlns:a16="http://schemas.microsoft.com/office/drawing/2014/main" id="{4F5D0B59-17CF-4698-4C7A-C3FACC752711}"/>
+              </a:ext>
+            </a:extLst>
+          </p:cNvPr>
+          <p:cNvSpPr txBox="1">
+            <a:spLocks/>
+          </p:cNvSpPr>
+          <p:nvPr/>
+        </p:nvSpPr>
+        <p:spPr>
+          <a:xfrm>
+            <a:off x="1303595" y="721466"/>
+            <a:ext cx="9104424" cy="757846"/>
+          </a:xfrm>
+          <a:prstGeom prst="rect">
+            <a:avLst/>
+          </a:prstGeom>
+          <a:ln>
+            <a:solidFill>
+              <a:schemeClr val="accent1"/>
+            </a:solidFill>
+          </a:ln>
         </p:spPr>
         <p:txBody>
           <a:bodyPr vert="horz" lIns="91440" tIns="45720" rIns="91440" bIns="45720" rtlCol="0" anchor="b">
@@ -20553,19 +20851,129 @@
           </a:lstStyle>
           <a:p>
             <a:r>
-              <a:rPr lang="en-US" sz="3000" dirty="0"/>
-              <a:t>Each section has an associated notebook</a:t>
-            </a:r>
-            <a:endParaRPr lang="en-AU" sz="3000" dirty="0"/>
+              <a:rPr lang="en-US" sz="2200" dirty="0" err="1"/>
+              <a:t>aeon</a:t>
+            </a:r>
+            <a:r>
+              <a:rPr lang="en-US" sz="2200" dirty="0"/>
+              <a:t>-neuro is a fledgling sub project for EEG classification and regression</a:t>
+            </a:r>
+            <a:endParaRPr lang="en-AU" sz="2200" dirty="0"/>
           </a:p>
         </p:txBody>
       </p:sp>
       <p:sp>
         <p:nvSpPr>
-          <p:cNvPr id="5" name="Title 1">
-            <a:extLst>
-              <a:ext uri="{FF2B5EF4-FFF2-40B4-BE49-F238E27FC236}">
-                <a16:creationId xmlns:a16="http://schemas.microsoft.com/office/drawing/2014/main" id="{10BA7E1D-9767-FEC9-CA20-968012C03E16}"/>
+          <p:cNvPr id="10" name="TextBox 9">
+            <a:extLst>
+              <a:ext uri="{FF2B5EF4-FFF2-40B4-BE49-F238E27FC236}">
+                <a16:creationId xmlns:a16="http://schemas.microsoft.com/office/drawing/2014/main" id="{91FDA17D-650F-FAAB-B9D3-1EF6266D05E9}"/>
+              </a:ext>
+            </a:extLst>
+          </p:cNvPr>
+          <p:cNvSpPr txBox="1"/>
+          <p:nvPr/>
+        </p:nvSpPr>
+        <p:spPr>
+          <a:xfrm>
+            <a:off x="3509637" y="709905"/>
+            <a:ext cx="6138808" cy="369332"/>
+          </a:xfrm>
+          <a:prstGeom prst="rect">
+            <a:avLst/>
+          </a:prstGeom>
+          <a:noFill/>
+        </p:spPr>
+        <p:txBody>
+          <a:bodyPr wrap="square">
+            <a:spAutoFit/>
+          </a:bodyPr>
+          <a:lstStyle/>
+          <a:p>
+            <a:r>
+              <a:rPr lang="en-GB" dirty="0">
+                <a:hlinkClick r:id="rId4"/>
+              </a:rPr>
+              <a:t>https://github.com/aeon-toolkit/aeon-neuro</a:t>
+            </a:r>
+            <a:endParaRPr lang="en-GB" dirty="0"/>
+          </a:p>
+        </p:txBody>
+      </p:sp>
+      <p:pic>
+        <p:nvPicPr>
+          <p:cNvPr id="12" name="Picture 11">
+            <a:extLst>
+              <a:ext uri="{FF2B5EF4-FFF2-40B4-BE49-F238E27FC236}">
+                <a16:creationId xmlns:a16="http://schemas.microsoft.com/office/drawing/2014/main" id="{8317E9FA-E39A-CBD4-8EA8-7A7FADE428C8}"/>
+              </a:ext>
+            </a:extLst>
+          </p:cNvPr>
+          <p:cNvPicPr>
+            <a:picLocks noChangeAspect="1"/>
+          </p:cNvPicPr>
+          <p:nvPr/>
+        </p:nvPicPr>
+        <p:blipFill>
+          <a:blip r:embed="rId5"/>
+          <a:stretch>
+            <a:fillRect/>
+          </a:stretch>
+        </p:blipFill>
+        <p:spPr>
+          <a:xfrm>
+            <a:off x="10561834" y="1793779"/>
+            <a:ext cx="1139950" cy="1112547"/>
+          </a:xfrm>
+          <a:prstGeom prst="rect">
+            <a:avLst/>
+          </a:prstGeom>
+        </p:spPr>
+      </p:pic>
+      <p:sp>
+        <p:nvSpPr>
+          <p:cNvPr id="14" name="TextBox 13">
+            <a:extLst>
+              <a:ext uri="{FF2B5EF4-FFF2-40B4-BE49-F238E27FC236}">
+                <a16:creationId xmlns:a16="http://schemas.microsoft.com/office/drawing/2014/main" id="{7F2A2EBD-ED3C-2491-755F-8213015D55BF}"/>
+              </a:ext>
+            </a:extLst>
+          </p:cNvPr>
+          <p:cNvSpPr txBox="1"/>
+          <p:nvPr/>
+        </p:nvSpPr>
+        <p:spPr>
+          <a:xfrm>
+            <a:off x="9130146" y="2978570"/>
+            <a:ext cx="6123708" cy="369332"/>
+          </a:xfrm>
+          <a:prstGeom prst="rect">
+            <a:avLst/>
+          </a:prstGeom>
+          <a:noFill/>
+        </p:spPr>
+        <p:txBody>
+          <a:bodyPr wrap="square">
+            <a:spAutoFit/>
+          </a:bodyPr>
+          <a:lstStyle/>
+          <a:p>
+            <a:r>
+              <a:rPr lang="en-GB" dirty="0">
+                <a:hlinkClick r:id="rId6"/>
+              </a:rPr>
+              <a:t>https://www.wellthlab.ac.uk/</a:t>
+            </a:r>
+            <a:endParaRPr lang="en-GB" dirty="0"/>
+          </a:p>
+        </p:txBody>
+      </p:sp>
+      <p:sp>
+        <p:nvSpPr>
+          <p:cNvPr id="15" name="Title 1">
+            <a:extLst>
+              <a:ext uri="{FF2B5EF4-FFF2-40B4-BE49-F238E27FC236}">
+                <a16:creationId xmlns:a16="http://schemas.microsoft.com/office/drawing/2014/main" id="{4763B378-6AC7-B471-0773-CDB6FDC9DE60}"/>
               </a:ext>
             </a:extLst>
           </p:cNvPr>
@@ -20576,8 +20984,8 @@
         </p:nvSpPr>
         <p:spPr>
           <a:xfrm>
-            <a:off x="384263" y="1550220"/>
-            <a:ext cx="11107885" cy="987937"/>
+            <a:off x="179111" y="2654399"/>
+            <a:ext cx="9332806" cy="450430"/>
           </a:xfrm>
           <a:prstGeom prst="rect">
             <a:avLst/>
@@ -20585,7 +20993,7 @@
         </p:spPr>
         <p:txBody>
           <a:bodyPr vert="horz" lIns="91440" tIns="45720" rIns="91440" bIns="45720" rtlCol="0" anchor="b">
-            <a:noAutofit/>
+            <a:normAutofit/>
           </a:bodyPr>
           <a:lstStyle>
             <a:lvl1pPr algn="ctr" defTabSz="914400" rtl="0" eaLnBrk="1" latinLnBrk="0" hangingPunct="1">
@@ -20608,33 +21016,102 @@
           </a:lstStyle>
           <a:p>
             <a:r>
-              <a:rPr lang="en-US" sz="2400" dirty="0"/>
-              <a:t>The notebook for this section contains information on the datasets</a:t>
-            </a:r>
-          </a:p>
-          <a:p>
-            <a:r>
-              <a:rPr lang="en-US" sz="2400" dirty="0"/>
-              <a:t>and basic use cases for </a:t>
-            </a:r>
-            <a:r>
-              <a:rPr lang="en-US" sz="2400" dirty="0" err="1"/>
-              <a:t>aeon</a:t>
-            </a:r>
-            <a:r>
-              <a:rPr lang="en-US" sz="2400" dirty="0"/>
-              <a:t> classifiers and regressors</a:t>
-            </a:r>
-            <a:endParaRPr lang="en-AU" sz="2400" dirty="0"/>
+              <a:rPr lang="en-US" sz="1900" dirty="0"/>
+              <a:t>TSER Data collected by Southampton post-doc Christoph </a:t>
+            </a:r>
+            <a:r>
+              <a:rPr lang="en-US" sz="1900" dirty="0" err="1"/>
+              <a:t>Tremmel</a:t>
+            </a:r>
+            <a:r>
+              <a:rPr lang="en-US" sz="1900" dirty="0"/>
+              <a:t> (part of the </a:t>
+            </a:r>
+            <a:r>
+              <a:rPr lang="en-US" sz="1900" dirty="0" err="1"/>
+              <a:t>the</a:t>
+            </a:r>
+            <a:r>
+              <a:rPr lang="en-US" sz="1900" dirty="0"/>
+              <a:t> </a:t>
+            </a:r>
+            <a:r>
+              <a:rPr lang="en-US" sz="1900" dirty="0" err="1"/>
+              <a:t>wellth</a:t>
+            </a:r>
+            <a:r>
+              <a:rPr lang="en-US" sz="1900" dirty="0"/>
+              <a:t> lab) </a:t>
+            </a:r>
+            <a:endParaRPr lang="en-AU" sz="1900" dirty="0"/>
           </a:p>
         </p:txBody>
       </p:sp>
       <p:sp>
         <p:nvSpPr>
-          <p:cNvPr id="7" name="TextBox 6">
-            <a:extLst>
-              <a:ext uri="{FF2B5EF4-FFF2-40B4-BE49-F238E27FC236}">
-                <a16:creationId xmlns:a16="http://schemas.microsoft.com/office/drawing/2014/main" id="{0B9EED76-5632-C542-8997-29D261F032D3}"/>
+          <p:cNvPr id="16" name="Title 1">
+            <a:extLst>
+              <a:ext uri="{FF2B5EF4-FFF2-40B4-BE49-F238E27FC236}">
+                <a16:creationId xmlns:a16="http://schemas.microsoft.com/office/drawing/2014/main" id="{D9EE4CB3-A20F-F3D1-F0B4-59661F4B5772}"/>
+              </a:ext>
+            </a:extLst>
+          </p:cNvPr>
+          <p:cNvSpPr txBox="1">
+            <a:spLocks/>
+          </p:cNvSpPr>
+          <p:nvPr/>
+        </p:nvSpPr>
+        <p:spPr>
+          <a:xfrm>
+            <a:off x="179111" y="3261231"/>
+            <a:ext cx="9884087" cy="517798"/>
+          </a:xfrm>
+          <a:prstGeom prst="rect">
+            <a:avLst/>
+          </a:prstGeom>
+        </p:spPr>
+        <p:txBody>
+          <a:bodyPr vert="horz" lIns="91440" tIns="45720" rIns="91440" bIns="45720" rtlCol="0" anchor="b">
+            <a:normAutofit fontScale="62500" lnSpcReduction="20000"/>
+          </a:bodyPr>
+          <a:lstStyle>
+            <a:lvl1pPr algn="ctr" defTabSz="914400" rtl="0" eaLnBrk="1" latinLnBrk="0" hangingPunct="1">
+              <a:lnSpc>
+                <a:spcPct val="90000"/>
+              </a:lnSpc>
+              <a:spcBef>
+                <a:spcPct val="0"/>
+              </a:spcBef>
+              <a:buNone/>
+              <a:defRPr sz="6000" kern="1200">
+                <a:solidFill>
+                  <a:schemeClr val="tx1"/>
+                </a:solidFill>
+                <a:latin typeface="+mj-lt"/>
+                <a:ea typeface="+mj-ea"/>
+                <a:cs typeface="+mj-cs"/>
+              </a:defRPr>
+            </a:lvl1pPr>
+          </a:lstStyle>
+          <a:p>
+            <a:r>
+              <a:rPr lang="en-US" sz="3000" dirty="0"/>
+              <a:t>Both data sets preprocessed for use as an example. They can be downloaded from the tutorial site or directly with </a:t>
+            </a:r>
+            <a:r>
+              <a:rPr lang="en-US" sz="3000" dirty="0" err="1"/>
+              <a:t>aeon</a:t>
+            </a:r>
+            <a:endParaRPr lang="en-AU" sz="3000" dirty="0"/>
+          </a:p>
+        </p:txBody>
+      </p:sp>
+      <p:sp>
+        <p:nvSpPr>
+          <p:cNvPr id="18" name="TextBox 17">
+            <a:extLst>
+              <a:ext uri="{FF2B5EF4-FFF2-40B4-BE49-F238E27FC236}">
+                <a16:creationId xmlns:a16="http://schemas.microsoft.com/office/drawing/2014/main" id="{C816BCA0-1331-BE49-D4CD-19474A6552DA}"/>
               </a:ext>
             </a:extLst>
           </p:cNvPr>
@@ -20643,8 +21120,8 @@
         </p:nvSpPr>
         <p:spPr>
           <a:xfrm>
-            <a:off x="315572" y="2585589"/>
-            <a:ext cx="11674765" cy="369332"/>
+            <a:off x="1764660" y="2290285"/>
+            <a:ext cx="8662679" cy="369332"/>
           </a:xfrm>
           <a:prstGeom prst="rect">
             <a:avLst/>
@@ -20659,9 +21136,9 @@
           <a:p>
             <a:r>
               <a:rPr lang="en-GB" dirty="0">
-                <a:hlinkClick r:id="rId3"/>
+                <a:hlinkClick r:id="rId4"/>
               </a:rPr>
-              <a:t>https://github.com/aeon-toolkit/aeon-tutorials/blob/main/KDD-2024/Notebooks/part1_introduction.ipynb</a:t>
+              <a:t>https://github.com/aeon-toolkit/aeon-neuro/blob/main/examples/data_loading.ipynb</a:t>
             </a:r>
             <a:endParaRPr lang="en-GB" dirty="0"/>
           </a:p>
@@ -20669,10 +21146,10 @@
       </p:sp>
       <p:sp>
         <p:nvSpPr>
-          <p:cNvPr id="11" name="Rectangle 2">
-            <a:extLst>
-              <a:ext uri="{FF2B5EF4-FFF2-40B4-BE49-F238E27FC236}">
-                <a16:creationId xmlns:a16="http://schemas.microsoft.com/office/drawing/2014/main" id="{F23EA5CA-9DB3-7B2D-D1ED-285027510CAC}"/>
+          <p:cNvPr id="6" name="Rectangle 1">
+            <a:extLst>
+              <a:ext uri="{FF2B5EF4-FFF2-40B4-BE49-F238E27FC236}">
+                <a16:creationId xmlns:a16="http://schemas.microsoft.com/office/drawing/2014/main" id="{FDFEC908-9CD7-725E-63F7-D8EFE4018F5D}"/>
               </a:ext>
             </a:extLst>
           </p:cNvPr>
@@ -20683,8 +21160,8 @@
         </p:nvSpPr>
         <p:spPr bwMode="auto">
           <a:xfrm>
-            <a:off x="154804" y="3782903"/>
-            <a:ext cx="7670608" cy="2677656"/>
+            <a:off x="1131217" y="3808378"/>
+            <a:ext cx="6851301" cy="3108543"/>
           </a:xfrm>
           <a:prstGeom prst="rect">
             <a:avLst/>
@@ -20767,7 +21244,7 @@
                 <a:effectLst/>
                 <a:latin typeface="Arial Unicode MS"/>
               </a:rPr>
-              <a:t>aeon.transformations.collection </a:t>
+              <a:t>aeon.datasets </a:t>
             </a:r>
             <a:r>
               <a:rPr kumimoji="0" lang="en-US" altLang="en-US" sz="1400" b="0" i="0" u="none" strike="noStrike" cap="none" normalizeH="0" baseline="0">
@@ -20793,7 +21270,7 @@
                 <a:effectLst/>
                 <a:latin typeface="Arial Unicode MS"/>
               </a:rPr>
-              <a:t>AutocorrelationFunctionTransformer</a:t>
+              <a:t>load_classification</a:t>
             </a:r>
             <a:br>
               <a:rPr kumimoji="0" lang="en-US" altLang="en-US" sz="1400" b="0" i="0" u="none" strike="noStrike" cap="none" normalizeH="0" baseline="0">
@@ -20831,7 +21308,7 @@
                 <a:effectLst/>
                 <a:latin typeface="Arial Unicode MS"/>
               </a:rPr>
-              <a:t>sklearn.pipeline </a:t>
+              <a:t>aeon.classification.convolution_based </a:t>
             </a:r>
             <a:r>
               <a:rPr kumimoji="0" lang="en-US" altLang="en-US" sz="1400" b="0" i="0" u="none" strike="noStrike" cap="none" normalizeH="0" baseline="0">
@@ -20857,7 +21334,7 @@
                 <a:effectLst/>
                 <a:latin typeface="Arial Unicode MS"/>
               </a:rPr>
-              <a:t>make_pipeline</a:t>
+              <a:t>RocketClassifier</a:t>
             </a:r>
             <a:br>
               <a:rPr kumimoji="0" lang="en-US" altLang="en-US" sz="1400" b="0" i="0" u="none" strike="noStrike" cap="none" normalizeH="0" baseline="0">
@@ -20895,7 +21372,7 @@
                 <a:effectLst/>
                 <a:latin typeface="Arial Unicode MS"/>
               </a:rPr>
-              <a:t>sklearn.model_selection </a:t>
+              <a:t>sklearn.metrics </a:t>
             </a:r>
             <a:r>
               <a:rPr kumimoji="0" lang="en-US" altLang="en-US" sz="1400" b="0" i="0" u="none" strike="noStrike" cap="none" normalizeH="0" baseline="0">
@@ -20921,7 +21398,7 @@
                 <a:effectLst/>
                 <a:latin typeface="Arial Unicode MS"/>
               </a:rPr>
-              <a:t>GridSearchCV</a:t>
+              <a:t>accuracy_score</a:t>
             </a:r>
             <a:br>
               <a:rPr kumimoji="0" lang="en-US" altLang="en-US" sz="1400" b="0" i="0" u="none" strike="noStrike" cap="none" normalizeH="0" baseline="0">
@@ -20935,6 +21412,71 @@
                 <a:latin typeface="Arial Unicode MS"/>
               </a:rPr>
             </a:br>
+            <a:r>
+              <a:rPr kumimoji="0" lang="en-US" altLang="en-US" sz="1400" b="0" i="0" u="none" strike="noStrike" cap="none" normalizeH="0" baseline="0">
+                <a:ln>
+                  <a:noFill/>
+                </a:ln>
+                <a:solidFill>
+                  <a:srgbClr val="A9B7C6"/>
+                </a:solidFill>
+                <a:effectLst/>
+                <a:latin typeface="Arial Unicode MS"/>
+              </a:rPr>
+              <a:t>datasets = [</a:t>
+            </a:r>
+            <a:r>
+              <a:rPr kumimoji="0" lang="en-US" altLang="en-US" sz="1400" b="0" i="0" u="none" strike="noStrike" cap="none" normalizeH="0" baseline="0">
+                <a:ln>
+                  <a:noFill/>
+                </a:ln>
+                <a:solidFill>
+                  <a:srgbClr val="6A8759"/>
+                </a:solidFill>
+                <a:effectLst/>
+                <a:latin typeface="Arial Unicode MS"/>
+              </a:rPr>
+              <a:t>"KDD_UTSC"</a:t>
+            </a:r>
+            <a:r>
+              <a:rPr kumimoji="0" lang="en-US" altLang="en-US" sz="1400" b="0" i="0" u="none" strike="noStrike" cap="none" normalizeH="0" baseline="0">
+                <a:ln>
+                  <a:noFill/>
+                </a:ln>
+                <a:solidFill>
+                  <a:srgbClr val="CC7832"/>
+                </a:solidFill>
+                <a:effectLst/>
+                <a:latin typeface="Arial Unicode MS"/>
+              </a:rPr>
+              <a:t>, </a:t>
+            </a:r>
+            <a:r>
+              <a:rPr kumimoji="0" lang="en-US" altLang="en-US" sz="1400" b="0" i="0" u="none" strike="noStrike" cap="none" normalizeH="0" baseline="0">
+                <a:ln>
+                  <a:noFill/>
+                </a:ln>
+                <a:solidFill>
+                  <a:srgbClr val="6A8759"/>
+                </a:solidFill>
+                <a:effectLst/>
+                <a:latin typeface="Arial Unicode MS"/>
+              </a:rPr>
+              <a:t>"KDD_MTSC"</a:t>
+            </a:r>
+            <a:r>
+              <a:rPr kumimoji="0" lang="en-US" altLang="en-US" sz="1400" b="0" i="0" u="none" strike="noStrike" cap="none" normalizeH="0" baseline="0">
+                <a:ln>
+                  <a:noFill/>
+                </a:ln>
+                <a:solidFill>
+                  <a:srgbClr val="A9B7C6"/>
+                </a:solidFill>
+                <a:effectLst/>
+                <a:latin typeface="Arial Unicode MS"/>
+              </a:rPr>
+              <a:t>]</a:t>
+            </a:r>
             <a:br>
               <a:rPr kumimoji="0" lang="en-US" altLang="en-US" sz="1400" b="0" i="0" u="none" strike="noStrike" cap="none" normalizeH="0" baseline="0">
                 <a:ln>
@@ -20958,7 +21500,7 @@
                 <a:effectLst/>
                 <a:latin typeface="Arial Unicode MS"/>
               </a:rPr>
-              <a:t>pipe = make_pipeline(AutocorrelationFunctionTransformer(</a:t>
+              <a:t>r1 = RocketClassifier(</a:t>
             </a:r>
             <a:r>
               <a:rPr kumimoji="0" lang="en-US" altLang="en-US" sz="1400" b="0" i="0" u="none" strike="noStrike" cap="none" normalizeH="0" baseline="0">
@@ -20971,7 +21513,7 @@
                 <a:effectLst/>
                 <a:latin typeface="Arial Unicode MS"/>
               </a:rPr>
-              <a:t>n_lags</a:t>
+              <a:t>rocket_transform</a:t>
             </a:r>
             <a:r>
               <a:rPr kumimoji="0" lang="en-US" altLang="en-US" sz="1400" b="0" i="0" u="none" strike="noStrike" cap="none" normalizeH="0" baseline="0">
@@ -20992,12 +21534,12 @@
                   <a:noFill/>
                 </a:ln>
                 <a:solidFill>
-                  <a:srgbClr val="6897BB"/>
+                  <a:srgbClr val="6A8759"/>
                 </a:solidFill>
                 <a:effectLst/>
                 <a:latin typeface="Arial Unicode MS"/>
               </a:rPr>
-              <a:t>25</a:t>
+              <a:t>"minirocket"</a:t>
             </a:r>
             <a:r>
               <a:rPr kumimoji="0" lang="en-US" altLang="en-US" sz="1400" b="0" i="0" u="none" strike="noStrike" cap="none" normalizeH="0" baseline="0">
@@ -21011,32 +21553,6 @@
                 <a:latin typeface="Arial Unicode MS"/>
               </a:rPr>
               <a:t>)</a:t>
-            </a:r>
-            <a:r>
-              <a:rPr kumimoji="0" lang="en-US" altLang="en-US" sz="1400" b="0" i="0" u="none" strike="noStrike" cap="none" normalizeH="0" baseline="0">
-                <a:ln>
-                  <a:noFill/>
-                </a:ln>
-                <a:solidFill>
-                  <a:srgbClr val="CC7832"/>
-                </a:solidFill>
-                <a:effectLst/>
-                <a:latin typeface="Arial Unicode MS"/>
-              </a:rPr>
-              <a:t>, </a:t>
-            </a:r>
-            <a:r>
-              <a:rPr kumimoji="0" lang="en-US" altLang="en-US" sz="1400" b="0" i="0" u="none" strike="noStrike" cap="none" normalizeH="0" baseline="0">
-                <a:ln>
-                  <a:noFill/>
-                </a:ln>
-                <a:solidFill>
-                  <a:srgbClr val="A9B7C6"/>
-                </a:solidFill>
-                <a:effectLst/>
-                <a:latin typeface="Arial Unicode MS"/>
-              </a:rPr>
-              <a:t>RocketClassifier</a:t>
             </a:r>
             <a:br>
               <a:rPr kumimoji="0" lang="en-US" altLang="en-US" sz="1400" b="0" i="0" u="none" strike="noStrike" cap="none" normalizeH="0" baseline="0">
@@ -21056,12 +21572,12 @@
                   <a:noFill/>
                 </a:ln>
                 <a:solidFill>
-                  <a:srgbClr val="A9B7C6"/>
+                  <a:srgbClr val="CC7832"/>
                 </a:solidFill>
                 <a:effectLst/>
                 <a:latin typeface="Arial Unicode MS"/>
               </a:rPr>
-              <a:t>(</a:t>
+              <a:t>for </a:t>
             </a:r>
             <a:r>
               <a:rPr kumimoji="0" lang="en-US" altLang="en-US" sz="1400" b="0" i="0" u="none" strike="noStrike" cap="none" normalizeH="0" baseline="0">
@@ -21069,12 +21585,12 @@
                   <a:noFill/>
                 </a:ln>
                 <a:solidFill>
-                  <a:srgbClr val="AA4926"/>
+                  <a:srgbClr val="A9B7C6"/>
                 </a:solidFill>
                 <a:effectLst/>
                 <a:latin typeface="Arial Unicode MS"/>
               </a:rPr>
-              <a:t>rocket_transform</a:t>
+              <a:t>d </a:t>
             </a:r>
             <a:r>
               <a:rPr kumimoji="0" lang="en-US" altLang="en-US" sz="1400" b="0" i="0" u="none" strike="noStrike" cap="none" normalizeH="0" baseline="0">
@@ -21082,12 +21598,12 @@
                   <a:noFill/>
                 </a:ln>
                 <a:solidFill>
-                  <a:srgbClr val="A9B7C6"/>
+                  <a:srgbClr val="CC7832"/>
                 </a:solidFill>
                 <a:effectLst/>
                 <a:latin typeface="Arial Unicode MS"/>
               </a:rPr>
-              <a:t>=</a:t>
+              <a:t>in </a:t>
             </a:r>
             <a:r>
               <a:rPr kumimoji="0" lang="en-US" altLang="en-US" sz="1400" b="0" i="0" u="none" strike="noStrike" cap="none" normalizeH="0" baseline="0">
@@ -21095,25 +21611,12 @@
                   <a:noFill/>
                 </a:ln>
                 <a:solidFill>
-                  <a:srgbClr val="6A8759"/>
+                  <a:srgbClr val="A9B7C6"/>
                 </a:solidFill>
                 <a:effectLst/>
                 <a:latin typeface="Arial Unicode MS"/>
               </a:rPr>
-              <a:t>"minirocket"</a:t>
-            </a:r>
-            <a:r>
-              <a:rPr kumimoji="0" lang="en-US" altLang="en-US" sz="1400" b="0" i="0" u="none" strike="noStrike" cap="none" normalizeH="0" baseline="0">
-                <a:ln>
-                  <a:noFill/>
-                </a:ln>
-                <a:solidFill>
-                  <a:srgbClr val="A9B7C6"/>
-                </a:solidFill>
-                <a:effectLst/>
-                <a:latin typeface="Arial Unicode MS"/>
-              </a:rPr>
-              <a:t>))</a:t>
+              <a:t>datasets:</a:t>
             </a:r>
             <a:br>
               <a:rPr kumimoji="0" lang="en-US" altLang="en-US" sz="1400" b="0" i="0" u="none" strike="noStrike" cap="none" normalizeH="0" baseline="0">
@@ -21138,7 +21641,7 @@
                 <a:effectLst/>
                 <a:latin typeface="Arial Unicode MS"/>
               </a:rPr>
-              <a:t>param_grid = {</a:t>
+              <a:t>    X_train</a:t>
             </a:r>
             <a:r>
               <a:rPr kumimoji="0" lang="en-US" altLang="en-US" sz="1400" b="0" i="0" u="none" strike="noStrike" cap="none" normalizeH="0" baseline="0">
@@ -21146,12 +21649,12 @@
                   <a:noFill/>
                 </a:ln>
                 <a:solidFill>
-                  <a:srgbClr val="6A8759"/>
+                  <a:srgbClr val="CC7832"/>
                 </a:solidFill>
                 <a:effectLst/>
                 <a:latin typeface="Arial Unicode MS"/>
               </a:rPr>
-              <a:t>'rocketclassifier__num_kernels'</a:t>
+              <a:t>, </a:t>
             </a:r>
             <a:r>
               <a:rPr kumimoji="0" lang="en-US" altLang="en-US" sz="1400" b="0" i="0" u="none" strike="noStrike" cap="none" normalizeH="0" baseline="0">
@@ -21164,7 +21667,7 @@
                 <a:effectLst/>
                 <a:latin typeface="Arial Unicode MS"/>
               </a:rPr>
-              <a:t>: [</a:t>
+              <a:t>y_train =load_classification(d</a:t>
             </a:r>
             <a:r>
               <a:rPr kumimoji="0" lang="en-US" altLang="en-US" sz="1400" b="0" i="0" u="none" strike="noStrike" cap="none" normalizeH="0" baseline="0">
@@ -21172,12 +21675,12 @@
                   <a:noFill/>
                 </a:ln>
                 <a:solidFill>
-                  <a:srgbClr val="6897BB"/>
+                  <a:srgbClr val="CC7832"/>
                 </a:solidFill>
                 <a:effectLst/>
                 <a:latin typeface="Arial Unicode MS"/>
               </a:rPr>
-              <a:t>5000</a:t>
+              <a:t>, </a:t>
             </a:r>
             <a:r>
               <a:rPr kumimoji="0" lang="en-US" altLang="en-US" sz="1400" b="0" i="0" u="none" strike="noStrike" cap="none" normalizeH="0" baseline="0">
@@ -21185,12 +21688,12 @@
                   <a:noFill/>
                 </a:ln>
                 <a:solidFill>
-                  <a:srgbClr val="CC7832"/>
+                  <a:srgbClr val="AA4926"/>
                 </a:solidFill>
                 <a:effectLst/>
                 <a:latin typeface="Arial Unicode MS"/>
               </a:rPr>
-              <a:t>, </a:t>
+              <a:t>split</a:t>
             </a:r>
             <a:r>
               <a:rPr kumimoji="0" lang="en-US" altLang="en-US" sz="1400" b="0" i="0" u="none" strike="noStrike" cap="none" normalizeH="0" baseline="0">
@@ -21198,12 +21701,12 @@
                   <a:noFill/>
                 </a:ln>
                 <a:solidFill>
-                  <a:srgbClr val="6897BB"/>
+                  <a:srgbClr val="A9B7C6"/>
                 </a:solidFill>
                 <a:effectLst/>
                 <a:latin typeface="Arial Unicode MS"/>
               </a:rPr>
-              <a:t>10000</a:t>
+              <a:t>=</a:t>
             </a:r>
             <a:r>
               <a:rPr kumimoji="0" lang="en-US" altLang="en-US" sz="1400" b="0" i="0" u="none" strike="noStrike" cap="none" normalizeH="0" baseline="0">
@@ -21211,12 +21714,12 @@
                   <a:noFill/>
                 </a:ln>
                 <a:solidFill>
-                  <a:srgbClr val="CC7832"/>
+                  <a:srgbClr val="6A8759"/>
                 </a:solidFill>
                 <a:effectLst/>
                 <a:latin typeface="Arial Unicode MS"/>
               </a:rPr>
-              <a:t>, </a:t>
+              <a:t>"TRAIN"</a:t>
             </a:r>
             <a:r>
               <a:rPr kumimoji="0" lang="en-US" altLang="en-US" sz="1400" b="0" i="0" u="none" strike="noStrike" cap="none" normalizeH="0" baseline="0">
@@ -21224,25 +21727,12 @@
                   <a:noFill/>
                 </a:ln>
                 <a:solidFill>
-                  <a:srgbClr val="6897BB"/>
+                  <a:srgbClr val="A9B7C6"/>
                 </a:solidFill>
                 <a:effectLst/>
                 <a:latin typeface="Arial Unicode MS"/>
               </a:rPr>
-              <a:t>15000</a:t>
-            </a:r>
-            <a:r>
-              <a:rPr kumimoji="0" lang="en-US" altLang="en-US" sz="1400" b="0" i="0" u="none" strike="noStrike" cap="none" normalizeH="0" baseline="0">
-                <a:ln>
-                  <a:noFill/>
-                </a:ln>
-                <a:solidFill>
-                  <a:srgbClr val="A9B7C6"/>
-                </a:solidFill>
-                <a:effectLst/>
-                <a:latin typeface="Arial Unicode MS"/>
-              </a:rPr>
-              <a:t>]}</a:t>
+              <a:t>)</a:t>
             </a:r>
             <a:br>
               <a:rPr kumimoji="0" lang="en-US" altLang="en-US" sz="1400" b="0" i="0" u="none" strike="noStrike" cap="none" normalizeH="0" baseline="0">
@@ -21267,7 +21757,7 @@
                 <a:effectLst/>
                 <a:latin typeface="Arial Unicode MS"/>
               </a:rPr>
-              <a:t>grid = GridSearchCV(pipe</a:t>
+              <a:t>    </a:t>
             </a:r>
             <a:r>
               <a:rPr kumimoji="0" lang="en-US" altLang="en-US" sz="1400" b="0" i="0" u="none" strike="noStrike" cap="none" normalizeH="0" baseline="0">
@@ -21275,12 +21765,12 @@
                   <a:noFill/>
                 </a:ln>
                 <a:solidFill>
-                  <a:srgbClr val="CC7832"/>
+                  <a:srgbClr val="8888C6"/>
                 </a:solidFill>
                 <a:effectLst/>
                 <a:latin typeface="Arial Unicode MS"/>
               </a:rPr>
-              <a:t>, </a:t>
+              <a:t>print</a:t>
             </a:r>
             <a:r>
               <a:rPr kumimoji="0" lang="en-US" altLang="en-US" sz="1400" b="0" i="0" u="none" strike="noStrike" cap="none" normalizeH="0" baseline="0">
@@ -21293,7 +21783,7 @@
                 <a:effectLst/>
                 <a:latin typeface="Arial Unicode MS"/>
               </a:rPr>
-              <a:t>param_grid</a:t>
+              <a:t>(</a:t>
             </a:r>
             <a:r>
               <a:rPr kumimoji="0" lang="en-US" altLang="en-US" sz="1400" b="0" i="0" u="none" strike="noStrike" cap="none" normalizeH="0" baseline="0">
@@ -21301,12 +21791,12 @@
                   <a:noFill/>
                 </a:ln>
                 <a:solidFill>
-                  <a:srgbClr val="CC7832"/>
+                  <a:srgbClr val="6A8759"/>
                 </a:solidFill>
                 <a:effectLst/>
                 <a:latin typeface="Arial Unicode MS"/>
               </a:rPr>
-              <a:t>, </a:t>
+              <a:t>"X shape = "</a:t>
             </a:r>
             <a:r>
               <a:rPr kumimoji="0" lang="en-US" altLang="en-US" sz="1400" b="0" i="0" u="none" strike="noStrike" cap="none" normalizeH="0" baseline="0">
@@ -21314,12 +21804,12 @@
                   <a:noFill/>
                 </a:ln>
                 <a:solidFill>
-                  <a:srgbClr val="AA4926"/>
+                  <a:srgbClr val="CC7832"/>
                 </a:solidFill>
                 <a:effectLst/>
                 <a:latin typeface="Arial Unicode MS"/>
               </a:rPr>
-              <a:t>cv</a:t>
+              <a:t>,</a:t>
             </a:r>
             <a:r>
               <a:rPr kumimoji="0" lang="en-US" altLang="en-US" sz="1400" b="0" i="0" u="none" strike="noStrike" cap="none" normalizeH="0" baseline="0">
@@ -21332,33 +21822,7 @@
                 <a:effectLst/>
                 <a:latin typeface="Arial Unicode MS"/>
               </a:rPr>
-              <a:t>=</a:t>
-            </a:r>
-            <a:r>
-              <a:rPr kumimoji="0" lang="en-US" altLang="en-US" sz="1400" b="0" i="0" u="none" strike="noStrike" cap="none" normalizeH="0" baseline="0">
-                <a:ln>
-                  <a:noFill/>
-                </a:ln>
-                <a:solidFill>
-                  <a:srgbClr val="6897BB"/>
-                </a:solidFill>
-                <a:effectLst/>
-                <a:latin typeface="Arial Unicode MS"/>
-              </a:rPr>
-              <a:t>3</a:t>
-            </a:r>
-            <a:r>
-              <a:rPr kumimoji="0" lang="en-US" altLang="en-US" sz="1400" b="0" i="0" u="none" strike="noStrike" cap="none" normalizeH="0" baseline="0">
-                <a:ln>
-                  <a:noFill/>
-                </a:ln>
-                <a:solidFill>
-                  <a:srgbClr val="A9B7C6"/>
-                </a:solidFill>
-                <a:effectLst/>
-                <a:latin typeface="Arial Unicode MS"/>
-              </a:rPr>
-              <a:t>)</a:t>
+              <a:t>X_train.shape)</a:t>
             </a:r>
             <a:br>
               <a:rPr kumimoji="0" lang="en-US" altLang="en-US" sz="1400" b="0" i="0" u="none" strike="noStrike" cap="none" normalizeH="0" baseline="0">
@@ -21383,7 +21847,7 @@
                 <a:effectLst/>
                 <a:latin typeface="Arial Unicode MS"/>
               </a:rPr>
-              <a:t>grid.fit(X_train_utsc</a:t>
+              <a:t>    X_test</a:t>
             </a:r>
             <a:r>
               <a:rPr kumimoji="0" lang="en-US" altLang="en-US" sz="1400" b="0" i="0" u="none" strike="noStrike" cap="none" normalizeH="0" baseline="0">
@@ -21409,7 +21873,72 @@
                 <a:effectLst/>
                 <a:latin typeface="Arial Unicode MS"/>
               </a:rPr>
-              <a:t>y_train_utsc)</a:t>
+              <a:t>y_test = load_classification(d</a:t>
+            </a:r>
+            <a:r>
+              <a:rPr kumimoji="0" lang="en-US" altLang="en-US" sz="1400" b="0" i="0" u="none" strike="noStrike" cap="none" normalizeH="0" baseline="0">
+                <a:ln>
+                  <a:noFill/>
+                </a:ln>
+                <a:solidFill>
+                  <a:srgbClr val="CC7832"/>
+                </a:solidFill>
+                <a:effectLst/>
+                <a:latin typeface="Arial Unicode MS"/>
+              </a:rPr>
+              <a:t>, </a:t>
+            </a:r>
+            <a:r>
+              <a:rPr kumimoji="0" lang="en-US" altLang="en-US" sz="1400" b="0" i="0" u="none" strike="noStrike" cap="none" normalizeH="0" baseline="0">
+                <a:ln>
+                  <a:noFill/>
+                </a:ln>
+                <a:solidFill>
+                  <a:srgbClr val="AA4926"/>
+                </a:solidFill>
+                <a:effectLst/>
+                <a:latin typeface="Arial Unicode MS"/>
+              </a:rPr>
+              <a:t>split</a:t>
+            </a:r>
+            <a:r>
+              <a:rPr kumimoji="0" lang="en-US" altLang="en-US" sz="1400" b="0" i="0" u="none" strike="noStrike" cap="none" normalizeH="0" baseline="0">
+                <a:ln>
+                  <a:noFill/>
+                </a:ln>
+                <a:solidFill>
+                  <a:srgbClr val="A9B7C6"/>
+                </a:solidFill>
+                <a:effectLst/>
+                <a:latin typeface="Arial Unicode MS"/>
+              </a:rPr>
+              <a:t>=</a:t>
+            </a:r>
+            <a:r>
+              <a:rPr kumimoji="0" lang="en-US" altLang="en-US" sz="1400" b="0" i="0" u="none" strike="noStrike" cap="none" normalizeH="0" baseline="0">
+                <a:ln>
+                  <a:noFill/>
+                </a:ln>
+                <a:solidFill>
+                  <a:srgbClr val="6A8759"/>
+                </a:solidFill>
+                <a:effectLst/>
+                <a:latin typeface="Arial Unicode MS"/>
+              </a:rPr>
+              <a:t>"TEST"</a:t>
+            </a:r>
+            <a:r>
+              <a:rPr kumimoji="0" lang="en-US" altLang="en-US" sz="1400" b="0" i="0" u="none" strike="noStrike" cap="none" normalizeH="0" baseline="0">
+                <a:ln>
+                  <a:noFill/>
+                </a:ln>
+                <a:solidFill>
+                  <a:srgbClr val="A9B7C6"/>
+                </a:solidFill>
+                <a:effectLst/>
+                <a:latin typeface="Arial Unicode MS"/>
+              </a:rPr>
+              <a:t>)</a:t>
             </a:r>
             <a:br>
               <a:rPr kumimoji="0" lang="en-US" altLang="en-US" sz="1400" b="0" i="0" u="none" strike="noStrike" cap="none" normalizeH="0" baseline="0">
@@ -21429,6 +21958,19 @@
                   <a:noFill/>
                 </a:ln>
                 <a:solidFill>
+                  <a:srgbClr val="A9B7C6"/>
+                </a:solidFill>
+                <a:effectLst/>
+                <a:latin typeface="Arial Unicode MS"/>
+              </a:rPr>
+              <a:t>    </a:t>
+            </a:r>
+            <a:r>
+              <a:rPr kumimoji="0" lang="en-US" altLang="en-US" sz="1400" b="0" i="0" u="none" strike="noStrike" cap="none" normalizeH="0" baseline="0">
+                <a:ln>
+                  <a:noFill/>
+                </a:ln>
+                <a:solidFill>
                   <a:srgbClr val="8888C6"/>
                 </a:solidFill>
                 <a:effectLst/>
@@ -21447,7 +21989,46 @@
                 <a:effectLst/>
                 <a:latin typeface="Arial Unicode MS"/>
               </a:rPr>
-              <a:t>(grid.best_params_)</a:t>
+              <a:t>(</a:t>
+            </a:r>
+            <a:r>
+              <a:rPr kumimoji="0" lang="en-US" altLang="en-US" sz="1400" b="0" i="0" u="none" strike="noStrike" cap="none" normalizeH="0" baseline="0">
+                <a:ln>
+                  <a:noFill/>
+                </a:ln>
+                <a:solidFill>
+                  <a:srgbClr val="6A8759"/>
+                </a:solidFill>
+                <a:effectLst/>
+                <a:latin typeface="Arial Unicode MS"/>
+              </a:rPr>
+              <a:t>"X shape = "</a:t>
+            </a:r>
+            <a:r>
+              <a:rPr kumimoji="0" lang="en-US" altLang="en-US" sz="1400" b="0" i="0" u="none" strike="noStrike" cap="none" normalizeH="0" baseline="0">
+                <a:ln>
+                  <a:noFill/>
+                </a:ln>
+                <a:solidFill>
+                  <a:srgbClr val="CC7832"/>
+                </a:solidFill>
+                <a:effectLst/>
+                <a:latin typeface="Arial Unicode MS"/>
+              </a:rPr>
+              <a:t>,</a:t>
+            </a:r>
+            <a:r>
+              <a:rPr kumimoji="0" lang="en-US" altLang="en-US" sz="1400" b="0" i="0" u="none" strike="noStrike" cap="none" normalizeH="0" baseline="0">
+                <a:ln>
+                  <a:noFill/>
+                </a:ln>
+                <a:solidFill>
+                  <a:srgbClr val="A9B7C6"/>
+                </a:solidFill>
+                <a:effectLst/>
+                <a:latin typeface="Arial Unicode MS"/>
+              </a:rPr>
+              <a:t>X_test.shape)</a:t>
             </a:r>
             <a:br>
               <a:rPr kumimoji="0" lang="en-US" altLang="en-US" sz="1400" b="0" i="0" u="none" strike="noStrike" cap="none" normalizeH="0" baseline="0">
@@ -21472,7 +22053,33 @@
                 <a:effectLst/>
                 <a:latin typeface="Arial Unicode MS"/>
               </a:rPr>
-              <a:t>preds = grid.predict(X_test_utsc)</a:t>
+              <a:t>    r1.fit(X_train</a:t>
+            </a:r>
+            <a:r>
+              <a:rPr kumimoji="0" lang="en-US" altLang="en-US" sz="1400" b="0" i="0" u="none" strike="noStrike" cap="none" normalizeH="0" baseline="0">
+                <a:ln>
+                  <a:noFill/>
+                </a:ln>
+                <a:solidFill>
+                  <a:srgbClr val="CC7832"/>
+                </a:solidFill>
+                <a:effectLst/>
+                <a:latin typeface="Arial Unicode MS"/>
+              </a:rPr>
+              <a:t>, </a:t>
+            </a:r>
+            <a:r>
+              <a:rPr kumimoji="0" lang="en-US" altLang="en-US" sz="1400" b="0" i="0" u="none" strike="noStrike" cap="none" normalizeH="0" baseline="0">
+                <a:ln>
+                  <a:noFill/>
+                </a:ln>
+                <a:solidFill>
+                  <a:srgbClr val="A9B7C6"/>
+                </a:solidFill>
+                <a:effectLst/>
+                <a:latin typeface="Arial Unicode MS"/>
+              </a:rPr>
+              <a:t>y_train)</a:t>
             </a:r>
             <a:br>
               <a:rPr kumimoji="0" lang="en-US" altLang="en-US" sz="1400" b="0" i="0" u="none" strike="noStrike" cap="none" normalizeH="0" baseline="0">
@@ -21492,6 +22099,44 @@
                   <a:noFill/>
                 </a:ln>
                 <a:solidFill>
+                  <a:srgbClr val="A9B7C6"/>
+                </a:solidFill>
+                <a:effectLst/>
+                <a:latin typeface="Arial Unicode MS"/>
+              </a:rPr>
+              <a:t>    y_pred = r1.predict(X_test)</a:t>
+            </a:r>
+            <a:br>
+              <a:rPr kumimoji="0" lang="en-US" altLang="en-US" sz="1400" b="0" i="0" u="none" strike="noStrike" cap="none" normalizeH="0" baseline="0">
+                <a:ln>
+                  <a:noFill/>
+                </a:ln>
+                <a:solidFill>
+                  <a:srgbClr val="A9B7C6"/>
+                </a:solidFill>
+                <a:effectLst/>
+                <a:latin typeface="Arial Unicode MS"/>
+              </a:rPr>
+            </a:br>
+            <a:r>
+              <a:rPr kumimoji="0" lang="en-US" altLang="en-US" sz="1400" b="0" i="0" u="none" strike="noStrike" cap="none" normalizeH="0" baseline="0">
+                <a:ln>
+                  <a:noFill/>
+                </a:ln>
+                <a:solidFill>
+                  <a:srgbClr val="A9B7C6"/>
+                </a:solidFill>
+                <a:effectLst/>
+                <a:latin typeface="Arial Unicode MS"/>
+              </a:rPr>
+              <a:t>    </a:t>
+            </a:r>
+            <a:r>
+              <a:rPr kumimoji="0" lang="en-US" altLang="en-US" sz="1400" b="0" i="0" u="none" strike="noStrike" cap="none" normalizeH="0" baseline="0">
+                <a:ln>
+                  <a:noFill/>
+                </a:ln>
+                <a:solidFill>
                   <a:srgbClr val="8888C6"/>
                 </a:solidFill>
                 <a:effectLst/>
@@ -21523,7 +22168,7 @@
                 <a:effectLst/>
                 <a:latin typeface="Arial Unicode MS"/>
               </a:rPr>
-              <a:t>"Rocket classifier accuracy:"</a:t>
+              <a:t>"Accuracy miniROCKET = "</a:t>
             </a:r>
             <a:r>
               <a:rPr kumimoji="0" lang="en-US" altLang="en-US" sz="1400" b="0" i="0" u="none" strike="noStrike" cap="none" normalizeH="0" baseline="0">
@@ -21549,7 +22194,7 @@
                 <a:effectLst/>
                 <a:latin typeface="Arial Unicode MS"/>
               </a:rPr>
-              <a:t>accuracy_score(y_test_utsc</a:t>
+              <a:t>accuracy_score(y_pred</a:t>
             </a:r>
             <a:r>
               <a:rPr kumimoji="0" lang="en-US" altLang="en-US" sz="1400" b="0" i="0" u="none" strike="noStrike" cap="none" normalizeH="0" baseline="0">
@@ -21562,7 +22207,7 @@
                 <a:effectLst/>
                 <a:latin typeface="Arial Unicode MS"/>
               </a:rPr>
-              <a:t>, </a:t>
+              <a:t>,</a:t>
             </a:r>
             <a:r>
               <a:rPr kumimoji="0" lang="en-US" altLang="en-US" sz="1400" b="0" i="0" u="none" strike="noStrike" cap="none" normalizeH="0" baseline="0">
@@ -21575,8 +22220,20 @@
                 <a:effectLst/>
                 <a:latin typeface="Arial Unicode MS"/>
               </a:rPr>
-              <a:t>preds))</a:t>
-            </a:r>
+              <a:t>y_test))</a:t>
+            </a:r>
+            <a:br>
+              <a:rPr kumimoji="0" lang="en-US" altLang="en-US" sz="1400" b="0" i="0" u="none" strike="noStrike" cap="none" normalizeH="0" baseline="0">
+                <a:ln>
+                  <a:noFill/>
+                </a:ln>
+                <a:solidFill>
+                  <a:srgbClr val="A9B7C6"/>
+                </a:solidFill>
+                <a:effectLst/>
+                <a:latin typeface="Arial Unicode MS"/>
+              </a:rPr>
+            </a:br>
             <a:endParaRPr kumimoji="0" lang="en-US" altLang="en-US" sz="1400" b="0" i="0" u="none" strike="noStrike" cap="none" normalizeH="0" baseline="0">
               <a:ln>
                 <a:noFill/>
@@ -21590,95 +22247,10 @@
           </a:p>
         </p:txBody>
       </p:sp>
-      <p:pic>
-        <p:nvPicPr>
-          <p:cNvPr id="8" name="Picture 7">
-            <a:extLst>
-              <a:ext uri="{FF2B5EF4-FFF2-40B4-BE49-F238E27FC236}">
-                <a16:creationId xmlns:a16="http://schemas.microsoft.com/office/drawing/2014/main" id="{1133383E-C77E-AB65-5A09-EAB0E1E03E83}"/>
-              </a:ext>
-            </a:extLst>
-          </p:cNvPr>
-          <p:cNvPicPr>
-            <a:picLocks noChangeAspect="1"/>
-          </p:cNvPicPr>
-          <p:nvPr/>
-        </p:nvPicPr>
-        <p:blipFill>
-          <a:blip r:embed="rId4"/>
-          <a:stretch>
-            <a:fillRect/>
-          </a:stretch>
-        </p:blipFill>
-        <p:spPr>
-          <a:xfrm>
-            <a:off x="8805723" y="3790624"/>
-            <a:ext cx="2686425" cy="2724530"/>
-          </a:xfrm>
-          <a:prstGeom prst="rect">
-            <a:avLst/>
-          </a:prstGeom>
-        </p:spPr>
-      </p:pic>
-      <p:sp>
-        <p:nvSpPr>
-          <p:cNvPr id="6" name="Title 1">
-            <a:extLst>
-              <a:ext uri="{FF2B5EF4-FFF2-40B4-BE49-F238E27FC236}">
-                <a16:creationId xmlns:a16="http://schemas.microsoft.com/office/drawing/2014/main" id="{CCFA3569-C4FE-481F-F043-AD4E3F76E2B3}"/>
-              </a:ext>
-            </a:extLst>
-          </p:cNvPr>
-          <p:cNvSpPr txBox="1">
-            <a:spLocks/>
-          </p:cNvSpPr>
-          <p:nvPr/>
-        </p:nvSpPr>
-        <p:spPr>
-          <a:xfrm>
-            <a:off x="-219942" y="3002353"/>
-            <a:ext cx="11107885" cy="517798"/>
-          </a:xfrm>
-          <a:prstGeom prst="rect">
-            <a:avLst/>
-          </a:prstGeom>
-        </p:spPr>
-        <p:txBody>
-          <a:bodyPr vert="horz" lIns="91440" tIns="45720" rIns="91440" bIns="45720" rtlCol="0" anchor="b">
-            <a:normAutofit/>
-          </a:bodyPr>
-          <a:lstStyle>
-            <a:lvl1pPr algn="ctr" defTabSz="914400" rtl="0" eaLnBrk="1" latinLnBrk="0" hangingPunct="1">
-              <a:lnSpc>
-                <a:spcPct val="90000"/>
-              </a:lnSpc>
-              <a:spcBef>
-                <a:spcPct val="0"/>
-              </a:spcBef>
-              <a:buNone/>
-              <a:defRPr sz="6000" kern="1200">
-                <a:solidFill>
-                  <a:schemeClr val="tx1"/>
-                </a:solidFill>
-                <a:latin typeface="+mj-lt"/>
-                <a:ea typeface="+mj-ea"/>
-                <a:cs typeface="+mj-cs"/>
-              </a:defRPr>
-            </a:lvl1pPr>
-          </a:lstStyle>
-          <a:p>
-            <a:r>
-              <a:rPr lang="en-US" sz="3000" dirty="0"/>
-              <a:t>Join our slack if you want to chat about any element of the code</a:t>
-            </a:r>
-            <a:endParaRPr lang="en-AU" sz="3000" dirty="0"/>
-          </a:p>
-        </p:txBody>
-      </p:sp>
     </p:spTree>
     <p:extLst>
       <p:ext uri="{BB962C8B-B14F-4D97-AF65-F5344CB8AC3E}">
-        <p14:creationId xmlns:p14="http://schemas.microsoft.com/office/powerpoint/2010/main" val="2484758897"/>
+        <p14:creationId xmlns:p14="http://schemas.microsoft.com/office/powerpoint/2010/main" val="1608561078"/>
       </p:ext>
     </p:extLst>
   </p:cSld>
